--- a/第四章 串/4.2 串的模式匹配/KMP图示.pptx
+++ b/第四章 串/4.2 串的模式匹配/KMP图示.pptx
@@ -16,11 +16,14 @@
     <p:sldId id="261" r:id="rId9"/>
     <p:sldId id="263" r:id="rId10"/>
     <p:sldId id="264" r:id="rId11"/>
+    <p:sldId id="265" r:id="rId12"/>
+    <p:sldId id="266" r:id="rId13"/>
+    <p:sldId id="267" r:id="rId14"/>
   </p:sldIdLst>
   <p:sldSz cx="12192000" cy="6858000"/>
   <p:notesSz cx="6858000" cy="9144000"/>
   <p:custDataLst>
-    <p:tags r:id="rId15"/>
+    <p:tags r:id="rId18"/>
   </p:custDataLst>
   <p:defaultTextStyle>
     <a:defPPr>
@@ -120,7 +123,7 @@
   <p:extLst>
     <p:ext uri="{EFAFB233-063F-42B5-8137-9DF3F51BA10A}">
       <p15:sldGuideLst xmlns:p15="http://schemas.microsoft.com/office/powerpoint/2012/main">
-        <p15:guide id="1" orient="horz" pos="2217" userDrawn="1">
+        <p15:guide id="1" orient="horz" pos="2211" userDrawn="1">
           <p15:clr>
             <a:srgbClr val="A4A3A4"/>
           </p15:clr>
@@ -5302,6 +5305,4819 @@
 </p:sld>
 </file>
 
+<file path=ppt/slides/slide10.xml><?xml version="1.0" encoding="utf-8"?>
+<p:sld xmlns:a="http://schemas.openxmlformats.org/drawingml/2006/main" xmlns:r="http://schemas.openxmlformats.org/officeDocument/2006/relationships" xmlns:p="http://schemas.openxmlformats.org/presentationml/2006/main">
+  <p:cSld>
+    <p:spTree>
+      <p:nvGrpSpPr>
+        <p:cNvPr id="1" name=""/>
+        <p:cNvGrpSpPr/>
+        <p:nvPr/>
+      </p:nvGrpSpPr>
+      <p:grpSpPr/>
+      <p:grpSp>
+        <p:nvGrpSpPr>
+          <p:cNvPr id="14" name="组合 13"/>
+          <p:cNvGrpSpPr/>
+          <p:nvPr/>
+        </p:nvGrpSpPr>
+        <p:grpSpPr>
+          <a:xfrm>
+            <a:off x="348615" y="193675"/>
+            <a:ext cx="9322435" cy="3945890"/>
+            <a:chOff x="549" y="305"/>
+            <a:chExt cx="14681" cy="6214"/>
+          </a:xfrm>
+        </p:grpSpPr>
+        <p:grpSp>
+          <p:nvGrpSpPr>
+            <p:cNvPr id="4" name="组合 3"/>
+            <p:cNvGrpSpPr/>
+            <p:nvPr/>
+          </p:nvGrpSpPr>
+          <p:grpSpPr>
+            <a:xfrm>
+              <a:off x="549" y="305"/>
+              <a:ext cx="9600" cy="6201"/>
+              <a:chOff x="7673" y="5863"/>
+              <a:chExt cx="9600" cy="6201"/>
+            </a:xfrm>
+          </p:grpSpPr>
+          <p:sp>
+            <p:nvSpPr>
+              <p:cNvPr id="21" name="文本框 20"/>
+              <p:cNvSpPr txBox="1"/>
+              <p:nvPr>
+                <p:custDataLst>
+                  <p:tags r:id="rId1"/>
+                </p:custDataLst>
+              </p:nvPr>
+            </p:nvSpPr>
+            <p:spPr>
+              <a:xfrm>
+                <a:off x="7673" y="5863"/>
+                <a:ext cx="9600" cy="580"/>
+              </a:xfrm>
+              <a:prstGeom prst="rect">
+                <a:avLst/>
+              </a:prstGeom>
+              <a:noFill/>
+            </p:spPr>
+            <p:txBody>
+              <a:bodyPr wrap="square" rtlCol="0" anchor="t">
+                <a:spAutoFit/>
+              </a:bodyPr>
+              <a:p>
+                <a:r>
+                  <a:rPr lang="zh-CN" altLang="en-US" b="1">
+                    <a:latin typeface="Consolas" panose="020B0609020204030204" charset="0"/>
+                    <a:cs typeface="Consolas" panose="020B0609020204030204" charset="0"/>
+                    <a:sym typeface="+mn-ea"/>
+                  </a:rPr>
+                  <a:t>当</a:t>
+                </a:r>
+                <a:r>
+                  <a:rPr lang="en-US" altLang="zh-CN" b="1">
+                    <a:latin typeface="Consolas" panose="020B0609020204030204" charset="0"/>
+                    <a:cs typeface="Consolas" panose="020B0609020204030204" charset="0"/>
+                    <a:sym typeface="+mn-ea"/>
+                  </a:rPr>
+                  <a:t>j=5</a:t>
+                </a:r>
+                <a:r>
+                  <a:rPr lang="zh-CN" altLang="en-US" b="1">
+                    <a:latin typeface="Consolas" panose="020B0609020204030204" charset="0"/>
+                    <a:cs typeface="Consolas" panose="020B0609020204030204" charset="0"/>
+                    <a:sym typeface="+mn-ea"/>
+                  </a:rPr>
+                  <a:t>时</a:t>
+                </a:r>
+                <a:r>
+                  <a:rPr lang="en-US" altLang="zh-CN" b="1">
+                    <a:latin typeface="Consolas" panose="020B0609020204030204" charset="0"/>
+                    <a:cs typeface="Consolas" panose="020B0609020204030204" charset="0"/>
+                    <a:sym typeface="+mn-ea"/>
+                  </a:rPr>
+                  <a:t>,next[5]=2;</a:t>
+                </a:r>
+                <a:endParaRPr lang="en-US" altLang="zh-CN" b="1">
+                  <a:latin typeface="Consolas" panose="020B0609020204030204" charset="0"/>
+                  <a:cs typeface="Consolas" panose="020B0609020204030204" charset="0"/>
+                  <a:sym typeface="+mn-ea"/>
+                </a:endParaRPr>
+              </a:p>
+            </p:txBody>
+          </p:sp>
+          <p:sp>
+            <p:nvSpPr>
+              <p:cNvPr id="23" name="文本框 22"/>
+              <p:cNvSpPr txBox="1"/>
+              <p:nvPr>
+                <p:custDataLst>
+                  <p:tags r:id="rId2"/>
+                </p:custDataLst>
+              </p:nvPr>
+            </p:nvSpPr>
+            <p:spPr>
+              <a:xfrm>
+                <a:off x="7873" y="6963"/>
+                <a:ext cx="9018" cy="4070"/>
+              </a:xfrm>
+              <a:prstGeom prst="rect">
+                <a:avLst/>
+              </a:prstGeom>
+              <a:noFill/>
+            </p:spPr>
+            <p:txBody>
+              <a:bodyPr wrap="square" rtlCol="0">
+                <a:spAutoFit/>
+              </a:bodyPr>
+              <a:p>
+                <a:r>
+                  <a:rPr lang="zh-CN" altLang="en-US" b="1">
+                    <a:solidFill>
+                      <a:srgbClr val="FF0000"/>
+                    </a:solidFill>
+                    <a:latin typeface="Consolas" panose="020B0609020204030204" charset="0"/>
+                    <a:cs typeface="Consolas" panose="020B0609020204030204" charset="0"/>
+                  </a:rPr>
+                  <a:t>主串</a:t>
+                </a:r>
+                <a:r>
+                  <a:rPr lang="en-US" altLang="zh-CN" b="1">
+                    <a:solidFill>
+                      <a:srgbClr val="FF0000"/>
+                    </a:solidFill>
+                    <a:latin typeface="Consolas" panose="020B0609020204030204" charset="0"/>
+                    <a:cs typeface="Consolas" panose="020B0609020204030204" charset="0"/>
+                  </a:rPr>
+                  <a:t>:       </a:t>
+                </a:r>
+                <a:r>
+                  <a:rPr lang="en-US" altLang="zh-CN" b="1">
+                    <a:solidFill>
+                      <a:schemeClr val="tx2">
+                        <a:lumMod val="25000"/>
+                        <a:lumOff val="75000"/>
+                      </a:schemeClr>
+                    </a:solidFill>
+                    <a:latin typeface="Consolas" panose="020B0609020204030204" charset="0"/>
+                    <a:cs typeface="Consolas" panose="020B0609020204030204" charset="0"/>
+                  </a:rPr>
+                  <a:t>!!!</a:t>
+                </a:r>
+                <a:r>
+                  <a:rPr lang="en-US" altLang="zh-CN" b="1">
+                    <a:solidFill>
+                      <a:srgbClr val="FF0000"/>
+                    </a:solidFill>
+                    <a:latin typeface="Consolas" panose="020B0609020204030204" charset="0"/>
+                    <a:cs typeface="Consolas" panose="020B0609020204030204" charset="0"/>
+                  </a:rPr>
+                  <a:t>aba</a:t>
+                </a:r>
+                <a:r>
+                  <a:rPr lang="en-US" altLang="zh-CN" b="1">
+                    <a:solidFill>
+                      <a:srgbClr val="00B050"/>
+                    </a:solidFill>
+                    <a:latin typeface="Consolas" panose="020B0609020204030204" charset="0"/>
+                    <a:cs typeface="Consolas" panose="020B0609020204030204" charset="0"/>
+                  </a:rPr>
+                  <a:t>a</a:t>
+                </a:r>
+                <a:r>
+                  <a:rPr lang="en-US" altLang="zh-CN" b="1">
+                    <a:solidFill>
+                      <a:schemeClr val="accent6">
+                        <a:lumMod val="60000"/>
+                        <a:lumOff val="40000"/>
+                      </a:schemeClr>
+                    </a:solidFill>
+                    <a:latin typeface="Consolas" panose="020B0609020204030204" charset="0"/>
+                    <a:cs typeface="Consolas" panose="020B0609020204030204" charset="0"/>
+                  </a:rPr>
+                  <a:t>?????</a:t>
+                </a:r>
+                <a:endParaRPr lang="en-US" altLang="zh-CN" b="1">
+                  <a:solidFill>
+                    <a:srgbClr val="FF0000"/>
+                  </a:solidFill>
+                  <a:latin typeface="Consolas" panose="020B0609020204030204" charset="0"/>
+                  <a:cs typeface="Consolas" panose="020B0609020204030204" charset="0"/>
+                </a:endParaRPr>
+              </a:p>
+              <a:p>
+                <a:endParaRPr lang="en-US" altLang="zh-CN" b="1">
+                  <a:solidFill>
+                    <a:srgbClr val="FF0000"/>
+                  </a:solidFill>
+                  <a:latin typeface="Consolas" panose="020B0609020204030204" charset="0"/>
+                  <a:cs typeface="Consolas" panose="020B0609020204030204" charset="0"/>
+                </a:endParaRPr>
+              </a:p>
+              <a:p>
+                <a:r>
+                  <a:rPr lang="zh-CN" altLang="en-US" b="1">
+                    <a:solidFill>
+                      <a:srgbClr val="FF0000"/>
+                    </a:solidFill>
+                    <a:latin typeface="Consolas" panose="020B0609020204030204" charset="0"/>
+                    <a:cs typeface="Consolas" panose="020B0609020204030204" charset="0"/>
+                  </a:rPr>
+                  <a:t>模式串</a:t>
+                </a:r>
+                <a:r>
+                  <a:rPr lang="en-US" altLang="zh-CN" b="1">
+                    <a:solidFill>
+                      <a:srgbClr val="FF0000"/>
+                    </a:solidFill>
+                    <a:latin typeface="Consolas" panose="020B0609020204030204" charset="0"/>
+                    <a:cs typeface="Consolas" panose="020B0609020204030204" charset="0"/>
+                  </a:rPr>
+                  <a:t>:        abaab</a:t>
+                </a:r>
+                <a:endParaRPr lang="en-US" altLang="zh-CN" b="1">
+                  <a:solidFill>
+                    <a:srgbClr val="FF0000"/>
+                  </a:solidFill>
+                  <a:latin typeface="Consolas" panose="020B0609020204030204" charset="0"/>
+                  <a:cs typeface="Consolas" panose="020B0609020204030204" charset="0"/>
+                </a:endParaRPr>
+              </a:p>
+              <a:p>
+                <a:endParaRPr lang="en-US" altLang="zh-CN" b="1">
+                  <a:solidFill>
+                    <a:srgbClr val="FF0000"/>
+                  </a:solidFill>
+                  <a:latin typeface="Consolas" panose="020B0609020204030204" charset="0"/>
+                  <a:cs typeface="Consolas" panose="020B0609020204030204" charset="0"/>
+                </a:endParaRPr>
+              </a:p>
+              <a:p>
+                <a:r>
+                  <a:rPr lang="zh-CN" altLang="en-US" b="1">
+                    <a:solidFill>
+                      <a:srgbClr val="FF0000"/>
+                    </a:solidFill>
+                    <a:latin typeface="Consolas" panose="020B0609020204030204" charset="0"/>
+                    <a:cs typeface="Consolas" panose="020B0609020204030204" charset="0"/>
+                  </a:rPr>
+                  <a:t>第一次后移操作</a:t>
+                </a:r>
+                <a:r>
+                  <a:rPr lang="en-US" altLang="zh-CN" b="1">
+                    <a:solidFill>
+                      <a:srgbClr val="FF0000"/>
+                    </a:solidFill>
+                    <a:latin typeface="Consolas" panose="020B0609020204030204" charset="0"/>
+                    <a:cs typeface="Consolas" panose="020B0609020204030204" charset="0"/>
+                  </a:rPr>
+                  <a:t>:  abaab(</a:t>
+                </a:r>
+                <a:r>
+                  <a:rPr lang="zh-CN" altLang="en-US" b="1">
+                    <a:solidFill>
+                      <a:srgbClr val="FF0000"/>
+                    </a:solidFill>
+                    <a:latin typeface="Consolas" panose="020B0609020204030204" charset="0"/>
+                    <a:cs typeface="Consolas" panose="020B0609020204030204" charset="0"/>
+                  </a:rPr>
+                  <a:t>不匹配</a:t>
+                </a:r>
+                <a:r>
+                  <a:rPr lang="en-US" altLang="zh-CN" b="1">
+                    <a:solidFill>
+                      <a:srgbClr val="FF0000"/>
+                    </a:solidFill>
+                    <a:latin typeface="Consolas" panose="020B0609020204030204" charset="0"/>
+                    <a:cs typeface="Consolas" panose="020B0609020204030204" charset="0"/>
+                  </a:rPr>
+                  <a:t>)</a:t>
+                </a:r>
+                <a:endParaRPr lang="en-US" altLang="zh-CN" b="1">
+                  <a:solidFill>
+                    <a:srgbClr val="FF0000"/>
+                  </a:solidFill>
+                  <a:latin typeface="Consolas" panose="020B0609020204030204" charset="0"/>
+                  <a:cs typeface="Consolas" panose="020B0609020204030204" charset="0"/>
+                </a:endParaRPr>
+              </a:p>
+              <a:p>
+                <a:endParaRPr lang="en-US" altLang="zh-CN" b="1">
+                  <a:solidFill>
+                    <a:srgbClr val="FF0000"/>
+                  </a:solidFill>
+                  <a:latin typeface="Consolas" panose="020B0609020204030204" charset="0"/>
+                  <a:cs typeface="Consolas" panose="020B0609020204030204" charset="0"/>
+                </a:endParaRPr>
+              </a:p>
+              <a:p>
+                <a:r>
+                  <a:rPr lang="zh-CN" altLang="en-US" b="1">
+                    <a:solidFill>
+                      <a:srgbClr val="FF0000"/>
+                    </a:solidFill>
+                    <a:latin typeface="Consolas" panose="020B0609020204030204" charset="0"/>
+                    <a:cs typeface="Consolas" panose="020B0609020204030204" charset="0"/>
+                  </a:rPr>
+                  <a:t>第二次后移操作</a:t>
+                </a:r>
+                <a:r>
+                  <a:rPr lang="en-US" altLang="zh-CN" b="1">
+                    <a:solidFill>
+                      <a:srgbClr val="FF0000"/>
+                    </a:solidFill>
+                    <a:latin typeface="Consolas" panose="020B0609020204030204" charset="0"/>
+                    <a:cs typeface="Consolas" panose="020B0609020204030204" charset="0"/>
+                  </a:rPr>
+                  <a:t>:   </a:t>
+                </a:r>
+                <a:r>
+                  <a:rPr lang="en-US" altLang="zh-CN" b="1">
+                    <a:solidFill>
+                      <a:srgbClr val="00B050"/>
+                    </a:solidFill>
+                    <a:latin typeface="Consolas" panose="020B0609020204030204" charset="0"/>
+                    <a:cs typeface="Consolas" panose="020B0609020204030204" charset="0"/>
+                  </a:rPr>
+                  <a:t>a</a:t>
+                </a:r>
+                <a:r>
+                  <a:rPr lang="en-US" altLang="zh-CN" b="1">
+                    <a:solidFill>
+                      <a:srgbClr val="FF0000"/>
+                    </a:solidFill>
+                    <a:latin typeface="Consolas" panose="020B0609020204030204" charset="0"/>
+                    <a:cs typeface="Consolas" panose="020B0609020204030204" charset="0"/>
+                  </a:rPr>
+                  <a:t>baab(</a:t>
+                </a:r>
+                <a:r>
+                  <a:rPr lang="zh-CN" altLang="en-US" b="1">
+                    <a:solidFill>
+                      <a:srgbClr val="FF0000"/>
+                    </a:solidFill>
+                    <a:latin typeface="Consolas" panose="020B0609020204030204" charset="0"/>
+                    <a:cs typeface="Consolas" panose="020B0609020204030204" charset="0"/>
+                  </a:rPr>
+                  <a:t>不匹配</a:t>
+                </a:r>
+                <a:r>
+                  <a:rPr lang="en-US" altLang="zh-CN" b="1">
+                    <a:solidFill>
+                      <a:srgbClr val="FF0000"/>
+                    </a:solidFill>
+                    <a:latin typeface="Consolas" panose="020B0609020204030204" charset="0"/>
+                    <a:cs typeface="Consolas" panose="020B0609020204030204" charset="0"/>
+                  </a:rPr>
+                  <a:t>)</a:t>
+                </a:r>
+                <a:endParaRPr lang="en-US" altLang="zh-CN" b="1">
+                  <a:solidFill>
+                    <a:srgbClr val="FF0000"/>
+                  </a:solidFill>
+                  <a:latin typeface="Consolas" panose="020B0609020204030204" charset="0"/>
+                  <a:cs typeface="Consolas" panose="020B0609020204030204" charset="0"/>
+                </a:endParaRPr>
+              </a:p>
+              <a:p>
+                <a:endParaRPr lang="zh-CN" altLang="en-US" b="1">
+                  <a:solidFill>
+                    <a:srgbClr val="FF0000"/>
+                  </a:solidFill>
+                  <a:latin typeface="Consolas" panose="020B0609020204030204" charset="0"/>
+                  <a:cs typeface="Consolas" panose="020B0609020204030204" charset="0"/>
+                </a:endParaRPr>
+              </a:p>
+              <a:p>
+                <a:r>
+                  <a:rPr lang="zh-CN" altLang="en-US" b="1">
+                    <a:solidFill>
+                      <a:srgbClr val="FF0000"/>
+                    </a:solidFill>
+                    <a:latin typeface="Consolas" panose="020B0609020204030204" charset="0"/>
+                    <a:cs typeface="Consolas" panose="020B0609020204030204" charset="0"/>
+                    <a:sym typeface="+mn-ea"/>
+                  </a:rPr>
+                  <a:t>第三次后移操作</a:t>
+                </a:r>
+                <a:r>
+                  <a:rPr lang="en-US" altLang="zh-CN" b="1">
+                    <a:solidFill>
+                      <a:srgbClr val="FF0000"/>
+                    </a:solidFill>
+                    <a:latin typeface="Consolas" panose="020B0609020204030204" charset="0"/>
+                    <a:cs typeface="Consolas" panose="020B0609020204030204" charset="0"/>
+                    <a:sym typeface="+mn-ea"/>
+                  </a:rPr>
+                  <a:t>:    </a:t>
+                </a:r>
+                <a:r>
+                  <a:rPr lang="en-US" altLang="zh-CN" b="1">
+                    <a:solidFill>
+                      <a:srgbClr val="00B050"/>
+                    </a:solidFill>
+                    <a:latin typeface="Consolas" panose="020B0609020204030204" charset="0"/>
+                    <a:cs typeface="Consolas" panose="020B0609020204030204" charset="0"/>
+                    <a:sym typeface="+mn-ea"/>
+                  </a:rPr>
+                  <a:t>a</a:t>
+                </a:r>
+                <a:r>
+                  <a:rPr lang="en-US" altLang="zh-CN" b="1">
+                    <a:solidFill>
+                      <a:srgbClr val="FF0000"/>
+                    </a:solidFill>
+                    <a:latin typeface="Consolas" panose="020B0609020204030204" charset="0"/>
+                    <a:cs typeface="Consolas" panose="020B0609020204030204" charset="0"/>
+                    <a:sym typeface="+mn-ea"/>
+                  </a:rPr>
+                  <a:t>baab</a:t>
+                </a:r>
+                <a:endParaRPr lang="zh-CN" altLang="en-US" b="1">
+                  <a:solidFill>
+                    <a:srgbClr val="FF0000"/>
+                  </a:solidFill>
+                  <a:latin typeface="Consolas" panose="020B0609020204030204" charset="0"/>
+                  <a:cs typeface="Consolas" panose="020B0609020204030204" charset="0"/>
+                </a:endParaRPr>
+              </a:p>
+            </p:txBody>
+          </p:sp>
+          <p:cxnSp>
+            <p:nvCxnSpPr>
+              <p:cNvPr id="24" name="直接连接符 23"/>
+              <p:cNvCxnSpPr/>
+              <p:nvPr>
+                <p:custDataLst>
+                  <p:tags r:id="rId3"/>
+                </p:custDataLst>
+              </p:nvPr>
+            </p:nvCxnSpPr>
+            <p:spPr>
+              <a:xfrm flipH="1" flipV="1">
+                <a:off x="11684" y="6963"/>
+                <a:ext cx="62" cy="4001"/>
+              </a:xfrm>
+              <a:prstGeom prst="line">
+                <a:avLst/>
+              </a:prstGeom>
+              <a:ln w="19050" cmpd="sng">
+                <a:solidFill>
+                  <a:srgbClr val="7030A0"/>
+                </a:solidFill>
+                <a:prstDash val="solid"/>
+              </a:ln>
+            </p:spPr>
+            <p:style>
+              <a:lnRef idx="1">
+                <a:schemeClr val="accent1"/>
+              </a:lnRef>
+              <a:fillRef idx="0">
+                <a:schemeClr val="accent1"/>
+              </a:fillRef>
+              <a:effectRef idx="0">
+                <a:schemeClr val="accent1"/>
+              </a:effectRef>
+              <a:fontRef idx="minor">
+                <a:schemeClr val="tx1"/>
+              </a:fontRef>
+            </p:style>
+          </p:cxnSp>
+          <p:cxnSp>
+            <p:nvCxnSpPr>
+              <p:cNvPr id="27" name="直接箭头连接符 26"/>
+              <p:cNvCxnSpPr/>
+              <p:nvPr>
+                <p:custDataLst>
+                  <p:tags r:id="rId4"/>
+                </p:custDataLst>
+              </p:nvPr>
+            </p:nvCxnSpPr>
+            <p:spPr>
+              <a:xfrm flipH="1" flipV="1">
+                <a:off x="11867" y="10843"/>
+                <a:ext cx="97" cy="695"/>
+              </a:xfrm>
+              <a:prstGeom prst="straightConnector1">
+                <a:avLst/>
+              </a:prstGeom>
+              <a:ln w="31750">
+                <a:solidFill>
+                  <a:schemeClr val="tx2"/>
+                </a:solidFill>
+                <a:tailEnd type="arrow"/>
+              </a:ln>
+            </p:spPr>
+            <p:style>
+              <a:lnRef idx="1">
+                <a:schemeClr val="accent1"/>
+              </a:lnRef>
+              <a:fillRef idx="0">
+                <a:schemeClr val="accent1"/>
+              </a:fillRef>
+              <a:effectRef idx="0">
+                <a:schemeClr val="accent1"/>
+              </a:effectRef>
+              <a:fontRef idx="minor">
+                <a:schemeClr val="tx1"/>
+              </a:fontRef>
+            </p:style>
+          </p:cxnSp>
+          <p:sp>
+            <p:nvSpPr>
+              <p:cNvPr id="28" name="文本框 27"/>
+              <p:cNvSpPr txBox="1"/>
+              <p:nvPr>
+                <p:custDataLst>
+                  <p:tags r:id="rId5"/>
+                </p:custDataLst>
+              </p:nvPr>
+            </p:nvSpPr>
+            <p:spPr>
+              <a:xfrm>
+                <a:off x="11746" y="11484"/>
+                <a:ext cx="1241" cy="580"/>
+              </a:xfrm>
+              <a:prstGeom prst="rect">
+                <a:avLst/>
+              </a:prstGeom>
+              <a:noFill/>
+            </p:spPr>
+            <p:txBody>
+              <a:bodyPr wrap="square" rtlCol="0">
+                <a:spAutoFit/>
+              </a:bodyPr>
+              <a:p>
+                <a:r>
+                  <a:rPr lang="en-US" altLang="zh-CN" b="1">
+                    <a:latin typeface="Consolas" panose="020B0609020204030204" charset="0"/>
+                    <a:cs typeface="Consolas" panose="020B0609020204030204" charset="0"/>
+                  </a:rPr>
+                  <a:t>j=2</a:t>
+                </a:r>
+                <a:endParaRPr lang="zh-CN" altLang="en-US" b="1">
+                  <a:latin typeface="Consolas" panose="020B0609020204030204" charset="0"/>
+                  <a:cs typeface="Consolas" panose="020B0609020204030204" charset="0"/>
+                </a:endParaRPr>
+              </a:p>
+            </p:txBody>
+          </p:sp>
+        </p:grpSp>
+        <p:grpSp>
+          <p:nvGrpSpPr>
+            <p:cNvPr id="7" name="组合 6"/>
+            <p:cNvGrpSpPr/>
+            <p:nvPr/>
+          </p:nvGrpSpPr>
+          <p:grpSpPr>
+            <a:xfrm>
+              <a:off x="8539" y="305"/>
+              <a:ext cx="6691" cy="6214"/>
+              <a:chOff x="7673" y="5863"/>
+              <a:chExt cx="6691" cy="6214"/>
+            </a:xfrm>
+          </p:grpSpPr>
+          <p:sp>
+            <p:nvSpPr>
+              <p:cNvPr id="8" name="文本框 7"/>
+              <p:cNvSpPr txBox="1"/>
+              <p:nvPr>
+                <p:custDataLst>
+                  <p:tags r:id="rId6"/>
+                </p:custDataLst>
+              </p:nvPr>
+            </p:nvSpPr>
+            <p:spPr>
+              <a:xfrm>
+                <a:off x="7673" y="5863"/>
+                <a:ext cx="5878" cy="580"/>
+              </a:xfrm>
+              <a:prstGeom prst="rect">
+                <a:avLst/>
+              </a:prstGeom>
+              <a:noFill/>
+            </p:spPr>
+            <p:txBody>
+              <a:bodyPr wrap="square" rtlCol="0" anchor="t">
+                <a:spAutoFit/>
+              </a:bodyPr>
+              <a:p>
+                <a:r>
+                  <a:rPr lang="zh-CN" altLang="en-US" b="1">
+                    <a:latin typeface="Consolas" panose="020B0609020204030204" charset="0"/>
+                    <a:cs typeface="Consolas" panose="020B0609020204030204" charset="0"/>
+                    <a:sym typeface="+mn-ea"/>
+                  </a:rPr>
+                  <a:t>当</a:t>
+                </a:r>
+                <a:r>
+                  <a:rPr lang="en-US" altLang="zh-CN" b="1">
+                    <a:latin typeface="Consolas" panose="020B0609020204030204" charset="0"/>
+                    <a:cs typeface="Consolas" panose="020B0609020204030204" charset="0"/>
+                    <a:sym typeface="+mn-ea"/>
+                  </a:rPr>
+                  <a:t>j=6</a:t>
+                </a:r>
+                <a:r>
+                  <a:rPr lang="zh-CN" altLang="en-US" b="1">
+                    <a:latin typeface="Consolas" panose="020B0609020204030204" charset="0"/>
+                    <a:cs typeface="Consolas" panose="020B0609020204030204" charset="0"/>
+                    <a:sym typeface="+mn-ea"/>
+                  </a:rPr>
+                  <a:t>时</a:t>
+                </a:r>
+                <a:r>
+                  <a:rPr lang="en-US" altLang="zh-CN" b="1">
+                    <a:latin typeface="Consolas" panose="020B0609020204030204" charset="0"/>
+                    <a:cs typeface="Consolas" panose="020B0609020204030204" charset="0"/>
+                    <a:sym typeface="+mn-ea"/>
+                  </a:rPr>
+                  <a:t>,next[6]=3;</a:t>
+                </a:r>
+                <a:endParaRPr lang="en-US" altLang="zh-CN" b="1">
+                  <a:latin typeface="Consolas" panose="020B0609020204030204" charset="0"/>
+                  <a:cs typeface="Consolas" panose="020B0609020204030204" charset="0"/>
+                  <a:sym typeface="+mn-ea"/>
+                </a:endParaRPr>
+              </a:p>
+            </p:txBody>
+          </p:sp>
+          <p:sp>
+            <p:nvSpPr>
+              <p:cNvPr id="9" name="文本框 8"/>
+              <p:cNvSpPr txBox="1"/>
+              <p:nvPr>
+                <p:custDataLst>
+                  <p:tags r:id="rId7"/>
+                </p:custDataLst>
+              </p:nvPr>
+            </p:nvSpPr>
+            <p:spPr>
+              <a:xfrm>
+                <a:off x="7873" y="6963"/>
+                <a:ext cx="6491" cy="4506"/>
+              </a:xfrm>
+              <a:prstGeom prst="rect">
+                <a:avLst/>
+              </a:prstGeom>
+              <a:noFill/>
+            </p:spPr>
+            <p:txBody>
+              <a:bodyPr wrap="square" rtlCol="0">
+                <a:spAutoFit/>
+              </a:bodyPr>
+              <a:p>
+                <a:r>
+                  <a:rPr lang="zh-CN" altLang="en-US" b="1">
+                    <a:solidFill>
+                      <a:srgbClr val="FF0000"/>
+                    </a:solidFill>
+                    <a:latin typeface="Consolas" panose="020B0609020204030204" charset="0"/>
+                    <a:cs typeface="Consolas" panose="020B0609020204030204" charset="0"/>
+                  </a:rPr>
+                  <a:t>主串</a:t>
+                </a:r>
+                <a:r>
+                  <a:rPr lang="en-US" altLang="zh-CN" b="1">
+                    <a:solidFill>
+                      <a:srgbClr val="FF0000"/>
+                    </a:solidFill>
+                    <a:latin typeface="Consolas" panose="020B0609020204030204" charset="0"/>
+                    <a:cs typeface="Consolas" panose="020B0609020204030204" charset="0"/>
+                  </a:rPr>
+                  <a:t>:       </a:t>
+                </a:r>
+                <a:r>
+                  <a:rPr lang="en-US" altLang="zh-CN" b="1">
+                    <a:solidFill>
+                      <a:schemeClr val="tx2">
+                        <a:lumMod val="25000"/>
+                        <a:lumOff val="75000"/>
+                      </a:schemeClr>
+                    </a:solidFill>
+                    <a:latin typeface="Consolas" panose="020B0609020204030204" charset="0"/>
+                    <a:cs typeface="Consolas" panose="020B0609020204030204" charset="0"/>
+                  </a:rPr>
+                  <a:t>!!!</a:t>
+                </a:r>
+                <a:r>
+                  <a:rPr lang="en-US" altLang="zh-CN" b="1">
+                    <a:solidFill>
+                      <a:srgbClr val="FF0000"/>
+                    </a:solidFill>
+                    <a:latin typeface="Consolas" panose="020B0609020204030204" charset="0"/>
+                    <a:cs typeface="Consolas" panose="020B0609020204030204" charset="0"/>
+                  </a:rPr>
+                  <a:t>aba</a:t>
+                </a:r>
+                <a:r>
+                  <a:rPr lang="en-US" altLang="zh-CN" b="1">
+                    <a:solidFill>
+                      <a:srgbClr val="00B050"/>
+                    </a:solidFill>
+                    <a:latin typeface="Consolas" panose="020B0609020204030204" charset="0"/>
+                    <a:cs typeface="Consolas" panose="020B0609020204030204" charset="0"/>
+                  </a:rPr>
+                  <a:t>ab</a:t>
+                </a:r>
+                <a:r>
+                  <a:rPr lang="en-US" altLang="zh-CN" b="1">
+                    <a:solidFill>
+                      <a:schemeClr val="accent6">
+                        <a:lumMod val="60000"/>
+                        <a:lumOff val="40000"/>
+                      </a:schemeClr>
+                    </a:solidFill>
+                    <a:latin typeface="Consolas" panose="020B0609020204030204" charset="0"/>
+                    <a:cs typeface="Consolas" panose="020B0609020204030204" charset="0"/>
+                  </a:rPr>
+                  <a:t>?????</a:t>
+                </a:r>
+                <a:endParaRPr lang="en-US" altLang="zh-CN" b="1">
+                  <a:solidFill>
+                    <a:srgbClr val="FF0000"/>
+                  </a:solidFill>
+                  <a:latin typeface="Consolas" panose="020B0609020204030204" charset="0"/>
+                  <a:cs typeface="Consolas" panose="020B0609020204030204" charset="0"/>
+                </a:endParaRPr>
+              </a:p>
+              <a:p>
+                <a:endParaRPr lang="en-US" altLang="zh-CN" b="1">
+                  <a:solidFill>
+                    <a:srgbClr val="FF0000"/>
+                  </a:solidFill>
+                  <a:latin typeface="Consolas" panose="020B0609020204030204" charset="0"/>
+                  <a:cs typeface="Consolas" panose="020B0609020204030204" charset="0"/>
+                </a:endParaRPr>
+              </a:p>
+              <a:p>
+                <a:r>
+                  <a:rPr lang="zh-CN" altLang="en-US" b="1">
+                    <a:solidFill>
+                      <a:srgbClr val="FF0000"/>
+                    </a:solidFill>
+                    <a:latin typeface="Consolas" panose="020B0609020204030204" charset="0"/>
+                    <a:cs typeface="Consolas" panose="020B0609020204030204" charset="0"/>
+                  </a:rPr>
+                  <a:t>模式串</a:t>
+                </a:r>
+                <a:r>
+                  <a:rPr lang="en-US" altLang="zh-CN" b="1">
+                    <a:solidFill>
+                      <a:srgbClr val="FF0000"/>
+                    </a:solidFill>
+                    <a:latin typeface="Consolas" panose="020B0609020204030204" charset="0"/>
+                    <a:cs typeface="Consolas" panose="020B0609020204030204" charset="0"/>
+                  </a:rPr>
+                  <a:t>:        abaabc</a:t>
+                </a:r>
+                <a:endParaRPr lang="en-US" altLang="zh-CN" b="1">
+                  <a:solidFill>
+                    <a:srgbClr val="FF0000"/>
+                  </a:solidFill>
+                  <a:latin typeface="Consolas" panose="020B0609020204030204" charset="0"/>
+                  <a:cs typeface="Consolas" panose="020B0609020204030204" charset="0"/>
+                </a:endParaRPr>
+              </a:p>
+              <a:p>
+                <a:endParaRPr lang="en-US" altLang="zh-CN" b="1">
+                  <a:solidFill>
+                    <a:srgbClr val="FF0000"/>
+                  </a:solidFill>
+                  <a:latin typeface="Consolas" panose="020B0609020204030204" charset="0"/>
+                  <a:cs typeface="Consolas" panose="020B0609020204030204" charset="0"/>
+                </a:endParaRPr>
+              </a:p>
+              <a:p>
+                <a:r>
+                  <a:rPr lang="zh-CN" altLang="en-US" b="1">
+                    <a:solidFill>
+                      <a:srgbClr val="FF0000"/>
+                    </a:solidFill>
+                    <a:latin typeface="Consolas" panose="020B0609020204030204" charset="0"/>
+                    <a:cs typeface="Consolas" panose="020B0609020204030204" charset="0"/>
+                  </a:rPr>
+                  <a:t>第一次后移操作</a:t>
+                </a:r>
+                <a:r>
+                  <a:rPr lang="en-US" altLang="zh-CN" b="1">
+                    <a:solidFill>
+                      <a:srgbClr val="FF0000"/>
+                    </a:solidFill>
+                    <a:latin typeface="Consolas" panose="020B0609020204030204" charset="0"/>
+                    <a:cs typeface="Consolas" panose="020B0609020204030204" charset="0"/>
+                  </a:rPr>
+                  <a:t>:  abaabc(</a:t>
+                </a:r>
+                <a:r>
+                  <a:rPr lang="zh-CN" altLang="en-US" b="1">
+                    <a:solidFill>
+                      <a:srgbClr val="FF0000"/>
+                    </a:solidFill>
+                    <a:latin typeface="Consolas" panose="020B0609020204030204" charset="0"/>
+                    <a:cs typeface="Consolas" panose="020B0609020204030204" charset="0"/>
+                  </a:rPr>
+                  <a:t>不匹配</a:t>
+                </a:r>
+                <a:r>
+                  <a:rPr lang="en-US" altLang="zh-CN" b="1">
+                    <a:solidFill>
+                      <a:srgbClr val="FF0000"/>
+                    </a:solidFill>
+                    <a:latin typeface="Consolas" panose="020B0609020204030204" charset="0"/>
+                    <a:cs typeface="Consolas" panose="020B0609020204030204" charset="0"/>
+                  </a:rPr>
+                  <a:t>)</a:t>
+                </a:r>
+                <a:endParaRPr lang="en-US" altLang="zh-CN" b="1">
+                  <a:solidFill>
+                    <a:srgbClr val="FF0000"/>
+                  </a:solidFill>
+                  <a:latin typeface="Consolas" panose="020B0609020204030204" charset="0"/>
+                  <a:cs typeface="Consolas" panose="020B0609020204030204" charset="0"/>
+                </a:endParaRPr>
+              </a:p>
+              <a:p>
+                <a:endParaRPr lang="en-US" altLang="zh-CN" b="1">
+                  <a:solidFill>
+                    <a:srgbClr val="FF0000"/>
+                  </a:solidFill>
+                  <a:latin typeface="Consolas" panose="020B0609020204030204" charset="0"/>
+                  <a:cs typeface="Consolas" panose="020B0609020204030204" charset="0"/>
+                </a:endParaRPr>
+              </a:p>
+              <a:p>
+                <a:r>
+                  <a:rPr lang="zh-CN" altLang="en-US" b="1">
+                    <a:solidFill>
+                      <a:srgbClr val="FF0000"/>
+                    </a:solidFill>
+                    <a:latin typeface="Consolas" panose="020B0609020204030204" charset="0"/>
+                    <a:cs typeface="Consolas" panose="020B0609020204030204" charset="0"/>
+                  </a:rPr>
+                  <a:t>第二次后移操作</a:t>
+                </a:r>
+                <a:r>
+                  <a:rPr lang="en-US" altLang="zh-CN" b="1">
+                    <a:solidFill>
+                      <a:srgbClr val="FF0000"/>
+                    </a:solidFill>
+                    <a:latin typeface="Consolas" panose="020B0609020204030204" charset="0"/>
+                    <a:cs typeface="Consolas" panose="020B0609020204030204" charset="0"/>
+                  </a:rPr>
+                  <a:t>:   </a:t>
+                </a:r>
+                <a:r>
+                  <a:rPr lang="en-US" altLang="zh-CN" b="1">
+                    <a:solidFill>
+                      <a:srgbClr val="00B050"/>
+                    </a:solidFill>
+                    <a:latin typeface="Consolas" panose="020B0609020204030204" charset="0"/>
+                    <a:cs typeface="Consolas" panose="020B0609020204030204" charset="0"/>
+                  </a:rPr>
+                  <a:t>a</a:t>
+                </a:r>
+                <a:r>
+                  <a:rPr lang="en-US" altLang="zh-CN" b="1">
+                    <a:solidFill>
+                      <a:srgbClr val="FF0000"/>
+                    </a:solidFill>
+                    <a:latin typeface="Consolas" panose="020B0609020204030204" charset="0"/>
+                    <a:cs typeface="Consolas" panose="020B0609020204030204" charset="0"/>
+                  </a:rPr>
+                  <a:t>baabc(</a:t>
+                </a:r>
+                <a:r>
+                  <a:rPr lang="zh-CN" altLang="en-US" b="1">
+                    <a:solidFill>
+                      <a:srgbClr val="FF0000"/>
+                    </a:solidFill>
+                    <a:latin typeface="Consolas" panose="020B0609020204030204" charset="0"/>
+                    <a:cs typeface="Consolas" panose="020B0609020204030204" charset="0"/>
+                  </a:rPr>
+                  <a:t>不匹配</a:t>
+                </a:r>
+                <a:r>
+                  <a:rPr lang="en-US" altLang="zh-CN" b="1">
+                    <a:solidFill>
+                      <a:srgbClr val="FF0000"/>
+                    </a:solidFill>
+                    <a:latin typeface="Consolas" panose="020B0609020204030204" charset="0"/>
+                    <a:cs typeface="Consolas" panose="020B0609020204030204" charset="0"/>
+                  </a:rPr>
+                  <a:t>)</a:t>
+                </a:r>
+                <a:endParaRPr lang="en-US" altLang="zh-CN" b="1">
+                  <a:solidFill>
+                    <a:srgbClr val="FF0000"/>
+                  </a:solidFill>
+                  <a:latin typeface="Consolas" panose="020B0609020204030204" charset="0"/>
+                  <a:cs typeface="Consolas" panose="020B0609020204030204" charset="0"/>
+                </a:endParaRPr>
+              </a:p>
+              <a:p>
+                <a:endParaRPr lang="zh-CN" altLang="en-US" b="1">
+                  <a:solidFill>
+                    <a:srgbClr val="FF0000"/>
+                  </a:solidFill>
+                  <a:latin typeface="Consolas" panose="020B0609020204030204" charset="0"/>
+                  <a:cs typeface="Consolas" panose="020B0609020204030204" charset="0"/>
+                </a:endParaRPr>
+              </a:p>
+              <a:p>
+                <a:r>
+                  <a:rPr lang="zh-CN" altLang="en-US" b="1">
+                    <a:solidFill>
+                      <a:srgbClr val="FF0000"/>
+                    </a:solidFill>
+                    <a:latin typeface="Consolas" panose="020B0609020204030204" charset="0"/>
+                    <a:cs typeface="Consolas" panose="020B0609020204030204" charset="0"/>
+                    <a:sym typeface="+mn-ea"/>
+                  </a:rPr>
+                  <a:t>第三次后移操作</a:t>
+                </a:r>
+                <a:r>
+                  <a:rPr lang="en-US" altLang="zh-CN" b="1">
+                    <a:solidFill>
+                      <a:srgbClr val="FF0000"/>
+                    </a:solidFill>
+                    <a:latin typeface="Consolas" panose="020B0609020204030204" charset="0"/>
+                    <a:cs typeface="Consolas" panose="020B0609020204030204" charset="0"/>
+                    <a:sym typeface="+mn-ea"/>
+                  </a:rPr>
+                  <a:t>:    </a:t>
+                </a:r>
+                <a:r>
+                  <a:rPr lang="en-US" altLang="zh-CN" b="1">
+                    <a:solidFill>
+                      <a:srgbClr val="00B050"/>
+                    </a:solidFill>
+                    <a:latin typeface="Consolas" panose="020B0609020204030204" charset="0"/>
+                    <a:cs typeface="Consolas" panose="020B0609020204030204" charset="0"/>
+                    <a:sym typeface="+mn-ea"/>
+                  </a:rPr>
+                  <a:t>ab</a:t>
+                </a:r>
+                <a:r>
+                  <a:rPr lang="en-US" altLang="zh-CN" b="1">
+                    <a:solidFill>
+                      <a:srgbClr val="FF0000"/>
+                    </a:solidFill>
+                    <a:latin typeface="Consolas" panose="020B0609020204030204" charset="0"/>
+                    <a:cs typeface="Consolas" panose="020B0609020204030204" charset="0"/>
+                    <a:sym typeface="+mn-ea"/>
+                  </a:rPr>
+                  <a:t>aabc</a:t>
+                </a:r>
+                <a:endParaRPr lang="en-US" altLang="zh-CN" b="1">
+                  <a:solidFill>
+                    <a:srgbClr val="FF0000"/>
+                  </a:solidFill>
+                  <a:latin typeface="Consolas" panose="020B0609020204030204" charset="0"/>
+                  <a:cs typeface="Consolas" panose="020B0609020204030204" charset="0"/>
+                </a:endParaRPr>
+              </a:p>
+              <a:p>
+                <a:endParaRPr lang="zh-CN" altLang="en-US" b="1">
+                  <a:solidFill>
+                    <a:srgbClr val="FF0000"/>
+                  </a:solidFill>
+                  <a:latin typeface="Consolas" panose="020B0609020204030204" charset="0"/>
+                  <a:cs typeface="Consolas" panose="020B0609020204030204" charset="0"/>
+                </a:endParaRPr>
+              </a:p>
+            </p:txBody>
+          </p:sp>
+          <p:cxnSp>
+            <p:nvCxnSpPr>
+              <p:cNvPr id="10" name="直接连接符 9"/>
+              <p:cNvCxnSpPr/>
+              <p:nvPr>
+                <p:custDataLst>
+                  <p:tags r:id="rId8"/>
+                </p:custDataLst>
+              </p:nvPr>
+            </p:nvCxnSpPr>
+            <p:spPr>
+              <a:xfrm flipH="1" flipV="1">
+                <a:off x="11867" y="6949"/>
+                <a:ext cx="93" cy="4042"/>
+              </a:xfrm>
+              <a:prstGeom prst="line">
+                <a:avLst/>
+              </a:prstGeom>
+              <a:ln w="19050" cmpd="sng">
+                <a:solidFill>
+                  <a:srgbClr val="7030A0"/>
+                </a:solidFill>
+                <a:prstDash val="solid"/>
+              </a:ln>
+            </p:spPr>
+            <p:style>
+              <a:lnRef idx="1">
+                <a:schemeClr val="accent1"/>
+              </a:lnRef>
+              <a:fillRef idx="0">
+                <a:schemeClr val="accent1"/>
+              </a:fillRef>
+              <a:effectRef idx="0">
+                <a:schemeClr val="accent1"/>
+              </a:effectRef>
+              <a:fontRef idx="minor">
+                <a:schemeClr val="tx1"/>
+              </a:fontRef>
+            </p:style>
+          </p:cxnSp>
+          <p:cxnSp>
+            <p:nvCxnSpPr>
+              <p:cNvPr id="11" name="直接箭头连接符 10"/>
+              <p:cNvCxnSpPr/>
+              <p:nvPr>
+                <p:custDataLst>
+                  <p:tags r:id="rId9"/>
+                </p:custDataLst>
+              </p:nvPr>
+            </p:nvCxnSpPr>
+            <p:spPr>
+              <a:xfrm flipH="1" flipV="1">
+                <a:off x="12049" y="10843"/>
+                <a:ext cx="97" cy="695"/>
+              </a:xfrm>
+              <a:prstGeom prst="straightConnector1">
+                <a:avLst/>
+              </a:prstGeom>
+              <a:ln w="31750">
+                <a:solidFill>
+                  <a:schemeClr val="tx2"/>
+                </a:solidFill>
+                <a:tailEnd type="arrow"/>
+              </a:ln>
+            </p:spPr>
+            <p:style>
+              <a:lnRef idx="1">
+                <a:schemeClr val="accent1"/>
+              </a:lnRef>
+              <a:fillRef idx="0">
+                <a:schemeClr val="accent1"/>
+              </a:fillRef>
+              <a:effectRef idx="0">
+                <a:schemeClr val="accent1"/>
+              </a:effectRef>
+              <a:fontRef idx="minor">
+                <a:schemeClr val="tx1"/>
+              </a:fontRef>
+            </p:style>
+          </p:cxnSp>
+          <p:sp>
+            <p:nvSpPr>
+              <p:cNvPr id="12" name="文本框 11"/>
+              <p:cNvSpPr txBox="1"/>
+              <p:nvPr>
+                <p:custDataLst>
+                  <p:tags r:id="rId10"/>
+                </p:custDataLst>
+              </p:nvPr>
+            </p:nvSpPr>
+            <p:spPr>
+              <a:xfrm>
+                <a:off x="11762" y="11497"/>
+                <a:ext cx="1241" cy="580"/>
+              </a:xfrm>
+              <a:prstGeom prst="rect">
+                <a:avLst/>
+              </a:prstGeom>
+              <a:noFill/>
+            </p:spPr>
+            <p:txBody>
+              <a:bodyPr wrap="square" rtlCol="0">
+                <a:spAutoFit/>
+              </a:bodyPr>
+              <a:p>
+                <a:r>
+                  <a:rPr lang="en-US" altLang="zh-CN" b="1">
+                    <a:latin typeface="Consolas" panose="020B0609020204030204" charset="0"/>
+                    <a:cs typeface="Consolas" panose="020B0609020204030204" charset="0"/>
+                  </a:rPr>
+                  <a:t>j=3</a:t>
+                </a:r>
+                <a:endParaRPr lang="zh-CN" altLang="en-US" b="1">
+                  <a:latin typeface="Consolas" panose="020B0609020204030204" charset="0"/>
+                  <a:cs typeface="Consolas" panose="020B0609020204030204" charset="0"/>
+                </a:endParaRPr>
+              </a:p>
+            </p:txBody>
+          </p:sp>
+        </p:grpSp>
+      </p:grpSp>
+    </p:spTree>
+    <p:custDataLst>
+      <p:tags r:id="rId11"/>
+    </p:custDataLst>
+  </p:cSld>
+  <p:clrMapOvr>
+    <a:masterClrMapping/>
+  </p:clrMapOvr>
+</p:sld>
+</file>
+
+<file path=ppt/slides/slide11.xml><?xml version="1.0" encoding="utf-8"?>
+<p:sld xmlns:a="http://schemas.openxmlformats.org/drawingml/2006/main" xmlns:r="http://schemas.openxmlformats.org/officeDocument/2006/relationships" xmlns:p="http://schemas.openxmlformats.org/presentationml/2006/main">
+  <p:cSld>
+    <p:spTree>
+      <p:nvGrpSpPr>
+        <p:cNvPr id="1" name=""/>
+        <p:cNvGrpSpPr/>
+        <p:nvPr/>
+      </p:nvGrpSpPr>
+      <p:grpSpPr/>
+      <p:graphicFrame>
+        <p:nvGraphicFramePr>
+          <p:cNvPr id="4" name="表格 3"/>
+          <p:cNvGraphicFramePr/>
+          <p:nvPr>
+            <p:custDataLst>
+              <p:tags r:id="rId1"/>
+            </p:custDataLst>
+          </p:nvPr>
+        </p:nvGraphicFramePr>
+        <p:xfrm>
+          <a:off x="721360" y="692150"/>
+          <a:ext cx="11077575" cy="1630680"/>
+        </p:xfrm>
+        <a:graphic>
+          <a:graphicData uri="http://schemas.openxmlformats.org/drawingml/2006/table">
+            <a:tbl>
+              <a:tblPr firstRow="1" bandRow="1">
+                <a:tableStyleId>{5C22544A-7EE6-4342-B048-85BDC9FD1C3A}</a:tableStyleId>
+              </a:tblPr>
+              <a:tblGrid>
+                <a:gridCol w="692150"/>
+                <a:gridCol w="692349"/>
+                <a:gridCol w="692348"/>
+                <a:gridCol w="692349"/>
+                <a:gridCol w="692348"/>
+                <a:gridCol w="692349"/>
+                <a:gridCol w="692348"/>
+                <a:gridCol w="692349"/>
+                <a:gridCol w="692348"/>
+                <a:gridCol w="692348"/>
+                <a:gridCol w="692349"/>
+                <a:gridCol w="692348"/>
+                <a:gridCol w="692349"/>
+                <a:gridCol w="692348"/>
+                <a:gridCol w="692349"/>
+                <a:gridCol w="692348"/>
+              </a:tblGrid>
+              <a:tr h="554990">
+                <a:tc>
+                  <a:txBody>
+                    <a:bodyPr/>
+                    <a:p>
+                      <a:pPr algn="ctr">
+                        <a:buNone/>
+                      </a:pPr>
+                      <a:r>
+                        <a:rPr lang="zh-CN" altLang="en-US" sz="1200" b="1">
+                          <a:solidFill>
+                            <a:schemeClr val="tx1"/>
+                          </a:solidFill>
+                          <a:latin typeface="Consolas" panose="020B0609020204030204" charset="0"/>
+                          <a:cs typeface="Consolas" panose="020B0609020204030204" charset="0"/>
+                        </a:rPr>
+                        <a:t>编号</a:t>
+                      </a:r>
+                      <a:r>
+                        <a:rPr lang="en-US" altLang="zh-CN" sz="1200" b="1">
+                          <a:solidFill>
+                            <a:schemeClr val="tx1"/>
+                          </a:solidFill>
+                          <a:latin typeface="Consolas" panose="020B0609020204030204" charset="0"/>
+                          <a:cs typeface="Consolas" panose="020B0609020204030204" charset="0"/>
+                        </a:rPr>
+                        <a:t>j</a:t>
+                      </a:r>
+                      <a:endParaRPr lang="en-US" altLang="zh-CN" sz="1200" b="1">
+                        <a:solidFill>
+                          <a:schemeClr val="tx1"/>
+                        </a:solidFill>
+                        <a:latin typeface="Consolas" panose="020B0609020204030204" charset="0"/>
+                        <a:cs typeface="Consolas" panose="020B0609020204030204" charset="0"/>
+                      </a:endParaRPr>
+                    </a:p>
+                  </a:txBody>
+                  <a:tcPr anchor="ctr" anchorCtr="0">
+                    <a:lnL w="12700" cmpd="sng">
+                      <a:solidFill>
+                        <a:schemeClr val="tx1"/>
+                      </a:solidFill>
+                      <a:prstDash val="solid"/>
+                    </a:lnL>
+                    <a:lnR w="12700" cmpd="sng">
+                      <a:solidFill>
+                        <a:schemeClr val="tx1"/>
+                      </a:solidFill>
+                      <a:prstDash val="solid"/>
+                    </a:lnR>
+                    <a:lnT w="12700" cmpd="sng">
+                      <a:solidFill>
+                        <a:schemeClr val="tx1"/>
+                      </a:solidFill>
+                      <a:prstDash val="solid"/>
+                    </a:lnT>
+                    <a:lnB w="12700" cmpd="sng">
+                      <a:solidFill>
+                        <a:schemeClr val="tx1"/>
+                      </a:solidFill>
+                      <a:prstDash val="solid"/>
+                    </a:lnB>
+                    <a:solidFill>
+                      <a:schemeClr val="accent4">
+                        <a:lumMod val="60000"/>
+                        <a:lumOff val="40000"/>
+                      </a:schemeClr>
+                    </a:solidFill>
+                  </a:tcPr>
+                </a:tc>
+                <a:tc>
+                  <a:txBody>
+                    <a:bodyPr/>
+                    <a:p>
+                      <a:pPr algn="ctr">
+                        <a:buNone/>
+                      </a:pPr>
+                      <a:r>
+                        <a:rPr lang="en-US" altLang="zh-CN" sz="1200" b="1">
+                          <a:solidFill>
+                            <a:schemeClr val="tx1"/>
+                          </a:solidFill>
+                          <a:latin typeface="Consolas" panose="020B0609020204030204" charset="0"/>
+                          <a:cs typeface="Consolas" panose="020B0609020204030204" charset="0"/>
+                        </a:rPr>
+                        <a:t>1</a:t>
+                      </a:r>
+                      <a:endParaRPr lang="en-US" altLang="zh-CN" sz="1200" b="1">
+                        <a:solidFill>
+                          <a:schemeClr val="tx1"/>
+                        </a:solidFill>
+                        <a:latin typeface="Consolas" panose="020B0609020204030204" charset="0"/>
+                        <a:cs typeface="Consolas" panose="020B0609020204030204" charset="0"/>
+                      </a:endParaRPr>
+                    </a:p>
+                  </a:txBody>
+                  <a:tcPr anchor="ctr" anchorCtr="0">
+                    <a:lnL w="12700" cmpd="sng">
+                      <a:solidFill>
+                        <a:schemeClr val="tx1"/>
+                      </a:solidFill>
+                      <a:prstDash val="solid"/>
+                    </a:lnL>
+                    <a:lnR w="12700" cmpd="sng">
+                      <a:solidFill>
+                        <a:schemeClr val="tx1"/>
+                      </a:solidFill>
+                      <a:prstDash val="solid"/>
+                    </a:lnR>
+                    <a:lnT w="12700" cmpd="sng">
+                      <a:solidFill>
+                        <a:schemeClr val="tx1"/>
+                      </a:solidFill>
+                      <a:prstDash val="solid"/>
+                    </a:lnT>
+                    <a:lnB w="12700" cmpd="sng">
+                      <a:solidFill>
+                        <a:schemeClr val="tx1"/>
+                      </a:solidFill>
+                      <a:prstDash val="solid"/>
+                    </a:lnB>
+                    <a:solidFill>
+                      <a:schemeClr val="accent4">
+                        <a:lumMod val="60000"/>
+                        <a:lumOff val="40000"/>
+                      </a:schemeClr>
+                    </a:solidFill>
+                  </a:tcPr>
+                </a:tc>
+                <a:tc>
+                  <a:txBody>
+                    <a:bodyPr/>
+                    <a:p>
+                      <a:pPr algn="ctr">
+                        <a:buNone/>
+                      </a:pPr>
+                      <a:r>
+                        <a:rPr lang="en-US" altLang="zh-CN" sz="1200" b="1">
+                          <a:solidFill>
+                            <a:schemeClr val="tx1"/>
+                          </a:solidFill>
+                          <a:latin typeface="Consolas" panose="020B0609020204030204" charset="0"/>
+                          <a:cs typeface="Consolas" panose="020B0609020204030204" charset="0"/>
+                        </a:rPr>
+                        <a:t>2</a:t>
+                      </a:r>
+                      <a:endParaRPr lang="en-US" altLang="zh-CN" sz="1200" b="1">
+                        <a:solidFill>
+                          <a:schemeClr val="tx1"/>
+                        </a:solidFill>
+                        <a:latin typeface="Consolas" panose="020B0609020204030204" charset="0"/>
+                        <a:cs typeface="Consolas" panose="020B0609020204030204" charset="0"/>
+                      </a:endParaRPr>
+                    </a:p>
+                  </a:txBody>
+                  <a:tcPr anchor="ctr" anchorCtr="0">
+                    <a:lnL w="12700" cmpd="sng">
+                      <a:solidFill>
+                        <a:schemeClr val="tx1"/>
+                      </a:solidFill>
+                      <a:prstDash val="solid"/>
+                    </a:lnL>
+                    <a:lnR w="12700" cmpd="sng">
+                      <a:solidFill>
+                        <a:schemeClr val="tx1"/>
+                      </a:solidFill>
+                      <a:prstDash val="solid"/>
+                    </a:lnR>
+                    <a:lnT w="12700" cmpd="sng">
+                      <a:solidFill>
+                        <a:schemeClr val="tx1"/>
+                      </a:solidFill>
+                      <a:prstDash val="solid"/>
+                    </a:lnT>
+                    <a:lnB w="12700" cmpd="sng">
+                      <a:solidFill>
+                        <a:schemeClr val="tx1"/>
+                      </a:solidFill>
+                      <a:prstDash val="solid"/>
+                    </a:lnB>
+                    <a:solidFill>
+                      <a:schemeClr val="accent4">
+                        <a:lumMod val="60000"/>
+                        <a:lumOff val="40000"/>
+                      </a:schemeClr>
+                    </a:solidFill>
+                  </a:tcPr>
+                </a:tc>
+                <a:tc>
+                  <a:txBody>
+                    <a:bodyPr/>
+                    <a:p>
+                      <a:pPr algn="ctr">
+                        <a:buNone/>
+                      </a:pPr>
+                      <a:r>
+                        <a:rPr lang="en-US" altLang="zh-CN" sz="1200" b="1">
+                          <a:solidFill>
+                            <a:schemeClr val="tx1"/>
+                          </a:solidFill>
+                          <a:latin typeface="Consolas" panose="020B0609020204030204" charset="0"/>
+                          <a:cs typeface="Consolas" panose="020B0609020204030204" charset="0"/>
+                        </a:rPr>
+                        <a:t>3</a:t>
+                      </a:r>
+                      <a:endParaRPr lang="en-US" altLang="zh-CN" sz="1200" b="1">
+                        <a:solidFill>
+                          <a:schemeClr val="tx1"/>
+                        </a:solidFill>
+                        <a:latin typeface="Consolas" panose="020B0609020204030204" charset="0"/>
+                        <a:cs typeface="Consolas" panose="020B0609020204030204" charset="0"/>
+                      </a:endParaRPr>
+                    </a:p>
+                  </a:txBody>
+                  <a:tcPr anchor="ctr" anchorCtr="0">
+                    <a:lnL w="12700" cmpd="sng">
+                      <a:solidFill>
+                        <a:schemeClr val="tx1"/>
+                      </a:solidFill>
+                      <a:prstDash val="solid"/>
+                    </a:lnL>
+                    <a:lnR w="12700" cmpd="sng">
+                      <a:solidFill>
+                        <a:schemeClr val="tx1"/>
+                      </a:solidFill>
+                      <a:prstDash val="solid"/>
+                    </a:lnR>
+                    <a:lnT w="12700" cmpd="sng">
+                      <a:solidFill>
+                        <a:schemeClr val="tx1"/>
+                      </a:solidFill>
+                      <a:prstDash val="solid"/>
+                    </a:lnT>
+                    <a:lnB w="12700" cmpd="sng">
+                      <a:solidFill>
+                        <a:schemeClr val="tx1"/>
+                      </a:solidFill>
+                      <a:prstDash val="solid"/>
+                    </a:lnB>
+                    <a:solidFill>
+                      <a:schemeClr val="accent4">
+                        <a:lumMod val="60000"/>
+                        <a:lumOff val="40000"/>
+                      </a:schemeClr>
+                    </a:solidFill>
+                  </a:tcPr>
+                </a:tc>
+                <a:tc>
+                  <a:txBody>
+                    <a:bodyPr/>
+                    <a:p>
+                      <a:pPr algn="ctr">
+                        <a:buNone/>
+                      </a:pPr>
+                      <a:r>
+                        <a:rPr lang="en-US" altLang="zh-CN" sz="1200" b="1">
+                          <a:solidFill>
+                            <a:schemeClr val="tx1"/>
+                          </a:solidFill>
+                          <a:latin typeface="Consolas" panose="020B0609020204030204" charset="0"/>
+                          <a:cs typeface="Consolas" panose="020B0609020204030204" charset="0"/>
+                        </a:rPr>
+                        <a:t>4</a:t>
+                      </a:r>
+                      <a:endParaRPr lang="en-US" altLang="zh-CN" sz="1200" b="1">
+                        <a:solidFill>
+                          <a:schemeClr val="tx1"/>
+                        </a:solidFill>
+                        <a:latin typeface="Consolas" panose="020B0609020204030204" charset="0"/>
+                        <a:cs typeface="Consolas" panose="020B0609020204030204" charset="0"/>
+                      </a:endParaRPr>
+                    </a:p>
+                  </a:txBody>
+                  <a:tcPr anchor="ctr" anchorCtr="0">
+                    <a:lnL w="12700" cmpd="sng">
+                      <a:solidFill>
+                        <a:schemeClr val="tx1"/>
+                      </a:solidFill>
+                      <a:prstDash val="solid"/>
+                    </a:lnL>
+                    <a:lnR w="12700" cmpd="sng">
+                      <a:solidFill>
+                        <a:schemeClr val="tx1"/>
+                      </a:solidFill>
+                      <a:prstDash val="solid"/>
+                    </a:lnR>
+                    <a:lnT w="12700" cmpd="sng">
+                      <a:solidFill>
+                        <a:schemeClr val="tx1"/>
+                      </a:solidFill>
+                      <a:prstDash val="solid"/>
+                    </a:lnT>
+                    <a:lnB w="12700" cmpd="sng">
+                      <a:solidFill>
+                        <a:schemeClr val="tx1"/>
+                      </a:solidFill>
+                      <a:prstDash val="solid"/>
+                    </a:lnB>
+                    <a:solidFill>
+                      <a:schemeClr val="accent4">
+                        <a:lumMod val="60000"/>
+                        <a:lumOff val="40000"/>
+                      </a:schemeClr>
+                    </a:solidFill>
+                  </a:tcPr>
+                </a:tc>
+                <a:tc>
+                  <a:txBody>
+                    <a:bodyPr/>
+                    <a:p>
+                      <a:pPr algn="ctr">
+                        <a:buNone/>
+                      </a:pPr>
+                      <a:r>
+                        <a:rPr lang="en-US" altLang="zh-CN" sz="1200" b="1">
+                          <a:solidFill>
+                            <a:schemeClr val="tx1"/>
+                          </a:solidFill>
+                          <a:latin typeface="Consolas" panose="020B0609020204030204" charset="0"/>
+                          <a:cs typeface="Consolas" panose="020B0609020204030204" charset="0"/>
+                        </a:rPr>
+                        <a:t>5</a:t>
+                      </a:r>
+                      <a:endParaRPr lang="en-US" altLang="zh-CN" sz="1200" b="1">
+                        <a:solidFill>
+                          <a:schemeClr val="tx1"/>
+                        </a:solidFill>
+                        <a:latin typeface="Consolas" panose="020B0609020204030204" charset="0"/>
+                        <a:cs typeface="Consolas" panose="020B0609020204030204" charset="0"/>
+                      </a:endParaRPr>
+                    </a:p>
+                  </a:txBody>
+                  <a:tcPr anchor="ctr" anchorCtr="0">
+                    <a:lnL w="12700" cmpd="sng">
+                      <a:solidFill>
+                        <a:schemeClr val="tx1"/>
+                      </a:solidFill>
+                      <a:prstDash val="solid"/>
+                    </a:lnL>
+                    <a:lnR w="12700" cmpd="sng">
+                      <a:solidFill>
+                        <a:schemeClr val="tx1"/>
+                      </a:solidFill>
+                      <a:prstDash val="solid"/>
+                    </a:lnR>
+                    <a:lnT w="12700" cmpd="sng">
+                      <a:solidFill>
+                        <a:schemeClr val="tx1"/>
+                      </a:solidFill>
+                      <a:prstDash val="solid"/>
+                    </a:lnT>
+                    <a:lnB w="12700" cmpd="sng">
+                      <a:solidFill>
+                        <a:schemeClr val="tx1"/>
+                      </a:solidFill>
+                      <a:prstDash val="solid"/>
+                    </a:lnB>
+                    <a:solidFill>
+                      <a:schemeClr val="accent4">
+                        <a:lumMod val="60000"/>
+                        <a:lumOff val="40000"/>
+                      </a:schemeClr>
+                    </a:solidFill>
+                  </a:tcPr>
+                </a:tc>
+                <a:tc>
+                  <a:txBody>
+                    <a:bodyPr/>
+                    <a:p>
+                      <a:pPr algn="ctr">
+                        <a:buNone/>
+                      </a:pPr>
+                      <a:r>
+                        <a:rPr lang="en-US" altLang="zh-CN" sz="1200" b="1">
+                          <a:solidFill>
+                            <a:schemeClr val="tx1"/>
+                          </a:solidFill>
+                          <a:latin typeface="Consolas" panose="020B0609020204030204" charset="0"/>
+                          <a:cs typeface="Consolas" panose="020B0609020204030204" charset="0"/>
+                        </a:rPr>
+                        <a:t>6</a:t>
+                      </a:r>
+                      <a:endParaRPr lang="en-US" altLang="zh-CN" sz="1200" b="1">
+                        <a:solidFill>
+                          <a:schemeClr val="tx1"/>
+                        </a:solidFill>
+                        <a:latin typeface="Consolas" panose="020B0609020204030204" charset="0"/>
+                        <a:cs typeface="Consolas" panose="020B0609020204030204" charset="0"/>
+                      </a:endParaRPr>
+                    </a:p>
+                  </a:txBody>
+                  <a:tcPr anchor="ctr" anchorCtr="0">
+                    <a:lnL w="12700" cmpd="sng">
+                      <a:solidFill>
+                        <a:schemeClr val="tx1"/>
+                      </a:solidFill>
+                      <a:prstDash val="solid"/>
+                    </a:lnL>
+                    <a:lnR w="12700" cmpd="sng">
+                      <a:solidFill>
+                        <a:schemeClr val="tx1"/>
+                      </a:solidFill>
+                      <a:prstDash val="solid"/>
+                    </a:lnR>
+                    <a:lnT w="12700" cmpd="sng">
+                      <a:solidFill>
+                        <a:schemeClr val="tx1"/>
+                      </a:solidFill>
+                      <a:prstDash val="solid"/>
+                    </a:lnT>
+                    <a:lnB w="12700" cmpd="sng">
+                      <a:solidFill>
+                        <a:schemeClr val="tx1"/>
+                      </a:solidFill>
+                      <a:prstDash val="solid"/>
+                    </a:lnB>
+                    <a:solidFill>
+                      <a:schemeClr val="accent4">
+                        <a:lumMod val="60000"/>
+                        <a:lumOff val="40000"/>
+                      </a:schemeClr>
+                    </a:solidFill>
+                  </a:tcPr>
+                </a:tc>
+                <a:tc>
+                  <a:txBody>
+                    <a:bodyPr/>
+                    <a:p>
+                      <a:pPr algn="ctr">
+                        <a:buNone/>
+                      </a:pPr>
+                      <a:r>
+                        <a:rPr lang="en-US" altLang="zh-CN" sz="1200" b="1">
+                          <a:solidFill>
+                            <a:schemeClr val="tx1"/>
+                          </a:solidFill>
+                          <a:latin typeface="Consolas" panose="020B0609020204030204" charset="0"/>
+                          <a:cs typeface="Consolas" panose="020B0609020204030204" charset="0"/>
+                        </a:rPr>
+                        <a:t>7</a:t>
+                      </a:r>
+                      <a:endParaRPr lang="en-US" altLang="zh-CN" sz="1200" b="1">
+                        <a:solidFill>
+                          <a:schemeClr val="tx1"/>
+                        </a:solidFill>
+                        <a:latin typeface="Consolas" panose="020B0609020204030204" charset="0"/>
+                        <a:cs typeface="Consolas" panose="020B0609020204030204" charset="0"/>
+                      </a:endParaRPr>
+                    </a:p>
+                  </a:txBody>
+                  <a:tcPr anchor="ctr" anchorCtr="0">
+                    <a:lnL w="12700" cmpd="sng">
+                      <a:solidFill>
+                        <a:schemeClr val="tx1"/>
+                      </a:solidFill>
+                      <a:prstDash val="solid"/>
+                    </a:lnL>
+                    <a:lnR w="12700" cmpd="sng">
+                      <a:solidFill>
+                        <a:schemeClr val="tx1"/>
+                      </a:solidFill>
+                      <a:prstDash val="solid"/>
+                    </a:lnR>
+                    <a:lnT w="12700" cmpd="sng">
+                      <a:solidFill>
+                        <a:schemeClr val="tx1"/>
+                      </a:solidFill>
+                      <a:prstDash val="solid"/>
+                    </a:lnT>
+                    <a:lnB w="12700" cmpd="sng">
+                      <a:solidFill>
+                        <a:schemeClr val="tx1"/>
+                      </a:solidFill>
+                      <a:prstDash val="solid"/>
+                    </a:lnB>
+                    <a:solidFill>
+                      <a:schemeClr val="accent4">
+                        <a:lumMod val="60000"/>
+                        <a:lumOff val="40000"/>
+                      </a:schemeClr>
+                    </a:solidFill>
+                  </a:tcPr>
+                </a:tc>
+                <a:tc>
+                  <a:txBody>
+                    <a:bodyPr/>
+                    <a:p>
+                      <a:pPr algn="ctr">
+                        <a:buNone/>
+                      </a:pPr>
+                      <a:r>
+                        <a:rPr lang="en-US" altLang="zh-CN" sz="1200" b="1">
+                          <a:solidFill>
+                            <a:schemeClr val="tx1"/>
+                          </a:solidFill>
+                          <a:latin typeface="Consolas" panose="020B0609020204030204" charset="0"/>
+                          <a:cs typeface="Consolas" panose="020B0609020204030204" charset="0"/>
+                        </a:rPr>
+                        <a:t>8</a:t>
+                      </a:r>
+                      <a:endParaRPr lang="en-US" altLang="zh-CN" sz="1200" b="1">
+                        <a:solidFill>
+                          <a:schemeClr val="tx1"/>
+                        </a:solidFill>
+                        <a:latin typeface="Consolas" panose="020B0609020204030204" charset="0"/>
+                        <a:cs typeface="Consolas" panose="020B0609020204030204" charset="0"/>
+                      </a:endParaRPr>
+                    </a:p>
+                  </a:txBody>
+                  <a:tcPr anchor="ctr" anchorCtr="0">
+                    <a:lnL w="12700" cmpd="sng">
+                      <a:solidFill>
+                        <a:schemeClr val="tx1"/>
+                      </a:solidFill>
+                      <a:prstDash val="solid"/>
+                    </a:lnL>
+                    <a:lnR w="12700" cmpd="sng">
+                      <a:solidFill>
+                        <a:schemeClr val="tx1"/>
+                      </a:solidFill>
+                      <a:prstDash val="solid"/>
+                    </a:lnR>
+                    <a:lnT w="12700" cmpd="sng">
+                      <a:solidFill>
+                        <a:schemeClr val="tx1"/>
+                      </a:solidFill>
+                      <a:prstDash val="solid"/>
+                    </a:lnT>
+                    <a:lnB w="12700" cmpd="sng">
+                      <a:solidFill>
+                        <a:schemeClr val="tx1"/>
+                      </a:solidFill>
+                      <a:prstDash val="solid"/>
+                    </a:lnB>
+                    <a:solidFill>
+                      <a:schemeClr val="accent4">
+                        <a:lumMod val="60000"/>
+                        <a:lumOff val="40000"/>
+                      </a:schemeClr>
+                    </a:solidFill>
+                  </a:tcPr>
+                </a:tc>
+                <a:tc>
+                  <a:txBody>
+                    <a:bodyPr/>
+                    <a:p>
+                      <a:pPr algn="ctr">
+                        <a:buNone/>
+                      </a:pPr>
+                      <a:r>
+                        <a:rPr lang="en-US" altLang="zh-CN" sz="1200" b="1">
+                          <a:solidFill>
+                            <a:schemeClr val="tx1"/>
+                          </a:solidFill>
+                          <a:latin typeface="Consolas" panose="020B0609020204030204" charset="0"/>
+                          <a:cs typeface="Consolas" panose="020B0609020204030204" charset="0"/>
+                        </a:rPr>
+                        <a:t>9</a:t>
+                      </a:r>
+                      <a:endParaRPr lang="en-US" altLang="zh-CN" sz="1200" b="1">
+                        <a:solidFill>
+                          <a:schemeClr val="tx1"/>
+                        </a:solidFill>
+                        <a:latin typeface="Consolas" panose="020B0609020204030204" charset="0"/>
+                        <a:cs typeface="Consolas" panose="020B0609020204030204" charset="0"/>
+                      </a:endParaRPr>
+                    </a:p>
+                  </a:txBody>
+                  <a:tcPr anchor="ctr" anchorCtr="0">
+                    <a:lnL w="12700" cmpd="sng">
+                      <a:solidFill>
+                        <a:schemeClr val="tx1"/>
+                      </a:solidFill>
+                      <a:prstDash val="solid"/>
+                    </a:lnL>
+                    <a:lnR w="12700" cmpd="sng">
+                      <a:solidFill>
+                        <a:schemeClr val="tx1"/>
+                      </a:solidFill>
+                      <a:prstDash val="solid"/>
+                    </a:lnR>
+                    <a:lnT w="12700" cmpd="sng">
+                      <a:solidFill>
+                        <a:schemeClr val="tx1"/>
+                      </a:solidFill>
+                      <a:prstDash val="solid"/>
+                    </a:lnT>
+                    <a:lnB w="12700" cmpd="sng">
+                      <a:solidFill>
+                        <a:schemeClr val="tx1"/>
+                      </a:solidFill>
+                      <a:prstDash val="solid"/>
+                    </a:lnB>
+                    <a:solidFill>
+                      <a:schemeClr val="accent4">
+                        <a:lumMod val="60000"/>
+                        <a:lumOff val="40000"/>
+                      </a:schemeClr>
+                    </a:solidFill>
+                  </a:tcPr>
+                </a:tc>
+                <a:tc>
+                  <a:txBody>
+                    <a:bodyPr/>
+                    <a:p>
+                      <a:pPr algn="ctr">
+                        <a:buNone/>
+                      </a:pPr>
+                      <a:r>
+                        <a:rPr lang="en-US" altLang="zh-CN" sz="1200" b="1">
+                          <a:solidFill>
+                            <a:schemeClr val="tx1"/>
+                          </a:solidFill>
+                          <a:latin typeface="Consolas" panose="020B0609020204030204" charset="0"/>
+                          <a:cs typeface="Consolas" panose="020B0609020204030204" charset="0"/>
+                        </a:rPr>
+                        <a:t>10</a:t>
+                      </a:r>
+                      <a:endParaRPr lang="en-US" altLang="zh-CN" sz="1200" b="1">
+                        <a:solidFill>
+                          <a:schemeClr val="tx1"/>
+                        </a:solidFill>
+                        <a:latin typeface="Consolas" panose="020B0609020204030204" charset="0"/>
+                        <a:cs typeface="Consolas" panose="020B0609020204030204" charset="0"/>
+                      </a:endParaRPr>
+                    </a:p>
+                  </a:txBody>
+                  <a:tcPr anchor="ctr" anchorCtr="0">
+                    <a:lnL w="12700" cmpd="sng">
+                      <a:solidFill>
+                        <a:schemeClr val="tx1"/>
+                      </a:solidFill>
+                      <a:prstDash val="solid"/>
+                    </a:lnL>
+                    <a:lnR w="12700" cmpd="sng">
+                      <a:solidFill>
+                        <a:schemeClr val="tx1"/>
+                      </a:solidFill>
+                      <a:prstDash val="solid"/>
+                    </a:lnR>
+                    <a:lnT w="12700" cmpd="sng">
+                      <a:solidFill>
+                        <a:schemeClr val="tx1"/>
+                      </a:solidFill>
+                      <a:prstDash val="solid"/>
+                    </a:lnT>
+                    <a:lnB w="12700" cmpd="sng">
+                      <a:solidFill>
+                        <a:schemeClr val="tx1"/>
+                      </a:solidFill>
+                      <a:prstDash val="solid"/>
+                    </a:lnB>
+                    <a:solidFill>
+                      <a:schemeClr val="accent4">
+                        <a:lumMod val="60000"/>
+                        <a:lumOff val="40000"/>
+                      </a:schemeClr>
+                    </a:solidFill>
+                  </a:tcPr>
+                </a:tc>
+                <a:tc>
+                  <a:txBody>
+                    <a:bodyPr/>
+                    <a:p>
+                      <a:pPr algn="ctr">
+                        <a:buNone/>
+                      </a:pPr>
+                      <a:r>
+                        <a:rPr lang="en-US" altLang="zh-CN" sz="1200" b="1">
+                          <a:solidFill>
+                            <a:schemeClr val="tx1"/>
+                          </a:solidFill>
+                          <a:latin typeface="Consolas" panose="020B0609020204030204" charset="0"/>
+                          <a:cs typeface="Consolas" panose="020B0609020204030204" charset="0"/>
+                        </a:rPr>
+                        <a:t>11</a:t>
+                      </a:r>
+                      <a:endParaRPr lang="en-US" altLang="zh-CN" sz="1200" b="1">
+                        <a:solidFill>
+                          <a:schemeClr val="tx1"/>
+                        </a:solidFill>
+                        <a:latin typeface="Consolas" panose="020B0609020204030204" charset="0"/>
+                        <a:cs typeface="Consolas" panose="020B0609020204030204" charset="0"/>
+                      </a:endParaRPr>
+                    </a:p>
+                  </a:txBody>
+                  <a:tcPr anchor="ctr" anchorCtr="0">
+                    <a:lnL w="12700" cmpd="sng">
+                      <a:solidFill>
+                        <a:schemeClr val="tx1"/>
+                      </a:solidFill>
+                      <a:prstDash val="solid"/>
+                    </a:lnL>
+                    <a:lnR w="12700" cmpd="sng">
+                      <a:solidFill>
+                        <a:schemeClr val="tx1"/>
+                      </a:solidFill>
+                      <a:prstDash val="solid"/>
+                    </a:lnR>
+                    <a:lnT w="12700" cmpd="sng">
+                      <a:solidFill>
+                        <a:schemeClr val="tx1"/>
+                      </a:solidFill>
+                      <a:prstDash val="solid"/>
+                    </a:lnT>
+                    <a:lnB w="12700" cmpd="sng">
+                      <a:solidFill>
+                        <a:schemeClr val="tx1"/>
+                      </a:solidFill>
+                      <a:prstDash val="solid"/>
+                    </a:lnB>
+                    <a:solidFill>
+                      <a:schemeClr val="accent4">
+                        <a:lumMod val="60000"/>
+                        <a:lumOff val="40000"/>
+                      </a:schemeClr>
+                    </a:solidFill>
+                  </a:tcPr>
+                </a:tc>
+                <a:tc>
+                  <a:txBody>
+                    <a:bodyPr/>
+                    <a:p>
+                      <a:pPr algn="ctr">
+                        <a:buNone/>
+                      </a:pPr>
+                      <a:r>
+                        <a:rPr lang="en-US" altLang="zh-CN" sz="1200" b="1">
+                          <a:solidFill>
+                            <a:schemeClr val="tx1"/>
+                          </a:solidFill>
+                          <a:latin typeface="Consolas" panose="020B0609020204030204" charset="0"/>
+                          <a:cs typeface="Consolas" panose="020B0609020204030204" charset="0"/>
+                        </a:rPr>
+                        <a:t>12</a:t>
+                      </a:r>
+                      <a:endParaRPr lang="en-US" altLang="zh-CN" sz="1200" b="1">
+                        <a:solidFill>
+                          <a:schemeClr val="tx1"/>
+                        </a:solidFill>
+                        <a:latin typeface="Consolas" panose="020B0609020204030204" charset="0"/>
+                        <a:cs typeface="Consolas" panose="020B0609020204030204" charset="0"/>
+                      </a:endParaRPr>
+                    </a:p>
+                  </a:txBody>
+                  <a:tcPr anchor="ctr" anchorCtr="0">
+                    <a:lnL w="12700" cmpd="sng">
+                      <a:solidFill>
+                        <a:schemeClr val="tx1"/>
+                      </a:solidFill>
+                      <a:prstDash val="solid"/>
+                    </a:lnL>
+                    <a:lnR w="12700" cmpd="sng">
+                      <a:solidFill>
+                        <a:schemeClr val="tx1"/>
+                      </a:solidFill>
+                      <a:prstDash val="solid"/>
+                    </a:lnR>
+                    <a:lnT w="12700" cmpd="sng">
+                      <a:solidFill>
+                        <a:schemeClr val="tx1"/>
+                      </a:solidFill>
+                      <a:prstDash val="solid"/>
+                    </a:lnT>
+                    <a:lnB w="12700" cmpd="sng">
+                      <a:solidFill>
+                        <a:schemeClr val="tx1"/>
+                      </a:solidFill>
+                      <a:prstDash val="solid"/>
+                    </a:lnB>
+                    <a:solidFill>
+                      <a:schemeClr val="accent4">
+                        <a:lumMod val="60000"/>
+                        <a:lumOff val="40000"/>
+                      </a:schemeClr>
+                    </a:solidFill>
+                  </a:tcPr>
+                </a:tc>
+                <a:tc>
+                  <a:txBody>
+                    <a:bodyPr/>
+                    <a:p>
+                      <a:pPr algn="ctr">
+                        <a:buNone/>
+                      </a:pPr>
+                      <a:r>
+                        <a:rPr lang="en-US" altLang="zh-CN" sz="1200" b="1">
+                          <a:solidFill>
+                            <a:schemeClr val="tx1"/>
+                          </a:solidFill>
+                          <a:latin typeface="Consolas" panose="020B0609020204030204" charset="0"/>
+                          <a:cs typeface="Consolas" panose="020B0609020204030204" charset="0"/>
+                        </a:rPr>
+                        <a:t>13</a:t>
+                      </a:r>
+                      <a:endParaRPr lang="en-US" altLang="zh-CN" sz="1200" b="1">
+                        <a:solidFill>
+                          <a:schemeClr val="tx1"/>
+                        </a:solidFill>
+                        <a:latin typeface="Consolas" panose="020B0609020204030204" charset="0"/>
+                        <a:cs typeface="Consolas" panose="020B0609020204030204" charset="0"/>
+                      </a:endParaRPr>
+                    </a:p>
+                  </a:txBody>
+                  <a:tcPr anchor="ctr" anchorCtr="0">
+                    <a:lnL w="12700" cmpd="sng">
+                      <a:solidFill>
+                        <a:schemeClr val="tx1"/>
+                      </a:solidFill>
+                      <a:prstDash val="solid"/>
+                    </a:lnL>
+                    <a:lnR w="12700" cmpd="sng">
+                      <a:solidFill>
+                        <a:schemeClr val="tx1"/>
+                      </a:solidFill>
+                      <a:prstDash val="solid"/>
+                    </a:lnR>
+                    <a:lnT w="12700" cmpd="sng">
+                      <a:solidFill>
+                        <a:schemeClr val="tx1"/>
+                      </a:solidFill>
+                      <a:prstDash val="solid"/>
+                    </a:lnT>
+                    <a:lnB w="12700" cmpd="sng">
+                      <a:solidFill>
+                        <a:schemeClr val="tx1"/>
+                      </a:solidFill>
+                      <a:prstDash val="solid"/>
+                    </a:lnB>
+                    <a:solidFill>
+                      <a:schemeClr val="accent4">
+                        <a:lumMod val="60000"/>
+                        <a:lumOff val="40000"/>
+                      </a:schemeClr>
+                    </a:solidFill>
+                  </a:tcPr>
+                </a:tc>
+                <a:tc>
+                  <a:txBody>
+                    <a:bodyPr/>
+                    <a:p>
+                      <a:pPr algn="ctr">
+                        <a:buNone/>
+                      </a:pPr>
+                      <a:r>
+                        <a:rPr lang="en-US" altLang="zh-CN" sz="1200" b="1">
+                          <a:solidFill>
+                            <a:schemeClr val="tx1"/>
+                          </a:solidFill>
+                          <a:latin typeface="Consolas" panose="020B0609020204030204" charset="0"/>
+                          <a:cs typeface="Consolas" panose="020B0609020204030204" charset="0"/>
+                        </a:rPr>
+                        <a:t>14</a:t>
+                      </a:r>
+                      <a:endParaRPr lang="en-US" altLang="zh-CN" sz="1200" b="1">
+                        <a:solidFill>
+                          <a:schemeClr val="tx1"/>
+                        </a:solidFill>
+                        <a:latin typeface="Consolas" panose="020B0609020204030204" charset="0"/>
+                        <a:cs typeface="Consolas" panose="020B0609020204030204" charset="0"/>
+                      </a:endParaRPr>
+                    </a:p>
+                  </a:txBody>
+                  <a:tcPr anchor="ctr" anchorCtr="0">
+                    <a:lnL w="12700" cmpd="sng">
+                      <a:solidFill>
+                        <a:schemeClr val="tx1"/>
+                      </a:solidFill>
+                      <a:prstDash val="solid"/>
+                    </a:lnL>
+                    <a:lnR w="12700" cmpd="sng">
+                      <a:solidFill>
+                        <a:schemeClr val="tx1"/>
+                      </a:solidFill>
+                      <a:prstDash val="solid"/>
+                    </a:lnR>
+                    <a:lnT w="12700" cmpd="sng">
+                      <a:solidFill>
+                        <a:schemeClr val="tx1"/>
+                      </a:solidFill>
+                      <a:prstDash val="solid"/>
+                    </a:lnT>
+                    <a:lnB w="12700" cmpd="sng">
+                      <a:solidFill>
+                        <a:schemeClr val="tx1"/>
+                      </a:solidFill>
+                      <a:prstDash val="solid"/>
+                    </a:lnB>
+                    <a:solidFill>
+                      <a:schemeClr val="accent4">
+                        <a:lumMod val="60000"/>
+                        <a:lumOff val="40000"/>
+                      </a:schemeClr>
+                    </a:solidFill>
+                  </a:tcPr>
+                </a:tc>
+                <a:tc>
+                  <a:txBody>
+                    <a:bodyPr/>
+                    <a:p>
+                      <a:pPr algn="ctr">
+                        <a:buNone/>
+                      </a:pPr>
+                      <a:r>
+                        <a:rPr lang="en-US" altLang="zh-CN" sz="1200" b="1">
+                          <a:solidFill>
+                            <a:schemeClr val="tx1"/>
+                          </a:solidFill>
+                          <a:latin typeface="Consolas" panose="020B0609020204030204" charset="0"/>
+                          <a:cs typeface="Consolas" panose="020B0609020204030204" charset="0"/>
+                        </a:rPr>
+                        <a:t>15</a:t>
+                      </a:r>
+                      <a:endParaRPr lang="en-US" altLang="zh-CN" sz="1200" b="1">
+                        <a:solidFill>
+                          <a:schemeClr val="tx1"/>
+                        </a:solidFill>
+                        <a:latin typeface="Consolas" panose="020B0609020204030204" charset="0"/>
+                        <a:cs typeface="Consolas" panose="020B0609020204030204" charset="0"/>
+                      </a:endParaRPr>
+                    </a:p>
+                  </a:txBody>
+                  <a:tcPr anchor="ctr" anchorCtr="0">
+                    <a:lnL w="12700" cmpd="sng">
+                      <a:solidFill>
+                        <a:schemeClr val="tx1"/>
+                      </a:solidFill>
+                      <a:prstDash val="solid"/>
+                    </a:lnL>
+                    <a:lnR w="12700" cmpd="sng">
+                      <a:solidFill>
+                        <a:schemeClr val="tx1"/>
+                      </a:solidFill>
+                      <a:prstDash val="solid"/>
+                    </a:lnR>
+                    <a:lnT w="12700" cmpd="sng">
+                      <a:solidFill>
+                        <a:schemeClr val="tx1"/>
+                      </a:solidFill>
+                      <a:prstDash val="solid"/>
+                    </a:lnT>
+                    <a:lnB w="12700" cmpd="sng">
+                      <a:solidFill>
+                        <a:schemeClr val="tx1"/>
+                      </a:solidFill>
+                      <a:prstDash val="solid"/>
+                    </a:lnB>
+                    <a:solidFill>
+                      <a:schemeClr val="accent4">
+                        <a:lumMod val="60000"/>
+                        <a:lumOff val="40000"/>
+                      </a:schemeClr>
+                    </a:solidFill>
+                  </a:tcPr>
+                </a:tc>
+              </a:tr>
+              <a:tr h="350520">
+                <a:tc>
+                  <a:txBody>
+                    <a:bodyPr/>
+                    <a:p>
+                      <a:pPr algn="ctr">
+                        <a:buNone/>
+                      </a:pPr>
+                      <a:r>
+                        <a:rPr lang="zh-CN" altLang="en-US" sz="1200" b="1">
+                          <a:solidFill>
+                            <a:schemeClr val="tx1"/>
+                          </a:solidFill>
+                          <a:latin typeface="Consolas" panose="020B0609020204030204" charset="0"/>
+                          <a:cs typeface="Consolas" panose="020B0609020204030204" charset="0"/>
+                        </a:rPr>
+                        <a:t>主串</a:t>
+                      </a:r>
+                      <a:endParaRPr lang="zh-CN" altLang="en-US" sz="1200" b="1">
+                        <a:solidFill>
+                          <a:schemeClr val="tx1"/>
+                        </a:solidFill>
+                        <a:latin typeface="Consolas" panose="020B0609020204030204" charset="0"/>
+                        <a:cs typeface="Consolas" panose="020B0609020204030204" charset="0"/>
+                      </a:endParaRPr>
+                    </a:p>
+                  </a:txBody>
+                  <a:tcPr anchor="ctr" anchorCtr="0">
+                    <a:lnL w="12700" cmpd="sng">
+                      <a:solidFill>
+                        <a:schemeClr val="tx1"/>
+                      </a:solidFill>
+                      <a:prstDash val="solid"/>
+                    </a:lnL>
+                    <a:lnR w="12700" cmpd="sng">
+                      <a:solidFill>
+                        <a:schemeClr val="tx1"/>
+                      </a:solidFill>
+                      <a:prstDash val="solid"/>
+                    </a:lnR>
+                    <a:lnT w="12700" cmpd="sng">
+                      <a:solidFill>
+                        <a:schemeClr val="tx1"/>
+                      </a:solidFill>
+                      <a:prstDash val="solid"/>
+                    </a:lnT>
+                    <a:lnB w="12700" cmpd="sng">
+                      <a:solidFill>
+                        <a:schemeClr val="tx1"/>
+                      </a:solidFill>
+                      <a:prstDash val="solid"/>
+                    </a:lnB>
+                    <a:solidFill>
+                      <a:schemeClr val="accent4">
+                        <a:lumMod val="75000"/>
+                      </a:schemeClr>
+                    </a:solidFill>
+                  </a:tcPr>
+                </a:tc>
+                <a:tc>
+                  <a:txBody>
+                    <a:bodyPr/>
+                    <a:p>
+                      <a:pPr algn="ctr">
+                        <a:buNone/>
+                      </a:pPr>
+                      <a:r>
+                        <a:rPr lang="en-US" altLang="zh-CN" sz="1200" b="1">
+                          <a:solidFill>
+                            <a:schemeClr val="tx1"/>
+                          </a:solidFill>
+                          <a:highlight>
+                            <a:srgbClr val="FFFF00"/>
+                          </a:highlight>
+                          <a:latin typeface="Consolas" panose="020B0609020204030204" charset="0"/>
+                          <a:cs typeface="Consolas" panose="020B0609020204030204" charset="0"/>
+                        </a:rPr>
+                        <a:t>a</a:t>
+                      </a:r>
+                      <a:endParaRPr lang="en-US" altLang="zh-CN" sz="1200" b="1">
+                        <a:solidFill>
+                          <a:schemeClr val="tx1"/>
+                        </a:solidFill>
+                        <a:highlight>
+                          <a:srgbClr val="FFFF00"/>
+                        </a:highlight>
+                        <a:latin typeface="Consolas" panose="020B0609020204030204" charset="0"/>
+                        <a:cs typeface="Consolas" panose="020B0609020204030204" charset="0"/>
+                      </a:endParaRPr>
+                    </a:p>
+                  </a:txBody>
+                  <a:tcPr anchor="ctr" anchorCtr="0">
+                    <a:lnL w="12700" cmpd="sng">
+                      <a:solidFill>
+                        <a:schemeClr val="tx1"/>
+                      </a:solidFill>
+                      <a:prstDash val="solid"/>
+                    </a:lnL>
+                    <a:lnR w="12700" cmpd="sng">
+                      <a:solidFill>
+                        <a:schemeClr val="tx1"/>
+                      </a:solidFill>
+                      <a:prstDash val="solid"/>
+                    </a:lnR>
+                    <a:lnT w="12700" cmpd="sng">
+                      <a:solidFill>
+                        <a:schemeClr val="tx1"/>
+                      </a:solidFill>
+                      <a:prstDash val="solid"/>
+                    </a:lnT>
+                    <a:lnB w="12700" cmpd="sng">
+                      <a:solidFill>
+                        <a:schemeClr val="tx1"/>
+                      </a:solidFill>
+                      <a:prstDash val="solid"/>
+                    </a:lnB>
+                    <a:solidFill>
+                      <a:schemeClr val="accent6">
+                        <a:lumMod val="60000"/>
+                        <a:lumOff val="40000"/>
+                      </a:schemeClr>
+                    </a:solidFill>
+                  </a:tcPr>
+                </a:tc>
+                <a:tc>
+                  <a:txBody>
+                    <a:bodyPr/>
+                    <a:p>
+                      <a:pPr algn="ctr">
+                        <a:buNone/>
+                      </a:pPr>
+                      <a:r>
+                        <a:rPr lang="en-US" altLang="zh-CN" sz="1200" b="1">
+                          <a:solidFill>
+                            <a:schemeClr val="tx1"/>
+                          </a:solidFill>
+                          <a:highlight>
+                            <a:srgbClr val="FFFF00"/>
+                          </a:highlight>
+                          <a:latin typeface="Consolas" panose="020B0609020204030204" charset="0"/>
+                          <a:cs typeface="Consolas" panose="020B0609020204030204" charset="0"/>
+                        </a:rPr>
+                        <a:t>b</a:t>
+                      </a:r>
+                      <a:endParaRPr lang="en-US" altLang="zh-CN" sz="1200" b="1">
+                        <a:solidFill>
+                          <a:schemeClr val="tx1"/>
+                        </a:solidFill>
+                        <a:highlight>
+                          <a:srgbClr val="FFFF00"/>
+                        </a:highlight>
+                        <a:latin typeface="Consolas" panose="020B0609020204030204" charset="0"/>
+                        <a:cs typeface="Consolas" panose="020B0609020204030204" charset="0"/>
+                      </a:endParaRPr>
+                    </a:p>
+                  </a:txBody>
+                  <a:tcPr anchor="ctr" anchorCtr="0">
+                    <a:lnL w="12700" cmpd="sng">
+                      <a:solidFill>
+                        <a:schemeClr val="tx1"/>
+                      </a:solidFill>
+                      <a:prstDash val="solid"/>
+                    </a:lnL>
+                    <a:lnR w="12700" cmpd="sng">
+                      <a:solidFill>
+                        <a:schemeClr val="tx1"/>
+                      </a:solidFill>
+                      <a:prstDash val="solid"/>
+                    </a:lnR>
+                    <a:lnT w="12700" cmpd="sng">
+                      <a:solidFill>
+                        <a:schemeClr val="tx1"/>
+                      </a:solidFill>
+                      <a:prstDash val="solid"/>
+                    </a:lnT>
+                    <a:lnB w="12700" cmpd="sng">
+                      <a:solidFill>
+                        <a:schemeClr val="tx1"/>
+                      </a:solidFill>
+                      <a:prstDash val="solid"/>
+                    </a:lnB>
+                    <a:solidFill>
+                      <a:schemeClr val="accent6">
+                        <a:lumMod val="60000"/>
+                        <a:lumOff val="40000"/>
+                      </a:schemeClr>
+                    </a:solidFill>
+                  </a:tcPr>
+                </a:tc>
+                <a:tc>
+                  <a:txBody>
+                    <a:bodyPr/>
+                    <a:p>
+                      <a:pPr algn="ctr">
+                        <a:buNone/>
+                      </a:pPr>
+                      <a:r>
+                        <a:rPr lang="en-US" altLang="zh-CN" sz="1200" b="1">
+                          <a:solidFill>
+                            <a:schemeClr val="tx1"/>
+                          </a:solidFill>
+                          <a:highlight>
+                            <a:srgbClr val="FFFF00"/>
+                          </a:highlight>
+                          <a:latin typeface="Consolas" panose="020B0609020204030204" charset="0"/>
+                          <a:cs typeface="Consolas" panose="020B0609020204030204" charset="0"/>
+                        </a:rPr>
+                        <a:t>a</a:t>
+                      </a:r>
+                      <a:endParaRPr lang="en-US" altLang="zh-CN" sz="1200" b="1">
+                        <a:solidFill>
+                          <a:schemeClr val="tx1"/>
+                        </a:solidFill>
+                        <a:highlight>
+                          <a:srgbClr val="FFFF00"/>
+                        </a:highlight>
+                        <a:latin typeface="Consolas" panose="020B0609020204030204" charset="0"/>
+                        <a:cs typeface="Consolas" panose="020B0609020204030204" charset="0"/>
+                      </a:endParaRPr>
+                    </a:p>
+                  </a:txBody>
+                  <a:tcPr anchor="ctr" anchorCtr="0">
+                    <a:lnL w="12700" cmpd="sng">
+                      <a:solidFill>
+                        <a:schemeClr val="tx1"/>
+                      </a:solidFill>
+                      <a:prstDash val="solid"/>
+                    </a:lnL>
+                    <a:lnR w="12700" cmpd="sng">
+                      <a:solidFill>
+                        <a:schemeClr val="tx1"/>
+                      </a:solidFill>
+                      <a:prstDash val="solid"/>
+                    </a:lnR>
+                    <a:lnT w="12700" cmpd="sng">
+                      <a:solidFill>
+                        <a:schemeClr val="tx1"/>
+                      </a:solidFill>
+                      <a:prstDash val="solid"/>
+                    </a:lnT>
+                    <a:lnB w="12700" cmpd="sng">
+                      <a:solidFill>
+                        <a:schemeClr val="tx1"/>
+                      </a:solidFill>
+                      <a:prstDash val="solid"/>
+                    </a:lnB>
+                    <a:solidFill>
+                      <a:schemeClr val="accent6">
+                        <a:lumMod val="60000"/>
+                        <a:lumOff val="40000"/>
+                      </a:schemeClr>
+                    </a:solidFill>
+                  </a:tcPr>
+                </a:tc>
+                <a:tc>
+                  <a:txBody>
+                    <a:bodyPr/>
+                    <a:p>
+                      <a:pPr algn="ctr">
+                        <a:buNone/>
+                      </a:pPr>
+                      <a:r>
+                        <a:rPr lang="en-US" altLang="zh-CN" sz="1200" b="1">
+                          <a:solidFill>
+                            <a:schemeClr val="tx1"/>
+                          </a:solidFill>
+                          <a:highlight>
+                            <a:srgbClr val="FFFF00"/>
+                          </a:highlight>
+                          <a:latin typeface="Consolas" panose="020B0609020204030204" charset="0"/>
+                          <a:cs typeface="Consolas" panose="020B0609020204030204" charset="0"/>
+                        </a:rPr>
+                        <a:t>a</a:t>
+                      </a:r>
+                      <a:endParaRPr lang="en-US" altLang="zh-CN" sz="1200" b="1">
+                        <a:solidFill>
+                          <a:schemeClr val="tx1"/>
+                        </a:solidFill>
+                        <a:highlight>
+                          <a:srgbClr val="FFFF00"/>
+                        </a:highlight>
+                        <a:latin typeface="Consolas" panose="020B0609020204030204" charset="0"/>
+                        <a:cs typeface="Consolas" panose="020B0609020204030204" charset="0"/>
+                      </a:endParaRPr>
+                    </a:p>
+                  </a:txBody>
+                  <a:tcPr anchor="ctr" anchorCtr="0">
+                    <a:lnL w="12700" cmpd="sng">
+                      <a:solidFill>
+                        <a:schemeClr val="tx1"/>
+                      </a:solidFill>
+                      <a:prstDash val="solid"/>
+                    </a:lnL>
+                    <a:lnR w="12700" cmpd="sng">
+                      <a:solidFill>
+                        <a:schemeClr val="tx1"/>
+                      </a:solidFill>
+                      <a:prstDash val="solid"/>
+                    </a:lnR>
+                    <a:lnT w="12700" cmpd="sng">
+                      <a:solidFill>
+                        <a:schemeClr val="tx1"/>
+                      </a:solidFill>
+                      <a:prstDash val="solid"/>
+                    </a:lnT>
+                    <a:lnB w="12700" cmpd="sng">
+                      <a:solidFill>
+                        <a:schemeClr val="tx1"/>
+                      </a:solidFill>
+                      <a:prstDash val="solid"/>
+                    </a:lnB>
+                    <a:solidFill>
+                      <a:schemeClr val="accent6">
+                        <a:lumMod val="60000"/>
+                        <a:lumOff val="40000"/>
+                      </a:schemeClr>
+                    </a:solidFill>
+                  </a:tcPr>
+                </a:tc>
+                <a:tc>
+                  <a:txBody>
+                    <a:bodyPr/>
+                    <a:p>
+                      <a:pPr algn="ctr">
+                        <a:buNone/>
+                      </a:pPr>
+                      <a:r>
+                        <a:rPr lang="en-US" altLang="zh-CN" sz="1200" b="1">
+                          <a:solidFill>
+                            <a:schemeClr val="tx1"/>
+                          </a:solidFill>
+                          <a:highlight>
+                            <a:srgbClr val="FFFF00"/>
+                          </a:highlight>
+                          <a:latin typeface="Consolas" panose="020B0609020204030204" charset="0"/>
+                          <a:cs typeface="Consolas" panose="020B0609020204030204" charset="0"/>
+                        </a:rPr>
+                        <a:t>b</a:t>
+                      </a:r>
+                      <a:endParaRPr lang="en-US" altLang="zh-CN" sz="1200" b="1">
+                        <a:solidFill>
+                          <a:schemeClr val="tx1"/>
+                        </a:solidFill>
+                        <a:highlight>
+                          <a:srgbClr val="FFFF00"/>
+                        </a:highlight>
+                        <a:latin typeface="Consolas" panose="020B0609020204030204" charset="0"/>
+                        <a:cs typeface="Consolas" panose="020B0609020204030204" charset="0"/>
+                      </a:endParaRPr>
+                    </a:p>
+                  </a:txBody>
+                  <a:tcPr anchor="ctr" anchorCtr="0">
+                    <a:lnL w="12700" cmpd="sng">
+                      <a:solidFill>
+                        <a:schemeClr val="tx1"/>
+                      </a:solidFill>
+                      <a:prstDash val="solid"/>
+                    </a:lnL>
+                    <a:lnR w="12700" cmpd="sng">
+                      <a:solidFill>
+                        <a:schemeClr val="tx1"/>
+                      </a:solidFill>
+                      <a:prstDash val="solid"/>
+                    </a:lnR>
+                    <a:lnT w="12700" cmpd="sng">
+                      <a:solidFill>
+                        <a:schemeClr val="tx1"/>
+                      </a:solidFill>
+                      <a:prstDash val="solid"/>
+                    </a:lnT>
+                    <a:lnB w="12700" cmpd="sng">
+                      <a:solidFill>
+                        <a:schemeClr val="tx1"/>
+                      </a:solidFill>
+                      <a:prstDash val="solid"/>
+                    </a:lnB>
+                    <a:solidFill>
+                      <a:schemeClr val="accent6">
+                        <a:lumMod val="60000"/>
+                        <a:lumOff val="40000"/>
+                      </a:schemeClr>
+                    </a:solidFill>
+                  </a:tcPr>
+                </a:tc>
+                <a:tc>
+                  <a:txBody>
+                    <a:bodyPr/>
+                    <a:p>
+                      <a:pPr algn="ctr">
+                        <a:buNone/>
+                      </a:pPr>
+                      <a:r>
+                        <a:rPr lang="en-US" altLang="zh-CN" sz="1200" b="1">
+                          <a:solidFill>
+                            <a:schemeClr val="tx1"/>
+                          </a:solidFill>
+                          <a:highlight>
+                            <a:srgbClr val="00FFFF"/>
+                          </a:highlight>
+                          <a:latin typeface="Consolas" panose="020B0609020204030204" charset="0"/>
+                          <a:cs typeface="Consolas" panose="020B0609020204030204" charset="0"/>
+                        </a:rPr>
+                        <a:t>a</a:t>
+                      </a:r>
+                      <a:endParaRPr lang="en-US" altLang="zh-CN" sz="1200" b="1">
+                        <a:solidFill>
+                          <a:schemeClr val="tx1"/>
+                        </a:solidFill>
+                        <a:highlight>
+                          <a:srgbClr val="00FFFF"/>
+                        </a:highlight>
+                        <a:latin typeface="Consolas" panose="020B0609020204030204" charset="0"/>
+                        <a:cs typeface="Consolas" panose="020B0609020204030204" charset="0"/>
+                      </a:endParaRPr>
+                    </a:p>
+                  </a:txBody>
+                  <a:tcPr anchor="ctr" anchorCtr="0">
+                    <a:lnL w="12700" cmpd="sng">
+                      <a:solidFill>
+                        <a:schemeClr val="tx1"/>
+                      </a:solidFill>
+                      <a:prstDash val="solid"/>
+                    </a:lnL>
+                    <a:lnR w="12700" cmpd="sng">
+                      <a:solidFill>
+                        <a:schemeClr val="tx1"/>
+                      </a:solidFill>
+                      <a:prstDash val="solid"/>
+                    </a:lnR>
+                    <a:lnT w="12700" cmpd="sng">
+                      <a:solidFill>
+                        <a:schemeClr val="tx1"/>
+                      </a:solidFill>
+                      <a:prstDash val="solid"/>
+                    </a:lnT>
+                    <a:lnB w="12700" cmpd="sng">
+                      <a:solidFill>
+                        <a:schemeClr val="tx1"/>
+                      </a:solidFill>
+                      <a:prstDash val="solid"/>
+                    </a:lnB>
+                    <a:solidFill>
+                      <a:srgbClr val="00B050"/>
+                    </a:solidFill>
+                  </a:tcPr>
+                </a:tc>
+                <a:tc>
+                  <a:txBody>
+                    <a:bodyPr/>
+                    <a:p>
+                      <a:pPr algn="ctr">
+                        <a:buNone/>
+                      </a:pPr>
+                      <a:r>
+                        <a:rPr lang="en-US" altLang="zh-CN" sz="1200" b="1">
+                          <a:solidFill>
+                            <a:schemeClr val="tx1"/>
+                          </a:solidFill>
+                          <a:highlight>
+                            <a:srgbClr val="00FFFF"/>
+                          </a:highlight>
+                          <a:latin typeface="Consolas" panose="020B0609020204030204" charset="0"/>
+                          <a:cs typeface="Consolas" panose="020B0609020204030204" charset="0"/>
+                        </a:rPr>
+                        <a:t>a</a:t>
+                      </a:r>
+                      <a:endParaRPr lang="en-US" altLang="zh-CN" sz="1200" b="1">
+                        <a:solidFill>
+                          <a:schemeClr val="tx1"/>
+                        </a:solidFill>
+                        <a:highlight>
+                          <a:srgbClr val="00FFFF"/>
+                        </a:highlight>
+                        <a:latin typeface="Consolas" panose="020B0609020204030204" charset="0"/>
+                        <a:cs typeface="Consolas" panose="020B0609020204030204" charset="0"/>
+                      </a:endParaRPr>
+                    </a:p>
+                  </a:txBody>
+                  <a:tcPr anchor="ctr" anchorCtr="0">
+                    <a:lnL w="12700" cmpd="sng">
+                      <a:solidFill>
+                        <a:schemeClr val="tx1"/>
+                      </a:solidFill>
+                      <a:prstDash val="solid"/>
+                    </a:lnL>
+                    <a:lnR w="12700" cmpd="sng">
+                      <a:solidFill>
+                        <a:schemeClr val="tx1"/>
+                      </a:solidFill>
+                      <a:prstDash val="solid"/>
+                    </a:lnR>
+                    <a:lnT w="12700" cmpd="sng">
+                      <a:solidFill>
+                        <a:schemeClr val="tx1"/>
+                      </a:solidFill>
+                      <a:prstDash val="solid"/>
+                    </a:lnT>
+                    <a:lnB w="12700" cmpd="sng">
+                      <a:solidFill>
+                        <a:schemeClr val="tx1"/>
+                      </a:solidFill>
+                      <a:prstDash val="solid"/>
+                    </a:lnB>
+                    <a:solidFill>
+                      <a:srgbClr val="00B050"/>
+                    </a:solidFill>
+                  </a:tcPr>
+                </a:tc>
+                <a:tc>
+                  <a:txBody>
+                    <a:bodyPr/>
+                    <a:p>
+                      <a:pPr algn="ctr">
+                        <a:buNone/>
+                      </a:pPr>
+                      <a:r>
+                        <a:rPr lang="en-US" altLang="zh-CN" sz="1200" b="1">
+                          <a:solidFill>
+                            <a:schemeClr val="tx1"/>
+                          </a:solidFill>
+                          <a:highlight>
+                            <a:srgbClr val="00FFFF"/>
+                          </a:highlight>
+                          <a:latin typeface="Consolas" panose="020B0609020204030204" charset="0"/>
+                          <a:cs typeface="Consolas" panose="020B0609020204030204" charset="0"/>
+                        </a:rPr>
+                        <a:t>b</a:t>
+                      </a:r>
+                      <a:endParaRPr lang="en-US" altLang="zh-CN" sz="1200" b="1">
+                        <a:solidFill>
+                          <a:schemeClr val="tx1"/>
+                        </a:solidFill>
+                        <a:highlight>
+                          <a:srgbClr val="00FFFF"/>
+                        </a:highlight>
+                        <a:latin typeface="Consolas" panose="020B0609020204030204" charset="0"/>
+                        <a:cs typeface="Consolas" panose="020B0609020204030204" charset="0"/>
+                      </a:endParaRPr>
+                    </a:p>
+                  </a:txBody>
+                  <a:tcPr anchor="ctr" anchorCtr="0">
+                    <a:lnL w="12700" cmpd="sng">
+                      <a:solidFill>
+                        <a:schemeClr val="tx1"/>
+                      </a:solidFill>
+                      <a:prstDash val="solid"/>
+                    </a:lnL>
+                    <a:lnR w="12700" cmpd="sng">
+                      <a:solidFill>
+                        <a:schemeClr val="tx1"/>
+                      </a:solidFill>
+                      <a:prstDash val="solid"/>
+                    </a:lnR>
+                    <a:lnT w="12700" cmpd="sng">
+                      <a:solidFill>
+                        <a:schemeClr val="tx1"/>
+                      </a:solidFill>
+                      <a:prstDash val="solid"/>
+                    </a:lnT>
+                    <a:lnB w="12700" cmpd="sng">
+                      <a:solidFill>
+                        <a:schemeClr val="tx1"/>
+                      </a:solidFill>
+                      <a:prstDash val="solid"/>
+                    </a:lnB>
+                    <a:solidFill>
+                      <a:srgbClr val="00B050"/>
+                    </a:solidFill>
+                  </a:tcPr>
+                </a:tc>
+                <a:tc>
+                  <a:txBody>
+                    <a:bodyPr/>
+                    <a:p>
+                      <a:pPr algn="ctr">
+                        <a:buNone/>
+                      </a:pPr>
+                      <a:r>
+                        <a:rPr lang="en-US" altLang="zh-CN" sz="1200" b="1">
+                          <a:solidFill>
+                            <a:schemeClr val="tx1"/>
+                          </a:solidFill>
+                          <a:highlight>
+                            <a:srgbClr val="00FFFF"/>
+                          </a:highlight>
+                          <a:latin typeface="Consolas" panose="020B0609020204030204" charset="0"/>
+                          <a:cs typeface="Consolas" panose="020B0609020204030204" charset="0"/>
+                        </a:rPr>
+                        <a:t>c</a:t>
+                      </a:r>
+                      <a:endParaRPr lang="en-US" altLang="zh-CN" sz="1200" b="1">
+                        <a:solidFill>
+                          <a:schemeClr val="tx1"/>
+                        </a:solidFill>
+                        <a:highlight>
+                          <a:srgbClr val="00FFFF"/>
+                        </a:highlight>
+                        <a:latin typeface="Consolas" panose="020B0609020204030204" charset="0"/>
+                        <a:cs typeface="Consolas" panose="020B0609020204030204" charset="0"/>
+                      </a:endParaRPr>
+                    </a:p>
+                  </a:txBody>
+                  <a:tcPr anchor="ctr" anchorCtr="0">
+                    <a:lnL w="12700" cmpd="sng">
+                      <a:solidFill>
+                        <a:schemeClr val="tx1"/>
+                      </a:solidFill>
+                      <a:prstDash val="solid"/>
+                    </a:lnL>
+                    <a:lnR w="12700" cmpd="sng">
+                      <a:solidFill>
+                        <a:schemeClr val="tx1"/>
+                      </a:solidFill>
+                      <a:prstDash val="solid"/>
+                    </a:lnR>
+                    <a:lnT w="12700" cmpd="sng">
+                      <a:solidFill>
+                        <a:schemeClr val="tx1"/>
+                      </a:solidFill>
+                      <a:prstDash val="solid"/>
+                    </a:lnT>
+                    <a:lnB w="12700" cmpd="sng">
+                      <a:solidFill>
+                        <a:schemeClr val="tx1"/>
+                      </a:solidFill>
+                      <a:prstDash val="solid"/>
+                    </a:lnB>
+                    <a:solidFill>
+                      <a:srgbClr val="00B050"/>
+                    </a:solidFill>
+                  </a:tcPr>
+                </a:tc>
+                <a:tc>
+                  <a:txBody>
+                    <a:bodyPr/>
+                    <a:p>
+                      <a:pPr algn="ctr">
+                        <a:buNone/>
+                      </a:pPr>
+                      <a:r>
+                        <a:rPr lang="en-US" altLang="zh-CN" sz="1200" b="1">
+                          <a:solidFill>
+                            <a:schemeClr val="tx1"/>
+                          </a:solidFill>
+                          <a:latin typeface="Consolas" panose="020B0609020204030204" charset="0"/>
+                          <a:cs typeface="Consolas" panose="020B0609020204030204" charset="0"/>
+                        </a:rPr>
+                        <a:t>a</a:t>
+                      </a:r>
+                      <a:endParaRPr lang="en-US" altLang="zh-CN" sz="1200" b="1">
+                        <a:solidFill>
+                          <a:schemeClr val="tx1"/>
+                        </a:solidFill>
+                        <a:latin typeface="Consolas" panose="020B0609020204030204" charset="0"/>
+                        <a:cs typeface="Consolas" panose="020B0609020204030204" charset="0"/>
+                      </a:endParaRPr>
+                    </a:p>
+                  </a:txBody>
+                  <a:tcPr anchor="ctr" anchorCtr="0">
+                    <a:lnL w="12700" cmpd="sng">
+                      <a:solidFill>
+                        <a:schemeClr val="tx1"/>
+                      </a:solidFill>
+                      <a:prstDash val="solid"/>
+                    </a:lnL>
+                    <a:lnR w="12700" cmpd="sng">
+                      <a:solidFill>
+                        <a:schemeClr val="tx1"/>
+                      </a:solidFill>
+                      <a:prstDash val="solid"/>
+                    </a:lnR>
+                    <a:lnT w="12700" cmpd="sng">
+                      <a:solidFill>
+                        <a:schemeClr val="tx1"/>
+                      </a:solidFill>
+                      <a:prstDash val="solid"/>
+                    </a:lnT>
+                    <a:lnB w="12700" cmpd="sng">
+                      <a:solidFill>
+                        <a:schemeClr val="tx1"/>
+                      </a:solidFill>
+                      <a:prstDash val="solid"/>
+                    </a:lnB>
+                    <a:solidFill>
+                      <a:schemeClr val="bg1"/>
+                    </a:solidFill>
+                  </a:tcPr>
+                </a:tc>
+                <a:tc>
+                  <a:txBody>
+                    <a:bodyPr/>
+                    <a:p>
+                      <a:pPr algn="ctr">
+                        <a:buNone/>
+                      </a:pPr>
+                      <a:r>
+                        <a:rPr lang="en-US" altLang="zh-CN" sz="1200" b="1">
+                          <a:solidFill>
+                            <a:schemeClr val="tx1"/>
+                          </a:solidFill>
+                          <a:latin typeface="Consolas" panose="020B0609020204030204" charset="0"/>
+                          <a:cs typeface="Consolas" panose="020B0609020204030204" charset="0"/>
+                        </a:rPr>
+                        <a:t>b</a:t>
+                      </a:r>
+                      <a:endParaRPr lang="en-US" altLang="zh-CN" sz="1200" b="1">
+                        <a:solidFill>
+                          <a:schemeClr val="tx1"/>
+                        </a:solidFill>
+                        <a:latin typeface="Consolas" panose="020B0609020204030204" charset="0"/>
+                        <a:cs typeface="Consolas" panose="020B0609020204030204" charset="0"/>
+                      </a:endParaRPr>
+                    </a:p>
+                  </a:txBody>
+                  <a:tcPr anchor="ctr" anchorCtr="0">
+                    <a:lnL w="12700" cmpd="sng">
+                      <a:solidFill>
+                        <a:schemeClr val="tx1"/>
+                      </a:solidFill>
+                      <a:prstDash val="solid"/>
+                    </a:lnL>
+                    <a:lnR w="12700" cmpd="sng">
+                      <a:solidFill>
+                        <a:schemeClr val="tx1"/>
+                      </a:solidFill>
+                      <a:prstDash val="solid"/>
+                    </a:lnR>
+                    <a:lnT w="12700" cmpd="sng">
+                      <a:solidFill>
+                        <a:schemeClr val="tx1"/>
+                      </a:solidFill>
+                      <a:prstDash val="solid"/>
+                    </a:lnT>
+                    <a:lnB w="12700" cmpd="sng">
+                      <a:solidFill>
+                        <a:schemeClr val="tx1"/>
+                      </a:solidFill>
+                      <a:prstDash val="solid"/>
+                    </a:lnB>
+                    <a:solidFill>
+                      <a:schemeClr val="bg1"/>
+                    </a:solidFill>
+                  </a:tcPr>
+                </a:tc>
+                <a:tc>
+                  <a:txBody>
+                    <a:bodyPr/>
+                    <a:p>
+                      <a:pPr algn="ctr">
+                        <a:buNone/>
+                      </a:pPr>
+                      <a:r>
+                        <a:rPr lang="en-US" altLang="zh-CN" sz="1200" b="1">
+                          <a:solidFill>
+                            <a:schemeClr val="tx1"/>
+                          </a:solidFill>
+                          <a:latin typeface="Consolas" panose="020B0609020204030204" charset="0"/>
+                          <a:cs typeface="Consolas" panose="020B0609020204030204" charset="0"/>
+                        </a:rPr>
+                        <a:t>a</a:t>
+                      </a:r>
+                      <a:endParaRPr lang="en-US" altLang="zh-CN" sz="1200" b="1">
+                        <a:solidFill>
+                          <a:schemeClr val="tx1"/>
+                        </a:solidFill>
+                        <a:latin typeface="Consolas" panose="020B0609020204030204" charset="0"/>
+                        <a:cs typeface="Consolas" panose="020B0609020204030204" charset="0"/>
+                      </a:endParaRPr>
+                    </a:p>
+                  </a:txBody>
+                  <a:tcPr anchor="ctr" anchorCtr="0">
+                    <a:lnL w="12700" cmpd="sng">
+                      <a:solidFill>
+                        <a:schemeClr val="tx1"/>
+                      </a:solidFill>
+                      <a:prstDash val="solid"/>
+                    </a:lnL>
+                    <a:lnR w="12700" cmpd="sng">
+                      <a:solidFill>
+                        <a:schemeClr val="tx1"/>
+                      </a:solidFill>
+                      <a:prstDash val="solid"/>
+                    </a:lnR>
+                    <a:lnT w="12700" cmpd="sng">
+                      <a:solidFill>
+                        <a:schemeClr val="tx1"/>
+                      </a:solidFill>
+                      <a:prstDash val="solid"/>
+                    </a:lnT>
+                    <a:lnB w="12700" cmpd="sng">
+                      <a:solidFill>
+                        <a:schemeClr val="tx1"/>
+                      </a:solidFill>
+                      <a:prstDash val="solid"/>
+                    </a:lnB>
+                    <a:solidFill>
+                      <a:schemeClr val="bg1"/>
+                    </a:solidFill>
+                  </a:tcPr>
+                </a:tc>
+                <a:tc>
+                  <a:txBody>
+                    <a:bodyPr/>
+                    <a:p>
+                      <a:pPr algn="ctr">
+                        <a:buNone/>
+                      </a:pPr>
+                      <a:r>
+                        <a:rPr lang="en-US" altLang="zh-CN" sz="1200" b="1">
+                          <a:solidFill>
+                            <a:schemeClr val="tx1"/>
+                          </a:solidFill>
+                          <a:latin typeface="Consolas" panose="020B0609020204030204" charset="0"/>
+                          <a:cs typeface="Consolas" panose="020B0609020204030204" charset="0"/>
+                        </a:rPr>
+                        <a:t>a</a:t>
+                      </a:r>
+                      <a:endParaRPr lang="en-US" altLang="zh-CN" sz="1200" b="1">
+                        <a:solidFill>
+                          <a:schemeClr val="tx1"/>
+                        </a:solidFill>
+                        <a:latin typeface="Consolas" panose="020B0609020204030204" charset="0"/>
+                        <a:cs typeface="Consolas" panose="020B0609020204030204" charset="0"/>
+                      </a:endParaRPr>
+                    </a:p>
+                  </a:txBody>
+                  <a:tcPr anchor="ctr" anchorCtr="0">
+                    <a:lnL w="12700" cmpd="sng">
+                      <a:solidFill>
+                        <a:schemeClr val="tx1"/>
+                      </a:solidFill>
+                      <a:prstDash val="solid"/>
+                    </a:lnL>
+                    <a:lnR w="12700" cmpd="sng">
+                      <a:solidFill>
+                        <a:schemeClr val="tx1"/>
+                      </a:solidFill>
+                      <a:prstDash val="solid"/>
+                    </a:lnR>
+                    <a:lnT w="12700" cmpd="sng">
+                      <a:solidFill>
+                        <a:schemeClr val="tx1"/>
+                      </a:solidFill>
+                      <a:prstDash val="solid"/>
+                    </a:lnT>
+                    <a:lnB w="12700" cmpd="sng">
+                      <a:solidFill>
+                        <a:schemeClr val="tx1"/>
+                      </a:solidFill>
+                      <a:prstDash val="solid"/>
+                    </a:lnB>
+                    <a:solidFill>
+                      <a:schemeClr val="bg1"/>
+                    </a:solidFill>
+                  </a:tcPr>
+                </a:tc>
+                <a:tc>
+                  <a:txBody>
+                    <a:bodyPr/>
+                    <a:p>
+                      <a:pPr algn="ctr">
+                        <a:buNone/>
+                      </a:pPr>
+                      <a:r>
+                        <a:rPr lang="en-US" altLang="zh-CN" sz="1200" b="1">
+                          <a:solidFill>
+                            <a:schemeClr val="tx1"/>
+                          </a:solidFill>
+                          <a:latin typeface="Consolas" panose="020B0609020204030204" charset="0"/>
+                          <a:cs typeface="Consolas" panose="020B0609020204030204" charset="0"/>
+                        </a:rPr>
+                        <a:t>b</a:t>
+                      </a:r>
+                      <a:endParaRPr lang="en-US" altLang="zh-CN" sz="1200" b="1">
+                        <a:solidFill>
+                          <a:schemeClr val="tx1"/>
+                        </a:solidFill>
+                        <a:latin typeface="Consolas" panose="020B0609020204030204" charset="0"/>
+                        <a:cs typeface="Consolas" panose="020B0609020204030204" charset="0"/>
+                      </a:endParaRPr>
+                    </a:p>
+                  </a:txBody>
+                  <a:tcPr anchor="ctr" anchorCtr="0">
+                    <a:lnL w="12700" cmpd="sng">
+                      <a:solidFill>
+                        <a:schemeClr val="tx1"/>
+                      </a:solidFill>
+                      <a:prstDash val="solid"/>
+                    </a:lnL>
+                    <a:lnR w="12700" cmpd="sng">
+                      <a:solidFill>
+                        <a:schemeClr val="tx1"/>
+                      </a:solidFill>
+                      <a:prstDash val="solid"/>
+                    </a:lnR>
+                    <a:lnT w="12700" cmpd="sng">
+                      <a:solidFill>
+                        <a:schemeClr val="tx1"/>
+                      </a:solidFill>
+                      <a:prstDash val="solid"/>
+                    </a:lnT>
+                    <a:lnB w="12700" cmpd="sng">
+                      <a:solidFill>
+                        <a:schemeClr val="tx1"/>
+                      </a:solidFill>
+                      <a:prstDash val="solid"/>
+                    </a:lnB>
+                    <a:solidFill>
+                      <a:schemeClr val="bg1"/>
+                    </a:solidFill>
+                  </a:tcPr>
+                </a:tc>
+                <a:tc>
+                  <a:txBody>
+                    <a:bodyPr/>
+                    <a:p>
+                      <a:pPr algn="ctr">
+                        <a:buNone/>
+                      </a:pPr>
+                      <a:r>
+                        <a:rPr lang="en-US" altLang="zh-CN" sz="1200" b="1">
+                          <a:solidFill>
+                            <a:schemeClr val="tx1"/>
+                          </a:solidFill>
+                          <a:latin typeface="Consolas" panose="020B0609020204030204" charset="0"/>
+                          <a:cs typeface="Consolas" panose="020B0609020204030204" charset="0"/>
+                        </a:rPr>
+                        <a:t>c</a:t>
+                      </a:r>
+                      <a:endParaRPr lang="en-US" altLang="zh-CN" sz="1200" b="1">
+                        <a:solidFill>
+                          <a:schemeClr val="tx1"/>
+                        </a:solidFill>
+                        <a:latin typeface="Consolas" panose="020B0609020204030204" charset="0"/>
+                        <a:cs typeface="Consolas" panose="020B0609020204030204" charset="0"/>
+                      </a:endParaRPr>
+                    </a:p>
+                  </a:txBody>
+                  <a:tcPr anchor="ctr" anchorCtr="0">
+                    <a:lnL w="12700" cmpd="sng">
+                      <a:solidFill>
+                        <a:schemeClr val="tx1"/>
+                      </a:solidFill>
+                      <a:prstDash val="solid"/>
+                    </a:lnL>
+                    <a:lnR w="12700" cmpd="sng">
+                      <a:solidFill>
+                        <a:schemeClr val="tx1"/>
+                      </a:solidFill>
+                      <a:prstDash val="solid"/>
+                    </a:lnR>
+                    <a:lnT w="12700" cmpd="sng">
+                      <a:solidFill>
+                        <a:schemeClr val="tx1"/>
+                      </a:solidFill>
+                      <a:prstDash val="solid"/>
+                    </a:lnT>
+                    <a:lnB w="12700" cmpd="sng">
+                      <a:solidFill>
+                        <a:schemeClr val="tx1"/>
+                      </a:solidFill>
+                      <a:prstDash val="solid"/>
+                    </a:lnB>
+                    <a:solidFill>
+                      <a:schemeClr val="bg1"/>
+                    </a:solidFill>
+                  </a:tcPr>
+                </a:tc>
+              </a:tr>
+              <a:tr h="350520">
+                <a:tc>
+                  <a:txBody>
+                    <a:bodyPr/>
+                    <a:p>
+                      <a:pPr algn="ctr">
+                        <a:buNone/>
+                      </a:pPr>
+                      <a:r>
+                        <a:rPr lang="zh-CN" altLang="en-US" sz="1200" b="1">
+                          <a:solidFill>
+                            <a:schemeClr val="tx1"/>
+                          </a:solidFill>
+                          <a:latin typeface="Consolas" panose="020B0609020204030204" charset="0"/>
+                          <a:cs typeface="Consolas" panose="020B0609020204030204" charset="0"/>
+                        </a:rPr>
+                        <a:t>第一次</a:t>
+                      </a:r>
+                      <a:endParaRPr lang="zh-CN" altLang="en-US" sz="1200" b="1">
+                        <a:solidFill>
+                          <a:schemeClr val="tx1"/>
+                        </a:solidFill>
+                        <a:latin typeface="Consolas" panose="020B0609020204030204" charset="0"/>
+                        <a:cs typeface="Consolas" panose="020B0609020204030204" charset="0"/>
+                      </a:endParaRPr>
+                    </a:p>
+                  </a:txBody>
+                  <a:tcPr anchor="ctr" anchorCtr="0">
+                    <a:lnL w="12700" cmpd="sng">
+                      <a:solidFill>
+                        <a:schemeClr val="tx1"/>
+                      </a:solidFill>
+                      <a:prstDash val="solid"/>
+                    </a:lnL>
+                    <a:lnR w="12700" cmpd="sng">
+                      <a:solidFill>
+                        <a:schemeClr val="tx1"/>
+                      </a:solidFill>
+                      <a:prstDash val="solid"/>
+                    </a:lnR>
+                    <a:lnT w="12700" cmpd="sng">
+                      <a:solidFill>
+                        <a:schemeClr val="tx1"/>
+                      </a:solidFill>
+                      <a:prstDash val="solid"/>
+                    </a:lnT>
+                    <a:lnB w="12700" cmpd="sng">
+                      <a:solidFill>
+                        <a:schemeClr val="tx1"/>
+                      </a:solidFill>
+                      <a:prstDash val="solid"/>
+                    </a:lnB>
+                    <a:solidFill>
+                      <a:schemeClr val="accent4">
+                        <a:lumMod val="75000"/>
+                      </a:schemeClr>
+                    </a:solidFill>
+                  </a:tcPr>
+                </a:tc>
+                <a:tc>
+                  <a:txBody>
+                    <a:bodyPr/>
+                    <a:p>
+                      <a:pPr algn="ctr">
+                        <a:buNone/>
+                      </a:pPr>
+                      <a:r>
+                        <a:rPr lang="en-US" altLang="zh-CN" sz="1200" b="1" u="sng">
+                          <a:solidFill>
+                            <a:schemeClr val="tx1"/>
+                          </a:solidFill>
+                          <a:highlight>
+                            <a:srgbClr val="FFFF00"/>
+                          </a:highlight>
+                          <a:latin typeface="Consolas" panose="020B0609020204030204" charset="0"/>
+                          <a:cs typeface="Consolas" panose="020B0609020204030204" charset="0"/>
+                        </a:rPr>
+                        <a:t>a</a:t>
+                      </a:r>
+                      <a:endParaRPr lang="en-US" altLang="zh-CN" sz="1200" b="1" u="sng">
+                        <a:solidFill>
+                          <a:schemeClr val="tx1"/>
+                        </a:solidFill>
+                        <a:highlight>
+                          <a:srgbClr val="FFFF00"/>
+                        </a:highlight>
+                        <a:latin typeface="Consolas" panose="020B0609020204030204" charset="0"/>
+                        <a:cs typeface="Consolas" panose="020B0609020204030204" charset="0"/>
+                      </a:endParaRPr>
+                    </a:p>
+                  </a:txBody>
+                  <a:tcPr anchor="ctr" anchorCtr="0">
+                    <a:lnL w="12700" cmpd="sng">
+                      <a:solidFill>
+                        <a:schemeClr val="tx1"/>
+                      </a:solidFill>
+                      <a:prstDash val="solid"/>
+                    </a:lnL>
+                    <a:lnR w="12700" cmpd="sng">
+                      <a:solidFill>
+                        <a:schemeClr val="tx1"/>
+                      </a:solidFill>
+                      <a:prstDash val="solid"/>
+                    </a:lnR>
+                    <a:lnT w="12700" cmpd="sng">
+                      <a:solidFill>
+                        <a:schemeClr val="tx1"/>
+                      </a:solidFill>
+                      <a:prstDash val="solid"/>
+                    </a:lnT>
+                    <a:lnB w="12700" cmpd="sng">
+                      <a:solidFill>
+                        <a:schemeClr val="tx1"/>
+                      </a:solidFill>
+                      <a:prstDash val="solid"/>
+                    </a:lnB>
+                    <a:solidFill>
+                      <a:schemeClr val="accent2">
+                        <a:lumMod val="40000"/>
+                        <a:lumOff val="60000"/>
+                      </a:schemeClr>
+                    </a:solidFill>
+                  </a:tcPr>
+                </a:tc>
+                <a:tc>
+                  <a:txBody>
+                    <a:bodyPr/>
+                    <a:p>
+                      <a:pPr algn="ctr">
+                        <a:buNone/>
+                      </a:pPr>
+                      <a:r>
+                        <a:rPr lang="en-US" altLang="zh-CN" sz="1200" b="1" u="sng">
+                          <a:solidFill>
+                            <a:schemeClr val="tx1"/>
+                          </a:solidFill>
+                          <a:highlight>
+                            <a:srgbClr val="FFFF00"/>
+                          </a:highlight>
+                          <a:latin typeface="Consolas" panose="020B0609020204030204" charset="0"/>
+                          <a:cs typeface="Consolas" panose="020B0609020204030204" charset="0"/>
+                        </a:rPr>
+                        <a:t>b</a:t>
+                      </a:r>
+                      <a:endParaRPr lang="en-US" altLang="zh-CN" sz="1200" b="1" u="sng">
+                        <a:solidFill>
+                          <a:schemeClr val="tx1"/>
+                        </a:solidFill>
+                        <a:highlight>
+                          <a:srgbClr val="FFFF00"/>
+                        </a:highlight>
+                        <a:latin typeface="Consolas" panose="020B0609020204030204" charset="0"/>
+                        <a:cs typeface="Consolas" panose="020B0609020204030204" charset="0"/>
+                      </a:endParaRPr>
+                    </a:p>
+                  </a:txBody>
+                  <a:tcPr anchor="ctr" anchorCtr="0">
+                    <a:lnL w="12700" cmpd="sng">
+                      <a:solidFill>
+                        <a:schemeClr val="tx1"/>
+                      </a:solidFill>
+                      <a:prstDash val="solid"/>
+                    </a:lnL>
+                    <a:lnR w="12700" cmpd="sng">
+                      <a:solidFill>
+                        <a:schemeClr val="tx1"/>
+                      </a:solidFill>
+                      <a:prstDash val="solid"/>
+                    </a:lnR>
+                    <a:lnT w="12700" cmpd="sng">
+                      <a:solidFill>
+                        <a:schemeClr val="tx1"/>
+                      </a:solidFill>
+                      <a:prstDash val="solid"/>
+                    </a:lnT>
+                    <a:lnB w="12700" cmpd="sng">
+                      <a:solidFill>
+                        <a:schemeClr val="tx1"/>
+                      </a:solidFill>
+                      <a:prstDash val="solid"/>
+                    </a:lnB>
+                    <a:solidFill>
+                      <a:schemeClr val="accent2">
+                        <a:lumMod val="40000"/>
+                        <a:lumOff val="60000"/>
+                      </a:schemeClr>
+                    </a:solidFill>
+                  </a:tcPr>
+                </a:tc>
+                <a:tc>
+                  <a:txBody>
+                    <a:bodyPr/>
+                    <a:p>
+                      <a:pPr algn="ctr">
+                        <a:buNone/>
+                      </a:pPr>
+                      <a:r>
+                        <a:rPr lang="en-US" altLang="zh-CN" sz="1200" b="1" u="sng">
+                          <a:solidFill>
+                            <a:schemeClr val="tx1"/>
+                          </a:solidFill>
+                          <a:highlight>
+                            <a:srgbClr val="FFFF00"/>
+                          </a:highlight>
+                          <a:latin typeface="Consolas" panose="020B0609020204030204" charset="0"/>
+                          <a:cs typeface="Consolas" panose="020B0609020204030204" charset="0"/>
+                        </a:rPr>
+                        <a:t>a</a:t>
+                      </a:r>
+                      <a:endParaRPr lang="en-US" altLang="zh-CN" sz="1200" b="1" u="sng">
+                        <a:solidFill>
+                          <a:schemeClr val="tx1"/>
+                        </a:solidFill>
+                        <a:highlight>
+                          <a:srgbClr val="FFFF00"/>
+                        </a:highlight>
+                        <a:latin typeface="Consolas" panose="020B0609020204030204" charset="0"/>
+                        <a:cs typeface="Consolas" panose="020B0609020204030204" charset="0"/>
+                      </a:endParaRPr>
+                    </a:p>
+                  </a:txBody>
+                  <a:tcPr anchor="ctr" anchorCtr="0">
+                    <a:lnL w="12700" cmpd="sng">
+                      <a:solidFill>
+                        <a:schemeClr val="tx1"/>
+                      </a:solidFill>
+                      <a:prstDash val="solid"/>
+                    </a:lnL>
+                    <a:lnR w="12700" cmpd="sng">
+                      <a:solidFill>
+                        <a:schemeClr val="tx1"/>
+                      </a:solidFill>
+                      <a:prstDash val="solid"/>
+                    </a:lnR>
+                    <a:lnT w="12700" cmpd="sng">
+                      <a:solidFill>
+                        <a:schemeClr val="tx1"/>
+                      </a:solidFill>
+                      <a:prstDash val="solid"/>
+                    </a:lnT>
+                    <a:lnB w="12700" cmpd="sng">
+                      <a:solidFill>
+                        <a:schemeClr val="tx1"/>
+                      </a:solidFill>
+                      <a:prstDash val="solid"/>
+                    </a:lnB>
+                    <a:solidFill>
+                      <a:schemeClr val="accent2">
+                        <a:lumMod val="40000"/>
+                        <a:lumOff val="60000"/>
+                      </a:schemeClr>
+                    </a:solidFill>
+                  </a:tcPr>
+                </a:tc>
+                <a:tc>
+                  <a:txBody>
+                    <a:bodyPr/>
+                    <a:p>
+                      <a:pPr algn="ctr">
+                        <a:buNone/>
+                      </a:pPr>
+                      <a:r>
+                        <a:rPr lang="en-US" altLang="zh-CN" sz="1200" b="1" u="sng">
+                          <a:solidFill>
+                            <a:schemeClr val="tx1"/>
+                          </a:solidFill>
+                          <a:highlight>
+                            <a:srgbClr val="FFFF00"/>
+                          </a:highlight>
+                          <a:latin typeface="Consolas" panose="020B0609020204030204" charset="0"/>
+                          <a:cs typeface="Consolas" panose="020B0609020204030204" charset="0"/>
+                        </a:rPr>
+                        <a:t>a</a:t>
+                      </a:r>
+                      <a:endParaRPr lang="en-US" altLang="zh-CN" sz="1200" b="1" u="sng">
+                        <a:solidFill>
+                          <a:schemeClr val="tx1"/>
+                        </a:solidFill>
+                        <a:highlight>
+                          <a:srgbClr val="FFFF00"/>
+                        </a:highlight>
+                        <a:latin typeface="Consolas" panose="020B0609020204030204" charset="0"/>
+                        <a:cs typeface="Consolas" panose="020B0609020204030204" charset="0"/>
+                      </a:endParaRPr>
+                    </a:p>
+                  </a:txBody>
+                  <a:tcPr anchor="ctr" anchorCtr="0">
+                    <a:lnL w="12700" cmpd="sng">
+                      <a:solidFill>
+                        <a:schemeClr val="tx1"/>
+                      </a:solidFill>
+                      <a:prstDash val="solid"/>
+                    </a:lnL>
+                    <a:lnR w="12700" cmpd="sng">
+                      <a:solidFill>
+                        <a:schemeClr val="tx1"/>
+                      </a:solidFill>
+                      <a:prstDash val="solid"/>
+                    </a:lnR>
+                    <a:lnT w="12700" cmpd="sng">
+                      <a:solidFill>
+                        <a:schemeClr val="tx1"/>
+                      </a:solidFill>
+                      <a:prstDash val="solid"/>
+                    </a:lnT>
+                    <a:lnB w="12700" cmpd="sng">
+                      <a:solidFill>
+                        <a:schemeClr val="tx1"/>
+                      </a:solidFill>
+                      <a:prstDash val="solid"/>
+                    </a:lnB>
+                    <a:solidFill>
+                      <a:schemeClr val="accent2">
+                        <a:lumMod val="40000"/>
+                        <a:lumOff val="60000"/>
+                      </a:schemeClr>
+                    </a:solidFill>
+                  </a:tcPr>
+                </a:tc>
+                <a:tc>
+                  <a:txBody>
+                    <a:bodyPr/>
+                    <a:p>
+                      <a:pPr algn="ctr">
+                        <a:buNone/>
+                      </a:pPr>
+                      <a:r>
+                        <a:rPr lang="en-US" altLang="zh-CN" sz="1200" b="1" u="sng">
+                          <a:solidFill>
+                            <a:schemeClr val="tx1"/>
+                          </a:solidFill>
+                          <a:highlight>
+                            <a:srgbClr val="FFFF00"/>
+                          </a:highlight>
+                          <a:latin typeface="Consolas" panose="020B0609020204030204" charset="0"/>
+                          <a:cs typeface="Consolas" panose="020B0609020204030204" charset="0"/>
+                        </a:rPr>
+                        <a:t>b</a:t>
+                      </a:r>
+                      <a:endParaRPr lang="en-US" altLang="zh-CN" sz="1200" b="1" u="sng">
+                        <a:solidFill>
+                          <a:schemeClr val="tx1"/>
+                        </a:solidFill>
+                        <a:highlight>
+                          <a:srgbClr val="FFFF00"/>
+                        </a:highlight>
+                        <a:latin typeface="Consolas" panose="020B0609020204030204" charset="0"/>
+                        <a:cs typeface="Consolas" panose="020B0609020204030204" charset="0"/>
+                      </a:endParaRPr>
+                    </a:p>
+                  </a:txBody>
+                  <a:tcPr anchor="ctr" anchorCtr="0">
+                    <a:lnL w="12700" cmpd="sng">
+                      <a:solidFill>
+                        <a:schemeClr val="tx1"/>
+                      </a:solidFill>
+                      <a:prstDash val="solid"/>
+                    </a:lnL>
+                    <a:lnR w="12700" cmpd="sng">
+                      <a:solidFill>
+                        <a:schemeClr val="tx1"/>
+                      </a:solidFill>
+                      <a:prstDash val="solid"/>
+                    </a:lnR>
+                    <a:lnT w="12700" cmpd="sng">
+                      <a:solidFill>
+                        <a:schemeClr val="tx1"/>
+                      </a:solidFill>
+                      <a:prstDash val="solid"/>
+                    </a:lnT>
+                    <a:lnB w="12700" cmpd="sng">
+                      <a:solidFill>
+                        <a:schemeClr val="tx1"/>
+                      </a:solidFill>
+                      <a:prstDash val="solid"/>
+                    </a:lnB>
+                    <a:solidFill>
+                      <a:schemeClr val="accent2">
+                        <a:lumMod val="40000"/>
+                        <a:lumOff val="60000"/>
+                      </a:schemeClr>
+                    </a:solidFill>
+                  </a:tcPr>
+                </a:tc>
+                <a:tc>
+                  <a:txBody>
+                    <a:bodyPr/>
+                    <a:p>
+                      <a:pPr algn="ctr">
+                        <a:buNone/>
+                      </a:pPr>
+                      <a:r>
+                        <a:rPr lang="en-US" altLang="zh-CN" sz="1200" b="1" u="sng">
+                          <a:solidFill>
+                            <a:schemeClr val="tx1"/>
+                          </a:solidFill>
+                          <a:latin typeface="Consolas" panose="020B0609020204030204" charset="0"/>
+                          <a:cs typeface="Consolas" panose="020B0609020204030204" charset="0"/>
+                        </a:rPr>
+                        <a:t>c</a:t>
+                      </a:r>
+                      <a:endParaRPr lang="en-US" altLang="zh-CN" sz="1200" b="1" u="sng">
+                        <a:solidFill>
+                          <a:schemeClr val="tx1"/>
+                        </a:solidFill>
+                        <a:latin typeface="Consolas" panose="020B0609020204030204" charset="0"/>
+                        <a:cs typeface="Consolas" panose="020B0609020204030204" charset="0"/>
+                      </a:endParaRPr>
+                    </a:p>
+                  </a:txBody>
+                  <a:tcPr anchor="ctr" anchorCtr="0">
+                    <a:lnL w="12700" cmpd="sng">
+                      <a:solidFill>
+                        <a:schemeClr val="tx1"/>
+                      </a:solidFill>
+                      <a:prstDash val="solid"/>
+                    </a:lnL>
+                    <a:lnR w="12700" cmpd="sng">
+                      <a:solidFill>
+                        <a:schemeClr val="tx1"/>
+                      </a:solidFill>
+                      <a:prstDash val="solid"/>
+                    </a:lnR>
+                    <a:lnT w="12700" cmpd="sng">
+                      <a:solidFill>
+                        <a:schemeClr val="tx1"/>
+                      </a:solidFill>
+                      <a:prstDash val="solid"/>
+                    </a:lnT>
+                    <a:lnB w="12700" cmpd="sng">
+                      <a:solidFill>
+                        <a:schemeClr val="tx1"/>
+                      </a:solidFill>
+                      <a:prstDash val="solid"/>
+                    </a:lnB>
+                    <a:solidFill>
+                      <a:schemeClr val="accent2">
+                        <a:lumMod val="40000"/>
+                        <a:lumOff val="60000"/>
+                      </a:schemeClr>
+                    </a:solidFill>
+                  </a:tcPr>
+                </a:tc>
+                <a:tc>
+                  <a:txBody>
+                    <a:bodyPr/>
+                    <a:p>
+                      <a:pPr algn="ctr">
+                        <a:buNone/>
+                      </a:pPr>
+                      <a:endParaRPr lang="zh-CN" altLang="en-US" sz="1200" b="1">
+                        <a:solidFill>
+                          <a:schemeClr val="tx1"/>
+                        </a:solidFill>
+                        <a:latin typeface="Consolas" panose="020B0609020204030204" charset="0"/>
+                        <a:cs typeface="Consolas" panose="020B0609020204030204" charset="0"/>
+                      </a:endParaRPr>
+                    </a:p>
+                  </a:txBody>
+                  <a:tcPr anchor="ctr" anchorCtr="0">
+                    <a:lnL w="12700" cmpd="sng">
+                      <a:solidFill>
+                        <a:schemeClr val="tx1"/>
+                      </a:solidFill>
+                      <a:prstDash val="solid"/>
+                    </a:lnL>
+                    <a:lnR w="12700" cmpd="sng">
+                      <a:solidFill>
+                        <a:schemeClr val="tx1"/>
+                      </a:solidFill>
+                      <a:prstDash val="solid"/>
+                    </a:lnR>
+                    <a:lnT w="12700" cmpd="sng">
+                      <a:solidFill>
+                        <a:schemeClr val="tx1"/>
+                      </a:solidFill>
+                      <a:prstDash val="solid"/>
+                    </a:lnT>
+                    <a:lnB w="12700" cmpd="sng">
+                      <a:solidFill>
+                        <a:schemeClr val="tx1"/>
+                      </a:solidFill>
+                      <a:prstDash val="solid"/>
+                    </a:lnB>
+                    <a:solidFill>
+                      <a:schemeClr val="bg1"/>
+                    </a:solidFill>
+                  </a:tcPr>
+                </a:tc>
+                <a:tc>
+                  <a:txBody>
+                    <a:bodyPr/>
+                    <a:p>
+                      <a:pPr algn="ctr">
+                        <a:buNone/>
+                      </a:pPr>
+                      <a:endParaRPr lang="zh-CN" altLang="en-US" sz="1200" b="1">
+                        <a:solidFill>
+                          <a:schemeClr val="tx1"/>
+                        </a:solidFill>
+                        <a:latin typeface="Consolas" panose="020B0609020204030204" charset="0"/>
+                        <a:cs typeface="Consolas" panose="020B0609020204030204" charset="0"/>
+                      </a:endParaRPr>
+                    </a:p>
+                  </a:txBody>
+                  <a:tcPr anchor="ctr" anchorCtr="0">
+                    <a:lnL w="12700" cmpd="sng">
+                      <a:solidFill>
+                        <a:schemeClr val="tx1"/>
+                      </a:solidFill>
+                      <a:prstDash val="solid"/>
+                    </a:lnL>
+                    <a:lnR w="12700" cmpd="sng">
+                      <a:solidFill>
+                        <a:schemeClr val="tx1"/>
+                      </a:solidFill>
+                      <a:prstDash val="solid"/>
+                    </a:lnR>
+                    <a:lnT w="12700" cmpd="sng">
+                      <a:solidFill>
+                        <a:schemeClr val="tx1"/>
+                      </a:solidFill>
+                      <a:prstDash val="solid"/>
+                    </a:lnT>
+                    <a:lnB w="12700" cmpd="sng">
+                      <a:solidFill>
+                        <a:schemeClr val="tx1"/>
+                      </a:solidFill>
+                      <a:prstDash val="solid"/>
+                    </a:lnB>
+                    <a:solidFill>
+                      <a:schemeClr val="bg1"/>
+                    </a:solidFill>
+                  </a:tcPr>
+                </a:tc>
+                <a:tc>
+                  <a:txBody>
+                    <a:bodyPr/>
+                    <a:p>
+                      <a:pPr algn="ctr">
+                        <a:buNone/>
+                      </a:pPr>
+                      <a:endParaRPr lang="zh-CN" altLang="en-US" sz="1200" b="1">
+                        <a:solidFill>
+                          <a:schemeClr val="tx1"/>
+                        </a:solidFill>
+                        <a:latin typeface="Consolas" panose="020B0609020204030204" charset="0"/>
+                        <a:cs typeface="Consolas" panose="020B0609020204030204" charset="0"/>
+                      </a:endParaRPr>
+                    </a:p>
+                  </a:txBody>
+                  <a:tcPr anchor="ctr" anchorCtr="0">
+                    <a:lnL w="12700" cmpd="sng">
+                      <a:solidFill>
+                        <a:schemeClr val="tx1"/>
+                      </a:solidFill>
+                      <a:prstDash val="solid"/>
+                    </a:lnL>
+                    <a:lnR w="12700" cmpd="sng">
+                      <a:solidFill>
+                        <a:schemeClr val="tx1"/>
+                      </a:solidFill>
+                      <a:prstDash val="solid"/>
+                    </a:lnR>
+                    <a:lnT w="12700" cmpd="sng">
+                      <a:solidFill>
+                        <a:schemeClr val="tx1"/>
+                      </a:solidFill>
+                      <a:prstDash val="solid"/>
+                    </a:lnT>
+                    <a:lnB w="12700" cmpd="sng">
+                      <a:solidFill>
+                        <a:schemeClr val="tx1"/>
+                      </a:solidFill>
+                      <a:prstDash val="solid"/>
+                    </a:lnB>
+                    <a:solidFill>
+                      <a:schemeClr val="bg1"/>
+                    </a:solidFill>
+                  </a:tcPr>
+                </a:tc>
+                <a:tc>
+                  <a:txBody>
+                    <a:bodyPr/>
+                    <a:p>
+                      <a:pPr algn="ctr">
+                        <a:buNone/>
+                      </a:pPr>
+                      <a:endParaRPr lang="zh-CN" altLang="en-US" sz="1200" b="1">
+                        <a:solidFill>
+                          <a:schemeClr val="tx1"/>
+                        </a:solidFill>
+                        <a:latin typeface="Consolas" panose="020B0609020204030204" charset="0"/>
+                        <a:cs typeface="Consolas" panose="020B0609020204030204" charset="0"/>
+                      </a:endParaRPr>
+                    </a:p>
+                  </a:txBody>
+                  <a:tcPr anchor="ctr" anchorCtr="0">
+                    <a:lnL w="12700" cmpd="sng">
+                      <a:solidFill>
+                        <a:schemeClr val="tx1"/>
+                      </a:solidFill>
+                      <a:prstDash val="solid"/>
+                    </a:lnL>
+                    <a:lnR w="12700" cmpd="sng">
+                      <a:solidFill>
+                        <a:schemeClr val="tx1"/>
+                      </a:solidFill>
+                      <a:prstDash val="solid"/>
+                    </a:lnR>
+                    <a:lnT w="12700" cmpd="sng">
+                      <a:solidFill>
+                        <a:schemeClr val="tx1"/>
+                      </a:solidFill>
+                      <a:prstDash val="solid"/>
+                    </a:lnT>
+                    <a:lnB w="12700" cmpd="sng">
+                      <a:solidFill>
+                        <a:schemeClr val="tx1"/>
+                      </a:solidFill>
+                      <a:prstDash val="solid"/>
+                    </a:lnB>
+                    <a:solidFill>
+                      <a:schemeClr val="bg1"/>
+                    </a:solidFill>
+                  </a:tcPr>
+                </a:tc>
+                <a:tc>
+                  <a:txBody>
+                    <a:bodyPr/>
+                    <a:p>
+                      <a:pPr algn="ctr">
+                        <a:buNone/>
+                      </a:pPr>
+                      <a:endParaRPr lang="zh-CN" altLang="en-US" sz="1200" b="1">
+                        <a:solidFill>
+                          <a:schemeClr val="tx1"/>
+                        </a:solidFill>
+                        <a:latin typeface="Consolas" panose="020B0609020204030204" charset="0"/>
+                        <a:cs typeface="Consolas" panose="020B0609020204030204" charset="0"/>
+                      </a:endParaRPr>
+                    </a:p>
+                  </a:txBody>
+                  <a:tcPr anchor="ctr" anchorCtr="0">
+                    <a:lnL w="12700" cmpd="sng">
+                      <a:solidFill>
+                        <a:schemeClr val="tx1"/>
+                      </a:solidFill>
+                      <a:prstDash val="solid"/>
+                    </a:lnL>
+                    <a:lnR w="12700" cmpd="sng">
+                      <a:solidFill>
+                        <a:schemeClr val="tx1"/>
+                      </a:solidFill>
+                      <a:prstDash val="solid"/>
+                    </a:lnR>
+                    <a:lnT w="12700" cmpd="sng">
+                      <a:solidFill>
+                        <a:schemeClr val="tx1"/>
+                      </a:solidFill>
+                      <a:prstDash val="solid"/>
+                    </a:lnT>
+                    <a:lnB w="12700" cmpd="sng">
+                      <a:solidFill>
+                        <a:schemeClr val="tx1"/>
+                      </a:solidFill>
+                      <a:prstDash val="solid"/>
+                    </a:lnB>
+                    <a:solidFill>
+                      <a:schemeClr val="bg1"/>
+                    </a:solidFill>
+                  </a:tcPr>
+                </a:tc>
+                <a:tc>
+                  <a:txBody>
+                    <a:bodyPr/>
+                    <a:p>
+                      <a:pPr algn="ctr">
+                        <a:buNone/>
+                      </a:pPr>
+                      <a:endParaRPr lang="zh-CN" altLang="en-US" sz="1200" b="1">
+                        <a:solidFill>
+                          <a:schemeClr val="tx1"/>
+                        </a:solidFill>
+                        <a:latin typeface="Consolas" panose="020B0609020204030204" charset="0"/>
+                        <a:cs typeface="Consolas" panose="020B0609020204030204" charset="0"/>
+                      </a:endParaRPr>
+                    </a:p>
+                  </a:txBody>
+                  <a:tcPr anchor="ctr" anchorCtr="0">
+                    <a:lnL w="12700" cmpd="sng">
+                      <a:solidFill>
+                        <a:schemeClr val="tx1"/>
+                      </a:solidFill>
+                      <a:prstDash val="solid"/>
+                    </a:lnL>
+                    <a:lnR w="12700" cmpd="sng">
+                      <a:solidFill>
+                        <a:schemeClr val="tx1"/>
+                      </a:solidFill>
+                      <a:prstDash val="solid"/>
+                    </a:lnR>
+                    <a:lnT w="12700" cmpd="sng">
+                      <a:solidFill>
+                        <a:schemeClr val="tx1"/>
+                      </a:solidFill>
+                      <a:prstDash val="solid"/>
+                    </a:lnT>
+                    <a:lnB w="12700" cmpd="sng">
+                      <a:solidFill>
+                        <a:schemeClr val="tx1"/>
+                      </a:solidFill>
+                      <a:prstDash val="solid"/>
+                    </a:lnB>
+                    <a:solidFill>
+                      <a:schemeClr val="bg1"/>
+                    </a:solidFill>
+                  </a:tcPr>
+                </a:tc>
+                <a:tc>
+                  <a:txBody>
+                    <a:bodyPr/>
+                    <a:p>
+                      <a:pPr algn="ctr">
+                        <a:buNone/>
+                      </a:pPr>
+                      <a:endParaRPr lang="zh-CN" altLang="en-US" sz="1200" b="1">
+                        <a:solidFill>
+                          <a:schemeClr val="tx1"/>
+                        </a:solidFill>
+                        <a:latin typeface="Consolas" panose="020B0609020204030204" charset="0"/>
+                        <a:cs typeface="Consolas" panose="020B0609020204030204" charset="0"/>
+                      </a:endParaRPr>
+                    </a:p>
+                  </a:txBody>
+                  <a:tcPr anchor="ctr" anchorCtr="0">
+                    <a:lnL w="12700" cmpd="sng">
+                      <a:solidFill>
+                        <a:schemeClr val="tx1"/>
+                      </a:solidFill>
+                      <a:prstDash val="solid"/>
+                    </a:lnL>
+                    <a:lnR w="12700" cmpd="sng">
+                      <a:solidFill>
+                        <a:schemeClr val="tx1"/>
+                      </a:solidFill>
+                      <a:prstDash val="solid"/>
+                    </a:lnR>
+                    <a:lnT w="12700" cmpd="sng">
+                      <a:solidFill>
+                        <a:schemeClr val="tx1"/>
+                      </a:solidFill>
+                      <a:prstDash val="solid"/>
+                    </a:lnT>
+                    <a:lnB w="12700" cmpd="sng">
+                      <a:solidFill>
+                        <a:schemeClr val="tx1"/>
+                      </a:solidFill>
+                      <a:prstDash val="solid"/>
+                    </a:lnB>
+                    <a:solidFill>
+                      <a:schemeClr val="bg1"/>
+                    </a:solidFill>
+                  </a:tcPr>
+                </a:tc>
+                <a:tc>
+                  <a:txBody>
+                    <a:bodyPr/>
+                    <a:p>
+                      <a:pPr algn="ctr">
+                        <a:buNone/>
+                      </a:pPr>
+                      <a:endParaRPr lang="zh-CN" altLang="en-US" sz="1200" b="1">
+                        <a:solidFill>
+                          <a:schemeClr val="tx1"/>
+                        </a:solidFill>
+                        <a:latin typeface="Consolas" panose="020B0609020204030204" charset="0"/>
+                        <a:cs typeface="Consolas" panose="020B0609020204030204" charset="0"/>
+                      </a:endParaRPr>
+                    </a:p>
+                  </a:txBody>
+                  <a:tcPr anchor="ctr" anchorCtr="0">
+                    <a:lnL w="12700" cmpd="sng">
+                      <a:solidFill>
+                        <a:schemeClr val="tx1"/>
+                      </a:solidFill>
+                      <a:prstDash val="solid"/>
+                    </a:lnL>
+                    <a:lnR w="12700" cmpd="sng">
+                      <a:solidFill>
+                        <a:schemeClr val="tx1"/>
+                      </a:solidFill>
+                      <a:prstDash val="solid"/>
+                    </a:lnR>
+                    <a:lnT w="12700" cmpd="sng">
+                      <a:solidFill>
+                        <a:schemeClr val="tx1"/>
+                      </a:solidFill>
+                      <a:prstDash val="solid"/>
+                    </a:lnT>
+                    <a:lnB w="12700" cmpd="sng">
+                      <a:solidFill>
+                        <a:schemeClr val="tx1"/>
+                      </a:solidFill>
+                      <a:prstDash val="solid"/>
+                    </a:lnB>
+                    <a:solidFill>
+                      <a:schemeClr val="bg1"/>
+                    </a:solidFill>
+                  </a:tcPr>
+                </a:tc>
+                <a:tc>
+                  <a:txBody>
+                    <a:bodyPr/>
+                    <a:p>
+                      <a:pPr algn="ctr">
+                        <a:buNone/>
+                      </a:pPr>
+                      <a:endParaRPr lang="zh-CN" altLang="en-US" sz="1200" b="1">
+                        <a:solidFill>
+                          <a:schemeClr val="tx1"/>
+                        </a:solidFill>
+                        <a:latin typeface="Consolas" panose="020B0609020204030204" charset="0"/>
+                        <a:cs typeface="Consolas" panose="020B0609020204030204" charset="0"/>
+                      </a:endParaRPr>
+                    </a:p>
+                  </a:txBody>
+                  <a:tcPr anchor="ctr" anchorCtr="0">
+                    <a:lnL w="12700" cmpd="sng">
+                      <a:solidFill>
+                        <a:schemeClr val="tx1"/>
+                      </a:solidFill>
+                      <a:prstDash val="solid"/>
+                    </a:lnL>
+                    <a:lnR w="12700" cmpd="sng">
+                      <a:solidFill>
+                        <a:schemeClr val="tx1"/>
+                      </a:solidFill>
+                      <a:prstDash val="solid"/>
+                    </a:lnR>
+                    <a:lnT w="12700" cmpd="sng">
+                      <a:solidFill>
+                        <a:schemeClr val="tx1"/>
+                      </a:solidFill>
+                      <a:prstDash val="solid"/>
+                    </a:lnT>
+                    <a:lnB w="12700" cmpd="sng">
+                      <a:solidFill>
+                        <a:schemeClr val="tx1"/>
+                      </a:solidFill>
+                      <a:prstDash val="solid"/>
+                    </a:lnB>
+                    <a:solidFill>
+                      <a:schemeClr val="bg1"/>
+                    </a:solidFill>
+                  </a:tcPr>
+                </a:tc>
+              </a:tr>
+              <a:tr h="350520">
+                <a:tc>
+                  <a:txBody>
+                    <a:bodyPr/>
+                    <a:p>
+                      <a:pPr algn="ctr">
+                        <a:buNone/>
+                      </a:pPr>
+                      <a:r>
+                        <a:rPr lang="zh-CN" altLang="en-US" sz="1200" b="1">
+                          <a:solidFill>
+                            <a:schemeClr val="tx1"/>
+                          </a:solidFill>
+                          <a:latin typeface="Consolas" panose="020B0609020204030204" charset="0"/>
+                          <a:cs typeface="Consolas" panose="020B0609020204030204" charset="0"/>
+                        </a:rPr>
+                        <a:t>第二次</a:t>
+                      </a:r>
+                      <a:endParaRPr lang="zh-CN" altLang="en-US" sz="1200" b="1">
+                        <a:solidFill>
+                          <a:schemeClr val="tx1"/>
+                        </a:solidFill>
+                        <a:latin typeface="Consolas" panose="020B0609020204030204" charset="0"/>
+                        <a:cs typeface="Consolas" panose="020B0609020204030204" charset="0"/>
+                      </a:endParaRPr>
+                    </a:p>
+                  </a:txBody>
+                  <a:tcPr anchor="ctr" anchorCtr="0">
+                    <a:lnL w="12700" cmpd="sng">
+                      <a:solidFill>
+                        <a:schemeClr val="tx1"/>
+                      </a:solidFill>
+                      <a:prstDash val="solid"/>
+                    </a:lnL>
+                    <a:lnR w="12700" cmpd="sng">
+                      <a:solidFill>
+                        <a:schemeClr val="tx1"/>
+                      </a:solidFill>
+                      <a:prstDash val="solid"/>
+                    </a:lnR>
+                    <a:lnT w="12700" cmpd="sng">
+                      <a:solidFill>
+                        <a:schemeClr val="tx1"/>
+                      </a:solidFill>
+                      <a:prstDash val="solid"/>
+                    </a:lnT>
+                    <a:lnB w="12700" cmpd="sng">
+                      <a:solidFill>
+                        <a:schemeClr val="tx1"/>
+                      </a:solidFill>
+                      <a:prstDash val="solid"/>
+                    </a:lnB>
+                    <a:solidFill>
+                      <a:schemeClr val="accent4">
+                        <a:lumMod val="75000"/>
+                      </a:schemeClr>
+                    </a:solidFill>
+                  </a:tcPr>
+                </a:tc>
+                <a:tc>
+                  <a:txBody>
+                    <a:bodyPr/>
+                    <a:p>
+                      <a:pPr algn="ctr">
+                        <a:buNone/>
+                      </a:pPr>
+                      <a:endParaRPr lang="zh-CN" altLang="en-US" sz="1200" b="1">
+                        <a:solidFill>
+                          <a:schemeClr val="tx1"/>
+                        </a:solidFill>
+                        <a:latin typeface="Consolas" panose="020B0609020204030204" charset="0"/>
+                        <a:cs typeface="Consolas" panose="020B0609020204030204" charset="0"/>
+                      </a:endParaRPr>
+                    </a:p>
+                  </a:txBody>
+                  <a:tcPr anchor="ctr" anchorCtr="0">
+                    <a:lnL w="12700" cmpd="sng">
+                      <a:solidFill>
+                        <a:schemeClr val="tx1"/>
+                      </a:solidFill>
+                      <a:prstDash val="solid"/>
+                    </a:lnL>
+                    <a:lnR w="12700" cmpd="sng">
+                      <a:solidFill>
+                        <a:schemeClr val="tx1"/>
+                      </a:solidFill>
+                      <a:prstDash val="solid"/>
+                    </a:lnR>
+                    <a:lnT w="12700" cmpd="sng">
+                      <a:solidFill>
+                        <a:schemeClr val="tx1"/>
+                      </a:solidFill>
+                      <a:prstDash val="solid"/>
+                    </a:lnT>
+                    <a:lnB w="12700" cmpd="sng">
+                      <a:solidFill>
+                        <a:schemeClr val="tx1"/>
+                      </a:solidFill>
+                      <a:prstDash val="solid"/>
+                    </a:lnB>
+                    <a:solidFill>
+                      <a:schemeClr val="bg1"/>
+                    </a:solidFill>
+                  </a:tcPr>
+                </a:tc>
+                <a:tc>
+                  <a:txBody>
+                    <a:bodyPr/>
+                    <a:p>
+                      <a:pPr algn="ctr">
+                        <a:buNone/>
+                      </a:pPr>
+                      <a:endParaRPr lang="zh-CN" altLang="en-US" sz="1200" b="1">
+                        <a:solidFill>
+                          <a:schemeClr val="tx1"/>
+                        </a:solidFill>
+                        <a:latin typeface="Consolas" panose="020B0609020204030204" charset="0"/>
+                        <a:cs typeface="Consolas" panose="020B0609020204030204" charset="0"/>
+                      </a:endParaRPr>
+                    </a:p>
+                  </a:txBody>
+                  <a:tcPr anchor="ctr" anchorCtr="0">
+                    <a:lnL w="12700" cmpd="sng">
+                      <a:solidFill>
+                        <a:schemeClr val="tx1"/>
+                      </a:solidFill>
+                      <a:prstDash val="solid"/>
+                    </a:lnL>
+                    <a:lnR w="12700" cmpd="sng">
+                      <a:solidFill>
+                        <a:schemeClr val="tx1"/>
+                      </a:solidFill>
+                      <a:prstDash val="solid"/>
+                    </a:lnR>
+                    <a:lnT w="12700" cmpd="sng">
+                      <a:solidFill>
+                        <a:schemeClr val="tx1"/>
+                      </a:solidFill>
+                      <a:prstDash val="solid"/>
+                    </a:lnT>
+                    <a:lnB w="12700" cmpd="sng">
+                      <a:solidFill>
+                        <a:schemeClr val="tx1"/>
+                      </a:solidFill>
+                      <a:prstDash val="solid"/>
+                    </a:lnB>
+                    <a:solidFill>
+                      <a:schemeClr val="bg1"/>
+                    </a:solidFill>
+                  </a:tcPr>
+                </a:tc>
+                <a:tc>
+                  <a:txBody>
+                    <a:bodyPr/>
+                    <a:p>
+                      <a:pPr algn="ctr">
+                        <a:buNone/>
+                      </a:pPr>
+                      <a:endParaRPr lang="en-US" altLang="zh-CN" sz="1200" b="1">
+                        <a:solidFill>
+                          <a:schemeClr val="tx1"/>
+                        </a:solidFill>
+                        <a:latin typeface="Consolas" panose="020B0609020204030204" charset="0"/>
+                        <a:cs typeface="Consolas" panose="020B0609020204030204" charset="0"/>
+                      </a:endParaRPr>
+                    </a:p>
+                  </a:txBody>
+                  <a:tcPr anchor="ctr" anchorCtr="0">
+                    <a:lnL w="12700" cmpd="sng">
+                      <a:solidFill>
+                        <a:schemeClr val="tx1"/>
+                      </a:solidFill>
+                      <a:prstDash val="solid"/>
+                    </a:lnL>
+                    <a:lnR w="12700" cmpd="sng">
+                      <a:solidFill>
+                        <a:schemeClr val="tx1"/>
+                      </a:solidFill>
+                      <a:prstDash val="solid"/>
+                    </a:lnR>
+                    <a:lnT w="12700" cmpd="sng">
+                      <a:solidFill>
+                        <a:schemeClr val="tx1"/>
+                      </a:solidFill>
+                      <a:prstDash val="solid"/>
+                    </a:lnT>
+                    <a:lnB w="12700" cmpd="sng">
+                      <a:solidFill>
+                        <a:schemeClr val="tx1"/>
+                      </a:solidFill>
+                      <a:prstDash val="solid"/>
+                    </a:lnB>
+                    <a:solidFill>
+                      <a:schemeClr val="bg1"/>
+                    </a:solidFill>
+                  </a:tcPr>
+                </a:tc>
+                <a:tc>
+                  <a:txBody>
+                    <a:bodyPr/>
+                    <a:p>
+                      <a:pPr algn="ctr">
+                        <a:buNone/>
+                      </a:pPr>
+                      <a:r>
+                        <a:rPr lang="en-US" altLang="zh-CN" sz="1200" b="1">
+                          <a:solidFill>
+                            <a:schemeClr val="tx1"/>
+                          </a:solidFill>
+                          <a:latin typeface="Consolas" panose="020B0609020204030204" charset="0"/>
+                          <a:cs typeface="Consolas" panose="020B0609020204030204" charset="0"/>
+                        </a:rPr>
+                        <a:t>a</a:t>
+                      </a:r>
+                      <a:endParaRPr lang="en-US" altLang="zh-CN" sz="1200" b="1">
+                        <a:solidFill>
+                          <a:schemeClr val="tx1"/>
+                        </a:solidFill>
+                        <a:latin typeface="Consolas" panose="020B0609020204030204" charset="0"/>
+                        <a:cs typeface="Consolas" panose="020B0609020204030204" charset="0"/>
+                      </a:endParaRPr>
+                    </a:p>
+                  </a:txBody>
+                  <a:tcPr anchor="ctr" anchorCtr="0">
+                    <a:lnL w="12700" cmpd="sng">
+                      <a:solidFill>
+                        <a:schemeClr val="tx1"/>
+                      </a:solidFill>
+                      <a:prstDash val="solid"/>
+                    </a:lnL>
+                    <a:lnR w="12700" cmpd="sng">
+                      <a:solidFill>
+                        <a:schemeClr val="tx1"/>
+                      </a:solidFill>
+                      <a:prstDash val="solid"/>
+                    </a:lnR>
+                    <a:lnT w="12700" cmpd="sng">
+                      <a:solidFill>
+                        <a:schemeClr val="tx1"/>
+                      </a:solidFill>
+                      <a:prstDash val="solid"/>
+                    </a:lnT>
+                    <a:lnB w="12700" cmpd="sng">
+                      <a:solidFill>
+                        <a:schemeClr val="tx1"/>
+                      </a:solidFill>
+                      <a:prstDash val="solid"/>
+                    </a:lnB>
+                    <a:solidFill>
+                      <a:schemeClr val="bg2">
+                        <a:lumMod val="75000"/>
+                      </a:schemeClr>
+                    </a:solidFill>
+                  </a:tcPr>
+                </a:tc>
+                <a:tc>
+                  <a:txBody>
+                    <a:bodyPr/>
+                    <a:p>
+                      <a:pPr algn="ctr">
+                        <a:buNone/>
+                      </a:pPr>
+                      <a:r>
+                        <a:rPr lang="en-US" altLang="zh-CN" sz="1200" b="1">
+                          <a:solidFill>
+                            <a:schemeClr val="tx1"/>
+                          </a:solidFill>
+                          <a:latin typeface="Consolas" panose="020B0609020204030204" charset="0"/>
+                          <a:cs typeface="Consolas" panose="020B0609020204030204" charset="0"/>
+                        </a:rPr>
+                        <a:t>b</a:t>
+                      </a:r>
+                      <a:endParaRPr lang="en-US" altLang="zh-CN" sz="1200" b="1">
+                        <a:solidFill>
+                          <a:schemeClr val="tx1"/>
+                        </a:solidFill>
+                        <a:latin typeface="Consolas" panose="020B0609020204030204" charset="0"/>
+                        <a:cs typeface="Consolas" panose="020B0609020204030204" charset="0"/>
+                      </a:endParaRPr>
+                    </a:p>
+                  </a:txBody>
+                  <a:tcPr anchor="ctr" anchorCtr="0">
+                    <a:lnL w="12700" cmpd="sng">
+                      <a:solidFill>
+                        <a:schemeClr val="tx1"/>
+                      </a:solidFill>
+                      <a:prstDash val="solid"/>
+                    </a:lnL>
+                    <a:lnR w="12700" cmpd="sng">
+                      <a:solidFill>
+                        <a:schemeClr val="tx1"/>
+                      </a:solidFill>
+                      <a:prstDash val="solid"/>
+                    </a:lnR>
+                    <a:lnT w="12700" cmpd="sng">
+                      <a:solidFill>
+                        <a:schemeClr val="tx1"/>
+                      </a:solidFill>
+                      <a:prstDash val="solid"/>
+                    </a:lnT>
+                    <a:lnB w="12700" cmpd="sng">
+                      <a:solidFill>
+                        <a:schemeClr val="tx1"/>
+                      </a:solidFill>
+                      <a:prstDash val="solid"/>
+                    </a:lnB>
+                    <a:solidFill>
+                      <a:schemeClr val="bg2">
+                        <a:lumMod val="75000"/>
+                      </a:schemeClr>
+                    </a:solidFill>
+                  </a:tcPr>
+                </a:tc>
+                <a:tc>
+                  <a:txBody>
+                    <a:bodyPr/>
+                    <a:p>
+                      <a:pPr algn="ctr">
+                        <a:buNone/>
+                      </a:pPr>
+                      <a:r>
+                        <a:rPr lang="en-US" altLang="zh-CN" sz="1200" b="1" u="sng">
+                          <a:solidFill>
+                            <a:schemeClr val="tx1"/>
+                          </a:solidFill>
+                          <a:highlight>
+                            <a:srgbClr val="00FFFF"/>
+                          </a:highlight>
+                          <a:latin typeface="Consolas" panose="020B0609020204030204" charset="0"/>
+                          <a:cs typeface="Consolas" panose="020B0609020204030204" charset="0"/>
+                        </a:rPr>
+                        <a:t>a</a:t>
+                      </a:r>
+                      <a:endParaRPr lang="en-US" altLang="zh-CN" sz="1200" b="1" u="sng">
+                        <a:solidFill>
+                          <a:schemeClr val="tx1"/>
+                        </a:solidFill>
+                        <a:highlight>
+                          <a:srgbClr val="00FFFF"/>
+                        </a:highlight>
+                        <a:latin typeface="Consolas" panose="020B0609020204030204" charset="0"/>
+                        <a:cs typeface="Consolas" panose="020B0609020204030204" charset="0"/>
+                      </a:endParaRPr>
+                    </a:p>
+                  </a:txBody>
+                  <a:tcPr anchor="ctr" anchorCtr="0">
+                    <a:lnL w="12700" cmpd="sng">
+                      <a:solidFill>
+                        <a:schemeClr val="tx1"/>
+                      </a:solidFill>
+                      <a:prstDash val="solid"/>
+                    </a:lnL>
+                    <a:lnR w="12700" cmpd="sng">
+                      <a:solidFill>
+                        <a:schemeClr val="tx1"/>
+                      </a:solidFill>
+                      <a:prstDash val="solid"/>
+                    </a:lnR>
+                    <a:lnT w="12700" cmpd="sng">
+                      <a:solidFill>
+                        <a:schemeClr val="tx1"/>
+                      </a:solidFill>
+                      <a:prstDash val="solid"/>
+                    </a:lnT>
+                    <a:lnB w="12700" cmpd="sng">
+                      <a:solidFill>
+                        <a:schemeClr val="tx1"/>
+                      </a:solidFill>
+                      <a:prstDash val="solid"/>
+                    </a:lnB>
+                    <a:solidFill>
+                      <a:schemeClr val="accent3">
+                        <a:lumMod val="60000"/>
+                        <a:lumOff val="40000"/>
+                      </a:schemeClr>
+                    </a:solidFill>
+                  </a:tcPr>
+                </a:tc>
+                <a:tc>
+                  <a:txBody>
+                    <a:bodyPr/>
+                    <a:p>
+                      <a:pPr algn="ctr">
+                        <a:buNone/>
+                      </a:pPr>
+                      <a:r>
+                        <a:rPr lang="en-US" altLang="zh-CN" sz="1200" b="1" u="sng">
+                          <a:solidFill>
+                            <a:schemeClr val="tx1"/>
+                          </a:solidFill>
+                          <a:highlight>
+                            <a:srgbClr val="00FFFF"/>
+                          </a:highlight>
+                          <a:latin typeface="Consolas" panose="020B0609020204030204" charset="0"/>
+                          <a:cs typeface="Consolas" panose="020B0609020204030204" charset="0"/>
+                        </a:rPr>
+                        <a:t>a</a:t>
+                      </a:r>
+                      <a:endParaRPr lang="en-US" altLang="zh-CN" sz="1200" b="1" u="sng">
+                        <a:solidFill>
+                          <a:schemeClr val="tx1"/>
+                        </a:solidFill>
+                        <a:highlight>
+                          <a:srgbClr val="00FFFF"/>
+                        </a:highlight>
+                        <a:latin typeface="Consolas" panose="020B0609020204030204" charset="0"/>
+                        <a:cs typeface="Consolas" panose="020B0609020204030204" charset="0"/>
+                      </a:endParaRPr>
+                    </a:p>
+                  </a:txBody>
+                  <a:tcPr anchor="ctr" anchorCtr="0">
+                    <a:lnL w="12700" cmpd="sng">
+                      <a:solidFill>
+                        <a:schemeClr val="tx1"/>
+                      </a:solidFill>
+                      <a:prstDash val="solid"/>
+                    </a:lnL>
+                    <a:lnR w="12700" cmpd="sng">
+                      <a:solidFill>
+                        <a:schemeClr val="tx1"/>
+                      </a:solidFill>
+                      <a:prstDash val="solid"/>
+                    </a:lnR>
+                    <a:lnT w="12700" cmpd="sng">
+                      <a:solidFill>
+                        <a:schemeClr val="tx1"/>
+                      </a:solidFill>
+                      <a:prstDash val="solid"/>
+                    </a:lnT>
+                    <a:lnB w="12700" cmpd="sng">
+                      <a:solidFill>
+                        <a:schemeClr val="tx1"/>
+                      </a:solidFill>
+                      <a:prstDash val="solid"/>
+                    </a:lnB>
+                    <a:solidFill>
+                      <a:schemeClr val="accent3">
+                        <a:lumMod val="60000"/>
+                        <a:lumOff val="40000"/>
+                      </a:schemeClr>
+                    </a:solidFill>
+                  </a:tcPr>
+                </a:tc>
+                <a:tc>
+                  <a:txBody>
+                    <a:bodyPr/>
+                    <a:p>
+                      <a:pPr algn="ctr">
+                        <a:buNone/>
+                      </a:pPr>
+                      <a:r>
+                        <a:rPr lang="en-US" altLang="zh-CN" sz="1200" b="1" u="sng">
+                          <a:solidFill>
+                            <a:schemeClr val="tx1"/>
+                          </a:solidFill>
+                          <a:highlight>
+                            <a:srgbClr val="00FFFF"/>
+                          </a:highlight>
+                          <a:latin typeface="Consolas" panose="020B0609020204030204" charset="0"/>
+                          <a:cs typeface="Consolas" panose="020B0609020204030204" charset="0"/>
+                        </a:rPr>
+                        <a:t>b</a:t>
+                      </a:r>
+                      <a:endParaRPr lang="en-US" altLang="zh-CN" sz="1200" b="1" u="sng">
+                        <a:solidFill>
+                          <a:schemeClr val="tx1"/>
+                        </a:solidFill>
+                        <a:highlight>
+                          <a:srgbClr val="00FFFF"/>
+                        </a:highlight>
+                        <a:latin typeface="Consolas" panose="020B0609020204030204" charset="0"/>
+                        <a:cs typeface="Consolas" panose="020B0609020204030204" charset="0"/>
+                      </a:endParaRPr>
+                    </a:p>
+                  </a:txBody>
+                  <a:tcPr anchor="ctr" anchorCtr="0">
+                    <a:lnL w="12700" cmpd="sng">
+                      <a:solidFill>
+                        <a:schemeClr val="tx1"/>
+                      </a:solidFill>
+                      <a:prstDash val="solid"/>
+                    </a:lnL>
+                    <a:lnR w="12700" cmpd="sng">
+                      <a:solidFill>
+                        <a:schemeClr val="tx1"/>
+                      </a:solidFill>
+                      <a:prstDash val="solid"/>
+                    </a:lnR>
+                    <a:lnT w="12700" cmpd="sng">
+                      <a:solidFill>
+                        <a:schemeClr val="tx1"/>
+                      </a:solidFill>
+                      <a:prstDash val="solid"/>
+                    </a:lnT>
+                    <a:lnB w="12700" cmpd="sng">
+                      <a:solidFill>
+                        <a:schemeClr val="tx1"/>
+                      </a:solidFill>
+                      <a:prstDash val="solid"/>
+                    </a:lnB>
+                    <a:solidFill>
+                      <a:schemeClr val="accent3">
+                        <a:lumMod val="60000"/>
+                        <a:lumOff val="40000"/>
+                      </a:schemeClr>
+                    </a:solidFill>
+                  </a:tcPr>
+                </a:tc>
+                <a:tc>
+                  <a:txBody>
+                    <a:bodyPr/>
+                    <a:p>
+                      <a:pPr algn="ctr">
+                        <a:buNone/>
+                      </a:pPr>
+                      <a:r>
+                        <a:rPr lang="en-US" altLang="zh-CN" sz="1200" b="1" u="sng">
+                          <a:solidFill>
+                            <a:schemeClr val="tx1"/>
+                          </a:solidFill>
+                          <a:highlight>
+                            <a:srgbClr val="00FFFF"/>
+                          </a:highlight>
+                          <a:latin typeface="Consolas" panose="020B0609020204030204" charset="0"/>
+                          <a:cs typeface="Consolas" panose="020B0609020204030204" charset="0"/>
+                        </a:rPr>
+                        <a:t>c</a:t>
+                      </a:r>
+                      <a:endParaRPr lang="en-US" altLang="zh-CN" sz="1200" b="1" u="sng">
+                        <a:solidFill>
+                          <a:schemeClr val="tx1"/>
+                        </a:solidFill>
+                        <a:highlight>
+                          <a:srgbClr val="00FFFF"/>
+                        </a:highlight>
+                        <a:latin typeface="Consolas" panose="020B0609020204030204" charset="0"/>
+                        <a:cs typeface="Consolas" panose="020B0609020204030204" charset="0"/>
+                      </a:endParaRPr>
+                    </a:p>
+                  </a:txBody>
+                  <a:tcPr anchor="ctr" anchorCtr="0">
+                    <a:lnL w="12700" cmpd="sng">
+                      <a:solidFill>
+                        <a:schemeClr val="tx1"/>
+                      </a:solidFill>
+                      <a:prstDash val="solid"/>
+                    </a:lnL>
+                    <a:lnR w="12700" cmpd="sng">
+                      <a:solidFill>
+                        <a:schemeClr val="tx1"/>
+                      </a:solidFill>
+                      <a:prstDash val="solid"/>
+                    </a:lnR>
+                    <a:lnT w="12700" cmpd="sng">
+                      <a:solidFill>
+                        <a:schemeClr val="tx1"/>
+                      </a:solidFill>
+                      <a:prstDash val="solid"/>
+                    </a:lnT>
+                    <a:lnB w="12700" cmpd="sng">
+                      <a:solidFill>
+                        <a:schemeClr val="tx1"/>
+                      </a:solidFill>
+                      <a:prstDash val="solid"/>
+                    </a:lnB>
+                    <a:solidFill>
+                      <a:schemeClr val="accent3">
+                        <a:lumMod val="60000"/>
+                        <a:lumOff val="40000"/>
+                      </a:schemeClr>
+                    </a:solidFill>
+                  </a:tcPr>
+                </a:tc>
+                <a:tc>
+                  <a:txBody>
+                    <a:bodyPr/>
+                    <a:p>
+                      <a:pPr algn="ctr">
+                        <a:buNone/>
+                      </a:pPr>
+                      <a:endParaRPr lang="zh-CN" altLang="en-US" sz="1200" b="1">
+                        <a:solidFill>
+                          <a:schemeClr val="tx1"/>
+                        </a:solidFill>
+                        <a:latin typeface="Consolas" panose="020B0609020204030204" charset="0"/>
+                        <a:cs typeface="Consolas" panose="020B0609020204030204" charset="0"/>
+                      </a:endParaRPr>
+                    </a:p>
+                  </a:txBody>
+                  <a:tcPr anchor="ctr" anchorCtr="0">
+                    <a:lnL w="12700" cmpd="sng">
+                      <a:solidFill>
+                        <a:schemeClr val="tx1"/>
+                      </a:solidFill>
+                      <a:prstDash val="solid"/>
+                    </a:lnL>
+                    <a:lnR w="12700" cmpd="sng">
+                      <a:solidFill>
+                        <a:schemeClr val="tx1"/>
+                      </a:solidFill>
+                      <a:prstDash val="solid"/>
+                    </a:lnR>
+                    <a:lnT w="12700" cmpd="sng">
+                      <a:solidFill>
+                        <a:schemeClr val="tx1"/>
+                      </a:solidFill>
+                      <a:prstDash val="solid"/>
+                    </a:lnT>
+                    <a:lnB w="12700" cmpd="sng">
+                      <a:solidFill>
+                        <a:schemeClr val="tx1"/>
+                      </a:solidFill>
+                      <a:prstDash val="solid"/>
+                    </a:lnB>
+                    <a:solidFill>
+                      <a:schemeClr val="bg1"/>
+                    </a:solidFill>
+                  </a:tcPr>
+                </a:tc>
+                <a:tc>
+                  <a:txBody>
+                    <a:bodyPr/>
+                    <a:p>
+                      <a:pPr algn="ctr">
+                        <a:buNone/>
+                      </a:pPr>
+                      <a:endParaRPr lang="zh-CN" altLang="en-US" sz="1200" b="1">
+                        <a:solidFill>
+                          <a:schemeClr val="tx1"/>
+                        </a:solidFill>
+                        <a:latin typeface="Consolas" panose="020B0609020204030204" charset="0"/>
+                        <a:cs typeface="Consolas" panose="020B0609020204030204" charset="0"/>
+                      </a:endParaRPr>
+                    </a:p>
+                  </a:txBody>
+                  <a:tcPr anchor="ctr" anchorCtr="0">
+                    <a:lnL w="12700" cmpd="sng">
+                      <a:solidFill>
+                        <a:schemeClr val="tx1"/>
+                      </a:solidFill>
+                      <a:prstDash val="solid"/>
+                    </a:lnL>
+                    <a:lnR w="12700" cmpd="sng">
+                      <a:solidFill>
+                        <a:schemeClr val="tx1"/>
+                      </a:solidFill>
+                      <a:prstDash val="solid"/>
+                    </a:lnR>
+                    <a:lnT w="12700" cmpd="sng">
+                      <a:solidFill>
+                        <a:schemeClr val="tx1"/>
+                      </a:solidFill>
+                      <a:prstDash val="solid"/>
+                    </a:lnT>
+                    <a:lnB w="12700" cmpd="sng">
+                      <a:solidFill>
+                        <a:schemeClr val="tx1"/>
+                      </a:solidFill>
+                      <a:prstDash val="solid"/>
+                    </a:lnB>
+                    <a:solidFill>
+                      <a:schemeClr val="bg1"/>
+                    </a:solidFill>
+                  </a:tcPr>
+                </a:tc>
+                <a:tc>
+                  <a:txBody>
+                    <a:bodyPr/>
+                    <a:p>
+                      <a:pPr algn="ctr">
+                        <a:buNone/>
+                      </a:pPr>
+                      <a:endParaRPr lang="zh-CN" altLang="en-US" sz="1200" b="1">
+                        <a:solidFill>
+                          <a:schemeClr val="tx1"/>
+                        </a:solidFill>
+                        <a:latin typeface="Consolas" panose="020B0609020204030204" charset="0"/>
+                        <a:cs typeface="Consolas" panose="020B0609020204030204" charset="0"/>
+                      </a:endParaRPr>
+                    </a:p>
+                  </a:txBody>
+                  <a:tcPr anchor="ctr" anchorCtr="0">
+                    <a:lnL w="12700" cmpd="sng">
+                      <a:solidFill>
+                        <a:schemeClr val="tx1"/>
+                      </a:solidFill>
+                      <a:prstDash val="solid"/>
+                    </a:lnL>
+                    <a:lnR w="12700" cmpd="sng">
+                      <a:solidFill>
+                        <a:schemeClr val="tx1"/>
+                      </a:solidFill>
+                      <a:prstDash val="solid"/>
+                    </a:lnR>
+                    <a:lnT w="12700" cmpd="sng">
+                      <a:solidFill>
+                        <a:schemeClr val="tx1"/>
+                      </a:solidFill>
+                      <a:prstDash val="solid"/>
+                    </a:lnT>
+                    <a:lnB w="12700" cmpd="sng">
+                      <a:solidFill>
+                        <a:schemeClr val="tx1"/>
+                      </a:solidFill>
+                      <a:prstDash val="solid"/>
+                    </a:lnB>
+                    <a:solidFill>
+                      <a:schemeClr val="bg1"/>
+                    </a:solidFill>
+                  </a:tcPr>
+                </a:tc>
+                <a:tc>
+                  <a:txBody>
+                    <a:bodyPr/>
+                    <a:p>
+                      <a:pPr algn="ctr">
+                        <a:buNone/>
+                      </a:pPr>
+                      <a:endParaRPr lang="zh-CN" altLang="en-US" sz="1200" b="1">
+                        <a:solidFill>
+                          <a:schemeClr val="tx1"/>
+                        </a:solidFill>
+                        <a:latin typeface="Consolas" panose="020B0609020204030204" charset="0"/>
+                        <a:cs typeface="Consolas" panose="020B0609020204030204" charset="0"/>
+                      </a:endParaRPr>
+                    </a:p>
+                  </a:txBody>
+                  <a:tcPr anchor="ctr" anchorCtr="0">
+                    <a:lnL w="12700" cmpd="sng">
+                      <a:solidFill>
+                        <a:schemeClr val="tx1"/>
+                      </a:solidFill>
+                      <a:prstDash val="solid"/>
+                    </a:lnL>
+                    <a:lnR w="12700" cmpd="sng">
+                      <a:solidFill>
+                        <a:schemeClr val="tx1"/>
+                      </a:solidFill>
+                      <a:prstDash val="solid"/>
+                    </a:lnR>
+                    <a:lnT w="12700" cmpd="sng">
+                      <a:solidFill>
+                        <a:schemeClr val="tx1"/>
+                      </a:solidFill>
+                      <a:prstDash val="solid"/>
+                    </a:lnT>
+                    <a:lnB w="12700" cmpd="sng">
+                      <a:solidFill>
+                        <a:schemeClr val="tx1"/>
+                      </a:solidFill>
+                      <a:prstDash val="solid"/>
+                    </a:lnB>
+                    <a:solidFill>
+                      <a:schemeClr val="bg1"/>
+                    </a:solidFill>
+                  </a:tcPr>
+                </a:tc>
+                <a:tc>
+                  <a:txBody>
+                    <a:bodyPr/>
+                    <a:p>
+                      <a:pPr algn="ctr">
+                        <a:buNone/>
+                      </a:pPr>
+                      <a:endParaRPr lang="zh-CN" altLang="en-US" sz="1200" b="1">
+                        <a:solidFill>
+                          <a:schemeClr val="tx1"/>
+                        </a:solidFill>
+                        <a:latin typeface="Consolas" panose="020B0609020204030204" charset="0"/>
+                        <a:cs typeface="Consolas" panose="020B0609020204030204" charset="0"/>
+                      </a:endParaRPr>
+                    </a:p>
+                  </a:txBody>
+                  <a:tcPr anchor="ctr" anchorCtr="0">
+                    <a:lnL w="12700" cmpd="sng">
+                      <a:solidFill>
+                        <a:schemeClr val="tx1"/>
+                      </a:solidFill>
+                      <a:prstDash val="solid"/>
+                    </a:lnL>
+                    <a:lnR w="12700" cmpd="sng">
+                      <a:solidFill>
+                        <a:schemeClr val="tx1"/>
+                      </a:solidFill>
+                      <a:prstDash val="solid"/>
+                    </a:lnR>
+                    <a:lnT w="12700" cmpd="sng">
+                      <a:solidFill>
+                        <a:schemeClr val="tx1"/>
+                      </a:solidFill>
+                      <a:prstDash val="solid"/>
+                    </a:lnT>
+                    <a:lnB w="12700" cmpd="sng">
+                      <a:solidFill>
+                        <a:schemeClr val="tx1"/>
+                      </a:solidFill>
+                      <a:prstDash val="solid"/>
+                    </a:lnB>
+                    <a:solidFill>
+                      <a:schemeClr val="bg1"/>
+                    </a:solidFill>
+                  </a:tcPr>
+                </a:tc>
+                <a:tc>
+                  <a:txBody>
+                    <a:bodyPr/>
+                    <a:p>
+                      <a:pPr algn="ctr">
+                        <a:buNone/>
+                      </a:pPr>
+                      <a:endParaRPr lang="zh-CN" altLang="en-US" sz="1200" b="1">
+                        <a:solidFill>
+                          <a:schemeClr val="tx1"/>
+                        </a:solidFill>
+                        <a:latin typeface="Consolas" panose="020B0609020204030204" charset="0"/>
+                        <a:cs typeface="Consolas" panose="020B0609020204030204" charset="0"/>
+                      </a:endParaRPr>
+                    </a:p>
+                  </a:txBody>
+                  <a:tcPr anchor="ctr" anchorCtr="0">
+                    <a:lnL w="12700" cmpd="sng">
+                      <a:solidFill>
+                        <a:schemeClr val="tx1"/>
+                      </a:solidFill>
+                      <a:prstDash val="solid"/>
+                    </a:lnL>
+                    <a:lnR w="12700" cmpd="sng">
+                      <a:solidFill>
+                        <a:schemeClr val="tx1"/>
+                      </a:solidFill>
+                      <a:prstDash val="solid"/>
+                    </a:lnR>
+                    <a:lnT w="12700" cmpd="sng">
+                      <a:solidFill>
+                        <a:schemeClr val="tx1"/>
+                      </a:solidFill>
+                      <a:prstDash val="solid"/>
+                    </a:lnT>
+                    <a:lnB w="12700" cmpd="sng">
+                      <a:solidFill>
+                        <a:schemeClr val="tx1"/>
+                      </a:solidFill>
+                      <a:prstDash val="solid"/>
+                    </a:lnB>
+                    <a:solidFill>
+                      <a:schemeClr val="bg1"/>
+                    </a:solidFill>
+                  </a:tcPr>
+                </a:tc>
+              </a:tr>
+            </a:tbl>
+          </a:graphicData>
+        </a:graphic>
+      </p:graphicFrame>
+    </p:spTree>
+    <p:custDataLst>
+      <p:tags r:id="rId2"/>
+    </p:custDataLst>
+  </p:cSld>
+  <p:clrMapOvr>
+    <a:masterClrMapping/>
+  </p:clrMapOvr>
+</p:sld>
+</file>
+
 <file path=ppt/slides/slide2.xml><?xml version="1.0" encoding="utf-8"?>
 <p:sld xmlns:a="http://schemas.openxmlformats.org/drawingml/2006/main" xmlns:r="http://schemas.openxmlformats.org/officeDocument/2006/relationships" xmlns:p="http://schemas.openxmlformats.org/presentationml/2006/main">
   <p:cSld>
@@ -10580,7 +15396,7 @@
                       <a:latin typeface="Consolas" panose="020B0609020204030204" charset="0"/>
                       <a:cs typeface="Consolas" panose="020B0609020204030204" charset="0"/>
                     </a:rPr>
-                    <a:t>ba</a:t>
+                    <a:t>bab</a:t>
                   </a:r>
                   <a:endParaRPr lang="zh-CN" altLang="en-US" b="1">
                     <a:solidFill>
@@ -10744,9 +15560,9 @@
         <p:grpSpPr>
           <a:xfrm>
             <a:off x="348615" y="193675"/>
-            <a:ext cx="11169650" cy="3315970"/>
+            <a:ext cx="9236710" cy="3316605"/>
             <a:chOff x="549" y="305"/>
-            <a:chExt cx="17590" cy="5222"/>
+            <a:chExt cx="14546" cy="5223"/>
           </a:xfrm>
         </p:grpSpPr>
         <p:grpSp>
@@ -11212,9 +16028,9 @@
           <p:grpSpPr>
             <a:xfrm>
               <a:off x="8539" y="305"/>
-              <a:ext cx="9600" cy="5223"/>
+              <a:ext cx="6556" cy="5223"/>
               <a:chOff x="7673" y="5863"/>
-              <a:chExt cx="9600" cy="5223"/>
+              <a:chExt cx="6556" cy="5223"/>
             </a:xfrm>
           </p:grpSpPr>
           <p:sp>
@@ -11230,7 +16046,7 @@
             <p:spPr>
               <a:xfrm>
                 <a:off x="7673" y="5863"/>
-                <a:ext cx="9600" cy="580"/>
+                <a:ext cx="5580" cy="580"/>
               </a:xfrm>
               <a:prstGeom prst="rect">
                 <a:avLst/>
@@ -11295,7 +16111,7 @@
             <p:spPr>
               <a:xfrm>
                 <a:off x="7873" y="6963"/>
-                <a:ext cx="9018" cy="3197"/>
+                <a:ext cx="6356" cy="3197"/>
               </a:xfrm>
               <a:prstGeom prst="rect">
                 <a:avLst/>
@@ -21746,6 +26562,2732 @@
 </p:sld>
 </file>
 
+<file path=ppt/slides/slide9.xml><?xml version="1.0" encoding="utf-8"?>
+<p:sld xmlns:a="http://schemas.openxmlformats.org/drawingml/2006/main" xmlns:r="http://schemas.openxmlformats.org/officeDocument/2006/relationships" xmlns:p="http://schemas.openxmlformats.org/presentationml/2006/main">
+  <p:cSld>
+    <p:spTree>
+      <p:nvGrpSpPr>
+        <p:cNvPr id="1" name=""/>
+        <p:cNvGrpSpPr/>
+        <p:nvPr/>
+      </p:nvGrpSpPr>
+      <p:grpSpPr/>
+      <p:graphicFrame>
+        <p:nvGraphicFramePr>
+          <p:cNvPr id="6" name="表格 5"/>
+          <p:cNvGraphicFramePr/>
+          <p:nvPr>
+            <p:custDataLst>
+              <p:tags r:id="rId1"/>
+            </p:custDataLst>
+          </p:nvPr>
+        </p:nvGraphicFramePr>
+        <p:xfrm>
+          <a:off x="913765" y="163830"/>
+          <a:ext cx="7049770" cy="1842135"/>
+        </p:xfrm>
+        <a:graphic>
+          <a:graphicData uri="http://schemas.openxmlformats.org/drawingml/2006/table">
+            <a:tbl>
+              <a:tblPr firstRow="1" bandRow="1">
+                <a:tableStyleId>{5C22544A-7EE6-4342-B048-85BDC9FD1C3A}</a:tableStyleId>
+              </a:tblPr>
+              <a:tblGrid>
+                <a:gridCol w="1007110"/>
+                <a:gridCol w="1007110"/>
+                <a:gridCol w="1007110"/>
+                <a:gridCol w="1007110"/>
+                <a:gridCol w="1007110"/>
+                <a:gridCol w="1007110"/>
+                <a:gridCol w="1007110"/>
+              </a:tblGrid>
+              <a:tr h="429260">
+                <a:tc>
+                  <a:txBody>
+                    <a:bodyPr/>
+                    <a:p>
+                      <a:pPr algn="ctr">
+                        <a:buNone/>
+                      </a:pPr>
+                      <a:r>
+                        <a:rPr lang="zh-CN" altLang="en-US" sz="1400" b="1">
+                          <a:latin typeface="Consolas" panose="020B0609020204030204" charset="0"/>
+                          <a:cs typeface="Consolas" panose="020B0609020204030204" charset="0"/>
+                        </a:rPr>
+                        <a:t>编号</a:t>
+                      </a:r>
+                      <a:r>
+                        <a:rPr lang="en-US" altLang="zh-CN" sz="1400" b="1">
+                          <a:latin typeface="Consolas" panose="020B0609020204030204" charset="0"/>
+                          <a:cs typeface="Consolas" panose="020B0609020204030204" charset="0"/>
+                        </a:rPr>
+                        <a:t>j</a:t>
+                      </a:r>
+                      <a:endParaRPr lang="en-US" altLang="zh-CN" sz="1400" b="1">
+                        <a:latin typeface="Consolas" panose="020B0609020204030204" charset="0"/>
+                        <a:cs typeface="Consolas" panose="020B0609020204030204" charset="0"/>
+                      </a:endParaRPr>
+                    </a:p>
+                  </a:txBody>
+                  <a:tcPr anchor="ctr" anchorCtr="0">
+                    <a:lnL w="12700">
+                      <a:solidFill>
+                        <a:schemeClr val="tx1"/>
+                      </a:solidFill>
+                      <a:prstDash val="solid"/>
+                    </a:lnL>
+                    <a:lnR w="12700">
+                      <a:solidFill>
+                        <a:schemeClr val="tx1"/>
+                      </a:solidFill>
+                      <a:prstDash val="solid"/>
+                    </a:lnR>
+                    <a:lnT w="12700">
+                      <a:solidFill>
+                        <a:schemeClr val="tx1"/>
+                      </a:solidFill>
+                      <a:prstDash val="solid"/>
+                    </a:lnT>
+                    <a:lnB w="12700">
+                      <a:solidFill>
+                        <a:schemeClr val="tx1"/>
+                      </a:solidFill>
+                      <a:prstDash val="solid"/>
+                    </a:lnB>
+                    <a:lnTlToBr>
+                      <a:noFill/>
+                    </a:lnTlToBr>
+                    <a:lnBlToTr>
+                      <a:noFill/>
+                    </a:lnBlToTr>
+                    <a:solidFill>
+                      <a:srgbClr val="00B050"/>
+                    </a:solidFill>
+                  </a:tcPr>
+                </a:tc>
+                <a:tc>
+                  <a:txBody>
+                    <a:bodyPr/>
+                    <a:p>
+                      <a:pPr algn="ctr">
+                        <a:buNone/>
+                      </a:pPr>
+                      <a:r>
+                        <a:rPr lang="en-US" altLang="zh-CN" sz="1400" b="1">
+                          <a:latin typeface="Consolas" panose="020B0609020204030204" charset="0"/>
+                          <a:cs typeface="Consolas" panose="020B0609020204030204" charset="0"/>
+                        </a:rPr>
+                        <a:t>1</a:t>
+                      </a:r>
+                      <a:endParaRPr lang="en-US" altLang="zh-CN" sz="1400" b="1">
+                        <a:latin typeface="Consolas" panose="020B0609020204030204" charset="0"/>
+                        <a:cs typeface="Consolas" panose="020B0609020204030204" charset="0"/>
+                      </a:endParaRPr>
+                    </a:p>
+                  </a:txBody>
+                  <a:tcPr anchor="ctr" anchorCtr="0">
+                    <a:lnL w="12700">
+                      <a:solidFill>
+                        <a:schemeClr val="tx1"/>
+                      </a:solidFill>
+                      <a:prstDash val="solid"/>
+                    </a:lnL>
+                    <a:lnR w="12700">
+                      <a:solidFill>
+                        <a:schemeClr val="tx1"/>
+                      </a:solidFill>
+                      <a:prstDash val="solid"/>
+                    </a:lnR>
+                    <a:lnT w="12700">
+                      <a:solidFill>
+                        <a:schemeClr val="tx1"/>
+                      </a:solidFill>
+                      <a:prstDash val="solid"/>
+                    </a:lnT>
+                    <a:lnB w="12700">
+                      <a:solidFill>
+                        <a:schemeClr val="tx1"/>
+                      </a:solidFill>
+                      <a:prstDash val="solid"/>
+                    </a:lnB>
+                    <a:lnTlToBr>
+                      <a:noFill/>
+                    </a:lnTlToBr>
+                    <a:lnBlToTr>
+                      <a:noFill/>
+                    </a:lnBlToTr>
+                    <a:solidFill>
+                      <a:srgbClr val="00B050"/>
+                    </a:solidFill>
+                  </a:tcPr>
+                </a:tc>
+                <a:tc>
+                  <a:txBody>
+                    <a:bodyPr/>
+                    <a:p>
+                      <a:pPr algn="ctr">
+                        <a:buNone/>
+                      </a:pPr>
+                      <a:r>
+                        <a:rPr lang="en-US" altLang="zh-CN" sz="1400" b="1">
+                          <a:latin typeface="Consolas" panose="020B0609020204030204" charset="0"/>
+                          <a:cs typeface="Consolas" panose="020B0609020204030204" charset="0"/>
+                        </a:rPr>
+                        <a:t>2</a:t>
+                      </a:r>
+                      <a:endParaRPr lang="en-US" altLang="zh-CN" sz="1400" b="1">
+                        <a:latin typeface="Consolas" panose="020B0609020204030204" charset="0"/>
+                        <a:cs typeface="Consolas" panose="020B0609020204030204" charset="0"/>
+                      </a:endParaRPr>
+                    </a:p>
+                  </a:txBody>
+                  <a:tcPr anchor="ctr" anchorCtr="0">
+                    <a:lnL w="12700">
+                      <a:solidFill>
+                        <a:schemeClr val="tx1"/>
+                      </a:solidFill>
+                      <a:prstDash val="solid"/>
+                    </a:lnL>
+                    <a:lnR w="12700">
+                      <a:solidFill>
+                        <a:schemeClr val="tx1"/>
+                      </a:solidFill>
+                      <a:prstDash val="solid"/>
+                    </a:lnR>
+                    <a:lnT w="12700">
+                      <a:solidFill>
+                        <a:schemeClr val="tx1"/>
+                      </a:solidFill>
+                      <a:prstDash val="solid"/>
+                    </a:lnT>
+                    <a:lnB w="12700">
+                      <a:solidFill>
+                        <a:schemeClr val="tx1"/>
+                      </a:solidFill>
+                      <a:prstDash val="solid"/>
+                    </a:lnB>
+                    <a:lnTlToBr>
+                      <a:noFill/>
+                    </a:lnTlToBr>
+                    <a:lnBlToTr>
+                      <a:noFill/>
+                    </a:lnBlToTr>
+                    <a:solidFill>
+                      <a:srgbClr val="00B050"/>
+                    </a:solidFill>
+                  </a:tcPr>
+                </a:tc>
+                <a:tc>
+                  <a:txBody>
+                    <a:bodyPr/>
+                    <a:p>
+                      <a:pPr algn="ctr">
+                        <a:buNone/>
+                      </a:pPr>
+                      <a:r>
+                        <a:rPr lang="en-US" altLang="zh-CN" sz="1400" b="1">
+                          <a:latin typeface="Consolas" panose="020B0609020204030204" charset="0"/>
+                          <a:cs typeface="Consolas" panose="020B0609020204030204" charset="0"/>
+                        </a:rPr>
+                        <a:t>3</a:t>
+                      </a:r>
+                      <a:endParaRPr lang="en-US" altLang="zh-CN" sz="1400" b="1">
+                        <a:latin typeface="Consolas" panose="020B0609020204030204" charset="0"/>
+                        <a:cs typeface="Consolas" panose="020B0609020204030204" charset="0"/>
+                      </a:endParaRPr>
+                    </a:p>
+                  </a:txBody>
+                  <a:tcPr anchor="ctr" anchorCtr="0">
+                    <a:lnL w="12700">
+                      <a:solidFill>
+                        <a:schemeClr val="tx1"/>
+                      </a:solidFill>
+                      <a:prstDash val="solid"/>
+                    </a:lnL>
+                    <a:lnR w="12700">
+                      <a:solidFill>
+                        <a:schemeClr val="tx1"/>
+                      </a:solidFill>
+                      <a:prstDash val="solid"/>
+                    </a:lnR>
+                    <a:lnT w="12700">
+                      <a:solidFill>
+                        <a:schemeClr val="tx1"/>
+                      </a:solidFill>
+                      <a:prstDash val="solid"/>
+                    </a:lnT>
+                    <a:lnB w="12700">
+                      <a:solidFill>
+                        <a:schemeClr val="tx1"/>
+                      </a:solidFill>
+                      <a:prstDash val="solid"/>
+                    </a:lnB>
+                    <a:lnTlToBr>
+                      <a:noFill/>
+                    </a:lnTlToBr>
+                    <a:lnBlToTr>
+                      <a:noFill/>
+                    </a:lnBlToTr>
+                    <a:solidFill>
+                      <a:srgbClr val="00B050"/>
+                    </a:solidFill>
+                  </a:tcPr>
+                </a:tc>
+                <a:tc>
+                  <a:txBody>
+                    <a:bodyPr/>
+                    <a:p>
+                      <a:pPr algn="ctr">
+                        <a:buNone/>
+                      </a:pPr>
+                      <a:r>
+                        <a:rPr lang="en-US" altLang="zh-CN" sz="1400" b="1">
+                          <a:latin typeface="Consolas" panose="020B0609020204030204" charset="0"/>
+                          <a:cs typeface="Consolas" panose="020B0609020204030204" charset="0"/>
+                        </a:rPr>
+                        <a:t>4</a:t>
+                      </a:r>
+                      <a:endParaRPr lang="en-US" altLang="zh-CN" sz="1400" b="1">
+                        <a:latin typeface="Consolas" panose="020B0609020204030204" charset="0"/>
+                        <a:cs typeface="Consolas" panose="020B0609020204030204" charset="0"/>
+                      </a:endParaRPr>
+                    </a:p>
+                  </a:txBody>
+                  <a:tcPr anchor="ctr" anchorCtr="0">
+                    <a:lnL w="12700">
+                      <a:solidFill>
+                        <a:schemeClr val="tx1"/>
+                      </a:solidFill>
+                      <a:prstDash val="solid"/>
+                    </a:lnL>
+                    <a:lnR w="12700">
+                      <a:solidFill>
+                        <a:schemeClr val="tx1"/>
+                      </a:solidFill>
+                      <a:prstDash val="solid"/>
+                    </a:lnR>
+                    <a:lnT w="12700">
+                      <a:solidFill>
+                        <a:schemeClr val="tx1"/>
+                      </a:solidFill>
+                      <a:prstDash val="solid"/>
+                    </a:lnT>
+                    <a:lnB w="12700">
+                      <a:solidFill>
+                        <a:schemeClr val="tx1"/>
+                      </a:solidFill>
+                      <a:prstDash val="solid"/>
+                    </a:lnB>
+                    <a:lnTlToBr>
+                      <a:noFill/>
+                    </a:lnTlToBr>
+                    <a:lnBlToTr>
+                      <a:noFill/>
+                    </a:lnBlToTr>
+                    <a:solidFill>
+                      <a:srgbClr val="00B050"/>
+                    </a:solidFill>
+                  </a:tcPr>
+                </a:tc>
+                <a:tc>
+                  <a:txBody>
+                    <a:bodyPr/>
+                    <a:p>
+                      <a:pPr algn="ctr">
+                        <a:buNone/>
+                      </a:pPr>
+                      <a:r>
+                        <a:rPr lang="en-US" altLang="zh-CN" sz="1400" b="1">
+                          <a:latin typeface="Consolas" panose="020B0609020204030204" charset="0"/>
+                          <a:cs typeface="Consolas" panose="020B0609020204030204" charset="0"/>
+                        </a:rPr>
+                        <a:t>5</a:t>
+                      </a:r>
+                      <a:endParaRPr lang="en-US" altLang="zh-CN" sz="1400" b="1">
+                        <a:latin typeface="Consolas" panose="020B0609020204030204" charset="0"/>
+                        <a:cs typeface="Consolas" panose="020B0609020204030204" charset="0"/>
+                      </a:endParaRPr>
+                    </a:p>
+                  </a:txBody>
+                  <a:tcPr anchor="ctr" anchorCtr="0">
+                    <a:lnL w="12700">
+                      <a:solidFill>
+                        <a:schemeClr val="tx1"/>
+                      </a:solidFill>
+                      <a:prstDash val="solid"/>
+                    </a:lnL>
+                    <a:lnR w="12700">
+                      <a:solidFill>
+                        <a:schemeClr val="tx1"/>
+                      </a:solidFill>
+                      <a:prstDash val="solid"/>
+                    </a:lnR>
+                    <a:lnT w="12700">
+                      <a:solidFill>
+                        <a:schemeClr val="tx1"/>
+                      </a:solidFill>
+                      <a:prstDash val="solid"/>
+                    </a:lnT>
+                    <a:lnB w="12700">
+                      <a:solidFill>
+                        <a:schemeClr val="tx1"/>
+                      </a:solidFill>
+                      <a:prstDash val="solid"/>
+                    </a:lnB>
+                    <a:lnTlToBr>
+                      <a:noFill/>
+                    </a:lnTlToBr>
+                    <a:lnBlToTr>
+                      <a:noFill/>
+                    </a:lnBlToTr>
+                    <a:solidFill>
+                      <a:srgbClr val="00B050"/>
+                    </a:solidFill>
+                  </a:tcPr>
+                </a:tc>
+                <a:tc>
+                  <a:txBody>
+                    <a:bodyPr/>
+                    <a:p>
+                      <a:pPr algn="ctr">
+                        <a:buNone/>
+                      </a:pPr>
+                      <a:r>
+                        <a:rPr lang="en-US" altLang="zh-CN" sz="1400" b="1">
+                          <a:latin typeface="Consolas" panose="020B0609020204030204" charset="0"/>
+                          <a:cs typeface="Consolas" panose="020B0609020204030204" charset="0"/>
+                        </a:rPr>
+                        <a:t>6</a:t>
+                      </a:r>
+                      <a:endParaRPr lang="en-US" altLang="zh-CN" sz="1400" b="1">
+                        <a:latin typeface="Consolas" panose="020B0609020204030204" charset="0"/>
+                        <a:cs typeface="Consolas" panose="020B0609020204030204" charset="0"/>
+                      </a:endParaRPr>
+                    </a:p>
+                  </a:txBody>
+                  <a:tcPr anchor="ctr" anchorCtr="0">
+                    <a:lnL w="12700">
+                      <a:solidFill>
+                        <a:schemeClr val="tx1"/>
+                      </a:solidFill>
+                      <a:prstDash val="solid"/>
+                    </a:lnL>
+                    <a:lnR w="12700">
+                      <a:solidFill>
+                        <a:schemeClr val="tx1"/>
+                      </a:solidFill>
+                      <a:prstDash val="solid"/>
+                    </a:lnR>
+                    <a:lnT w="12700">
+                      <a:solidFill>
+                        <a:schemeClr val="tx1"/>
+                      </a:solidFill>
+                      <a:prstDash val="solid"/>
+                    </a:lnT>
+                    <a:lnB w="12700">
+                      <a:solidFill>
+                        <a:schemeClr val="tx1"/>
+                      </a:solidFill>
+                      <a:prstDash val="solid"/>
+                    </a:lnB>
+                    <a:lnTlToBr>
+                      <a:noFill/>
+                    </a:lnTlToBr>
+                    <a:lnBlToTr>
+                      <a:noFill/>
+                    </a:lnBlToTr>
+                    <a:solidFill>
+                      <a:srgbClr val="00B050"/>
+                    </a:solidFill>
+                  </a:tcPr>
+                </a:tc>
+              </a:tr>
+              <a:tr h="429895">
+                <a:tc>
+                  <a:txBody>
+                    <a:bodyPr/>
+                    <a:p>
+                      <a:pPr algn="ctr">
+                        <a:buNone/>
+                      </a:pPr>
+                      <a:r>
+                        <a:rPr lang="zh-CN" altLang="en-US" sz="1400" b="1">
+                          <a:latin typeface="Consolas" panose="020B0609020204030204" charset="0"/>
+                        </a:rPr>
+                        <a:t>模式串</a:t>
+                      </a:r>
+                      <a:endParaRPr lang="zh-CN" altLang="en-US" sz="1400" b="1">
+                        <a:latin typeface="Consolas" panose="020B0609020204030204" charset="0"/>
+                      </a:endParaRPr>
+                    </a:p>
+                  </a:txBody>
+                  <a:tcPr anchor="ctr" anchorCtr="0">
+                    <a:lnL w="12700">
+                      <a:solidFill>
+                        <a:schemeClr val="tx1"/>
+                      </a:solidFill>
+                      <a:prstDash val="solid"/>
+                    </a:lnL>
+                    <a:lnR w="12700">
+                      <a:solidFill>
+                        <a:schemeClr val="tx1"/>
+                      </a:solidFill>
+                      <a:prstDash val="solid"/>
+                    </a:lnR>
+                    <a:lnT w="12700">
+                      <a:solidFill>
+                        <a:schemeClr val="tx1"/>
+                      </a:solidFill>
+                      <a:prstDash val="solid"/>
+                    </a:lnT>
+                    <a:lnB w="12700">
+                      <a:solidFill>
+                        <a:schemeClr val="tx1"/>
+                      </a:solidFill>
+                      <a:prstDash val="solid"/>
+                    </a:lnB>
+                    <a:lnTlToBr>
+                      <a:noFill/>
+                    </a:lnTlToBr>
+                    <a:lnBlToTr>
+                      <a:noFill/>
+                    </a:lnBlToTr>
+                    <a:solidFill>
+                      <a:schemeClr val="accent4">
+                        <a:lumMod val="75000"/>
+                      </a:schemeClr>
+                    </a:solidFill>
+                  </a:tcPr>
+                </a:tc>
+                <a:tc>
+                  <a:txBody>
+                    <a:bodyPr/>
+                    <a:p>
+                      <a:pPr algn="ctr">
+                        <a:buNone/>
+                      </a:pPr>
+                      <a:r>
+                        <a:rPr lang="en-US" altLang="zh-CN" sz="1400" b="1">
+                          <a:latin typeface="Consolas" panose="020B0609020204030204" charset="0"/>
+                          <a:cs typeface="Consolas" panose="020B0609020204030204" charset="0"/>
+                        </a:rPr>
+                        <a:t>a</a:t>
+                      </a:r>
+                      <a:endParaRPr lang="en-US" altLang="zh-CN" sz="1400" b="1">
+                        <a:latin typeface="Consolas" panose="020B0609020204030204" charset="0"/>
+                        <a:cs typeface="Consolas" panose="020B0609020204030204" charset="0"/>
+                      </a:endParaRPr>
+                    </a:p>
+                  </a:txBody>
+                  <a:tcPr anchor="ctr" anchorCtr="0">
+                    <a:lnL w="12700">
+                      <a:solidFill>
+                        <a:schemeClr val="tx1"/>
+                      </a:solidFill>
+                      <a:prstDash val="solid"/>
+                    </a:lnL>
+                    <a:lnR w="12700">
+                      <a:solidFill>
+                        <a:schemeClr val="tx1"/>
+                      </a:solidFill>
+                      <a:prstDash val="solid"/>
+                    </a:lnR>
+                    <a:lnT w="12700">
+                      <a:solidFill>
+                        <a:schemeClr val="tx1"/>
+                      </a:solidFill>
+                      <a:prstDash val="solid"/>
+                    </a:lnT>
+                    <a:lnB w="12700">
+                      <a:solidFill>
+                        <a:schemeClr val="tx1"/>
+                      </a:solidFill>
+                      <a:prstDash val="solid"/>
+                    </a:lnB>
+                    <a:lnTlToBr>
+                      <a:noFill/>
+                    </a:lnTlToBr>
+                    <a:lnBlToTr>
+                      <a:noFill/>
+                    </a:lnBlToTr>
+                    <a:solidFill>
+                      <a:schemeClr val="accent4">
+                        <a:lumMod val="75000"/>
+                      </a:schemeClr>
+                    </a:solidFill>
+                  </a:tcPr>
+                </a:tc>
+                <a:tc>
+                  <a:txBody>
+                    <a:bodyPr/>
+                    <a:p>
+                      <a:pPr algn="ctr">
+                        <a:buNone/>
+                      </a:pPr>
+                      <a:r>
+                        <a:rPr lang="en-US" altLang="zh-CN" sz="1400" b="1">
+                          <a:latin typeface="Consolas" panose="020B0609020204030204" charset="0"/>
+                          <a:cs typeface="Consolas" panose="020B0609020204030204" charset="0"/>
+                        </a:rPr>
+                        <a:t>b</a:t>
+                      </a:r>
+                      <a:endParaRPr lang="en-US" altLang="zh-CN" sz="1400" b="1">
+                        <a:latin typeface="Consolas" panose="020B0609020204030204" charset="0"/>
+                        <a:cs typeface="Consolas" panose="020B0609020204030204" charset="0"/>
+                      </a:endParaRPr>
+                    </a:p>
+                  </a:txBody>
+                  <a:tcPr anchor="ctr" anchorCtr="0">
+                    <a:lnL w="12700">
+                      <a:solidFill>
+                        <a:schemeClr val="tx1"/>
+                      </a:solidFill>
+                      <a:prstDash val="solid"/>
+                    </a:lnL>
+                    <a:lnR w="12700">
+                      <a:solidFill>
+                        <a:schemeClr val="tx1"/>
+                      </a:solidFill>
+                      <a:prstDash val="solid"/>
+                    </a:lnR>
+                    <a:lnT w="12700">
+                      <a:solidFill>
+                        <a:schemeClr val="tx1"/>
+                      </a:solidFill>
+                      <a:prstDash val="solid"/>
+                    </a:lnT>
+                    <a:lnB w="12700">
+                      <a:solidFill>
+                        <a:schemeClr val="tx1"/>
+                      </a:solidFill>
+                      <a:prstDash val="solid"/>
+                    </a:lnB>
+                    <a:lnTlToBr>
+                      <a:noFill/>
+                    </a:lnTlToBr>
+                    <a:lnBlToTr>
+                      <a:noFill/>
+                    </a:lnBlToTr>
+                    <a:solidFill>
+                      <a:schemeClr val="accent4">
+                        <a:lumMod val="75000"/>
+                      </a:schemeClr>
+                    </a:solidFill>
+                  </a:tcPr>
+                </a:tc>
+                <a:tc>
+                  <a:txBody>
+                    <a:bodyPr/>
+                    <a:p>
+                      <a:pPr algn="ctr">
+                        <a:buNone/>
+                      </a:pPr>
+                      <a:r>
+                        <a:rPr lang="en-US" altLang="zh-CN" sz="1400" b="1">
+                          <a:latin typeface="Consolas" panose="020B0609020204030204" charset="0"/>
+                          <a:cs typeface="Consolas" panose="020B0609020204030204" charset="0"/>
+                        </a:rPr>
+                        <a:t>a</a:t>
+                      </a:r>
+                      <a:endParaRPr lang="en-US" altLang="zh-CN" sz="1400" b="1">
+                        <a:latin typeface="Consolas" panose="020B0609020204030204" charset="0"/>
+                        <a:cs typeface="Consolas" panose="020B0609020204030204" charset="0"/>
+                      </a:endParaRPr>
+                    </a:p>
+                  </a:txBody>
+                  <a:tcPr anchor="ctr" anchorCtr="0">
+                    <a:lnL w="12700">
+                      <a:solidFill>
+                        <a:schemeClr val="tx1"/>
+                      </a:solidFill>
+                      <a:prstDash val="solid"/>
+                    </a:lnL>
+                    <a:lnR w="12700">
+                      <a:solidFill>
+                        <a:schemeClr val="tx1"/>
+                      </a:solidFill>
+                      <a:prstDash val="solid"/>
+                    </a:lnR>
+                    <a:lnT w="12700">
+                      <a:solidFill>
+                        <a:schemeClr val="tx1"/>
+                      </a:solidFill>
+                      <a:prstDash val="solid"/>
+                    </a:lnT>
+                    <a:lnB w="12700">
+                      <a:solidFill>
+                        <a:schemeClr val="tx1"/>
+                      </a:solidFill>
+                      <a:prstDash val="solid"/>
+                    </a:lnB>
+                    <a:lnTlToBr>
+                      <a:noFill/>
+                    </a:lnTlToBr>
+                    <a:lnBlToTr>
+                      <a:noFill/>
+                    </a:lnBlToTr>
+                    <a:solidFill>
+                      <a:schemeClr val="accent4">
+                        <a:lumMod val="75000"/>
+                      </a:schemeClr>
+                    </a:solidFill>
+                  </a:tcPr>
+                </a:tc>
+                <a:tc>
+                  <a:txBody>
+                    <a:bodyPr/>
+                    <a:p>
+                      <a:pPr algn="ctr">
+                        <a:buNone/>
+                      </a:pPr>
+                      <a:r>
+                        <a:rPr lang="en-US" altLang="zh-CN" sz="1400" b="1">
+                          <a:latin typeface="Consolas" panose="020B0609020204030204" charset="0"/>
+                          <a:cs typeface="Consolas" panose="020B0609020204030204" charset="0"/>
+                        </a:rPr>
+                        <a:t>a</a:t>
+                      </a:r>
+                      <a:endParaRPr lang="en-US" altLang="zh-CN" sz="1400" b="1">
+                        <a:latin typeface="Consolas" panose="020B0609020204030204" charset="0"/>
+                        <a:cs typeface="Consolas" panose="020B0609020204030204" charset="0"/>
+                      </a:endParaRPr>
+                    </a:p>
+                  </a:txBody>
+                  <a:tcPr anchor="ctr" anchorCtr="0">
+                    <a:lnL w="12700">
+                      <a:solidFill>
+                        <a:schemeClr val="tx1"/>
+                      </a:solidFill>
+                      <a:prstDash val="solid"/>
+                    </a:lnL>
+                    <a:lnR w="12700">
+                      <a:solidFill>
+                        <a:schemeClr val="tx1"/>
+                      </a:solidFill>
+                      <a:prstDash val="solid"/>
+                    </a:lnR>
+                    <a:lnT w="12700">
+                      <a:solidFill>
+                        <a:schemeClr val="tx1"/>
+                      </a:solidFill>
+                      <a:prstDash val="solid"/>
+                    </a:lnT>
+                    <a:lnB w="12700">
+                      <a:solidFill>
+                        <a:schemeClr val="tx1"/>
+                      </a:solidFill>
+                      <a:prstDash val="solid"/>
+                    </a:lnB>
+                    <a:lnTlToBr>
+                      <a:noFill/>
+                    </a:lnTlToBr>
+                    <a:lnBlToTr>
+                      <a:noFill/>
+                    </a:lnBlToTr>
+                    <a:solidFill>
+                      <a:schemeClr val="accent4">
+                        <a:lumMod val="75000"/>
+                      </a:schemeClr>
+                    </a:solidFill>
+                  </a:tcPr>
+                </a:tc>
+                <a:tc>
+                  <a:txBody>
+                    <a:bodyPr/>
+                    <a:p>
+                      <a:pPr algn="ctr">
+                        <a:buNone/>
+                      </a:pPr>
+                      <a:r>
+                        <a:rPr lang="en-US" altLang="zh-CN" sz="1400" b="1">
+                          <a:latin typeface="Consolas" panose="020B0609020204030204" charset="0"/>
+                          <a:cs typeface="Consolas" panose="020B0609020204030204" charset="0"/>
+                        </a:rPr>
+                        <a:t>b</a:t>
+                      </a:r>
+                      <a:endParaRPr lang="en-US" altLang="zh-CN" sz="1400" b="1">
+                        <a:latin typeface="Consolas" panose="020B0609020204030204" charset="0"/>
+                        <a:cs typeface="Consolas" panose="020B0609020204030204" charset="0"/>
+                      </a:endParaRPr>
+                    </a:p>
+                  </a:txBody>
+                  <a:tcPr anchor="ctr" anchorCtr="0">
+                    <a:lnL w="12700">
+                      <a:solidFill>
+                        <a:schemeClr val="tx1"/>
+                      </a:solidFill>
+                      <a:prstDash val="solid"/>
+                    </a:lnL>
+                    <a:lnR w="12700">
+                      <a:solidFill>
+                        <a:schemeClr val="tx1"/>
+                      </a:solidFill>
+                      <a:prstDash val="solid"/>
+                    </a:lnR>
+                    <a:lnT w="12700">
+                      <a:solidFill>
+                        <a:schemeClr val="tx1"/>
+                      </a:solidFill>
+                      <a:prstDash val="solid"/>
+                    </a:lnT>
+                    <a:lnB w="12700">
+                      <a:solidFill>
+                        <a:schemeClr val="tx1"/>
+                      </a:solidFill>
+                      <a:prstDash val="solid"/>
+                    </a:lnB>
+                    <a:lnTlToBr>
+                      <a:noFill/>
+                    </a:lnTlToBr>
+                    <a:lnBlToTr>
+                      <a:noFill/>
+                    </a:lnBlToTr>
+                    <a:solidFill>
+                      <a:schemeClr val="accent4">
+                        <a:lumMod val="75000"/>
+                      </a:schemeClr>
+                    </a:solidFill>
+                  </a:tcPr>
+                </a:tc>
+                <a:tc>
+                  <a:txBody>
+                    <a:bodyPr/>
+                    <a:p>
+                      <a:pPr algn="ctr">
+                        <a:buNone/>
+                      </a:pPr>
+                      <a:r>
+                        <a:rPr lang="en-US" altLang="zh-CN" sz="1400" b="1">
+                          <a:latin typeface="Consolas" panose="020B0609020204030204" charset="0"/>
+                          <a:cs typeface="Consolas" panose="020B0609020204030204" charset="0"/>
+                        </a:rPr>
+                        <a:t>c</a:t>
+                      </a:r>
+                      <a:endParaRPr lang="en-US" altLang="zh-CN" sz="1400" b="1">
+                        <a:latin typeface="Consolas" panose="020B0609020204030204" charset="0"/>
+                        <a:cs typeface="Consolas" panose="020B0609020204030204" charset="0"/>
+                      </a:endParaRPr>
+                    </a:p>
+                  </a:txBody>
+                  <a:tcPr anchor="ctr" anchorCtr="0">
+                    <a:lnL w="12700">
+                      <a:solidFill>
+                        <a:schemeClr val="tx1"/>
+                      </a:solidFill>
+                      <a:prstDash val="solid"/>
+                    </a:lnL>
+                    <a:lnR w="12700">
+                      <a:solidFill>
+                        <a:schemeClr val="tx1"/>
+                      </a:solidFill>
+                      <a:prstDash val="solid"/>
+                    </a:lnR>
+                    <a:lnT w="12700">
+                      <a:solidFill>
+                        <a:schemeClr val="tx1"/>
+                      </a:solidFill>
+                      <a:prstDash val="solid"/>
+                    </a:lnT>
+                    <a:lnB w="12700">
+                      <a:solidFill>
+                        <a:schemeClr val="tx1"/>
+                      </a:solidFill>
+                      <a:prstDash val="solid"/>
+                    </a:lnB>
+                    <a:lnTlToBr>
+                      <a:noFill/>
+                    </a:lnTlToBr>
+                    <a:lnBlToTr>
+                      <a:noFill/>
+                    </a:lnBlToTr>
+                    <a:solidFill>
+                      <a:schemeClr val="accent4">
+                        <a:lumMod val="75000"/>
+                      </a:schemeClr>
+                    </a:solidFill>
+                  </a:tcPr>
+                </a:tc>
+              </a:tr>
+              <a:tr h="466725">
+                <a:tc>
+                  <a:txBody>
+                    <a:bodyPr/>
+                    <a:p>
+                      <a:pPr algn="ctr">
+                        <a:buNone/>
+                      </a:pPr>
+                      <a:r>
+                        <a:rPr lang="en-US" altLang="zh-CN" sz="1400" b="1">
+                          <a:latin typeface="Consolas" panose="020B0609020204030204" charset="0"/>
+                          <a:cs typeface="Consolas" panose="020B0609020204030204" charset="0"/>
+                        </a:rPr>
+                        <a:t>next[j]</a:t>
+                      </a:r>
+                      <a:endParaRPr lang="en-US" altLang="zh-CN" sz="1400" b="1">
+                        <a:latin typeface="Consolas" panose="020B0609020204030204" charset="0"/>
+                        <a:cs typeface="Consolas" panose="020B0609020204030204" charset="0"/>
+                      </a:endParaRPr>
+                    </a:p>
+                  </a:txBody>
+                  <a:tcPr anchor="ctr" anchorCtr="0">
+                    <a:lnL w="12700">
+                      <a:solidFill>
+                        <a:schemeClr val="tx1"/>
+                      </a:solidFill>
+                      <a:prstDash val="solid"/>
+                    </a:lnL>
+                    <a:lnR w="12700">
+                      <a:solidFill>
+                        <a:schemeClr val="tx1"/>
+                      </a:solidFill>
+                      <a:prstDash val="solid"/>
+                    </a:lnR>
+                    <a:lnT w="12700">
+                      <a:solidFill>
+                        <a:schemeClr val="tx1"/>
+                      </a:solidFill>
+                      <a:prstDash val="solid"/>
+                    </a:lnT>
+                    <a:lnB w="12700">
+                      <a:solidFill>
+                        <a:schemeClr val="tx1"/>
+                      </a:solidFill>
+                      <a:prstDash val="solid"/>
+                    </a:lnB>
+                    <a:lnTlToBr>
+                      <a:noFill/>
+                    </a:lnTlToBr>
+                    <a:lnBlToTr>
+                      <a:noFill/>
+                    </a:lnBlToTr>
+                    <a:solidFill>
+                      <a:schemeClr val="accent4">
+                        <a:lumMod val="75000"/>
+                      </a:schemeClr>
+                    </a:solidFill>
+                  </a:tcPr>
+                </a:tc>
+                <a:tc>
+                  <a:txBody>
+                    <a:bodyPr/>
+                    <a:p>
+                      <a:pPr algn="ctr">
+                        <a:buNone/>
+                      </a:pPr>
+                      <a:r>
+                        <a:rPr lang="en-US" altLang="zh-CN" sz="1400" b="1">
+                          <a:latin typeface="Consolas" panose="020B0609020204030204" charset="0"/>
+                          <a:cs typeface="Consolas" panose="020B0609020204030204" charset="0"/>
+                        </a:rPr>
+                        <a:t>0</a:t>
+                      </a:r>
+                      <a:endParaRPr lang="en-US" altLang="zh-CN" sz="1400" b="1">
+                        <a:latin typeface="Consolas" panose="020B0609020204030204" charset="0"/>
+                        <a:cs typeface="Consolas" panose="020B0609020204030204" charset="0"/>
+                      </a:endParaRPr>
+                    </a:p>
+                  </a:txBody>
+                  <a:tcPr anchor="ctr" anchorCtr="0">
+                    <a:lnL w="12700">
+                      <a:solidFill>
+                        <a:schemeClr val="tx1"/>
+                      </a:solidFill>
+                      <a:prstDash val="solid"/>
+                    </a:lnL>
+                    <a:lnR w="12700">
+                      <a:solidFill>
+                        <a:schemeClr val="tx1"/>
+                      </a:solidFill>
+                      <a:prstDash val="solid"/>
+                    </a:lnR>
+                    <a:lnT w="12700">
+                      <a:solidFill>
+                        <a:schemeClr val="tx1"/>
+                      </a:solidFill>
+                      <a:prstDash val="solid"/>
+                    </a:lnT>
+                    <a:lnB w="12700">
+                      <a:solidFill>
+                        <a:schemeClr val="tx1"/>
+                      </a:solidFill>
+                      <a:prstDash val="solid"/>
+                    </a:lnB>
+                    <a:lnTlToBr>
+                      <a:noFill/>
+                    </a:lnTlToBr>
+                    <a:lnBlToTr>
+                      <a:noFill/>
+                    </a:lnBlToTr>
+                    <a:solidFill>
+                      <a:schemeClr val="accent2">
+                        <a:lumMod val="40000"/>
+                        <a:lumOff val="60000"/>
+                      </a:schemeClr>
+                    </a:solidFill>
+                  </a:tcPr>
+                </a:tc>
+                <a:tc>
+                  <a:txBody>
+                    <a:bodyPr/>
+                    <a:p>
+                      <a:pPr algn="ctr">
+                        <a:buNone/>
+                      </a:pPr>
+                      <a:r>
+                        <a:rPr lang="en-US" altLang="zh-CN" sz="1400" b="1">
+                          <a:latin typeface="Consolas" panose="020B0609020204030204" charset="0"/>
+                          <a:cs typeface="Consolas" panose="020B0609020204030204" charset="0"/>
+                        </a:rPr>
+                        <a:t>1</a:t>
+                      </a:r>
+                      <a:endParaRPr lang="en-US" altLang="zh-CN" sz="1400" b="1">
+                        <a:latin typeface="Consolas" panose="020B0609020204030204" charset="0"/>
+                        <a:cs typeface="Consolas" panose="020B0609020204030204" charset="0"/>
+                      </a:endParaRPr>
+                    </a:p>
+                  </a:txBody>
+                  <a:tcPr anchor="ctr" anchorCtr="0">
+                    <a:lnL w="12700">
+                      <a:solidFill>
+                        <a:schemeClr val="tx1"/>
+                      </a:solidFill>
+                      <a:prstDash val="solid"/>
+                    </a:lnL>
+                    <a:lnR w="12700">
+                      <a:solidFill>
+                        <a:schemeClr val="tx1"/>
+                      </a:solidFill>
+                      <a:prstDash val="solid"/>
+                    </a:lnR>
+                    <a:lnT w="12700">
+                      <a:solidFill>
+                        <a:schemeClr val="tx1"/>
+                      </a:solidFill>
+                      <a:prstDash val="solid"/>
+                    </a:lnT>
+                    <a:lnB w="12700">
+                      <a:solidFill>
+                        <a:schemeClr val="tx1"/>
+                      </a:solidFill>
+                      <a:prstDash val="solid"/>
+                    </a:lnB>
+                    <a:lnTlToBr>
+                      <a:noFill/>
+                    </a:lnTlToBr>
+                    <a:lnBlToTr>
+                      <a:noFill/>
+                    </a:lnBlToTr>
+                    <a:solidFill>
+                      <a:schemeClr val="accent2">
+                        <a:lumMod val="40000"/>
+                        <a:lumOff val="60000"/>
+                      </a:schemeClr>
+                    </a:solidFill>
+                  </a:tcPr>
+                </a:tc>
+                <a:tc>
+                  <a:txBody>
+                    <a:bodyPr/>
+                    <a:p>
+                      <a:pPr algn="ctr">
+                        <a:buNone/>
+                      </a:pPr>
+                      <a:r>
+                        <a:rPr lang="en-US" altLang="zh-CN" sz="1400" b="1">
+                          <a:latin typeface="Consolas" panose="020B0609020204030204" charset="0"/>
+                          <a:cs typeface="Consolas" panose="020B0609020204030204" charset="0"/>
+                        </a:rPr>
+                        <a:t>1</a:t>
+                      </a:r>
+                      <a:endParaRPr lang="en-US" altLang="zh-CN" sz="1400" b="1">
+                        <a:latin typeface="Consolas" panose="020B0609020204030204" charset="0"/>
+                        <a:cs typeface="Consolas" panose="020B0609020204030204" charset="0"/>
+                      </a:endParaRPr>
+                    </a:p>
+                  </a:txBody>
+                  <a:tcPr anchor="ctr" anchorCtr="0">
+                    <a:lnL w="12700">
+                      <a:solidFill>
+                        <a:schemeClr val="tx1"/>
+                      </a:solidFill>
+                      <a:prstDash val="solid"/>
+                    </a:lnL>
+                    <a:lnR w="12700">
+                      <a:solidFill>
+                        <a:schemeClr val="tx1"/>
+                      </a:solidFill>
+                      <a:prstDash val="solid"/>
+                    </a:lnR>
+                    <a:lnT w="12700">
+                      <a:solidFill>
+                        <a:schemeClr val="tx1"/>
+                      </a:solidFill>
+                      <a:prstDash val="solid"/>
+                    </a:lnT>
+                    <a:lnB w="12700">
+                      <a:solidFill>
+                        <a:schemeClr val="tx1"/>
+                      </a:solidFill>
+                      <a:prstDash val="solid"/>
+                    </a:lnB>
+                    <a:lnTlToBr>
+                      <a:noFill/>
+                    </a:lnTlToBr>
+                    <a:lnBlToTr>
+                      <a:noFill/>
+                    </a:lnBlToTr>
+                    <a:solidFill>
+                      <a:schemeClr val="accent4">
+                        <a:lumMod val="75000"/>
+                      </a:schemeClr>
+                    </a:solidFill>
+                  </a:tcPr>
+                </a:tc>
+                <a:tc>
+                  <a:txBody>
+                    <a:bodyPr/>
+                    <a:p>
+                      <a:pPr algn="ctr">
+                        <a:buNone/>
+                      </a:pPr>
+                      <a:r>
+                        <a:rPr lang="en-US" altLang="zh-CN" sz="1400" b="1">
+                          <a:latin typeface="Consolas" panose="020B0609020204030204" charset="0"/>
+                          <a:cs typeface="Consolas" panose="020B0609020204030204" charset="0"/>
+                        </a:rPr>
+                        <a:t>2</a:t>
+                      </a:r>
+                      <a:endParaRPr lang="en-US" altLang="zh-CN" sz="1400" b="1">
+                        <a:latin typeface="Consolas" panose="020B0609020204030204" charset="0"/>
+                        <a:cs typeface="Consolas" panose="020B0609020204030204" charset="0"/>
+                      </a:endParaRPr>
+                    </a:p>
+                  </a:txBody>
+                  <a:tcPr anchor="ctr" anchorCtr="0">
+                    <a:lnL w="12700">
+                      <a:solidFill>
+                        <a:schemeClr val="tx1"/>
+                      </a:solidFill>
+                      <a:prstDash val="solid"/>
+                    </a:lnL>
+                    <a:lnR w="12700">
+                      <a:solidFill>
+                        <a:schemeClr val="tx1"/>
+                      </a:solidFill>
+                      <a:prstDash val="solid"/>
+                    </a:lnR>
+                    <a:lnT w="12700">
+                      <a:solidFill>
+                        <a:schemeClr val="tx1"/>
+                      </a:solidFill>
+                      <a:prstDash val="solid"/>
+                    </a:lnT>
+                    <a:lnB w="12700">
+                      <a:solidFill>
+                        <a:schemeClr val="tx1"/>
+                      </a:solidFill>
+                      <a:prstDash val="solid"/>
+                    </a:lnB>
+                    <a:lnTlToBr>
+                      <a:noFill/>
+                    </a:lnTlToBr>
+                    <a:lnBlToTr>
+                      <a:noFill/>
+                    </a:lnBlToTr>
+                    <a:solidFill>
+                      <a:schemeClr val="accent4">
+                        <a:lumMod val="75000"/>
+                      </a:schemeClr>
+                    </a:solidFill>
+                  </a:tcPr>
+                </a:tc>
+                <a:tc>
+                  <a:txBody>
+                    <a:bodyPr/>
+                    <a:p>
+                      <a:pPr algn="ctr">
+                        <a:buNone/>
+                      </a:pPr>
+                      <a:r>
+                        <a:rPr lang="en-US" altLang="zh-CN" sz="1400" b="1">
+                          <a:latin typeface="Consolas" panose="020B0609020204030204" charset="0"/>
+                          <a:cs typeface="Consolas" panose="020B0609020204030204" charset="0"/>
+                        </a:rPr>
+                        <a:t>2</a:t>
+                      </a:r>
+                      <a:endParaRPr lang="en-US" altLang="zh-CN" sz="1400" b="1">
+                        <a:latin typeface="Consolas" panose="020B0609020204030204" charset="0"/>
+                        <a:cs typeface="Consolas" panose="020B0609020204030204" charset="0"/>
+                      </a:endParaRPr>
+                    </a:p>
+                  </a:txBody>
+                  <a:tcPr anchor="ctr" anchorCtr="0">
+                    <a:lnL w="12700">
+                      <a:solidFill>
+                        <a:schemeClr val="tx1"/>
+                      </a:solidFill>
+                      <a:prstDash val="solid"/>
+                    </a:lnL>
+                    <a:lnR w="12700">
+                      <a:solidFill>
+                        <a:schemeClr val="tx1"/>
+                      </a:solidFill>
+                      <a:prstDash val="solid"/>
+                    </a:lnR>
+                    <a:lnT w="12700">
+                      <a:solidFill>
+                        <a:schemeClr val="tx1"/>
+                      </a:solidFill>
+                      <a:prstDash val="solid"/>
+                    </a:lnT>
+                    <a:lnB w="12700">
+                      <a:solidFill>
+                        <a:schemeClr val="tx1"/>
+                      </a:solidFill>
+                      <a:prstDash val="solid"/>
+                    </a:lnB>
+                    <a:lnTlToBr>
+                      <a:noFill/>
+                    </a:lnTlToBr>
+                    <a:lnBlToTr>
+                      <a:noFill/>
+                    </a:lnBlToTr>
+                    <a:solidFill>
+                      <a:schemeClr val="accent4">
+                        <a:lumMod val="75000"/>
+                      </a:schemeClr>
+                    </a:solidFill>
+                  </a:tcPr>
+                </a:tc>
+                <a:tc>
+                  <a:txBody>
+                    <a:bodyPr/>
+                    <a:p>
+                      <a:pPr algn="ctr">
+                        <a:buNone/>
+                      </a:pPr>
+                      <a:r>
+                        <a:rPr lang="en-US" altLang="zh-CN" sz="1400" b="1">
+                          <a:latin typeface="Consolas" panose="020B0609020204030204" charset="0"/>
+                          <a:cs typeface="Consolas" panose="020B0609020204030204" charset="0"/>
+                        </a:rPr>
+                        <a:t>3</a:t>
+                      </a:r>
+                      <a:endParaRPr lang="en-US" altLang="zh-CN" sz="1400" b="1">
+                        <a:latin typeface="Consolas" panose="020B0609020204030204" charset="0"/>
+                        <a:cs typeface="Consolas" panose="020B0609020204030204" charset="0"/>
+                      </a:endParaRPr>
+                    </a:p>
+                  </a:txBody>
+                  <a:tcPr anchor="ctr" anchorCtr="0">
+                    <a:lnL w="12700">
+                      <a:solidFill>
+                        <a:schemeClr val="tx1"/>
+                      </a:solidFill>
+                      <a:prstDash val="solid"/>
+                    </a:lnL>
+                    <a:lnR w="12700">
+                      <a:solidFill>
+                        <a:schemeClr val="tx1"/>
+                      </a:solidFill>
+                      <a:prstDash val="solid"/>
+                    </a:lnR>
+                    <a:lnT w="12700">
+                      <a:solidFill>
+                        <a:schemeClr val="tx1"/>
+                      </a:solidFill>
+                      <a:prstDash val="solid"/>
+                    </a:lnT>
+                    <a:lnB w="12700">
+                      <a:solidFill>
+                        <a:schemeClr val="tx1"/>
+                      </a:solidFill>
+                      <a:prstDash val="solid"/>
+                    </a:lnB>
+                    <a:lnTlToBr>
+                      <a:noFill/>
+                    </a:lnTlToBr>
+                    <a:lnBlToTr>
+                      <a:noFill/>
+                    </a:lnBlToTr>
+                    <a:solidFill>
+                      <a:schemeClr val="accent4">
+                        <a:lumMod val="75000"/>
+                      </a:schemeClr>
+                    </a:solidFill>
+                  </a:tcPr>
+                </a:tc>
+              </a:tr>
+              <a:tr h="516255">
+                <a:tc>
+                  <a:txBody>
+                    <a:bodyPr/>
+                    <a:p>
+                      <a:pPr algn="ctr">
+                        <a:buNone/>
+                      </a:pPr>
+                      <a:r>
+                        <a:rPr lang="en-US" altLang="zh-CN" sz="1400" b="1">
+                          <a:latin typeface="Consolas" panose="020B0609020204030204" charset="0"/>
+                          <a:cs typeface="Consolas" panose="020B0609020204030204" charset="0"/>
+                        </a:rPr>
+                        <a:t>next[j-1]</a:t>
+                      </a:r>
+                      <a:endParaRPr lang="en-US" altLang="zh-CN" sz="1400" b="1">
+                        <a:latin typeface="Consolas" panose="020B0609020204030204" charset="0"/>
+                        <a:cs typeface="Consolas" panose="020B0609020204030204" charset="0"/>
+                      </a:endParaRPr>
+                    </a:p>
+                  </a:txBody>
+                  <a:tcPr anchor="ctr" anchorCtr="0">
+                    <a:lnL w="12700">
+                      <a:solidFill>
+                        <a:schemeClr val="tx1"/>
+                      </a:solidFill>
+                      <a:prstDash val="solid"/>
+                    </a:lnL>
+                    <a:lnR w="12700">
+                      <a:solidFill>
+                        <a:schemeClr val="tx1"/>
+                      </a:solidFill>
+                      <a:prstDash val="solid"/>
+                    </a:lnR>
+                    <a:lnT w="12700">
+                      <a:solidFill>
+                        <a:schemeClr val="tx1"/>
+                      </a:solidFill>
+                      <a:prstDash val="solid"/>
+                    </a:lnT>
+                    <a:lnB w="12700">
+                      <a:solidFill>
+                        <a:schemeClr val="tx1"/>
+                      </a:solidFill>
+                      <a:prstDash val="solid"/>
+                    </a:lnB>
+                    <a:lnTlToBr>
+                      <a:noFill/>
+                    </a:lnTlToBr>
+                    <a:lnBlToTr>
+                      <a:noFill/>
+                    </a:lnBlToTr>
+                    <a:solidFill>
+                      <a:schemeClr val="accent4">
+                        <a:lumMod val="75000"/>
+                      </a:schemeClr>
+                    </a:solidFill>
+                  </a:tcPr>
+                </a:tc>
+                <a:tc>
+                  <a:txBody>
+                    <a:bodyPr/>
+                    <a:p>
+                      <a:pPr algn="ctr">
+                        <a:buNone/>
+                      </a:pPr>
+                      <a:r>
+                        <a:rPr lang="en-US" altLang="zh-CN" sz="1400" b="1">
+                          <a:latin typeface="Consolas" panose="020B0609020204030204" charset="0"/>
+                          <a:cs typeface="Consolas" panose="020B0609020204030204" charset="0"/>
+                        </a:rPr>
+                        <a:t>-1</a:t>
+                      </a:r>
+                      <a:endParaRPr lang="en-US" altLang="zh-CN" sz="1400" b="1">
+                        <a:latin typeface="Consolas" panose="020B0609020204030204" charset="0"/>
+                        <a:cs typeface="Consolas" panose="020B0609020204030204" charset="0"/>
+                      </a:endParaRPr>
+                    </a:p>
+                  </a:txBody>
+                  <a:tcPr anchor="ctr" anchorCtr="0">
+                    <a:lnL w="12700">
+                      <a:solidFill>
+                        <a:schemeClr val="tx1"/>
+                      </a:solidFill>
+                      <a:prstDash val="solid"/>
+                    </a:lnL>
+                    <a:lnR w="12700">
+                      <a:solidFill>
+                        <a:schemeClr val="tx1"/>
+                      </a:solidFill>
+                      <a:prstDash val="solid"/>
+                    </a:lnR>
+                    <a:lnT w="12700">
+                      <a:solidFill>
+                        <a:schemeClr val="tx1"/>
+                      </a:solidFill>
+                      <a:prstDash val="solid"/>
+                    </a:lnT>
+                    <a:lnB w="12700">
+                      <a:solidFill>
+                        <a:schemeClr val="tx1"/>
+                      </a:solidFill>
+                      <a:prstDash val="solid"/>
+                    </a:lnB>
+                    <a:lnTlToBr>
+                      <a:noFill/>
+                    </a:lnTlToBr>
+                    <a:lnBlToTr>
+                      <a:noFill/>
+                    </a:lnBlToTr>
+                    <a:solidFill>
+                      <a:schemeClr val="accent2">
+                        <a:lumMod val="40000"/>
+                        <a:lumOff val="60000"/>
+                      </a:schemeClr>
+                    </a:solidFill>
+                  </a:tcPr>
+                </a:tc>
+                <a:tc>
+                  <a:txBody>
+                    <a:bodyPr/>
+                    <a:p>
+                      <a:pPr algn="ctr">
+                        <a:buNone/>
+                      </a:pPr>
+                      <a:r>
+                        <a:rPr lang="en-US" altLang="zh-CN" sz="1400" b="1">
+                          <a:latin typeface="Consolas" panose="020B0609020204030204" charset="0"/>
+                          <a:cs typeface="Consolas" panose="020B0609020204030204" charset="0"/>
+                        </a:rPr>
+                        <a:t>0</a:t>
+                      </a:r>
+                      <a:endParaRPr lang="en-US" altLang="zh-CN" sz="1400" b="1">
+                        <a:latin typeface="Consolas" panose="020B0609020204030204" charset="0"/>
+                        <a:cs typeface="Consolas" panose="020B0609020204030204" charset="0"/>
+                      </a:endParaRPr>
+                    </a:p>
+                  </a:txBody>
+                  <a:tcPr anchor="ctr" anchorCtr="0">
+                    <a:lnL w="12700">
+                      <a:solidFill>
+                        <a:schemeClr val="tx1"/>
+                      </a:solidFill>
+                      <a:prstDash val="solid"/>
+                    </a:lnL>
+                    <a:lnR w="12700">
+                      <a:solidFill>
+                        <a:schemeClr val="tx1"/>
+                      </a:solidFill>
+                      <a:prstDash val="solid"/>
+                    </a:lnR>
+                    <a:lnT w="12700">
+                      <a:solidFill>
+                        <a:schemeClr val="tx1"/>
+                      </a:solidFill>
+                      <a:prstDash val="solid"/>
+                    </a:lnT>
+                    <a:lnB w="12700">
+                      <a:solidFill>
+                        <a:schemeClr val="tx1"/>
+                      </a:solidFill>
+                      <a:prstDash val="solid"/>
+                    </a:lnB>
+                    <a:lnTlToBr>
+                      <a:noFill/>
+                    </a:lnTlToBr>
+                    <a:lnBlToTr>
+                      <a:noFill/>
+                    </a:lnBlToTr>
+                    <a:solidFill>
+                      <a:schemeClr val="accent2">
+                        <a:lumMod val="40000"/>
+                        <a:lumOff val="60000"/>
+                      </a:schemeClr>
+                    </a:solidFill>
+                  </a:tcPr>
+                </a:tc>
+                <a:tc>
+                  <a:txBody>
+                    <a:bodyPr/>
+                    <a:p>
+                      <a:pPr algn="ctr">
+                        <a:buNone/>
+                      </a:pPr>
+                      <a:r>
+                        <a:rPr lang="en-US" altLang="zh-CN" sz="1400" b="1">
+                          <a:latin typeface="Consolas" panose="020B0609020204030204" charset="0"/>
+                          <a:cs typeface="Consolas" panose="020B0609020204030204" charset="0"/>
+                        </a:rPr>
+                        <a:t>0</a:t>
+                      </a:r>
+                      <a:endParaRPr lang="en-US" altLang="zh-CN" sz="1400" b="1">
+                        <a:latin typeface="Consolas" panose="020B0609020204030204" charset="0"/>
+                        <a:cs typeface="Consolas" panose="020B0609020204030204" charset="0"/>
+                      </a:endParaRPr>
+                    </a:p>
+                  </a:txBody>
+                  <a:tcPr anchor="ctr" anchorCtr="0">
+                    <a:lnL w="12700">
+                      <a:solidFill>
+                        <a:schemeClr val="tx1"/>
+                      </a:solidFill>
+                      <a:prstDash val="solid"/>
+                    </a:lnL>
+                    <a:lnR w="12700">
+                      <a:solidFill>
+                        <a:schemeClr val="tx1"/>
+                      </a:solidFill>
+                      <a:prstDash val="solid"/>
+                    </a:lnR>
+                    <a:lnT w="12700">
+                      <a:solidFill>
+                        <a:schemeClr val="tx1"/>
+                      </a:solidFill>
+                      <a:prstDash val="solid"/>
+                    </a:lnT>
+                    <a:lnB w="12700">
+                      <a:solidFill>
+                        <a:schemeClr val="tx1"/>
+                      </a:solidFill>
+                      <a:prstDash val="solid"/>
+                    </a:lnB>
+                    <a:lnTlToBr>
+                      <a:noFill/>
+                    </a:lnTlToBr>
+                    <a:lnBlToTr>
+                      <a:noFill/>
+                    </a:lnBlToTr>
+                    <a:solidFill>
+                      <a:schemeClr val="accent4">
+                        <a:lumMod val="75000"/>
+                      </a:schemeClr>
+                    </a:solidFill>
+                  </a:tcPr>
+                </a:tc>
+                <a:tc>
+                  <a:txBody>
+                    <a:bodyPr/>
+                    <a:p>
+                      <a:pPr algn="ctr">
+                        <a:buNone/>
+                      </a:pPr>
+                      <a:r>
+                        <a:rPr lang="en-US" altLang="zh-CN" sz="1400" b="1">
+                          <a:latin typeface="Consolas" panose="020B0609020204030204" charset="0"/>
+                          <a:cs typeface="Consolas" panose="020B0609020204030204" charset="0"/>
+                        </a:rPr>
+                        <a:t>1</a:t>
+                      </a:r>
+                      <a:endParaRPr lang="en-US" altLang="zh-CN" sz="1400" b="1">
+                        <a:latin typeface="Consolas" panose="020B0609020204030204" charset="0"/>
+                        <a:cs typeface="Consolas" panose="020B0609020204030204" charset="0"/>
+                      </a:endParaRPr>
+                    </a:p>
+                  </a:txBody>
+                  <a:tcPr anchor="ctr" anchorCtr="0">
+                    <a:lnL w="12700">
+                      <a:solidFill>
+                        <a:schemeClr val="tx1"/>
+                      </a:solidFill>
+                      <a:prstDash val="solid"/>
+                    </a:lnL>
+                    <a:lnR w="12700">
+                      <a:solidFill>
+                        <a:schemeClr val="tx1"/>
+                      </a:solidFill>
+                      <a:prstDash val="solid"/>
+                    </a:lnR>
+                    <a:lnT w="12700">
+                      <a:solidFill>
+                        <a:schemeClr val="tx1"/>
+                      </a:solidFill>
+                      <a:prstDash val="solid"/>
+                    </a:lnT>
+                    <a:lnB w="12700">
+                      <a:solidFill>
+                        <a:schemeClr val="tx1"/>
+                      </a:solidFill>
+                      <a:prstDash val="solid"/>
+                    </a:lnB>
+                    <a:lnTlToBr>
+                      <a:noFill/>
+                    </a:lnTlToBr>
+                    <a:lnBlToTr>
+                      <a:noFill/>
+                    </a:lnBlToTr>
+                    <a:solidFill>
+                      <a:schemeClr val="accent4">
+                        <a:lumMod val="75000"/>
+                      </a:schemeClr>
+                    </a:solidFill>
+                  </a:tcPr>
+                </a:tc>
+                <a:tc>
+                  <a:txBody>
+                    <a:bodyPr/>
+                    <a:p>
+                      <a:pPr algn="ctr">
+                        <a:buNone/>
+                      </a:pPr>
+                      <a:r>
+                        <a:rPr lang="en-US" altLang="zh-CN" sz="1400" b="1">
+                          <a:latin typeface="Consolas" panose="020B0609020204030204" charset="0"/>
+                          <a:cs typeface="Consolas" panose="020B0609020204030204" charset="0"/>
+                        </a:rPr>
+                        <a:t>1</a:t>
+                      </a:r>
+                      <a:endParaRPr lang="en-US" altLang="zh-CN" sz="1400" b="1">
+                        <a:latin typeface="Consolas" panose="020B0609020204030204" charset="0"/>
+                        <a:cs typeface="Consolas" panose="020B0609020204030204" charset="0"/>
+                      </a:endParaRPr>
+                    </a:p>
+                  </a:txBody>
+                  <a:tcPr anchor="ctr" anchorCtr="0">
+                    <a:lnL w="12700">
+                      <a:solidFill>
+                        <a:schemeClr val="tx1"/>
+                      </a:solidFill>
+                      <a:prstDash val="solid"/>
+                    </a:lnL>
+                    <a:lnR w="12700">
+                      <a:solidFill>
+                        <a:schemeClr val="tx1"/>
+                      </a:solidFill>
+                      <a:prstDash val="solid"/>
+                    </a:lnR>
+                    <a:lnT w="12700">
+                      <a:solidFill>
+                        <a:schemeClr val="tx1"/>
+                      </a:solidFill>
+                      <a:prstDash val="solid"/>
+                    </a:lnT>
+                    <a:lnB w="12700">
+                      <a:solidFill>
+                        <a:schemeClr val="tx1"/>
+                      </a:solidFill>
+                      <a:prstDash val="solid"/>
+                    </a:lnB>
+                    <a:lnTlToBr>
+                      <a:noFill/>
+                    </a:lnTlToBr>
+                    <a:lnBlToTr>
+                      <a:noFill/>
+                    </a:lnBlToTr>
+                    <a:solidFill>
+                      <a:schemeClr val="accent4">
+                        <a:lumMod val="75000"/>
+                      </a:schemeClr>
+                    </a:solidFill>
+                  </a:tcPr>
+                </a:tc>
+                <a:tc>
+                  <a:txBody>
+                    <a:bodyPr/>
+                    <a:p>
+                      <a:pPr algn="ctr">
+                        <a:buNone/>
+                      </a:pPr>
+                      <a:r>
+                        <a:rPr lang="en-US" altLang="zh-CN" sz="1400" b="1">
+                          <a:latin typeface="Consolas" panose="020B0609020204030204" charset="0"/>
+                          <a:cs typeface="Consolas" panose="020B0609020204030204" charset="0"/>
+                        </a:rPr>
+                        <a:t>2</a:t>
+                      </a:r>
+                      <a:endParaRPr lang="en-US" altLang="zh-CN" sz="1400" b="1">
+                        <a:latin typeface="Consolas" panose="020B0609020204030204" charset="0"/>
+                        <a:cs typeface="Consolas" panose="020B0609020204030204" charset="0"/>
+                      </a:endParaRPr>
+                    </a:p>
+                  </a:txBody>
+                  <a:tcPr anchor="ctr" anchorCtr="0">
+                    <a:lnL w="12700">
+                      <a:solidFill>
+                        <a:schemeClr val="tx1"/>
+                      </a:solidFill>
+                      <a:prstDash val="solid"/>
+                    </a:lnL>
+                    <a:lnR w="12700">
+                      <a:solidFill>
+                        <a:schemeClr val="tx1"/>
+                      </a:solidFill>
+                      <a:prstDash val="solid"/>
+                    </a:lnR>
+                    <a:lnT w="12700">
+                      <a:solidFill>
+                        <a:schemeClr val="tx1"/>
+                      </a:solidFill>
+                      <a:prstDash val="solid"/>
+                    </a:lnT>
+                    <a:lnB w="12700">
+                      <a:solidFill>
+                        <a:schemeClr val="tx1"/>
+                      </a:solidFill>
+                      <a:prstDash val="solid"/>
+                    </a:lnB>
+                    <a:lnTlToBr>
+                      <a:noFill/>
+                    </a:lnTlToBr>
+                    <a:lnBlToTr>
+                      <a:noFill/>
+                    </a:lnBlToTr>
+                    <a:solidFill>
+                      <a:schemeClr val="accent4">
+                        <a:lumMod val="75000"/>
+                      </a:schemeClr>
+                    </a:solidFill>
+                  </a:tcPr>
+                </a:tc>
+              </a:tr>
+            </a:tbl>
+          </a:graphicData>
+        </a:graphic>
+      </p:graphicFrame>
+      <p:grpSp>
+        <p:nvGrpSpPr>
+          <p:cNvPr id="36" name="组合 35"/>
+          <p:cNvGrpSpPr/>
+          <p:nvPr/>
+        </p:nvGrpSpPr>
+        <p:grpSpPr>
+          <a:xfrm>
+            <a:off x="133985" y="2226310"/>
+            <a:ext cx="9615170" cy="3865880"/>
+            <a:chOff x="510" y="5530"/>
+            <a:chExt cx="15142" cy="6088"/>
+          </a:xfrm>
+        </p:grpSpPr>
+        <p:grpSp>
+          <p:nvGrpSpPr>
+            <p:cNvPr id="34" name="组合 33"/>
+            <p:cNvGrpSpPr/>
+            <p:nvPr/>
+          </p:nvGrpSpPr>
+          <p:grpSpPr>
+            <a:xfrm>
+              <a:off x="510" y="7309"/>
+              <a:ext cx="7294" cy="4309"/>
+              <a:chOff x="378" y="6577"/>
+              <a:chExt cx="7294" cy="4309"/>
+            </a:xfrm>
+          </p:grpSpPr>
+          <p:grpSp>
+            <p:nvGrpSpPr>
+              <p:cNvPr id="33" name="组合 32"/>
+              <p:cNvGrpSpPr/>
+              <p:nvPr/>
+            </p:nvGrpSpPr>
+            <p:grpSpPr>
+              <a:xfrm>
+                <a:off x="378" y="6577"/>
+                <a:ext cx="7294" cy="3316"/>
+                <a:chOff x="378" y="6577"/>
+                <a:chExt cx="7294" cy="3316"/>
+              </a:xfrm>
+            </p:grpSpPr>
+            <p:sp>
+              <p:nvSpPr>
+                <p:cNvPr id="19" name="文本框 18"/>
+                <p:cNvSpPr txBox="1"/>
+                <p:nvPr>
+                  <p:custDataLst>
+                    <p:tags r:id="rId2"/>
+                  </p:custDataLst>
+                </p:nvPr>
+              </p:nvSpPr>
+              <p:spPr>
+                <a:xfrm>
+                  <a:off x="378" y="6577"/>
+                  <a:ext cx="7295" cy="3197"/>
+                </a:xfrm>
+                <a:prstGeom prst="rect">
+                  <a:avLst/>
+                </a:prstGeom>
+                <a:noFill/>
+              </p:spPr>
+              <p:txBody>
+                <a:bodyPr wrap="square" rtlCol="0">
+                  <a:spAutoFit/>
+                </a:bodyPr>
+                <a:p>
+                  <a:r>
+                    <a:rPr lang="zh-CN" altLang="en-US" b="1">
+                      <a:solidFill>
+                        <a:srgbClr val="FF0000"/>
+                      </a:solidFill>
+                      <a:latin typeface="Consolas" panose="020B0609020204030204" charset="0"/>
+                      <a:cs typeface="Consolas" panose="020B0609020204030204" charset="0"/>
+                    </a:rPr>
+                    <a:t>主串</a:t>
+                  </a:r>
+                  <a:r>
+                    <a:rPr lang="en-US" altLang="zh-CN" b="1">
+                      <a:solidFill>
+                        <a:srgbClr val="FF0000"/>
+                      </a:solidFill>
+                      <a:latin typeface="Consolas" panose="020B0609020204030204" charset="0"/>
+                      <a:cs typeface="Consolas" panose="020B0609020204030204" charset="0"/>
+                    </a:rPr>
+                    <a:t>:       </a:t>
+                  </a:r>
+                  <a:r>
+                    <a:rPr lang="en-US" altLang="zh-CN" b="1">
+                      <a:solidFill>
+                        <a:schemeClr val="tx2">
+                          <a:lumMod val="25000"/>
+                          <a:lumOff val="75000"/>
+                        </a:schemeClr>
+                      </a:solidFill>
+                      <a:latin typeface="Consolas" panose="020B0609020204030204" charset="0"/>
+                      <a:cs typeface="Consolas" panose="020B0609020204030204" charset="0"/>
+                    </a:rPr>
+                    <a:t>!!!</a:t>
+                  </a:r>
+                  <a:r>
+                    <a:rPr lang="en-US" altLang="zh-CN" b="1">
+                      <a:solidFill>
+                        <a:srgbClr val="FF0000"/>
+                      </a:solidFill>
+                      <a:latin typeface="Consolas" panose="020B0609020204030204" charset="0"/>
+                      <a:cs typeface="Consolas" panose="020B0609020204030204" charset="0"/>
+                    </a:rPr>
+                    <a:t>ab</a:t>
+                  </a:r>
+                  <a:r>
+                    <a:rPr lang="en-US" altLang="zh-CN" b="1">
+                      <a:solidFill>
+                        <a:schemeClr val="accent6">
+                          <a:lumMod val="60000"/>
+                          <a:lumOff val="40000"/>
+                        </a:schemeClr>
+                      </a:solidFill>
+                      <a:latin typeface="Consolas" panose="020B0609020204030204" charset="0"/>
+                      <a:cs typeface="Consolas" panose="020B0609020204030204" charset="0"/>
+                    </a:rPr>
+                    <a:t>?????</a:t>
+                  </a:r>
+                  <a:endParaRPr lang="en-US" altLang="zh-CN" b="1">
+                    <a:solidFill>
+                      <a:srgbClr val="FF0000"/>
+                    </a:solidFill>
+                    <a:latin typeface="Consolas" panose="020B0609020204030204" charset="0"/>
+                    <a:cs typeface="Consolas" panose="020B0609020204030204" charset="0"/>
+                  </a:endParaRPr>
+                </a:p>
+                <a:p>
+                  <a:endParaRPr lang="en-US" altLang="zh-CN" b="1">
+                    <a:solidFill>
+                      <a:srgbClr val="FF0000"/>
+                    </a:solidFill>
+                    <a:latin typeface="Consolas" panose="020B0609020204030204" charset="0"/>
+                    <a:cs typeface="Consolas" panose="020B0609020204030204" charset="0"/>
+                  </a:endParaRPr>
+                </a:p>
+                <a:p>
+                  <a:r>
+                    <a:rPr lang="zh-CN" altLang="en-US" b="1">
+                      <a:solidFill>
+                        <a:srgbClr val="FF0000"/>
+                      </a:solidFill>
+                      <a:latin typeface="Consolas" panose="020B0609020204030204" charset="0"/>
+                      <a:cs typeface="Consolas" panose="020B0609020204030204" charset="0"/>
+                    </a:rPr>
+                    <a:t>模式串</a:t>
+                  </a:r>
+                  <a:r>
+                    <a:rPr lang="en-US" altLang="zh-CN" b="1">
+                      <a:solidFill>
+                        <a:srgbClr val="FF0000"/>
+                      </a:solidFill>
+                      <a:latin typeface="Consolas" panose="020B0609020204030204" charset="0"/>
+                      <a:cs typeface="Consolas" panose="020B0609020204030204" charset="0"/>
+                    </a:rPr>
+                    <a:t>:        aba</a:t>
+                  </a:r>
+                  <a:endParaRPr lang="en-US" altLang="zh-CN" b="1">
+                    <a:solidFill>
+                      <a:srgbClr val="FF0000"/>
+                    </a:solidFill>
+                    <a:latin typeface="Consolas" panose="020B0609020204030204" charset="0"/>
+                    <a:cs typeface="Consolas" panose="020B0609020204030204" charset="0"/>
+                  </a:endParaRPr>
+                </a:p>
+                <a:p>
+                  <a:endParaRPr lang="en-US" altLang="zh-CN" b="1">
+                    <a:solidFill>
+                      <a:srgbClr val="FF0000"/>
+                    </a:solidFill>
+                    <a:latin typeface="Consolas" panose="020B0609020204030204" charset="0"/>
+                    <a:cs typeface="Consolas" panose="020B0609020204030204" charset="0"/>
+                  </a:endParaRPr>
+                </a:p>
+                <a:p>
+                  <a:r>
+                    <a:rPr lang="zh-CN" altLang="en-US" b="1">
+                      <a:solidFill>
+                        <a:srgbClr val="FF0000"/>
+                      </a:solidFill>
+                      <a:latin typeface="Consolas" panose="020B0609020204030204" charset="0"/>
+                      <a:cs typeface="Consolas" panose="020B0609020204030204" charset="0"/>
+                    </a:rPr>
+                    <a:t>第一次后移操作</a:t>
+                  </a:r>
+                  <a:r>
+                    <a:rPr lang="en-US" altLang="zh-CN" b="1">
+                      <a:solidFill>
+                        <a:srgbClr val="FF0000"/>
+                      </a:solidFill>
+                      <a:latin typeface="Consolas" panose="020B0609020204030204" charset="0"/>
+                      <a:cs typeface="Consolas" panose="020B0609020204030204" charset="0"/>
+                    </a:rPr>
+                    <a:t>:  aba(</a:t>
+                  </a:r>
+                  <a:r>
+                    <a:rPr lang="zh-CN" altLang="en-US" b="1">
+                      <a:solidFill>
+                        <a:srgbClr val="FF0000"/>
+                      </a:solidFill>
+                      <a:latin typeface="Consolas" panose="020B0609020204030204" charset="0"/>
+                      <a:cs typeface="Consolas" panose="020B0609020204030204" charset="0"/>
+                    </a:rPr>
+                    <a:t>不匹配</a:t>
+                  </a:r>
+                  <a:r>
+                    <a:rPr lang="en-US" altLang="zh-CN" b="1">
+                      <a:solidFill>
+                        <a:srgbClr val="FF0000"/>
+                      </a:solidFill>
+                      <a:latin typeface="Consolas" panose="020B0609020204030204" charset="0"/>
+                      <a:cs typeface="Consolas" panose="020B0609020204030204" charset="0"/>
+                    </a:rPr>
+                    <a:t>)</a:t>
+                  </a:r>
+                  <a:endParaRPr lang="en-US" altLang="zh-CN" b="1">
+                    <a:solidFill>
+                      <a:srgbClr val="FF0000"/>
+                    </a:solidFill>
+                    <a:latin typeface="Consolas" panose="020B0609020204030204" charset="0"/>
+                    <a:cs typeface="Consolas" panose="020B0609020204030204" charset="0"/>
+                  </a:endParaRPr>
+                </a:p>
+                <a:p>
+                  <a:endParaRPr lang="en-US" altLang="zh-CN" b="1">
+                    <a:solidFill>
+                      <a:srgbClr val="FF0000"/>
+                    </a:solidFill>
+                    <a:latin typeface="Consolas" panose="020B0609020204030204" charset="0"/>
+                    <a:cs typeface="Consolas" panose="020B0609020204030204" charset="0"/>
+                  </a:endParaRPr>
+                </a:p>
+                <a:p>
+                  <a:r>
+                    <a:rPr lang="zh-CN" altLang="en-US" b="1">
+                      <a:solidFill>
+                        <a:srgbClr val="FF0000"/>
+                      </a:solidFill>
+                      <a:latin typeface="Consolas" panose="020B0609020204030204" charset="0"/>
+                      <a:cs typeface="Consolas" panose="020B0609020204030204" charset="0"/>
+                    </a:rPr>
+                    <a:t>第二次后移操作</a:t>
+                  </a:r>
+                  <a:r>
+                    <a:rPr lang="en-US" altLang="zh-CN" b="1">
+                      <a:solidFill>
+                        <a:srgbClr val="FF0000"/>
+                      </a:solidFill>
+                      <a:latin typeface="Consolas" panose="020B0609020204030204" charset="0"/>
+                      <a:cs typeface="Consolas" panose="020B0609020204030204" charset="0"/>
+                    </a:rPr>
+                    <a:t>:   aba(</a:t>
+                  </a:r>
+                  <a:r>
+                    <a:rPr lang="zh-CN" altLang="en-US" b="1">
+                      <a:solidFill>
+                        <a:srgbClr val="FF0000"/>
+                      </a:solidFill>
+                      <a:latin typeface="Consolas" panose="020B0609020204030204" charset="0"/>
+                      <a:cs typeface="Consolas" panose="020B0609020204030204" charset="0"/>
+                    </a:rPr>
+                    <a:t>跨过分界线</a:t>
+                  </a:r>
+                  <a:r>
+                    <a:rPr lang="en-US" altLang="zh-CN" b="1">
+                      <a:solidFill>
+                        <a:srgbClr val="FF0000"/>
+                      </a:solidFill>
+                      <a:latin typeface="Consolas" panose="020B0609020204030204" charset="0"/>
+                      <a:cs typeface="Consolas" panose="020B0609020204030204" charset="0"/>
+                    </a:rPr>
+                    <a:t>)</a:t>
+                  </a:r>
+                  <a:endParaRPr lang="zh-CN" altLang="en-US" b="1">
+                    <a:solidFill>
+                      <a:srgbClr val="FF0000"/>
+                    </a:solidFill>
+                    <a:latin typeface="Consolas" panose="020B0609020204030204" charset="0"/>
+                    <a:cs typeface="Consolas" panose="020B0609020204030204" charset="0"/>
+                  </a:endParaRPr>
+                </a:p>
+              </p:txBody>
+            </p:sp>
+            <p:cxnSp>
+              <p:nvCxnSpPr>
+                <p:cNvPr id="20" name="直接连接符 19"/>
+                <p:cNvCxnSpPr/>
+                <p:nvPr>
+                  <p:custDataLst>
+                    <p:tags r:id="rId3"/>
+                  </p:custDataLst>
+                </p:nvPr>
+              </p:nvCxnSpPr>
+              <p:spPr>
+                <a:xfrm flipH="1" flipV="1">
+                  <a:off x="3797" y="6577"/>
+                  <a:ext cx="64" cy="3316"/>
+                </a:xfrm>
+                <a:prstGeom prst="line">
+                  <a:avLst/>
+                </a:prstGeom>
+                <a:ln w="19050" cmpd="sng">
+                  <a:solidFill>
+                    <a:srgbClr val="7030A0"/>
+                  </a:solidFill>
+                  <a:prstDash val="solid"/>
+                </a:ln>
+              </p:spPr>
+              <p:style>
+                <a:lnRef idx="1">
+                  <a:schemeClr val="accent1"/>
+                </a:lnRef>
+                <a:fillRef idx="0">
+                  <a:schemeClr val="accent1"/>
+                </a:fillRef>
+                <a:effectRef idx="0">
+                  <a:schemeClr val="accent1"/>
+                </a:effectRef>
+                <a:fontRef idx="minor">
+                  <a:schemeClr val="tx1"/>
+                </a:fontRef>
+              </p:style>
+            </p:cxnSp>
+          </p:grpSp>
+          <p:cxnSp>
+            <p:nvCxnSpPr>
+              <p:cNvPr id="25" name="直接箭头连接符 24"/>
+              <p:cNvCxnSpPr/>
+              <p:nvPr>
+                <p:custDataLst>
+                  <p:tags r:id="rId4"/>
+                </p:custDataLst>
+              </p:nvPr>
+            </p:nvCxnSpPr>
+            <p:spPr>
+              <a:xfrm flipH="1" flipV="1">
+                <a:off x="4023" y="9774"/>
+                <a:ext cx="97" cy="695"/>
+              </a:xfrm>
+              <a:prstGeom prst="straightConnector1">
+                <a:avLst/>
+              </a:prstGeom>
+              <a:ln w="31750">
+                <a:solidFill>
+                  <a:schemeClr val="tx2"/>
+                </a:solidFill>
+                <a:tailEnd type="arrow"/>
+              </a:ln>
+            </p:spPr>
+            <p:style>
+              <a:lnRef idx="1">
+                <a:schemeClr val="accent1"/>
+              </a:lnRef>
+              <a:fillRef idx="0">
+                <a:schemeClr val="accent1"/>
+              </a:fillRef>
+              <a:effectRef idx="0">
+                <a:schemeClr val="accent1"/>
+              </a:effectRef>
+              <a:fontRef idx="minor">
+                <a:schemeClr val="tx1"/>
+              </a:fontRef>
+            </p:style>
+          </p:cxnSp>
+          <p:sp>
+            <p:nvSpPr>
+              <p:cNvPr id="26" name="文本框 25"/>
+              <p:cNvSpPr txBox="1"/>
+              <p:nvPr>
+                <p:custDataLst>
+                  <p:tags r:id="rId5"/>
+                </p:custDataLst>
+              </p:nvPr>
+            </p:nvSpPr>
+            <p:spPr>
+              <a:xfrm>
+                <a:off x="3861" y="10306"/>
+                <a:ext cx="1241" cy="580"/>
+              </a:xfrm>
+              <a:prstGeom prst="rect">
+                <a:avLst/>
+              </a:prstGeom>
+              <a:noFill/>
+            </p:spPr>
+            <p:txBody>
+              <a:bodyPr wrap="square" rtlCol="0">
+                <a:spAutoFit/>
+              </a:bodyPr>
+              <a:p>
+                <a:r>
+                  <a:rPr lang="en-US" altLang="zh-CN" b="1">
+                    <a:latin typeface="Consolas" panose="020B0609020204030204" charset="0"/>
+                    <a:cs typeface="Consolas" panose="020B0609020204030204" charset="0"/>
+                  </a:rPr>
+                  <a:t>j=1</a:t>
+                </a:r>
+                <a:endParaRPr lang="zh-CN" altLang="en-US" b="1">
+                  <a:latin typeface="Consolas" panose="020B0609020204030204" charset="0"/>
+                  <a:cs typeface="Consolas" panose="020B0609020204030204" charset="0"/>
+                </a:endParaRPr>
+              </a:p>
+            </p:txBody>
+          </p:sp>
+        </p:grpSp>
+        <p:grpSp>
+          <p:nvGrpSpPr>
+            <p:cNvPr id="35" name="组合 34"/>
+            <p:cNvGrpSpPr/>
+            <p:nvPr/>
+          </p:nvGrpSpPr>
+          <p:grpSpPr>
+            <a:xfrm>
+              <a:off x="510" y="5530"/>
+              <a:ext cx="15142" cy="5556"/>
+              <a:chOff x="510" y="5530"/>
+              <a:chExt cx="15142" cy="5556"/>
+            </a:xfrm>
+          </p:grpSpPr>
+          <p:sp>
+            <p:nvSpPr>
+              <p:cNvPr id="18" name="文本框 17"/>
+              <p:cNvSpPr txBox="1"/>
+              <p:nvPr>
+                <p:custDataLst>
+                  <p:tags r:id="rId6"/>
+                </p:custDataLst>
+              </p:nvPr>
+            </p:nvSpPr>
+            <p:spPr>
+              <a:xfrm>
+                <a:off x="510" y="5530"/>
+                <a:ext cx="6407" cy="4501"/>
+              </a:xfrm>
+              <a:prstGeom prst="rect">
+                <a:avLst/>
+              </a:prstGeom>
+              <a:noFill/>
+            </p:spPr>
+            <p:txBody>
+              <a:bodyPr wrap="square" rtlCol="0">
+                <a:noAutofit/>
+              </a:bodyPr>
+              <a:p>
+                <a:r>
+                  <a:rPr lang="zh-CN" altLang="en-US" b="1">
+                    <a:latin typeface="Consolas" panose="020B0609020204030204" charset="0"/>
+                    <a:cs typeface="Consolas" panose="020B0609020204030204" charset="0"/>
+                  </a:rPr>
+                  <a:t>求</a:t>
+                </a:r>
+                <a:r>
+                  <a:rPr lang="en-US" altLang="zh-CN" b="1">
+                    <a:latin typeface="Consolas" panose="020B0609020204030204" charset="0"/>
+                    <a:cs typeface="Consolas" panose="020B0609020204030204" charset="0"/>
+                  </a:rPr>
+                  <a:t>next</a:t>
+                </a:r>
+                <a:r>
+                  <a:rPr lang="zh-CN" altLang="en-US" b="1">
+                    <a:latin typeface="Consolas" panose="020B0609020204030204" charset="0"/>
+                    <a:cs typeface="Consolas" panose="020B0609020204030204" charset="0"/>
+                  </a:rPr>
+                  <a:t>过程</a:t>
+                </a:r>
+                <a:endParaRPr lang="zh-CN" altLang="en-US" b="1">
+                  <a:latin typeface="Consolas" panose="020B0609020204030204" charset="0"/>
+                  <a:cs typeface="Consolas" panose="020B0609020204030204" charset="0"/>
+                </a:endParaRPr>
+              </a:p>
+              <a:p>
+                <a:r>
+                  <a:rPr lang="zh-CN" altLang="en-US" b="1">
+                    <a:latin typeface="Consolas" panose="020B0609020204030204" charset="0"/>
+                    <a:cs typeface="Consolas" panose="020B0609020204030204" charset="0"/>
+                    <a:sym typeface="+mn-ea"/>
+                  </a:rPr>
+                  <a:t>当</a:t>
+                </a:r>
+                <a:r>
+                  <a:rPr lang="en-US" altLang="zh-CN" b="1">
+                    <a:latin typeface="Consolas" panose="020B0609020204030204" charset="0"/>
+                    <a:cs typeface="Consolas" panose="020B0609020204030204" charset="0"/>
+                    <a:sym typeface="+mn-ea"/>
+                  </a:rPr>
+                  <a:t>j=1</a:t>
+                </a:r>
+                <a:r>
+                  <a:rPr lang="zh-CN" altLang="en-US" b="1">
+                    <a:latin typeface="Consolas" panose="020B0609020204030204" charset="0"/>
+                    <a:cs typeface="Consolas" panose="020B0609020204030204" charset="0"/>
+                    <a:sym typeface="+mn-ea"/>
+                  </a:rPr>
+                  <a:t>时</a:t>
+                </a:r>
+                <a:r>
+                  <a:rPr lang="en-US" altLang="zh-CN" b="1">
+                    <a:latin typeface="Consolas" panose="020B0609020204030204" charset="0"/>
+                    <a:cs typeface="Consolas" panose="020B0609020204030204" charset="0"/>
+                    <a:sym typeface="+mn-ea"/>
+                  </a:rPr>
+                  <a:t>,next[1]=0;</a:t>
+                </a:r>
+                <a:endParaRPr lang="en-US" altLang="zh-CN" b="1">
+                  <a:latin typeface="Consolas" panose="020B0609020204030204" charset="0"/>
+                  <a:cs typeface="Consolas" panose="020B0609020204030204" charset="0"/>
+                </a:endParaRPr>
+              </a:p>
+              <a:p>
+                <a:r>
+                  <a:rPr lang="zh-CN" altLang="en-US" b="1">
+                    <a:latin typeface="Consolas" panose="020B0609020204030204" charset="0"/>
+                    <a:cs typeface="Consolas" panose="020B0609020204030204" charset="0"/>
+                    <a:sym typeface="+mn-ea"/>
+                  </a:rPr>
+                  <a:t>当</a:t>
+                </a:r>
+                <a:r>
+                  <a:rPr lang="en-US" altLang="zh-CN" b="1">
+                    <a:latin typeface="Consolas" panose="020B0609020204030204" charset="0"/>
+                    <a:cs typeface="Consolas" panose="020B0609020204030204" charset="0"/>
+                    <a:sym typeface="+mn-ea"/>
+                  </a:rPr>
+                  <a:t>j=2</a:t>
+                </a:r>
+                <a:r>
+                  <a:rPr lang="zh-CN" altLang="en-US" b="1">
+                    <a:latin typeface="Consolas" panose="020B0609020204030204" charset="0"/>
+                    <a:cs typeface="Consolas" panose="020B0609020204030204" charset="0"/>
+                    <a:sym typeface="+mn-ea"/>
+                  </a:rPr>
+                  <a:t>时</a:t>
+                </a:r>
+                <a:r>
+                  <a:rPr lang="en-US" altLang="zh-CN" b="1">
+                    <a:latin typeface="Consolas" panose="020B0609020204030204" charset="0"/>
+                    <a:cs typeface="Consolas" panose="020B0609020204030204" charset="0"/>
+                    <a:sym typeface="+mn-ea"/>
+                  </a:rPr>
+                  <a:t>,next[2]=1;</a:t>
+                </a:r>
+                <a:endParaRPr lang="en-US" altLang="zh-CN" b="1">
+                  <a:latin typeface="Consolas" panose="020B0609020204030204" charset="0"/>
+                  <a:cs typeface="Consolas" panose="020B0609020204030204" charset="0"/>
+                </a:endParaRPr>
+              </a:p>
+              <a:p>
+                <a:r>
+                  <a:rPr lang="zh-CN" altLang="en-US" b="1">
+                    <a:latin typeface="Consolas" panose="020B0609020204030204" charset="0"/>
+                    <a:cs typeface="Consolas" panose="020B0609020204030204" charset="0"/>
+                    <a:sym typeface="+mn-ea"/>
+                  </a:rPr>
+                  <a:t>当</a:t>
+                </a:r>
+                <a:r>
+                  <a:rPr lang="en-US" altLang="zh-CN" b="1">
+                    <a:latin typeface="Consolas" panose="020B0609020204030204" charset="0"/>
+                    <a:cs typeface="Consolas" panose="020B0609020204030204" charset="0"/>
+                    <a:sym typeface="+mn-ea"/>
+                  </a:rPr>
+                  <a:t>j=3</a:t>
+                </a:r>
+                <a:r>
+                  <a:rPr lang="zh-CN" altLang="en-US" b="1">
+                    <a:latin typeface="Consolas" panose="020B0609020204030204" charset="0"/>
+                    <a:cs typeface="Consolas" panose="020B0609020204030204" charset="0"/>
+                    <a:sym typeface="+mn-ea"/>
+                  </a:rPr>
+                  <a:t>时</a:t>
+                </a:r>
+                <a:r>
+                  <a:rPr lang="en-US" altLang="zh-CN" b="1">
+                    <a:latin typeface="Consolas" panose="020B0609020204030204" charset="0"/>
+                    <a:cs typeface="Consolas" panose="020B0609020204030204" charset="0"/>
+                    <a:sym typeface="+mn-ea"/>
+                  </a:rPr>
+                  <a:t>,next[3]=1;</a:t>
+                </a:r>
+                <a:endParaRPr lang="zh-CN" altLang="en-US" b="1">
+                  <a:latin typeface="Consolas" panose="020B0609020204030204" charset="0"/>
+                  <a:cs typeface="Consolas" panose="020B0609020204030204" charset="0"/>
+                </a:endParaRPr>
+              </a:p>
+            </p:txBody>
+          </p:sp>
+          <p:grpSp>
+            <p:nvGrpSpPr>
+              <p:cNvPr id="29" name="组合 28"/>
+              <p:cNvGrpSpPr/>
+              <p:nvPr/>
+            </p:nvGrpSpPr>
+            <p:grpSpPr>
+              <a:xfrm>
+                <a:off x="9095" y="5863"/>
+                <a:ext cx="6557" cy="5223"/>
+                <a:chOff x="7673" y="5863"/>
+                <a:chExt cx="6557" cy="5223"/>
+              </a:xfrm>
+            </p:grpSpPr>
+            <p:sp>
+              <p:nvSpPr>
+                <p:cNvPr id="21" name="文本框 20"/>
+                <p:cNvSpPr txBox="1"/>
+                <p:nvPr>
+                  <p:custDataLst>
+                    <p:tags r:id="rId7"/>
+                  </p:custDataLst>
+                </p:nvPr>
+              </p:nvSpPr>
+              <p:spPr>
+                <a:xfrm>
+                  <a:off x="7673" y="5863"/>
+                  <a:ext cx="6557" cy="580"/>
+                </a:xfrm>
+                <a:prstGeom prst="rect">
+                  <a:avLst/>
+                </a:prstGeom>
+                <a:noFill/>
+              </p:spPr>
+              <p:txBody>
+                <a:bodyPr wrap="square" rtlCol="0" anchor="t">
+                  <a:spAutoFit/>
+                </a:bodyPr>
+                <a:p>
+                  <a:r>
+                    <a:rPr lang="zh-CN" altLang="en-US" b="1">
+                      <a:latin typeface="Consolas" panose="020B0609020204030204" charset="0"/>
+                      <a:cs typeface="Consolas" panose="020B0609020204030204" charset="0"/>
+                      <a:sym typeface="+mn-ea"/>
+                    </a:rPr>
+                    <a:t>当</a:t>
+                  </a:r>
+                  <a:r>
+                    <a:rPr lang="en-US" altLang="zh-CN" b="1">
+                      <a:latin typeface="Consolas" panose="020B0609020204030204" charset="0"/>
+                      <a:cs typeface="Consolas" panose="020B0609020204030204" charset="0"/>
+                      <a:sym typeface="+mn-ea"/>
+                    </a:rPr>
+                    <a:t>j=4</a:t>
+                  </a:r>
+                  <a:r>
+                    <a:rPr lang="zh-CN" altLang="en-US" b="1">
+                      <a:latin typeface="Consolas" panose="020B0609020204030204" charset="0"/>
+                      <a:cs typeface="Consolas" panose="020B0609020204030204" charset="0"/>
+                      <a:sym typeface="+mn-ea"/>
+                    </a:rPr>
+                    <a:t>时</a:t>
+                  </a:r>
+                  <a:r>
+                    <a:rPr lang="en-US" altLang="zh-CN" b="1">
+                      <a:latin typeface="Consolas" panose="020B0609020204030204" charset="0"/>
+                      <a:cs typeface="Consolas" panose="020B0609020204030204" charset="0"/>
+                      <a:sym typeface="+mn-ea"/>
+                    </a:rPr>
+                    <a:t>,next[4]=2;</a:t>
+                  </a:r>
+                  <a:endParaRPr lang="en-US" altLang="zh-CN" b="1">
+                    <a:latin typeface="Consolas" panose="020B0609020204030204" charset="0"/>
+                    <a:cs typeface="Consolas" panose="020B0609020204030204" charset="0"/>
+                    <a:sym typeface="+mn-ea"/>
+                  </a:endParaRPr>
+                </a:p>
+              </p:txBody>
+            </p:sp>
+            <p:sp>
+              <p:nvSpPr>
+                <p:cNvPr id="23" name="文本框 22"/>
+                <p:cNvSpPr txBox="1"/>
+                <p:nvPr>
+                  <p:custDataLst>
+                    <p:tags r:id="rId8"/>
+                  </p:custDataLst>
+                </p:nvPr>
+              </p:nvSpPr>
+              <p:spPr>
+                <a:xfrm>
+                  <a:off x="7873" y="6963"/>
+                  <a:ext cx="5690" cy="3197"/>
+                </a:xfrm>
+                <a:prstGeom prst="rect">
+                  <a:avLst/>
+                </a:prstGeom>
+                <a:noFill/>
+              </p:spPr>
+              <p:txBody>
+                <a:bodyPr wrap="square" rtlCol="0">
+                  <a:spAutoFit/>
+                </a:bodyPr>
+                <a:p>
+                  <a:r>
+                    <a:rPr lang="zh-CN" altLang="en-US" b="1">
+                      <a:solidFill>
+                        <a:srgbClr val="FF0000"/>
+                      </a:solidFill>
+                      <a:latin typeface="Consolas" panose="020B0609020204030204" charset="0"/>
+                      <a:cs typeface="Consolas" panose="020B0609020204030204" charset="0"/>
+                    </a:rPr>
+                    <a:t>主串</a:t>
+                  </a:r>
+                  <a:r>
+                    <a:rPr lang="en-US" altLang="zh-CN" b="1">
+                      <a:solidFill>
+                        <a:srgbClr val="FF0000"/>
+                      </a:solidFill>
+                      <a:latin typeface="Consolas" panose="020B0609020204030204" charset="0"/>
+                      <a:cs typeface="Consolas" panose="020B0609020204030204" charset="0"/>
+                    </a:rPr>
+                    <a:t>:       </a:t>
+                  </a:r>
+                  <a:r>
+                    <a:rPr lang="en-US" altLang="zh-CN" b="1">
+                      <a:solidFill>
+                        <a:schemeClr val="tx2">
+                          <a:lumMod val="25000"/>
+                          <a:lumOff val="75000"/>
+                        </a:schemeClr>
+                      </a:solidFill>
+                      <a:latin typeface="Consolas" panose="020B0609020204030204" charset="0"/>
+                      <a:cs typeface="Consolas" panose="020B0609020204030204" charset="0"/>
+                    </a:rPr>
+                    <a:t>!!!</a:t>
+                  </a:r>
+                  <a:r>
+                    <a:rPr lang="en-US" altLang="zh-CN" b="1">
+                      <a:solidFill>
+                        <a:srgbClr val="FF0000"/>
+                      </a:solidFill>
+                      <a:latin typeface="Consolas" panose="020B0609020204030204" charset="0"/>
+                      <a:cs typeface="Consolas" panose="020B0609020204030204" charset="0"/>
+                    </a:rPr>
+                    <a:t>ab</a:t>
+                  </a:r>
+                  <a:r>
+                    <a:rPr lang="en-US" altLang="zh-CN" b="1">
+                      <a:solidFill>
+                        <a:srgbClr val="00B050"/>
+                      </a:solidFill>
+                      <a:latin typeface="Consolas" panose="020B0609020204030204" charset="0"/>
+                      <a:cs typeface="Consolas" panose="020B0609020204030204" charset="0"/>
+                    </a:rPr>
+                    <a:t>a</a:t>
+                  </a:r>
+                  <a:r>
+                    <a:rPr lang="en-US" altLang="zh-CN" b="1">
+                      <a:solidFill>
+                        <a:schemeClr val="accent6">
+                          <a:lumMod val="60000"/>
+                          <a:lumOff val="40000"/>
+                        </a:schemeClr>
+                      </a:solidFill>
+                      <a:latin typeface="Consolas" panose="020B0609020204030204" charset="0"/>
+                      <a:cs typeface="Consolas" panose="020B0609020204030204" charset="0"/>
+                    </a:rPr>
+                    <a:t>?????</a:t>
+                  </a:r>
+                  <a:endParaRPr lang="en-US" altLang="zh-CN" b="1">
+                    <a:solidFill>
+                      <a:srgbClr val="FF0000"/>
+                    </a:solidFill>
+                    <a:latin typeface="Consolas" panose="020B0609020204030204" charset="0"/>
+                    <a:cs typeface="Consolas" panose="020B0609020204030204" charset="0"/>
+                  </a:endParaRPr>
+                </a:p>
+                <a:p>
+                  <a:endParaRPr lang="en-US" altLang="zh-CN" b="1">
+                    <a:solidFill>
+                      <a:srgbClr val="FF0000"/>
+                    </a:solidFill>
+                    <a:latin typeface="Consolas" panose="020B0609020204030204" charset="0"/>
+                    <a:cs typeface="Consolas" panose="020B0609020204030204" charset="0"/>
+                  </a:endParaRPr>
+                </a:p>
+                <a:p>
+                  <a:r>
+                    <a:rPr lang="zh-CN" altLang="en-US" b="1">
+                      <a:solidFill>
+                        <a:srgbClr val="FF0000"/>
+                      </a:solidFill>
+                      <a:latin typeface="Consolas" panose="020B0609020204030204" charset="0"/>
+                      <a:cs typeface="Consolas" panose="020B0609020204030204" charset="0"/>
+                    </a:rPr>
+                    <a:t>模式串</a:t>
+                  </a:r>
+                  <a:r>
+                    <a:rPr lang="en-US" altLang="zh-CN" b="1">
+                      <a:solidFill>
+                        <a:srgbClr val="FF0000"/>
+                      </a:solidFill>
+                      <a:latin typeface="Consolas" panose="020B0609020204030204" charset="0"/>
+                      <a:cs typeface="Consolas" panose="020B0609020204030204" charset="0"/>
+                    </a:rPr>
+                    <a:t>:        abaa</a:t>
+                  </a:r>
+                  <a:endParaRPr lang="en-US" altLang="zh-CN" b="1">
+                    <a:solidFill>
+                      <a:srgbClr val="FF0000"/>
+                    </a:solidFill>
+                    <a:latin typeface="Consolas" panose="020B0609020204030204" charset="0"/>
+                    <a:cs typeface="Consolas" panose="020B0609020204030204" charset="0"/>
+                  </a:endParaRPr>
+                </a:p>
+                <a:p>
+                  <a:endParaRPr lang="en-US" altLang="zh-CN" b="1">
+                    <a:solidFill>
+                      <a:srgbClr val="FF0000"/>
+                    </a:solidFill>
+                    <a:latin typeface="Consolas" panose="020B0609020204030204" charset="0"/>
+                    <a:cs typeface="Consolas" panose="020B0609020204030204" charset="0"/>
+                  </a:endParaRPr>
+                </a:p>
+                <a:p>
+                  <a:r>
+                    <a:rPr lang="zh-CN" altLang="en-US" b="1">
+                      <a:solidFill>
+                        <a:srgbClr val="FF0000"/>
+                      </a:solidFill>
+                      <a:latin typeface="Consolas" panose="020B0609020204030204" charset="0"/>
+                      <a:cs typeface="Consolas" panose="020B0609020204030204" charset="0"/>
+                    </a:rPr>
+                    <a:t>第一次后移操作</a:t>
+                  </a:r>
+                  <a:r>
+                    <a:rPr lang="en-US" altLang="zh-CN" b="1">
+                      <a:solidFill>
+                        <a:srgbClr val="FF0000"/>
+                      </a:solidFill>
+                      <a:latin typeface="Consolas" panose="020B0609020204030204" charset="0"/>
+                      <a:cs typeface="Consolas" panose="020B0609020204030204" charset="0"/>
+                    </a:rPr>
+                    <a:t>:  abaa(</a:t>
+                  </a:r>
+                  <a:r>
+                    <a:rPr lang="zh-CN" altLang="en-US" b="1">
+                      <a:solidFill>
+                        <a:srgbClr val="FF0000"/>
+                      </a:solidFill>
+                      <a:latin typeface="Consolas" panose="020B0609020204030204" charset="0"/>
+                      <a:cs typeface="Consolas" panose="020B0609020204030204" charset="0"/>
+                    </a:rPr>
+                    <a:t>不匹配</a:t>
+                  </a:r>
+                  <a:r>
+                    <a:rPr lang="en-US" altLang="zh-CN" b="1">
+                      <a:solidFill>
+                        <a:srgbClr val="FF0000"/>
+                      </a:solidFill>
+                      <a:latin typeface="Consolas" panose="020B0609020204030204" charset="0"/>
+                      <a:cs typeface="Consolas" panose="020B0609020204030204" charset="0"/>
+                    </a:rPr>
+                    <a:t>)</a:t>
+                  </a:r>
+                  <a:endParaRPr lang="en-US" altLang="zh-CN" b="1">
+                    <a:solidFill>
+                      <a:srgbClr val="FF0000"/>
+                    </a:solidFill>
+                    <a:latin typeface="Consolas" panose="020B0609020204030204" charset="0"/>
+                    <a:cs typeface="Consolas" panose="020B0609020204030204" charset="0"/>
+                  </a:endParaRPr>
+                </a:p>
+                <a:p>
+                  <a:endParaRPr lang="en-US" altLang="zh-CN" b="1">
+                    <a:solidFill>
+                      <a:srgbClr val="FF0000"/>
+                    </a:solidFill>
+                    <a:latin typeface="Consolas" panose="020B0609020204030204" charset="0"/>
+                    <a:cs typeface="Consolas" panose="020B0609020204030204" charset="0"/>
+                  </a:endParaRPr>
+                </a:p>
+                <a:p>
+                  <a:r>
+                    <a:rPr lang="zh-CN" altLang="en-US" b="1">
+                      <a:solidFill>
+                        <a:srgbClr val="FF0000"/>
+                      </a:solidFill>
+                      <a:latin typeface="Consolas" panose="020B0609020204030204" charset="0"/>
+                      <a:cs typeface="Consolas" panose="020B0609020204030204" charset="0"/>
+                    </a:rPr>
+                    <a:t>第二次后移操作</a:t>
+                  </a:r>
+                  <a:r>
+                    <a:rPr lang="en-US" altLang="zh-CN" b="1">
+                      <a:solidFill>
+                        <a:srgbClr val="FF0000"/>
+                      </a:solidFill>
+                      <a:latin typeface="Consolas" panose="020B0609020204030204" charset="0"/>
+                      <a:cs typeface="Consolas" panose="020B0609020204030204" charset="0"/>
+                    </a:rPr>
+                    <a:t>:   </a:t>
+                  </a:r>
+                  <a:r>
+                    <a:rPr lang="en-US" altLang="zh-CN" b="1">
+                      <a:solidFill>
+                        <a:srgbClr val="00B050"/>
+                      </a:solidFill>
+                      <a:latin typeface="Consolas" panose="020B0609020204030204" charset="0"/>
+                      <a:cs typeface="Consolas" panose="020B0609020204030204" charset="0"/>
+                    </a:rPr>
+                    <a:t>a</a:t>
+                  </a:r>
+                  <a:r>
+                    <a:rPr lang="en-US" altLang="zh-CN" b="1">
+                      <a:solidFill>
+                        <a:srgbClr val="FF0000"/>
+                      </a:solidFill>
+                      <a:latin typeface="Consolas" panose="020B0609020204030204" charset="0"/>
+                      <a:cs typeface="Consolas" panose="020B0609020204030204" charset="0"/>
+                    </a:rPr>
+                    <a:t>baa</a:t>
+                  </a:r>
+                  <a:endParaRPr lang="zh-CN" altLang="en-US" b="1">
+                    <a:solidFill>
+                      <a:srgbClr val="FF0000"/>
+                    </a:solidFill>
+                    <a:latin typeface="Consolas" panose="020B0609020204030204" charset="0"/>
+                    <a:cs typeface="Consolas" panose="020B0609020204030204" charset="0"/>
+                  </a:endParaRPr>
+                </a:p>
+              </p:txBody>
+            </p:sp>
+            <p:cxnSp>
+              <p:nvCxnSpPr>
+                <p:cNvPr id="24" name="直接连接符 23"/>
+                <p:cNvCxnSpPr/>
+                <p:nvPr>
+                  <p:custDataLst>
+                    <p:tags r:id="rId9"/>
+                  </p:custDataLst>
+                </p:nvPr>
+              </p:nvCxnSpPr>
+              <p:spPr>
+                <a:xfrm flipH="1" flipV="1">
+                  <a:off x="11489" y="6963"/>
+                  <a:ext cx="64" cy="3316"/>
+                </a:xfrm>
+                <a:prstGeom prst="line">
+                  <a:avLst/>
+                </a:prstGeom>
+                <a:ln w="19050" cmpd="sng">
+                  <a:solidFill>
+                    <a:srgbClr val="7030A0"/>
+                  </a:solidFill>
+                  <a:prstDash val="solid"/>
+                </a:ln>
+              </p:spPr>
+              <p:style>
+                <a:lnRef idx="1">
+                  <a:schemeClr val="accent1"/>
+                </a:lnRef>
+                <a:fillRef idx="0">
+                  <a:schemeClr val="accent1"/>
+                </a:fillRef>
+                <a:effectRef idx="0">
+                  <a:schemeClr val="accent1"/>
+                </a:effectRef>
+                <a:fontRef idx="minor">
+                  <a:schemeClr val="tx1"/>
+                </a:fontRef>
+              </p:style>
+            </p:cxnSp>
+            <p:cxnSp>
+              <p:nvCxnSpPr>
+                <p:cNvPr id="27" name="直接箭头连接符 26"/>
+                <p:cNvCxnSpPr/>
+                <p:nvPr>
+                  <p:custDataLst>
+                    <p:tags r:id="rId10"/>
+                  </p:custDataLst>
+                </p:nvPr>
+              </p:nvCxnSpPr>
+              <p:spPr>
+                <a:xfrm flipH="1" flipV="1">
+                  <a:off x="11651" y="9974"/>
+                  <a:ext cx="97" cy="695"/>
+                </a:xfrm>
+                <a:prstGeom prst="straightConnector1">
+                  <a:avLst/>
+                </a:prstGeom>
+                <a:ln w="31750">
+                  <a:solidFill>
+                    <a:schemeClr val="tx2"/>
+                  </a:solidFill>
+                  <a:tailEnd type="arrow"/>
+                </a:ln>
+              </p:spPr>
+              <p:style>
+                <a:lnRef idx="1">
+                  <a:schemeClr val="accent1"/>
+                </a:lnRef>
+                <a:fillRef idx="0">
+                  <a:schemeClr val="accent1"/>
+                </a:fillRef>
+                <a:effectRef idx="0">
+                  <a:schemeClr val="accent1"/>
+                </a:effectRef>
+                <a:fontRef idx="minor">
+                  <a:schemeClr val="tx1"/>
+                </a:fontRef>
+              </p:style>
+            </p:cxnSp>
+            <p:sp>
+              <p:nvSpPr>
+                <p:cNvPr id="28" name="文本框 27"/>
+                <p:cNvSpPr txBox="1"/>
+                <p:nvPr>
+                  <p:custDataLst>
+                    <p:tags r:id="rId11"/>
+                  </p:custDataLst>
+                </p:nvPr>
+              </p:nvSpPr>
+              <p:spPr>
+                <a:xfrm>
+                  <a:off x="11489" y="10506"/>
+                  <a:ext cx="1241" cy="580"/>
+                </a:xfrm>
+                <a:prstGeom prst="rect">
+                  <a:avLst/>
+                </a:prstGeom>
+                <a:noFill/>
+              </p:spPr>
+              <p:txBody>
+                <a:bodyPr wrap="square" rtlCol="0">
+                  <a:spAutoFit/>
+                </a:bodyPr>
+                <a:p>
+                  <a:r>
+                    <a:rPr lang="en-US" altLang="zh-CN" b="1">
+                      <a:latin typeface="Consolas" panose="020B0609020204030204" charset="0"/>
+                      <a:cs typeface="Consolas" panose="020B0609020204030204" charset="0"/>
+                    </a:rPr>
+                    <a:t>j=2</a:t>
+                  </a:r>
+                  <a:endParaRPr lang="zh-CN" altLang="en-US" b="1">
+                    <a:latin typeface="Consolas" panose="020B0609020204030204" charset="0"/>
+                    <a:cs typeface="Consolas" panose="020B0609020204030204" charset="0"/>
+                  </a:endParaRPr>
+                </a:p>
+              </p:txBody>
+            </p:sp>
+          </p:grpSp>
+        </p:grpSp>
+      </p:grpSp>
+    </p:spTree>
+    <p:custDataLst>
+      <p:tags r:id="rId12"/>
+    </p:custDataLst>
+  </p:cSld>
+  <p:clrMapOvr>
+    <a:masterClrMapping/>
+  </p:clrMapOvr>
+</p:sld>
+</file>
+
 <file path=ppt/tags/tag1.xml><?xml version="1.0" encoding="utf-8"?>
 <p:tagLst xmlns:p="http://schemas.openxmlformats.org/presentationml/2006/main">
   <p:tag name="KSO_WM_UNIT_HIGHLIGHT" val="0"/>
@@ -21974,8 +29516,21 @@
 
 <file path=ppt/tags/tag127.xml><?xml version="1.0" encoding="utf-8"?>
 <p:tagLst xmlns:p="http://schemas.openxmlformats.org/presentationml/2006/main">
-  <p:tag name="COMMONDATA" val="eyJoZGlkIjoiMGNiYmI5YWVjOTk5ZjZhOWZjNGUxNjlhNTAzYmI0NWQifQ=="/>
-  <p:tag name="KSO_WPP_MARK_KEY" val="8327d01d-3ae0-46df-9fbb-31ec0e670762"/>
+  <p:tag name="KSO_WM_UNIT_TABLE_BEAUTIFY" val="smartTable{df66b980-aacb-4eee-aca6-0fc2ad6bd351}"/>
+  <p:tag name="TABLE_ENDDRAG_ORIGIN_RECT" val="555*145"/>
+  <p:tag name="TABLE_ENDDRAG_RECT" val="71*12*555*145"/>
+</p:tagLst>
+</file>
+
+<file path=ppt/tags/tag128.xml><?xml version="1.0" encoding="utf-8"?>
+<p:tagLst xmlns:p="http://schemas.openxmlformats.org/presentationml/2006/main">
+  <p:tag name="KSO_WM_BEAUTIFY_FLAG" val=""/>
+</p:tagLst>
+</file>
+
+<file path=ppt/tags/tag129.xml><?xml version="1.0" encoding="utf-8"?>
+<p:tagLst xmlns:p="http://schemas.openxmlformats.org/presentationml/2006/main">
+  <p:tag name="KSO_WM_BEAUTIFY_FLAG" val=""/>
 </p:tagLst>
 </file>
 
@@ -21992,6 +29547,68 @@
 </p:tagLst>
 </file>
 
+<file path=ppt/tags/tag130.xml><?xml version="1.0" encoding="utf-8"?>
+<p:tagLst xmlns:p="http://schemas.openxmlformats.org/presentationml/2006/main">
+  <p:tag name="KSO_WM_BEAUTIFY_FLAG" val=""/>
+</p:tagLst>
+</file>
+
+<file path=ppt/tags/tag131.xml><?xml version="1.0" encoding="utf-8"?>
+<p:tagLst xmlns:p="http://schemas.openxmlformats.org/presentationml/2006/main">
+  <p:tag name="KSO_WM_BEAUTIFY_FLAG" val=""/>
+</p:tagLst>
+</file>
+
+<file path=ppt/tags/tag132.xml><?xml version="1.0" encoding="utf-8"?>
+<p:tagLst xmlns:p="http://schemas.openxmlformats.org/presentationml/2006/main">
+  <p:tag name="KSO_WM_BEAUTIFY_FLAG" val=""/>
+</p:tagLst>
+</file>
+
+<file path=ppt/tags/tag133.xml><?xml version="1.0" encoding="utf-8"?>
+<p:tagLst xmlns:p="http://schemas.openxmlformats.org/presentationml/2006/main">
+  <p:tag name="KSO_WM_BEAUTIFY_FLAG" val=""/>
+</p:tagLst>
+</file>
+
+<file path=ppt/tags/tag134.xml><?xml version="1.0" encoding="utf-8"?>
+<p:tagLst xmlns:p="http://schemas.openxmlformats.org/presentationml/2006/main">
+  <p:tag name="KSO_WM_BEAUTIFY_FLAG" val=""/>
+</p:tagLst>
+</file>
+
+<file path=ppt/tags/tag135.xml><?xml version="1.0" encoding="utf-8"?>
+<p:tagLst xmlns:p="http://schemas.openxmlformats.org/presentationml/2006/main">
+  <p:tag name="KSO_WM_BEAUTIFY_FLAG" val=""/>
+</p:tagLst>
+</file>
+
+<file path=ppt/tags/tag136.xml><?xml version="1.0" encoding="utf-8"?>
+<p:tagLst xmlns:p="http://schemas.openxmlformats.org/presentationml/2006/main">
+  <p:tag name="KSO_WM_BEAUTIFY_FLAG" val=""/>
+</p:tagLst>
+</file>
+
+<file path=ppt/tags/tag137.xml><?xml version="1.0" encoding="utf-8"?>
+<p:tagLst xmlns:p="http://schemas.openxmlformats.org/presentationml/2006/main">
+  <p:tag name="KSO_WM_BEAUTIFY_FLAG" val=""/>
+</p:tagLst>
+</file>
+
+<file path=ppt/tags/tag138.xml><?xml version="1.0" encoding="utf-8"?>
+<p:tagLst xmlns:p="http://schemas.openxmlformats.org/presentationml/2006/main">
+  <p:tag name="KSO_WM_BEAUTIFY_FLAG" val="#wm#"/>
+  <p:tag name="KSO_WM_TEMPLATE_CATEGORY" val="custom"/>
+  <p:tag name="KSO_WM_TEMPLATE_INDEX" val="20205176"/>
+</p:tagLst>
+</file>
+
+<file path=ppt/tags/tag139.xml><?xml version="1.0" encoding="utf-8"?>
+<p:tagLst xmlns:p="http://schemas.openxmlformats.org/presentationml/2006/main">
+  <p:tag name="KSO_WM_BEAUTIFY_FLAG" val=""/>
+</p:tagLst>
+</file>
+
 <file path=ppt/tags/tag14.xml><?xml version="1.0" encoding="utf-8"?>
 <p:tagLst xmlns:p="http://schemas.openxmlformats.org/presentationml/2006/main">
   <p:tag name="KSO_WM_UNIT_HIGHLIGHT" val="0"/>
@@ -22005,6 +29622,68 @@
 </p:tagLst>
 </file>
 
+<file path=ppt/tags/tag140.xml><?xml version="1.0" encoding="utf-8"?>
+<p:tagLst xmlns:p="http://schemas.openxmlformats.org/presentationml/2006/main">
+  <p:tag name="KSO_WM_BEAUTIFY_FLAG" val=""/>
+</p:tagLst>
+</file>
+
+<file path=ppt/tags/tag141.xml><?xml version="1.0" encoding="utf-8"?>
+<p:tagLst xmlns:p="http://schemas.openxmlformats.org/presentationml/2006/main">
+  <p:tag name="KSO_WM_BEAUTIFY_FLAG" val=""/>
+</p:tagLst>
+</file>
+
+<file path=ppt/tags/tag142.xml><?xml version="1.0" encoding="utf-8"?>
+<p:tagLst xmlns:p="http://schemas.openxmlformats.org/presentationml/2006/main">
+  <p:tag name="KSO_WM_BEAUTIFY_FLAG" val=""/>
+</p:tagLst>
+</file>
+
+<file path=ppt/tags/tag143.xml><?xml version="1.0" encoding="utf-8"?>
+<p:tagLst xmlns:p="http://schemas.openxmlformats.org/presentationml/2006/main">
+  <p:tag name="KSO_WM_BEAUTIFY_FLAG" val=""/>
+</p:tagLst>
+</file>
+
+<file path=ppt/tags/tag144.xml><?xml version="1.0" encoding="utf-8"?>
+<p:tagLst xmlns:p="http://schemas.openxmlformats.org/presentationml/2006/main">
+  <p:tag name="KSO_WM_BEAUTIFY_FLAG" val=""/>
+</p:tagLst>
+</file>
+
+<file path=ppt/tags/tag145.xml><?xml version="1.0" encoding="utf-8"?>
+<p:tagLst xmlns:p="http://schemas.openxmlformats.org/presentationml/2006/main">
+  <p:tag name="KSO_WM_BEAUTIFY_FLAG" val=""/>
+</p:tagLst>
+</file>
+
+<file path=ppt/tags/tag146.xml><?xml version="1.0" encoding="utf-8"?>
+<p:tagLst xmlns:p="http://schemas.openxmlformats.org/presentationml/2006/main">
+  <p:tag name="KSO_WM_BEAUTIFY_FLAG" val=""/>
+</p:tagLst>
+</file>
+
+<file path=ppt/tags/tag147.xml><?xml version="1.0" encoding="utf-8"?>
+<p:tagLst xmlns:p="http://schemas.openxmlformats.org/presentationml/2006/main">
+  <p:tag name="KSO_WM_BEAUTIFY_FLAG" val=""/>
+</p:tagLst>
+</file>
+
+<file path=ppt/tags/tag148.xml><?xml version="1.0" encoding="utf-8"?>
+<p:tagLst xmlns:p="http://schemas.openxmlformats.org/presentationml/2006/main">
+  <p:tag name="KSO_WM_BEAUTIFY_FLAG" val=""/>
+</p:tagLst>
+</file>
+
+<file path=ppt/tags/tag149.xml><?xml version="1.0" encoding="utf-8"?>
+<p:tagLst xmlns:p="http://schemas.openxmlformats.org/presentationml/2006/main">
+  <p:tag name="KSO_WM_BEAUTIFY_FLAG" val="#wm#"/>
+  <p:tag name="KSO_WM_TEMPLATE_CATEGORY" val="custom"/>
+  <p:tag name="KSO_WM_TEMPLATE_INDEX" val="20205176"/>
+</p:tagLst>
+</file>
+
 <file path=ppt/tags/tag15.xml><?xml version="1.0" encoding="utf-8"?>
 <p:tagLst xmlns:p="http://schemas.openxmlformats.org/presentationml/2006/main">
   <p:tag name="KSO_WM_UNIT_HIGHLIGHT" val="0"/>
@@ -22015,6 +29694,29 @@
   <p:tag name="KSO_WM_UNIT_LAYERLEVEL" val="1"/>
   <p:tag name="KSO_WM_TAG_VERSION" val="1.0"/>
   <p:tag name="KSO_WM_BEAUTIFY_FLAG" val="#wm#"/>
+</p:tagLst>
+</file>
+
+<file path=ppt/tags/tag150.xml><?xml version="1.0" encoding="utf-8"?>
+<p:tagLst xmlns:p="http://schemas.openxmlformats.org/presentationml/2006/main">
+  <p:tag name="KSO_WM_UNIT_TABLE_BEAUTIFY" val="smartTable{29220afd-9d81-4b0e-b380-bad43e5111fd}"/>
+  <p:tag name="TABLE_ENDDRAG_ORIGIN_RECT" val="871*126"/>
+  <p:tag name="TABLE_ENDDRAG_RECT" val="69*215*871*126"/>
+</p:tagLst>
+</file>
+
+<file path=ppt/tags/tag151.xml><?xml version="1.0" encoding="utf-8"?>
+<p:tagLst xmlns:p="http://schemas.openxmlformats.org/presentationml/2006/main">
+  <p:tag name="KSO_WM_BEAUTIFY_FLAG" val="#wm#"/>
+  <p:tag name="KSO_WM_TEMPLATE_CATEGORY" val="custom"/>
+  <p:tag name="KSO_WM_TEMPLATE_INDEX" val="20205176"/>
+</p:tagLst>
+</file>
+
+<file path=ppt/tags/tag152.xml><?xml version="1.0" encoding="utf-8"?>
+<p:tagLst xmlns:p="http://schemas.openxmlformats.org/presentationml/2006/main">
+  <p:tag name="COMMONDATA" val="eyJoZGlkIjoiMGNiYmI5YWVjOTk5ZjZhOWZjNGUxNjlhNTAzYmI0NWQifQ=="/>
+  <p:tag name="KSO_WPP_MARK_KEY" val="8327d01d-3ae0-46df-9fbb-31ec0e670762"/>
 </p:tagLst>
 </file>
 

--- a/第四章 串/4.2 串的模式匹配/KMP图示.pptx
+++ b/第四章 串/4.2 串的模式匹配/KMP图示.pptx
@@ -19,11 +19,12 @@
     <p:sldId id="265" r:id="rId12"/>
     <p:sldId id="266" r:id="rId13"/>
     <p:sldId id="267" r:id="rId14"/>
+    <p:sldId id="268" r:id="rId15"/>
   </p:sldIdLst>
   <p:sldSz cx="12192000" cy="6858000"/>
   <p:notesSz cx="6858000" cy="9144000"/>
   <p:custDataLst>
-    <p:tags r:id="rId18"/>
+    <p:tags r:id="rId19"/>
   </p:custDataLst>
   <p:defaultTextStyle>
     <a:defPPr>
@@ -10118,6 +10119,83 @@
 </p:sld>
 </file>
 
+<file path=ppt/slides/slide12.xml><?xml version="1.0" encoding="utf-8"?>
+<p:sld xmlns:a="http://schemas.openxmlformats.org/drawingml/2006/main" xmlns:r="http://schemas.openxmlformats.org/officeDocument/2006/relationships" xmlns:p="http://schemas.openxmlformats.org/presentationml/2006/main">
+  <p:cSld>
+    <p:spTree>
+      <p:nvGrpSpPr>
+        <p:cNvPr id="1" name=""/>
+        <p:cNvGrpSpPr/>
+        <p:nvPr/>
+      </p:nvGrpSpPr>
+      <p:grpSpPr/>
+      <p:graphicFrame>
+        <p:nvGraphicFramePr>
+          <p:cNvPr id="4" name="对象 3">
+            <a:hlinkClick r:id="" action="ppaction://ole?verb="/>
+          </p:cNvPr>
+          <p:cNvGraphicFramePr>
+            <a:graphicFrameLocks noChangeAspect="1"/>
+          </p:cNvGraphicFramePr>
+          <p:nvPr/>
+        </p:nvGraphicFramePr>
+        <p:xfrm>
+          <a:off x="942340" y="819150"/>
+          <a:ext cx="9711055" cy="1684655"/>
+        </p:xfrm>
+        <a:graphic>
+          <a:graphicData uri="http://schemas.openxmlformats.org/presentationml/2006/ole">
+            <mc:AlternateContent xmlns:mc="http://schemas.openxmlformats.org/markup-compatibility/2006">
+              <mc:Choice xmlns:v="urn:schemas-microsoft-com:vml" Requires="v">
+                <p:oleObj spid="_x0000_s1025" name="" r:id="rId1" imgW="3733800" imgH="647700" progId="Equation.KSEE3">
+                  <p:embed/>
+                </p:oleObj>
+              </mc:Choice>
+              <mc:Fallback>
+                <p:oleObj name="" r:id="rId1" imgW="3733800" imgH="647700" progId="Equation.KSEE3">
+                  <p:embed/>
+                  <p:pic>
+                    <p:nvPicPr>
+                      <p:cNvPr id="0" name="图片 1024"/>
+                      <p:cNvPicPr/>
+                      <p:nvPr/>
+                    </p:nvPicPr>
+                    <p:blipFill>
+                      <a:blip r:embed="rId2"/>
+                      <a:stretch>
+                        <a:fillRect/>
+                      </a:stretch>
+                    </p:blipFill>
+                    <p:spPr>
+                      <a:xfrm>
+                        <a:off x="942340" y="819150"/>
+                        <a:ext cx="9711055" cy="1684655"/>
+                      </a:xfrm>
+                      <a:prstGeom prst="rect">
+                        <a:avLst/>
+                      </a:prstGeom>
+                      <a:solidFill>
+                        <a:schemeClr val="bg1"/>
+                      </a:solidFill>
+                    </p:spPr>
+                  </p:pic>
+                </p:oleObj>
+              </mc:Fallback>
+            </mc:AlternateContent>
+          </a:graphicData>
+        </a:graphic>
+      </p:graphicFrame>
+    </p:spTree>
+    <p:custDataLst>
+      <p:tags r:id="rId3"/>
+    </p:custDataLst>
+  </p:cSld>
+  <p:clrMapOvr>
+    <a:masterClrMapping/>
+  </p:clrMapOvr>
+</p:sld>
+</file>
+
 <file path=ppt/slides/slide2.xml><?xml version="1.0" encoding="utf-8"?>
 <p:sld xmlns:a="http://schemas.openxmlformats.org/drawingml/2006/main" xmlns:r="http://schemas.openxmlformats.org/officeDocument/2006/relationships" xmlns:p="http://schemas.openxmlformats.org/presentationml/2006/main">
   <p:cSld>
@@ -29714,6 +29792,14 @@
 </file>
 
 <file path=ppt/tags/tag152.xml><?xml version="1.0" encoding="utf-8"?>
+<p:tagLst xmlns:p="http://schemas.openxmlformats.org/presentationml/2006/main">
+  <p:tag name="KSO_WM_BEAUTIFY_FLAG" val="#wm#"/>
+  <p:tag name="KSO_WM_TEMPLATE_CATEGORY" val="custom"/>
+  <p:tag name="KSO_WM_TEMPLATE_INDEX" val="20205176"/>
+</p:tagLst>
+</file>
+
+<file path=ppt/tags/tag153.xml><?xml version="1.0" encoding="utf-8"?>
 <p:tagLst xmlns:p="http://schemas.openxmlformats.org/presentationml/2006/main">
   <p:tag name="COMMONDATA" val="eyJoZGlkIjoiMGNiYmI5YWVjOTk5ZjZhOWZjNGUxNjlhNTAzYmI0NWQifQ=="/>
   <p:tag name="KSO_WPP_MARK_KEY" val="8327d01d-3ae0-46df-9fbb-31ec0e670762"/>

--- a/第四章 串/4.2 串的模式匹配/KMP图示.pptx
+++ b/第四章 串/4.2 串的模式匹配/KMP图示.pptx
@@ -20,11 +20,14 @@
     <p:sldId id="266" r:id="rId13"/>
     <p:sldId id="267" r:id="rId14"/>
     <p:sldId id="268" r:id="rId15"/>
+    <p:sldId id="269" r:id="rId16"/>
+    <p:sldId id="271" r:id="rId17"/>
+    <p:sldId id="272" r:id="rId18"/>
   </p:sldIdLst>
   <p:sldSz cx="12192000" cy="6858000"/>
   <p:notesSz cx="6858000" cy="9144000"/>
   <p:custDataLst>
-    <p:tags r:id="rId19"/>
+    <p:tags r:id="rId22"/>
   </p:custDataLst>
   <p:defaultTextStyle>
     <a:defPPr>
@@ -124,12 +127,12 @@
   <p:extLst>
     <p:ext uri="{EFAFB233-063F-42B5-8137-9DF3F51BA10A}">
       <p15:sldGuideLst xmlns:p15="http://schemas.microsoft.com/office/powerpoint/2012/main">
-        <p15:guide id="1" orient="horz" pos="2211" userDrawn="1">
+        <p15:guide id="1" orient="horz" pos="2218" userDrawn="1">
           <p15:clr>
             <a:srgbClr val="A4A3A4"/>
           </p15:clr>
         </p15:guide>
-        <p15:guide id="2" pos="3799" userDrawn="1">
+        <p15:guide id="2" pos="3838" userDrawn="1">
           <p15:clr>
             <a:srgbClr val="A4A3A4"/>
           </p15:clr>
@@ -10196,6 +10199,8589 @@
 </p:sld>
 </file>
 
+<file path=ppt/slides/slide13.xml><?xml version="1.0" encoding="utf-8"?>
+<p:sld xmlns:a="http://schemas.openxmlformats.org/drawingml/2006/main" xmlns:r="http://schemas.openxmlformats.org/officeDocument/2006/relationships" xmlns:p="http://schemas.openxmlformats.org/presentationml/2006/main">
+  <p:cSld>
+    <p:spTree>
+      <p:nvGrpSpPr>
+        <p:cNvPr id="1" name=""/>
+        <p:cNvGrpSpPr/>
+        <p:nvPr/>
+      </p:nvGrpSpPr>
+      <p:grpSpPr/>
+      <p:graphicFrame>
+        <p:nvGraphicFramePr>
+          <p:cNvPr id="6" name="表格 5"/>
+          <p:cNvGraphicFramePr/>
+          <p:nvPr>
+            <p:custDataLst>
+              <p:tags r:id="rId1"/>
+            </p:custDataLst>
+          </p:nvPr>
+        </p:nvGraphicFramePr>
+        <p:xfrm>
+          <a:off x="913765" y="163830"/>
+          <a:ext cx="7049770" cy="1842135"/>
+        </p:xfrm>
+        <a:graphic>
+          <a:graphicData uri="http://schemas.openxmlformats.org/drawingml/2006/table">
+            <a:tbl>
+              <a:tblPr firstRow="1" bandRow="1">
+                <a:tableStyleId>{5C22544A-7EE6-4342-B048-85BDC9FD1C3A}</a:tableStyleId>
+              </a:tblPr>
+              <a:tblGrid>
+                <a:gridCol w="1007110"/>
+                <a:gridCol w="1007110"/>
+                <a:gridCol w="1007110"/>
+                <a:gridCol w="1007110"/>
+                <a:gridCol w="1007110"/>
+                <a:gridCol w="1007110"/>
+                <a:gridCol w="1007110"/>
+              </a:tblGrid>
+              <a:tr h="429260">
+                <a:tc>
+                  <a:txBody>
+                    <a:bodyPr/>
+                    <a:p>
+                      <a:pPr algn="ctr">
+                        <a:buNone/>
+                      </a:pPr>
+                      <a:r>
+                        <a:rPr lang="zh-CN" altLang="en-US" sz="1400" b="1">
+                          <a:latin typeface="Consolas" panose="020B0609020204030204" charset="0"/>
+                          <a:cs typeface="Consolas" panose="020B0609020204030204" charset="0"/>
+                        </a:rPr>
+                        <a:t>编号</a:t>
+                      </a:r>
+                      <a:r>
+                        <a:rPr lang="en-US" altLang="zh-CN" sz="1400" b="1">
+                          <a:latin typeface="Consolas" panose="020B0609020204030204" charset="0"/>
+                          <a:cs typeface="Consolas" panose="020B0609020204030204" charset="0"/>
+                        </a:rPr>
+                        <a:t>j</a:t>
+                      </a:r>
+                      <a:endParaRPr lang="en-US" altLang="zh-CN" sz="1400" b="1">
+                        <a:latin typeface="Consolas" panose="020B0609020204030204" charset="0"/>
+                        <a:cs typeface="Consolas" panose="020B0609020204030204" charset="0"/>
+                      </a:endParaRPr>
+                    </a:p>
+                  </a:txBody>
+                  <a:tcPr anchor="ctr" anchorCtr="0">
+                    <a:lnL w="12700">
+                      <a:solidFill>
+                        <a:schemeClr val="tx1"/>
+                      </a:solidFill>
+                      <a:prstDash val="solid"/>
+                    </a:lnL>
+                    <a:lnR w="12700">
+                      <a:solidFill>
+                        <a:schemeClr val="tx1"/>
+                      </a:solidFill>
+                      <a:prstDash val="solid"/>
+                    </a:lnR>
+                    <a:lnT w="12700">
+                      <a:solidFill>
+                        <a:schemeClr val="tx1"/>
+                      </a:solidFill>
+                      <a:prstDash val="solid"/>
+                    </a:lnT>
+                    <a:lnB w="12700">
+                      <a:solidFill>
+                        <a:schemeClr val="tx1"/>
+                      </a:solidFill>
+                      <a:prstDash val="solid"/>
+                    </a:lnB>
+                    <a:lnTlToBr>
+                      <a:noFill/>
+                    </a:lnTlToBr>
+                    <a:lnBlToTr>
+                      <a:noFill/>
+                    </a:lnBlToTr>
+                    <a:solidFill>
+                      <a:srgbClr val="00B050"/>
+                    </a:solidFill>
+                  </a:tcPr>
+                </a:tc>
+                <a:tc>
+                  <a:txBody>
+                    <a:bodyPr/>
+                    <a:p>
+                      <a:pPr algn="ctr">
+                        <a:buNone/>
+                      </a:pPr>
+                      <a:r>
+                        <a:rPr lang="en-US" altLang="zh-CN" sz="1400" b="1">
+                          <a:latin typeface="Consolas" panose="020B0609020204030204" charset="0"/>
+                          <a:cs typeface="Consolas" panose="020B0609020204030204" charset="0"/>
+                        </a:rPr>
+                        <a:t>1</a:t>
+                      </a:r>
+                      <a:endParaRPr lang="en-US" altLang="zh-CN" sz="1400" b="1">
+                        <a:latin typeface="Consolas" panose="020B0609020204030204" charset="0"/>
+                        <a:cs typeface="Consolas" panose="020B0609020204030204" charset="0"/>
+                      </a:endParaRPr>
+                    </a:p>
+                  </a:txBody>
+                  <a:tcPr anchor="ctr" anchorCtr="0">
+                    <a:lnL w="12700">
+                      <a:solidFill>
+                        <a:schemeClr val="tx1"/>
+                      </a:solidFill>
+                      <a:prstDash val="solid"/>
+                    </a:lnL>
+                    <a:lnR w="12700">
+                      <a:solidFill>
+                        <a:schemeClr val="tx1"/>
+                      </a:solidFill>
+                      <a:prstDash val="solid"/>
+                    </a:lnR>
+                    <a:lnT w="12700">
+                      <a:solidFill>
+                        <a:schemeClr val="tx1"/>
+                      </a:solidFill>
+                      <a:prstDash val="solid"/>
+                    </a:lnT>
+                    <a:lnB w="12700">
+                      <a:solidFill>
+                        <a:schemeClr val="tx1"/>
+                      </a:solidFill>
+                      <a:prstDash val="solid"/>
+                    </a:lnB>
+                    <a:lnTlToBr>
+                      <a:noFill/>
+                    </a:lnTlToBr>
+                    <a:lnBlToTr>
+                      <a:noFill/>
+                    </a:lnBlToTr>
+                    <a:solidFill>
+                      <a:srgbClr val="00B050"/>
+                    </a:solidFill>
+                  </a:tcPr>
+                </a:tc>
+                <a:tc>
+                  <a:txBody>
+                    <a:bodyPr/>
+                    <a:p>
+                      <a:pPr algn="ctr">
+                        <a:buNone/>
+                      </a:pPr>
+                      <a:r>
+                        <a:rPr lang="en-US" altLang="zh-CN" sz="1400" b="1">
+                          <a:latin typeface="Consolas" panose="020B0609020204030204" charset="0"/>
+                          <a:cs typeface="Consolas" panose="020B0609020204030204" charset="0"/>
+                        </a:rPr>
+                        <a:t>2</a:t>
+                      </a:r>
+                      <a:endParaRPr lang="en-US" altLang="zh-CN" sz="1400" b="1">
+                        <a:latin typeface="Consolas" panose="020B0609020204030204" charset="0"/>
+                        <a:cs typeface="Consolas" panose="020B0609020204030204" charset="0"/>
+                      </a:endParaRPr>
+                    </a:p>
+                  </a:txBody>
+                  <a:tcPr anchor="ctr" anchorCtr="0">
+                    <a:lnL w="12700">
+                      <a:solidFill>
+                        <a:schemeClr val="tx1"/>
+                      </a:solidFill>
+                      <a:prstDash val="solid"/>
+                    </a:lnL>
+                    <a:lnR w="12700">
+                      <a:solidFill>
+                        <a:schemeClr val="tx1"/>
+                      </a:solidFill>
+                      <a:prstDash val="solid"/>
+                    </a:lnR>
+                    <a:lnT w="12700">
+                      <a:solidFill>
+                        <a:schemeClr val="tx1"/>
+                      </a:solidFill>
+                      <a:prstDash val="solid"/>
+                    </a:lnT>
+                    <a:lnB w="12700">
+                      <a:solidFill>
+                        <a:schemeClr val="tx1"/>
+                      </a:solidFill>
+                      <a:prstDash val="solid"/>
+                    </a:lnB>
+                    <a:lnTlToBr>
+                      <a:noFill/>
+                    </a:lnTlToBr>
+                    <a:lnBlToTr>
+                      <a:noFill/>
+                    </a:lnBlToTr>
+                    <a:solidFill>
+                      <a:srgbClr val="00B050"/>
+                    </a:solidFill>
+                  </a:tcPr>
+                </a:tc>
+                <a:tc>
+                  <a:txBody>
+                    <a:bodyPr/>
+                    <a:p>
+                      <a:pPr algn="ctr">
+                        <a:buNone/>
+                      </a:pPr>
+                      <a:r>
+                        <a:rPr lang="en-US" altLang="zh-CN" sz="1400" b="1">
+                          <a:latin typeface="Consolas" panose="020B0609020204030204" charset="0"/>
+                          <a:cs typeface="Consolas" panose="020B0609020204030204" charset="0"/>
+                        </a:rPr>
+                        <a:t>3</a:t>
+                      </a:r>
+                      <a:endParaRPr lang="en-US" altLang="zh-CN" sz="1400" b="1">
+                        <a:latin typeface="Consolas" panose="020B0609020204030204" charset="0"/>
+                        <a:cs typeface="Consolas" panose="020B0609020204030204" charset="0"/>
+                      </a:endParaRPr>
+                    </a:p>
+                  </a:txBody>
+                  <a:tcPr anchor="ctr" anchorCtr="0">
+                    <a:lnL w="12700">
+                      <a:solidFill>
+                        <a:schemeClr val="tx1"/>
+                      </a:solidFill>
+                      <a:prstDash val="solid"/>
+                    </a:lnL>
+                    <a:lnR w="12700">
+                      <a:solidFill>
+                        <a:schemeClr val="tx1"/>
+                      </a:solidFill>
+                      <a:prstDash val="solid"/>
+                    </a:lnR>
+                    <a:lnT w="12700">
+                      <a:solidFill>
+                        <a:schemeClr val="tx1"/>
+                      </a:solidFill>
+                      <a:prstDash val="solid"/>
+                    </a:lnT>
+                    <a:lnB w="12700">
+                      <a:solidFill>
+                        <a:schemeClr val="tx1"/>
+                      </a:solidFill>
+                      <a:prstDash val="solid"/>
+                    </a:lnB>
+                    <a:lnTlToBr>
+                      <a:noFill/>
+                    </a:lnTlToBr>
+                    <a:lnBlToTr>
+                      <a:noFill/>
+                    </a:lnBlToTr>
+                    <a:solidFill>
+                      <a:srgbClr val="00B050"/>
+                    </a:solidFill>
+                  </a:tcPr>
+                </a:tc>
+                <a:tc>
+                  <a:txBody>
+                    <a:bodyPr/>
+                    <a:p>
+                      <a:pPr algn="ctr">
+                        <a:buNone/>
+                      </a:pPr>
+                      <a:r>
+                        <a:rPr lang="en-US" altLang="zh-CN" sz="1400" b="1">
+                          <a:latin typeface="Consolas" panose="020B0609020204030204" charset="0"/>
+                          <a:cs typeface="Consolas" panose="020B0609020204030204" charset="0"/>
+                        </a:rPr>
+                        <a:t>4</a:t>
+                      </a:r>
+                      <a:endParaRPr lang="en-US" altLang="zh-CN" sz="1400" b="1">
+                        <a:latin typeface="Consolas" panose="020B0609020204030204" charset="0"/>
+                        <a:cs typeface="Consolas" panose="020B0609020204030204" charset="0"/>
+                      </a:endParaRPr>
+                    </a:p>
+                  </a:txBody>
+                  <a:tcPr anchor="ctr" anchorCtr="0">
+                    <a:lnL w="12700">
+                      <a:solidFill>
+                        <a:schemeClr val="tx1"/>
+                      </a:solidFill>
+                      <a:prstDash val="solid"/>
+                    </a:lnL>
+                    <a:lnR w="12700">
+                      <a:solidFill>
+                        <a:schemeClr val="tx1"/>
+                      </a:solidFill>
+                      <a:prstDash val="solid"/>
+                    </a:lnR>
+                    <a:lnT w="12700">
+                      <a:solidFill>
+                        <a:schemeClr val="tx1"/>
+                      </a:solidFill>
+                      <a:prstDash val="solid"/>
+                    </a:lnT>
+                    <a:lnB w="12700">
+                      <a:solidFill>
+                        <a:schemeClr val="tx1"/>
+                      </a:solidFill>
+                      <a:prstDash val="solid"/>
+                    </a:lnB>
+                    <a:lnTlToBr>
+                      <a:noFill/>
+                    </a:lnTlToBr>
+                    <a:lnBlToTr>
+                      <a:noFill/>
+                    </a:lnBlToTr>
+                    <a:solidFill>
+                      <a:srgbClr val="00B050"/>
+                    </a:solidFill>
+                  </a:tcPr>
+                </a:tc>
+                <a:tc>
+                  <a:txBody>
+                    <a:bodyPr/>
+                    <a:p>
+                      <a:pPr algn="ctr">
+                        <a:buNone/>
+                      </a:pPr>
+                      <a:r>
+                        <a:rPr lang="en-US" altLang="zh-CN" sz="1400" b="1">
+                          <a:latin typeface="Consolas" panose="020B0609020204030204" charset="0"/>
+                          <a:cs typeface="Consolas" panose="020B0609020204030204" charset="0"/>
+                        </a:rPr>
+                        <a:t>5</a:t>
+                      </a:r>
+                      <a:endParaRPr lang="en-US" altLang="zh-CN" sz="1400" b="1">
+                        <a:latin typeface="Consolas" panose="020B0609020204030204" charset="0"/>
+                        <a:cs typeface="Consolas" panose="020B0609020204030204" charset="0"/>
+                      </a:endParaRPr>
+                    </a:p>
+                  </a:txBody>
+                  <a:tcPr anchor="ctr" anchorCtr="0">
+                    <a:lnL w="12700">
+                      <a:solidFill>
+                        <a:schemeClr val="tx1"/>
+                      </a:solidFill>
+                      <a:prstDash val="solid"/>
+                    </a:lnL>
+                    <a:lnR w="12700">
+                      <a:solidFill>
+                        <a:schemeClr val="tx1"/>
+                      </a:solidFill>
+                      <a:prstDash val="solid"/>
+                    </a:lnR>
+                    <a:lnT w="12700">
+                      <a:solidFill>
+                        <a:schemeClr val="tx1"/>
+                      </a:solidFill>
+                      <a:prstDash val="solid"/>
+                    </a:lnT>
+                    <a:lnB w="12700">
+                      <a:solidFill>
+                        <a:schemeClr val="tx1"/>
+                      </a:solidFill>
+                      <a:prstDash val="solid"/>
+                    </a:lnB>
+                    <a:lnTlToBr>
+                      <a:noFill/>
+                    </a:lnTlToBr>
+                    <a:lnBlToTr>
+                      <a:noFill/>
+                    </a:lnBlToTr>
+                    <a:solidFill>
+                      <a:srgbClr val="00B050"/>
+                    </a:solidFill>
+                  </a:tcPr>
+                </a:tc>
+                <a:tc>
+                  <a:txBody>
+                    <a:bodyPr/>
+                    <a:p>
+                      <a:pPr algn="ctr">
+                        <a:buNone/>
+                      </a:pPr>
+                      <a:r>
+                        <a:rPr lang="en-US" altLang="zh-CN" sz="1400" b="1">
+                          <a:latin typeface="Consolas" panose="020B0609020204030204" charset="0"/>
+                          <a:cs typeface="Consolas" panose="020B0609020204030204" charset="0"/>
+                        </a:rPr>
+                        <a:t>6</a:t>
+                      </a:r>
+                      <a:endParaRPr lang="en-US" altLang="zh-CN" sz="1400" b="1">
+                        <a:latin typeface="Consolas" panose="020B0609020204030204" charset="0"/>
+                        <a:cs typeface="Consolas" panose="020B0609020204030204" charset="0"/>
+                      </a:endParaRPr>
+                    </a:p>
+                  </a:txBody>
+                  <a:tcPr anchor="ctr" anchorCtr="0">
+                    <a:lnL w="12700">
+                      <a:solidFill>
+                        <a:schemeClr val="tx1"/>
+                      </a:solidFill>
+                      <a:prstDash val="solid"/>
+                    </a:lnL>
+                    <a:lnR w="12700">
+                      <a:solidFill>
+                        <a:schemeClr val="tx1"/>
+                      </a:solidFill>
+                      <a:prstDash val="solid"/>
+                    </a:lnR>
+                    <a:lnT w="12700">
+                      <a:solidFill>
+                        <a:schemeClr val="tx1"/>
+                      </a:solidFill>
+                      <a:prstDash val="solid"/>
+                    </a:lnT>
+                    <a:lnB w="12700">
+                      <a:solidFill>
+                        <a:schemeClr val="tx1"/>
+                      </a:solidFill>
+                      <a:prstDash val="solid"/>
+                    </a:lnB>
+                    <a:lnTlToBr>
+                      <a:noFill/>
+                    </a:lnTlToBr>
+                    <a:lnBlToTr>
+                      <a:noFill/>
+                    </a:lnBlToTr>
+                    <a:solidFill>
+                      <a:srgbClr val="00B050"/>
+                    </a:solidFill>
+                  </a:tcPr>
+                </a:tc>
+              </a:tr>
+              <a:tr h="429895">
+                <a:tc>
+                  <a:txBody>
+                    <a:bodyPr/>
+                    <a:p>
+                      <a:pPr algn="ctr">
+                        <a:buNone/>
+                      </a:pPr>
+                      <a:r>
+                        <a:rPr lang="zh-CN" altLang="en-US" sz="1400" b="1">
+                          <a:latin typeface="Consolas" panose="020B0609020204030204" charset="0"/>
+                        </a:rPr>
+                        <a:t>模式串</a:t>
+                      </a:r>
+                      <a:endParaRPr lang="zh-CN" altLang="en-US" sz="1400" b="1">
+                        <a:latin typeface="Consolas" panose="020B0609020204030204" charset="0"/>
+                      </a:endParaRPr>
+                    </a:p>
+                  </a:txBody>
+                  <a:tcPr anchor="ctr" anchorCtr="0">
+                    <a:lnL w="12700">
+                      <a:solidFill>
+                        <a:schemeClr val="tx1"/>
+                      </a:solidFill>
+                      <a:prstDash val="solid"/>
+                    </a:lnL>
+                    <a:lnR w="12700">
+                      <a:solidFill>
+                        <a:schemeClr val="tx1"/>
+                      </a:solidFill>
+                      <a:prstDash val="solid"/>
+                    </a:lnR>
+                    <a:lnT w="12700">
+                      <a:solidFill>
+                        <a:schemeClr val="tx1"/>
+                      </a:solidFill>
+                      <a:prstDash val="solid"/>
+                    </a:lnT>
+                    <a:lnB w="12700">
+                      <a:solidFill>
+                        <a:schemeClr val="tx1"/>
+                      </a:solidFill>
+                      <a:prstDash val="solid"/>
+                    </a:lnB>
+                    <a:lnTlToBr>
+                      <a:noFill/>
+                    </a:lnTlToBr>
+                    <a:lnBlToTr>
+                      <a:noFill/>
+                    </a:lnBlToTr>
+                    <a:solidFill>
+                      <a:schemeClr val="accent4">
+                        <a:lumMod val="75000"/>
+                      </a:schemeClr>
+                    </a:solidFill>
+                  </a:tcPr>
+                </a:tc>
+                <a:tc>
+                  <a:txBody>
+                    <a:bodyPr/>
+                    <a:p>
+                      <a:pPr algn="ctr">
+                        <a:buNone/>
+                      </a:pPr>
+                      <a:r>
+                        <a:rPr lang="en-US" altLang="zh-CN" sz="1400" b="1">
+                          <a:latin typeface="Consolas" panose="020B0609020204030204" charset="0"/>
+                          <a:cs typeface="Consolas" panose="020B0609020204030204" charset="0"/>
+                        </a:rPr>
+                        <a:t>a</a:t>
+                      </a:r>
+                      <a:endParaRPr lang="en-US" altLang="zh-CN" sz="1400" b="1">
+                        <a:latin typeface="Consolas" panose="020B0609020204030204" charset="0"/>
+                        <a:cs typeface="Consolas" panose="020B0609020204030204" charset="0"/>
+                      </a:endParaRPr>
+                    </a:p>
+                  </a:txBody>
+                  <a:tcPr anchor="ctr" anchorCtr="0">
+                    <a:lnL w="12700">
+                      <a:solidFill>
+                        <a:schemeClr val="tx1"/>
+                      </a:solidFill>
+                      <a:prstDash val="solid"/>
+                    </a:lnL>
+                    <a:lnR w="12700">
+                      <a:solidFill>
+                        <a:schemeClr val="tx1"/>
+                      </a:solidFill>
+                      <a:prstDash val="solid"/>
+                    </a:lnR>
+                    <a:lnT w="12700">
+                      <a:solidFill>
+                        <a:schemeClr val="tx1"/>
+                      </a:solidFill>
+                      <a:prstDash val="solid"/>
+                    </a:lnT>
+                    <a:lnB w="12700">
+                      <a:solidFill>
+                        <a:schemeClr val="tx1"/>
+                      </a:solidFill>
+                      <a:prstDash val="solid"/>
+                    </a:lnB>
+                    <a:lnTlToBr>
+                      <a:noFill/>
+                    </a:lnTlToBr>
+                    <a:lnBlToTr>
+                      <a:noFill/>
+                    </a:lnBlToTr>
+                    <a:solidFill>
+                      <a:schemeClr val="accent4">
+                        <a:lumMod val="75000"/>
+                      </a:schemeClr>
+                    </a:solidFill>
+                  </a:tcPr>
+                </a:tc>
+                <a:tc>
+                  <a:txBody>
+                    <a:bodyPr/>
+                    <a:p>
+                      <a:pPr algn="ctr">
+                        <a:buNone/>
+                      </a:pPr>
+                      <a:r>
+                        <a:rPr lang="en-US" altLang="zh-CN" sz="1400" b="1">
+                          <a:latin typeface="Consolas" panose="020B0609020204030204" charset="0"/>
+                          <a:cs typeface="Consolas" panose="020B0609020204030204" charset="0"/>
+                        </a:rPr>
+                        <a:t>a</a:t>
+                      </a:r>
+                      <a:endParaRPr lang="en-US" altLang="zh-CN" sz="1400" b="1">
+                        <a:latin typeface="Consolas" panose="020B0609020204030204" charset="0"/>
+                        <a:cs typeface="Consolas" panose="020B0609020204030204" charset="0"/>
+                      </a:endParaRPr>
+                    </a:p>
+                  </a:txBody>
+                  <a:tcPr anchor="ctr" anchorCtr="0">
+                    <a:lnL w="12700">
+                      <a:solidFill>
+                        <a:schemeClr val="tx1"/>
+                      </a:solidFill>
+                      <a:prstDash val="solid"/>
+                    </a:lnL>
+                    <a:lnR w="12700">
+                      <a:solidFill>
+                        <a:schemeClr val="tx1"/>
+                      </a:solidFill>
+                      <a:prstDash val="solid"/>
+                    </a:lnR>
+                    <a:lnT w="12700">
+                      <a:solidFill>
+                        <a:schemeClr val="tx1"/>
+                      </a:solidFill>
+                      <a:prstDash val="solid"/>
+                    </a:lnT>
+                    <a:lnB w="12700">
+                      <a:solidFill>
+                        <a:schemeClr val="tx1"/>
+                      </a:solidFill>
+                      <a:prstDash val="solid"/>
+                    </a:lnB>
+                    <a:lnTlToBr>
+                      <a:noFill/>
+                    </a:lnTlToBr>
+                    <a:lnBlToTr>
+                      <a:noFill/>
+                    </a:lnBlToTr>
+                    <a:solidFill>
+                      <a:schemeClr val="accent4">
+                        <a:lumMod val="75000"/>
+                      </a:schemeClr>
+                    </a:solidFill>
+                  </a:tcPr>
+                </a:tc>
+                <a:tc>
+                  <a:txBody>
+                    <a:bodyPr/>
+                    <a:p>
+                      <a:pPr algn="ctr">
+                        <a:buNone/>
+                      </a:pPr>
+                      <a:r>
+                        <a:rPr lang="en-US" altLang="zh-CN" sz="1400" b="1">
+                          <a:latin typeface="Consolas" panose="020B0609020204030204" charset="0"/>
+                          <a:cs typeface="Consolas" panose="020B0609020204030204" charset="0"/>
+                        </a:rPr>
+                        <a:t>b</a:t>
+                      </a:r>
+                      <a:endParaRPr lang="en-US" altLang="zh-CN" sz="1400" b="1">
+                        <a:latin typeface="Consolas" panose="020B0609020204030204" charset="0"/>
+                        <a:cs typeface="Consolas" panose="020B0609020204030204" charset="0"/>
+                      </a:endParaRPr>
+                    </a:p>
+                  </a:txBody>
+                  <a:tcPr anchor="ctr" anchorCtr="0">
+                    <a:lnL w="12700">
+                      <a:solidFill>
+                        <a:schemeClr val="tx1"/>
+                      </a:solidFill>
+                      <a:prstDash val="solid"/>
+                    </a:lnL>
+                    <a:lnR w="12700">
+                      <a:solidFill>
+                        <a:schemeClr val="tx1"/>
+                      </a:solidFill>
+                      <a:prstDash val="solid"/>
+                    </a:lnR>
+                    <a:lnT w="12700">
+                      <a:solidFill>
+                        <a:schemeClr val="tx1"/>
+                      </a:solidFill>
+                      <a:prstDash val="solid"/>
+                    </a:lnT>
+                    <a:lnB w="12700">
+                      <a:solidFill>
+                        <a:schemeClr val="tx1"/>
+                      </a:solidFill>
+                      <a:prstDash val="solid"/>
+                    </a:lnB>
+                    <a:lnTlToBr>
+                      <a:noFill/>
+                    </a:lnTlToBr>
+                    <a:lnBlToTr>
+                      <a:noFill/>
+                    </a:lnBlToTr>
+                    <a:solidFill>
+                      <a:schemeClr val="accent4">
+                        <a:lumMod val="75000"/>
+                      </a:schemeClr>
+                    </a:solidFill>
+                  </a:tcPr>
+                </a:tc>
+                <a:tc>
+                  <a:txBody>
+                    <a:bodyPr/>
+                    <a:p>
+                      <a:pPr algn="ctr">
+                        <a:buNone/>
+                      </a:pPr>
+                      <a:r>
+                        <a:rPr lang="en-US" altLang="zh-CN" sz="1400" b="1">
+                          <a:latin typeface="Consolas" panose="020B0609020204030204" charset="0"/>
+                          <a:cs typeface="Consolas" panose="020B0609020204030204" charset="0"/>
+                        </a:rPr>
+                        <a:t>a</a:t>
+                      </a:r>
+                      <a:endParaRPr lang="en-US" altLang="zh-CN" sz="1400" b="1">
+                        <a:latin typeface="Consolas" panose="020B0609020204030204" charset="0"/>
+                        <a:cs typeface="Consolas" panose="020B0609020204030204" charset="0"/>
+                      </a:endParaRPr>
+                    </a:p>
+                  </a:txBody>
+                  <a:tcPr anchor="ctr" anchorCtr="0">
+                    <a:lnL w="12700">
+                      <a:solidFill>
+                        <a:schemeClr val="tx1"/>
+                      </a:solidFill>
+                      <a:prstDash val="solid"/>
+                    </a:lnL>
+                    <a:lnR w="12700">
+                      <a:solidFill>
+                        <a:schemeClr val="tx1"/>
+                      </a:solidFill>
+                      <a:prstDash val="solid"/>
+                    </a:lnR>
+                    <a:lnT w="12700">
+                      <a:solidFill>
+                        <a:schemeClr val="tx1"/>
+                      </a:solidFill>
+                      <a:prstDash val="solid"/>
+                    </a:lnT>
+                    <a:lnB w="12700">
+                      <a:solidFill>
+                        <a:schemeClr val="tx1"/>
+                      </a:solidFill>
+                      <a:prstDash val="solid"/>
+                    </a:lnB>
+                    <a:lnTlToBr>
+                      <a:noFill/>
+                    </a:lnTlToBr>
+                    <a:lnBlToTr>
+                      <a:noFill/>
+                    </a:lnBlToTr>
+                    <a:solidFill>
+                      <a:schemeClr val="accent4">
+                        <a:lumMod val="75000"/>
+                      </a:schemeClr>
+                    </a:solidFill>
+                  </a:tcPr>
+                </a:tc>
+                <a:tc>
+                  <a:txBody>
+                    <a:bodyPr/>
+                    <a:p>
+                      <a:pPr algn="ctr">
+                        <a:buNone/>
+                      </a:pPr>
+                      <a:r>
+                        <a:rPr lang="en-US" altLang="zh-CN" sz="1400" b="1">
+                          <a:latin typeface="Consolas" panose="020B0609020204030204" charset="0"/>
+                          <a:cs typeface="Consolas" panose="020B0609020204030204" charset="0"/>
+                        </a:rPr>
+                        <a:t>a</a:t>
+                      </a:r>
+                      <a:endParaRPr lang="en-US" altLang="zh-CN" sz="1400" b="1">
+                        <a:latin typeface="Consolas" panose="020B0609020204030204" charset="0"/>
+                        <a:cs typeface="Consolas" panose="020B0609020204030204" charset="0"/>
+                      </a:endParaRPr>
+                    </a:p>
+                  </a:txBody>
+                  <a:tcPr anchor="ctr" anchorCtr="0">
+                    <a:lnL w="12700">
+                      <a:solidFill>
+                        <a:schemeClr val="tx1"/>
+                      </a:solidFill>
+                      <a:prstDash val="solid"/>
+                    </a:lnL>
+                    <a:lnR w="12700">
+                      <a:solidFill>
+                        <a:schemeClr val="tx1"/>
+                      </a:solidFill>
+                      <a:prstDash val="solid"/>
+                    </a:lnR>
+                    <a:lnT w="12700">
+                      <a:solidFill>
+                        <a:schemeClr val="tx1"/>
+                      </a:solidFill>
+                      <a:prstDash val="solid"/>
+                    </a:lnT>
+                    <a:lnB w="12700">
+                      <a:solidFill>
+                        <a:schemeClr val="tx1"/>
+                      </a:solidFill>
+                      <a:prstDash val="solid"/>
+                    </a:lnB>
+                    <a:lnTlToBr>
+                      <a:noFill/>
+                    </a:lnTlToBr>
+                    <a:lnBlToTr>
+                      <a:noFill/>
+                    </a:lnBlToTr>
+                    <a:solidFill>
+                      <a:schemeClr val="accent4">
+                        <a:lumMod val="75000"/>
+                      </a:schemeClr>
+                    </a:solidFill>
+                  </a:tcPr>
+                </a:tc>
+                <a:tc>
+                  <a:txBody>
+                    <a:bodyPr/>
+                    <a:p>
+                      <a:pPr algn="ctr">
+                        <a:buNone/>
+                      </a:pPr>
+                      <a:r>
+                        <a:rPr lang="en-US" altLang="zh-CN" sz="1400" b="1">
+                          <a:latin typeface="Consolas" panose="020B0609020204030204" charset="0"/>
+                          <a:cs typeface="Consolas" panose="020B0609020204030204" charset="0"/>
+                        </a:rPr>
+                        <a:t>c</a:t>
+                      </a:r>
+                      <a:endParaRPr lang="en-US" altLang="zh-CN" sz="1400" b="1">
+                        <a:latin typeface="Consolas" panose="020B0609020204030204" charset="0"/>
+                        <a:cs typeface="Consolas" panose="020B0609020204030204" charset="0"/>
+                      </a:endParaRPr>
+                    </a:p>
+                  </a:txBody>
+                  <a:tcPr anchor="ctr" anchorCtr="0">
+                    <a:lnL w="12700">
+                      <a:solidFill>
+                        <a:schemeClr val="tx1"/>
+                      </a:solidFill>
+                      <a:prstDash val="solid"/>
+                    </a:lnL>
+                    <a:lnR w="12700">
+                      <a:solidFill>
+                        <a:schemeClr val="tx1"/>
+                      </a:solidFill>
+                      <a:prstDash val="solid"/>
+                    </a:lnR>
+                    <a:lnT w="12700">
+                      <a:solidFill>
+                        <a:schemeClr val="tx1"/>
+                      </a:solidFill>
+                      <a:prstDash val="solid"/>
+                    </a:lnT>
+                    <a:lnB w="12700">
+                      <a:solidFill>
+                        <a:schemeClr val="tx1"/>
+                      </a:solidFill>
+                      <a:prstDash val="solid"/>
+                    </a:lnB>
+                    <a:lnTlToBr>
+                      <a:noFill/>
+                    </a:lnTlToBr>
+                    <a:lnBlToTr>
+                      <a:noFill/>
+                    </a:lnBlToTr>
+                    <a:solidFill>
+                      <a:schemeClr val="accent4">
+                        <a:lumMod val="75000"/>
+                      </a:schemeClr>
+                    </a:solidFill>
+                  </a:tcPr>
+                </a:tc>
+              </a:tr>
+              <a:tr h="466725">
+                <a:tc>
+                  <a:txBody>
+                    <a:bodyPr/>
+                    <a:p>
+                      <a:pPr algn="ctr">
+                        <a:buNone/>
+                      </a:pPr>
+                      <a:r>
+                        <a:rPr lang="en-US" altLang="zh-CN" sz="1400" b="1">
+                          <a:latin typeface="Consolas" panose="020B0609020204030204" charset="0"/>
+                          <a:cs typeface="Consolas" panose="020B0609020204030204" charset="0"/>
+                        </a:rPr>
+                        <a:t>next[j]</a:t>
+                      </a:r>
+                      <a:endParaRPr lang="en-US" altLang="zh-CN" sz="1400" b="1">
+                        <a:latin typeface="Consolas" panose="020B0609020204030204" charset="0"/>
+                        <a:cs typeface="Consolas" panose="020B0609020204030204" charset="0"/>
+                      </a:endParaRPr>
+                    </a:p>
+                  </a:txBody>
+                  <a:tcPr anchor="ctr" anchorCtr="0">
+                    <a:lnL w="12700">
+                      <a:solidFill>
+                        <a:schemeClr val="tx1"/>
+                      </a:solidFill>
+                      <a:prstDash val="solid"/>
+                    </a:lnL>
+                    <a:lnR w="12700">
+                      <a:solidFill>
+                        <a:schemeClr val="tx1"/>
+                      </a:solidFill>
+                      <a:prstDash val="solid"/>
+                    </a:lnR>
+                    <a:lnT w="12700">
+                      <a:solidFill>
+                        <a:schemeClr val="tx1"/>
+                      </a:solidFill>
+                      <a:prstDash val="solid"/>
+                    </a:lnT>
+                    <a:lnB w="12700">
+                      <a:solidFill>
+                        <a:schemeClr val="tx1"/>
+                      </a:solidFill>
+                      <a:prstDash val="solid"/>
+                    </a:lnB>
+                    <a:lnTlToBr>
+                      <a:noFill/>
+                    </a:lnTlToBr>
+                    <a:lnBlToTr>
+                      <a:noFill/>
+                    </a:lnBlToTr>
+                    <a:solidFill>
+                      <a:schemeClr val="accent4">
+                        <a:lumMod val="75000"/>
+                      </a:schemeClr>
+                    </a:solidFill>
+                  </a:tcPr>
+                </a:tc>
+                <a:tc>
+                  <a:txBody>
+                    <a:bodyPr/>
+                    <a:p>
+                      <a:pPr algn="ctr">
+                        <a:buNone/>
+                      </a:pPr>
+                      <a:r>
+                        <a:rPr lang="en-US" altLang="zh-CN" sz="1400" b="1">
+                          <a:latin typeface="Consolas" panose="020B0609020204030204" charset="0"/>
+                          <a:cs typeface="Consolas" panose="020B0609020204030204" charset="0"/>
+                        </a:rPr>
+                        <a:t>0</a:t>
+                      </a:r>
+                      <a:endParaRPr lang="en-US" altLang="zh-CN" sz="1400" b="1">
+                        <a:latin typeface="Consolas" panose="020B0609020204030204" charset="0"/>
+                        <a:cs typeface="Consolas" panose="020B0609020204030204" charset="0"/>
+                      </a:endParaRPr>
+                    </a:p>
+                  </a:txBody>
+                  <a:tcPr anchor="ctr" anchorCtr="0">
+                    <a:lnL w="12700">
+                      <a:solidFill>
+                        <a:schemeClr val="tx1"/>
+                      </a:solidFill>
+                      <a:prstDash val="solid"/>
+                    </a:lnL>
+                    <a:lnR w="12700">
+                      <a:solidFill>
+                        <a:schemeClr val="tx1"/>
+                      </a:solidFill>
+                      <a:prstDash val="solid"/>
+                    </a:lnR>
+                    <a:lnT w="12700">
+                      <a:solidFill>
+                        <a:schemeClr val="tx1"/>
+                      </a:solidFill>
+                      <a:prstDash val="solid"/>
+                    </a:lnT>
+                    <a:lnB w="12700">
+                      <a:solidFill>
+                        <a:schemeClr val="tx1"/>
+                      </a:solidFill>
+                      <a:prstDash val="solid"/>
+                    </a:lnB>
+                    <a:lnTlToBr>
+                      <a:noFill/>
+                    </a:lnTlToBr>
+                    <a:lnBlToTr>
+                      <a:noFill/>
+                    </a:lnBlToTr>
+                    <a:solidFill>
+                      <a:schemeClr val="accent2">
+                        <a:lumMod val="40000"/>
+                        <a:lumOff val="60000"/>
+                      </a:schemeClr>
+                    </a:solidFill>
+                  </a:tcPr>
+                </a:tc>
+                <a:tc>
+                  <a:txBody>
+                    <a:bodyPr/>
+                    <a:p>
+                      <a:pPr algn="ctr">
+                        <a:buNone/>
+                      </a:pPr>
+                      <a:r>
+                        <a:rPr lang="en-US" altLang="zh-CN" sz="1400" b="1">
+                          <a:latin typeface="Consolas" panose="020B0609020204030204" charset="0"/>
+                          <a:cs typeface="Consolas" panose="020B0609020204030204" charset="0"/>
+                        </a:rPr>
+                        <a:t>1</a:t>
+                      </a:r>
+                      <a:endParaRPr lang="en-US" altLang="zh-CN" sz="1400" b="1">
+                        <a:latin typeface="Consolas" panose="020B0609020204030204" charset="0"/>
+                        <a:cs typeface="Consolas" panose="020B0609020204030204" charset="0"/>
+                      </a:endParaRPr>
+                    </a:p>
+                  </a:txBody>
+                  <a:tcPr anchor="ctr" anchorCtr="0">
+                    <a:lnL w="12700">
+                      <a:solidFill>
+                        <a:schemeClr val="tx1"/>
+                      </a:solidFill>
+                      <a:prstDash val="solid"/>
+                    </a:lnL>
+                    <a:lnR w="12700">
+                      <a:solidFill>
+                        <a:schemeClr val="tx1"/>
+                      </a:solidFill>
+                      <a:prstDash val="solid"/>
+                    </a:lnR>
+                    <a:lnT w="12700">
+                      <a:solidFill>
+                        <a:schemeClr val="tx1"/>
+                      </a:solidFill>
+                      <a:prstDash val="solid"/>
+                    </a:lnT>
+                    <a:lnB w="12700">
+                      <a:solidFill>
+                        <a:schemeClr val="tx1"/>
+                      </a:solidFill>
+                      <a:prstDash val="solid"/>
+                    </a:lnB>
+                    <a:lnTlToBr>
+                      <a:noFill/>
+                    </a:lnTlToBr>
+                    <a:lnBlToTr>
+                      <a:noFill/>
+                    </a:lnBlToTr>
+                    <a:solidFill>
+                      <a:schemeClr val="accent2">
+                        <a:lumMod val="40000"/>
+                        <a:lumOff val="60000"/>
+                      </a:schemeClr>
+                    </a:solidFill>
+                  </a:tcPr>
+                </a:tc>
+                <a:tc>
+                  <a:txBody>
+                    <a:bodyPr/>
+                    <a:p>
+                      <a:pPr algn="ctr">
+                        <a:buNone/>
+                      </a:pPr>
+                      <a:r>
+                        <a:rPr lang="en-US" altLang="zh-CN" sz="1400" b="1">
+                          <a:latin typeface="Consolas" panose="020B0609020204030204" charset="0"/>
+                          <a:cs typeface="Consolas" panose="020B0609020204030204" charset="0"/>
+                        </a:rPr>
+                        <a:t>2</a:t>
+                      </a:r>
+                      <a:endParaRPr lang="en-US" altLang="zh-CN" sz="1400" b="1">
+                        <a:latin typeface="Consolas" panose="020B0609020204030204" charset="0"/>
+                        <a:cs typeface="Consolas" panose="020B0609020204030204" charset="0"/>
+                      </a:endParaRPr>
+                    </a:p>
+                  </a:txBody>
+                  <a:tcPr anchor="ctr" anchorCtr="0">
+                    <a:lnL w="12700">
+                      <a:solidFill>
+                        <a:schemeClr val="tx1"/>
+                      </a:solidFill>
+                      <a:prstDash val="solid"/>
+                    </a:lnL>
+                    <a:lnR w="12700">
+                      <a:solidFill>
+                        <a:schemeClr val="tx1"/>
+                      </a:solidFill>
+                      <a:prstDash val="solid"/>
+                    </a:lnR>
+                    <a:lnT w="12700">
+                      <a:solidFill>
+                        <a:schemeClr val="tx1"/>
+                      </a:solidFill>
+                      <a:prstDash val="solid"/>
+                    </a:lnT>
+                    <a:lnB w="12700">
+                      <a:solidFill>
+                        <a:schemeClr val="tx1"/>
+                      </a:solidFill>
+                      <a:prstDash val="solid"/>
+                    </a:lnB>
+                    <a:lnTlToBr>
+                      <a:noFill/>
+                    </a:lnTlToBr>
+                    <a:lnBlToTr>
+                      <a:noFill/>
+                    </a:lnBlToTr>
+                    <a:solidFill>
+                      <a:schemeClr val="accent4">
+                        <a:lumMod val="75000"/>
+                      </a:schemeClr>
+                    </a:solidFill>
+                  </a:tcPr>
+                </a:tc>
+                <a:tc>
+                  <a:txBody>
+                    <a:bodyPr/>
+                    <a:p>
+                      <a:pPr algn="ctr">
+                        <a:buNone/>
+                      </a:pPr>
+                      <a:r>
+                        <a:rPr lang="en-US" altLang="zh-CN" sz="1400" b="1">
+                          <a:latin typeface="Consolas" panose="020B0609020204030204" charset="0"/>
+                          <a:cs typeface="Consolas" panose="020B0609020204030204" charset="0"/>
+                        </a:rPr>
+                        <a:t>1</a:t>
+                      </a:r>
+                      <a:endParaRPr lang="en-US" altLang="zh-CN" sz="1400" b="1">
+                        <a:latin typeface="Consolas" panose="020B0609020204030204" charset="0"/>
+                        <a:cs typeface="Consolas" panose="020B0609020204030204" charset="0"/>
+                      </a:endParaRPr>
+                    </a:p>
+                  </a:txBody>
+                  <a:tcPr anchor="ctr" anchorCtr="0">
+                    <a:lnL w="12700">
+                      <a:solidFill>
+                        <a:schemeClr val="tx1"/>
+                      </a:solidFill>
+                      <a:prstDash val="solid"/>
+                    </a:lnL>
+                    <a:lnR w="12700">
+                      <a:solidFill>
+                        <a:schemeClr val="tx1"/>
+                      </a:solidFill>
+                      <a:prstDash val="solid"/>
+                    </a:lnR>
+                    <a:lnT w="12700">
+                      <a:solidFill>
+                        <a:schemeClr val="tx1"/>
+                      </a:solidFill>
+                      <a:prstDash val="solid"/>
+                    </a:lnT>
+                    <a:lnB w="12700">
+                      <a:solidFill>
+                        <a:schemeClr val="tx1"/>
+                      </a:solidFill>
+                      <a:prstDash val="solid"/>
+                    </a:lnB>
+                    <a:lnTlToBr>
+                      <a:noFill/>
+                    </a:lnTlToBr>
+                    <a:lnBlToTr>
+                      <a:noFill/>
+                    </a:lnBlToTr>
+                    <a:solidFill>
+                      <a:schemeClr val="accent4">
+                        <a:lumMod val="75000"/>
+                      </a:schemeClr>
+                    </a:solidFill>
+                  </a:tcPr>
+                </a:tc>
+                <a:tc>
+                  <a:txBody>
+                    <a:bodyPr/>
+                    <a:p>
+                      <a:pPr algn="ctr">
+                        <a:buNone/>
+                      </a:pPr>
+                      <a:r>
+                        <a:rPr lang="en-US" altLang="zh-CN" sz="1400" b="1">
+                          <a:latin typeface="Consolas" panose="020B0609020204030204" charset="0"/>
+                          <a:cs typeface="Consolas" panose="020B0609020204030204" charset="0"/>
+                        </a:rPr>
+                        <a:t>2</a:t>
+                      </a:r>
+                      <a:endParaRPr lang="en-US" altLang="zh-CN" sz="1400" b="1">
+                        <a:latin typeface="Consolas" panose="020B0609020204030204" charset="0"/>
+                        <a:cs typeface="Consolas" panose="020B0609020204030204" charset="0"/>
+                      </a:endParaRPr>
+                    </a:p>
+                  </a:txBody>
+                  <a:tcPr anchor="ctr" anchorCtr="0">
+                    <a:lnL w="12700">
+                      <a:solidFill>
+                        <a:schemeClr val="tx1"/>
+                      </a:solidFill>
+                      <a:prstDash val="solid"/>
+                    </a:lnL>
+                    <a:lnR w="12700">
+                      <a:solidFill>
+                        <a:schemeClr val="tx1"/>
+                      </a:solidFill>
+                      <a:prstDash val="solid"/>
+                    </a:lnR>
+                    <a:lnT w="12700">
+                      <a:solidFill>
+                        <a:schemeClr val="tx1"/>
+                      </a:solidFill>
+                      <a:prstDash val="solid"/>
+                    </a:lnT>
+                    <a:lnB w="12700">
+                      <a:solidFill>
+                        <a:schemeClr val="tx1"/>
+                      </a:solidFill>
+                      <a:prstDash val="solid"/>
+                    </a:lnB>
+                    <a:lnTlToBr>
+                      <a:noFill/>
+                    </a:lnTlToBr>
+                    <a:lnBlToTr>
+                      <a:noFill/>
+                    </a:lnBlToTr>
+                    <a:solidFill>
+                      <a:schemeClr val="accent4">
+                        <a:lumMod val="75000"/>
+                      </a:schemeClr>
+                    </a:solidFill>
+                  </a:tcPr>
+                </a:tc>
+                <a:tc>
+                  <a:txBody>
+                    <a:bodyPr/>
+                    <a:p>
+                      <a:pPr algn="ctr">
+                        <a:buNone/>
+                      </a:pPr>
+                      <a:r>
+                        <a:rPr lang="en-US" altLang="zh-CN" sz="1400" b="1">
+                          <a:latin typeface="Consolas" panose="020B0609020204030204" charset="0"/>
+                          <a:cs typeface="Consolas" panose="020B0609020204030204" charset="0"/>
+                        </a:rPr>
+                        <a:t>3</a:t>
+                      </a:r>
+                      <a:endParaRPr lang="en-US" altLang="zh-CN" sz="1400" b="1">
+                        <a:latin typeface="Consolas" panose="020B0609020204030204" charset="0"/>
+                        <a:cs typeface="Consolas" panose="020B0609020204030204" charset="0"/>
+                      </a:endParaRPr>
+                    </a:p>
+                  </a:txBody>
+                  <a:tcPr anchor="ctr" anchorCtr="0">
+                    <a:lnL w="12700">
+                      <a:solidFill>
+                        <a:schemeClr val="tx1"/>
+                      </a:solidFill>
+                      <a:prstDash val="solid"/>
+                    </a:lnL>
+                    <a:lnR w="12700">
+                      <a:solidFill>
+                        <a:schemeClr val="tx1"/>
+                      </a:solidFill>
+                      <a:prstDash val="solid"/>
+                    </a:lnR>
+                    <a:lnT w="12700">
+                      <a:solidFill>
+                        <a:schemeClr val="tx1"/>
+                      </a:solidFill>
+                      <a:prstDash val="solid"/>
+                    </a:lnT>
+                    <a:lnB w="12700">
+                      <a:solidFill>
+                        <a:schemeClr val="tx1"/>
+                      </a:solidFill>
+                      <a:prstDash val="solid"/>
+                    </a:lnB>
+                    <a:lnTlToBr>
+                      <a:noFill/>
+                    </a:lnTlToBr>
+                    <a:lnBlToTr>
+                      <a:noFill/>
+                    </a:lnBlToTr>
+                    <a:solidFill>
+                      <a:schemeClr val="accent4">
+                        <a:lumMod val="75000"/>
+                      </a:schemeClr>
+                    </a:solidFill>
+                  </a:tcPr>
+                </a:tc>
+              </a:tr>
+            </a:tbl>
+          </a:graphicData>
+        </a:graphic>
+      </p:graphicFrame>
+      <p:grpSp>
+        <p:nvGrpSpPr>
+          <p:cNvPr id="36" name="组合 35"/>
+          <p:cNvGrpSpPr/>
+          <p:nvPr/>
+        </p:nvGrpSpPr>
+        <p:grpSpPr>
+          <a:xfrm>
+            <a:off x="1100455" y="2226310"/>
+            <a:ext cx="10011410" cy="4192905"/>
+            <a:chOff x="510" y="5530"/>
+            <a:chExt cx="15766" cy="6603"/>
+          </a:xfrm>
+        </p:grpSpPr>
+        <p:grpSp>
+          <p:nvGrpSpPr>
+            <p:cNvPr id="34" name="组合 33"/>
+            <p:cNvGrpSpPr/>
+            <p:nvPr/>
+          </p:nvGrpSpPr>
+          <p:grpSpPr>
+            <a:xfrm>
+              <a:off x="510" y="7309"/>
+              <a:ext cx="7295" cy="3550"/>
+              <a:chOff x="378" y="6577"/>
+              <a:chExt cx="7295" cy="3550"/>
+            </a:xfrm>
+          </p:grpSpPr>
+          <p:grpSp>
+            <p:nvGrpSpPr>
+              <p:cNvPr id="33" name="组合 32"/>
+              <p:cNvGrpSpPr/>
+              <p:nvPr/>
+            </p:nvGrpSpPr>
+            <p:grpSpPr>
+              <a:xfrm>
+                <a:off x="378" y="6577"/>
+                <a:ext cx="7295" cy="3197"/>
+                <a:chOff x="378" y="6577"/>
+                <a:chExt cx="7295" cy="3197"/>
+              </a:xfrm>
+            </p:grpSpPr>
+            <p:sp>
+              <p:nvSpPr>
+                <p:cNvPr id="19" name="文本框 18"/>
+                <p:cNvSpPr txBox="1"/>
+                <p:nvPr>
+                  <p:custDataLst>
+                    <p:tags r:id="rId2"/>
+                  </p:custDataLst>
+                </p:nvPr>
+              </p:nvSpPr>
+              <p:spPr>
+                <a:xfrm>
+                  <a:off x="378" y="6577"/>
+                  <a:ext cx="7295" cy="3197"/>
+                </a:xfrm>
+                <a:prstGeom prst="rect">
+                  <a:avLst/>
+                </a:prstGeom>
+                <a:noFill/>
+              </p:spPr>
+              <p:txBody>
+                <a:bodyPr wrap="square" rtlCol="0">
+                  <a:spAutoFit/>
+                </a:bodyPr>
+                <a:p>
+                  <a:r>
+                    <a:rPr lang="zh-CN" altLang="en-US" b="1">
+                      <a:solidFill>
+                        <a:srgbClr val="FF0000"/>
+                      </a:solidFill>
+                      <a:latin typeface="Consolas" panose="020B0609020204030204" charset="0"/>
+                      <a:cs typeface="Consolas" panose="020B0609020204030204" charset="0"/>
+                    </a:rPr>
+                    <a:t>主串</a:t>
+                  </a:r>
+                  <a:r>
+                    <a:rPr lang="en-US" altLang="zh-CN" b="1">
+                      <a:solidFill>
+                        <a:srgbClr val="FF0000"/>
+                      </a:solidFill>
+                      <a:latin typeface="Consolas" panose="020B0609020204030204" charset="0"/>
+                      <a:cs typeface="Consolas" panose="020B0609020204030204" charset="0"/>
+                    </a:rPr>
+                    <a:t>:       </a:t>
+                  </a:r>
+                  <a:r>
+                    <a:rPr lang="en-US" altLang="zh-CN" b="1">
+                      <a:solidFill>
+                        <a:schemeClr val="tx2">
+                          <a:lumMod val="25000"/>
+                          <a:lumOff val="75000"/>
+                        </a:schemeClr>
+                      </a:solidFill>
+                      <a:latin typeface="Consolas" panose="020B0609020204030204" charset="0"/>
+                      <a:cs typeface="Consolas" panose="020B0609020204030204" charset="0"/>
+                    </a:rPr>
+                    <a:t>!!!</a:t>
+                  </a:r>
+                  <a:r>
+                    <a:rPr lang="en-US" altLang="zh-CN" b="1">
+                      <a:solidFill>
+                        <a:srgbClr val="FF0000"/>
+                      </a:solidFill>
+                      <a:latin typeface="Consolas" panose="020B0609020204030204" charset="0"/>
+                      <a:cs typeface="Consolas" panose="020B0609020204030204" charset="0"/>
+                    </a:rPr>
+                    <a:t>a</a:t>
+                  </a:r>
+                  <a:r>
+                    <a:rPr lang="en-US" altLang="zh-CN" b="1">
+                      <a:solidFill>
+                        <a:srgbClr val="00B050"/>
+                      </a:solidFill>
+                      <a:latin typeface="Consolas" panose="020B0609020204030204" charset="0"/>
+                      <a:cs typeface="Consolas" panose="020B0609020204030204" charset="0"/>
+                    </a:rPr>
+                    <a:t>a</a:t>
+                  </a:r>
+                  <a:r>
+                    <a:rPr lang="en-US" altLang="zh-CN" b="1">
+                      <a:solidFill>
+                        <a:schemeClr val="accent6">
+                          <a:lumMod val="60000"/>
+                          <a:lumOff val="40000"/>
+                        </a:schemeClr>
+                      </a:solidFill>
+                      <a:latin typeface="Consolas" panose="020B0609020204030204" charset="0"/>
+                      <a:cs typeface="Consolas" panose="020B0609020204030204" charset="0"/>
+                    </a:rPr>
+                    <a:t>?????</a:t>
+                  </a:r>
+                  <a:endParaRPr lang="en-US" altLang="zh-CN" b="1">
+                    <a:solidFill>
+                      <a:srgbClr val="FF0000"/>
+                    </a:solidFill>
+                    <a:latin typeface="Consolas" panose="020B0609020204030204" charset="0"/>
+                    <a:cs typeface="Consolas" panose="020B0609020204030204" charset="0"/>
+                  </a:endParaRPr>
+                </a:p>
+                <a:p>
+                  <a:endParaRPr lang="en-US" altLang="zh-CN" b="1">
+                    <a:solidFill>
+                      <a:srgbClr val="FF0000"/>
+                    </a:solidFill>
+                    <a:latin typeface="Consolas" panose="020B0609020204030204" charset="0"/>
+                    <a:cs typeface="Consolas" panose="020B0609020204030204" charset="0"/>
+                  </a:endParaRPr>
+                </a:p>
+                <a:p>
+                  <a:r>
+                    <a:rPr lang="zh-CN" altLang="en-US" b="1">
+                      <a:solidFill>
+                        <a:srgbClr val="FF0000"/>
+                      </a:solidFill>
+                      <a:latin typeface="Consolas" panose="020B0609020204030204" charset="0"/>
+                      <a:cs typeface="Consolas" panose="020B0609020204030204" charset="0"/>
+                    </a:rPr>
+                    <a:t>模式串</a:t>
+                  </a:r>
+                  <a:r>
+                    <a:rPr lang="en-US" altLang="zh-CN" b="1">
+                      <a:solidFill>
+                        <a:srgbClr val="FF0000"/>
+                      </a:solidFill>
+                      <a:latin typeface="Consolas" panose="020B0609020204030204" charset="0"/>
+                      <a:cs typeface="Consolas" panose="020B0609020204030204" charset="0"/>
+                    </a:rPr>
+                    <a:t>:        aab</a:t>
+                  </a:r>
+                  <a:endParaRPr lang="en-US" altLang="zh-CN" b="1">
+                    <a:solidFill>
+                      <a:srgbClr val="FF0000"/>
+                    </a:solidFill>
+                    <a:latin typeface="Consolas" panose="020B0609020204030204" charset="0"/>
+                    <a:cs typeface="Consolas" panose="020B0609020204030204" charset="0"/>
+                  </a:endParaRPr>
+                </a:p>
+                <a:p>
+                  <a:endParaRPr lang="en-US" altLang="zh-CN" b="1">
+                    <a:solidFill>
+                      <a:srgbClr val="FF0000"/>
+                    </a:solidFill>
+                    <a:latin typeface="Consolas" panose="020B0609020204030204" charset="0"/>
+                    <a:cs typeface="Consolas" panose="020B0609020204030204" charset="0"/>
+                  </a:endParaRPr>
+                </a:p>
+                <a:p>
+                  <a:r>
+                    <a:rPr lang="zh-CN" altLang="en-US" b="1">
+                      <a:solidFill>
+                        <a:srgbClr val="FF0000"/>
+                      </a:solidFill>
+                      <a:latin typeface="Consolas" panose="020B0609020204030204" charset="0"/>
+                      <a:cs typeface="Consolas" panose="020B0609020204030204" charset="0"/>
+                    </a:rPr>
+                    <a:t>第一次后移操作</a:t>
+                  </a:r>
+                  <a:r>
+                    <a:rPr lang="en-US" altLang="zh-CN" b="1">
+                      <a:solidFill>
+                        <a:srgbClr val="FF0000"/>
+                      </a:solidFill>
+                      <a:latin typeface="Consolas" panose="020B0609020204030204" charset="0"/>
+                      <a:cs typeface="Consolas" panose="020B0609020204030204" charset="0"/>
+                    </a:rPr>
+                    <a:t>:  </a:t>
+                  </a:r>
+                  <a:r>
+                    <a:rPr lang="en-US" altLang="zh-CN" b="1">
+                      <a:solidFill>
+                        <a:srgbClr val="00B050"/>
+                      </a:solidFill>
+                      <a:latin typeface="Consolas" panose="020B0609020204030204" charset="0"/>
+                      <a:cs typeface="Consolas" panose="020B0609020204030204" charset="0"/>
+                    </a:rPr>
+                    <a:t>a</a:t>
+                  </a:r>
+                  <a:r>
+                    <a:rPr lang="en-US" altLang="zh-CN" b="1">
+                      <a:solidFill>
+                        <a:srgbClr val="FF0000"/>
+                      </a:solidFill>
+                      <a:latin typeface="Consolas" panose="020B0609020204030204" charset="0"/>
+                      <a:cs typeface="Consolas" panose="020B0609020204030204" charset="0"/>
+                    </a:rPr>
+                    <a:t>ab</a:t>
+                  </a:r>
+                  <a:endParaRPr lang="en-US" altLang="zh-CN" b="1">
+                    <a:solidFill>
+                      <a:srgbClr val="FF0000"/>
+                    </a:solidFill>
+                    <a:latin typeface="Consolas" panose="020B0609020204030204" charset="0"/>
+                    <a:cs typeface="Consolas" panose="020B0609020204030204" charset="0"/>
+                  </a:endParaRPr>
+                </a:p>
+                <a:p>
+                  <a:endParaRPr lang="en-US" altLang="zh-CN" b="1">
+                    <a:solidFill>
+                      <a:srgbClr val="FF0000"/>
+                    </a:solidFill>
+                    <a:latin typeface="Consolas" panose="020B0609020204030204" charset="0"/>
+                    <a:cs typeface="Consolas" panose="020B0609020204030204" charset="0"/>
+                  </a:endParaRPr>
+                </a:p>
+                <a:p>
+                  <a:endParaRPr lang="zh-CN" altLang="en-US" b="1">
+                    <a:solidFill>
+                      <a:srgbClr val="FF0000"/>
+                    </a:solidFill>
+                    <a:latin typeface="Consolas" panose="020B0609020204030204" charset="0"/>
+                    <a:cs typeface="Consolas" panose="020B0609020204030204" charset="0"/>
+                  </a:endParaRPr>
+                </a:p>
+              </p:txBody>
+            </p:sp>
+            <p:cxnSp>
+              <p:nvCxnSpPr>
+                <p:cNvPr id="20" name="直接连接符 19"/>
+                <p:cNvCxnSpPr/>
+                <p:nvPr>
+                  <p:custDataLst>
+                    <p:tags r:id="rId3"/>
+                  </p:custDataLst>
+                </p:nvPr>
+              </p:nvCxnSpPr>
+              <p:spPr>
+                <a:xfrm flipH="1" flipV="1">
+                  <a:off x="3797" y="6577"/>
+                  <a:ext cx="30" cy="2384"/>
+                </a:xfrm>
+                <a:prstGeom prst="line">
+                  <a:avLst/>
+                </a:prstGeom>
+                <a:ln w="19050" cmpd="sng">
+                  <a:solidFill>
+                    <a:srgbClr val="7030A0"/>
+                  </a:solidFill>
+                  <a:prstDash val="solid"/>
+                </a:ln>
+              </p:spPr>
+              <p:style>
+                <a:lnRef idx="1">
+                  <a:schemeClr val="accent1"/>
+                </a:lnRef>
+                <a:fillRef idx="0">
+                  <a:schemeClr val="accent1"/>
+                </a:fillRef>
+                <a:effectRef idx="0">
+                  <a:schemeClr val="accent1"/>
+                </a:effectRef>
+                <a:fontRef idx="minor">
+                  <a:schemeClr val="tx1"/>
+                </a:fontRef>
+              </p:style>
+            </p:cxnSp>
+          </p:grpSp>
+          <p:cxnSp>
+            <p:nvCxnSpPr>
+              <p:cNvPr id="25" name="直接箭头连接符 24"/>
+              <p:cNvCxnSpPr/>
+              <p:nvPr>
+                <p:custDataLst>
+                  <p:tags r:id="rId4"/>
+                </p:custDataLst>
+              </p:nvPr>
+            </p:nvCxnSpPr>
+            <p:spPr>
+              <a:xfrm flipH="1" flipV="1">
+                <a:off x="3926" y="8852"/>
+                <a:ext cx="97" cy="695"/>
+              </a:xfrm>
+              <a:prstGeom prst="straightConnector1">
+                <a:avLst/>
+              </a:prstGeom>
+              <a:ln w="31750">
+                <a:solidFill>
+                  <a:schemeClr val="tx2"/>
+                </a:solidFill>
+                <a:tailEnd type="arrow"/>
+              </a:ln>
+            </p:spPr>
+            <p:style>
+              <a:lnRef idx="1">
+                <a:schemeClr val="accent1"/>
+              </a:lnRef>
+              <a:fillRef idx="0">
+                <a:schemeClr val="accent1"/>
+              </a:fillRef>
+              <a:effectRef idx="0">
+                <a:schemeClr val="accent1"/>
+              </a:effectRef>
+              <a:fontRef idx="minor">
+                <a:schemeClr val="tx1"/>
+              </a:fontRef>
+            </p:style>
+          </p:cxnSp>
+          <p:sp>
+            <p:nvSpPr>
+              <p:cNvPr id="26" name="文本框 25"/>
+              <p:cNvSpPr txBox="1"/>
+              <p:nvPr>
+                <p:custDataLst>
+                  <p:tags r:id="rId5"/>
+                </p:custDataLst>
+              </p:nvPr>
+            </p:nvSpPr>
+            <p:spPr>
+              <a:xfrm>
+                <a:off x="3531" y="9547"/>
+                <a:ext cx="1241" cy="580"/>
+              </a:xfrm>
+              <a:prstGeom prst="rect">
+                <a:avLst/>
+              </a:prstGeom>
+              <a:noFill/>
+            </p:spPr>
+            <p:txBody>
+              <a:bodyPr wrap="square" rtlCol="0">
+                <a:spAutoFit/>
+              </a:bodyPr>
+              <a:p>
+                <a:r>
+                  <a:rPr lang="en-US" altLang="zh-CN" b="1">
+                    <a:latin typeface="Consolas" panose="020B0609020204030204" charset="0"/>
+                    <a:cs typeface="Consolas" panose="020B0609020204030204" charset="0"/>
+                  </a:rPr>
+                  <a:t>j=2</a:t>
+                </a:r>
+                <a:endParaRPr lang="zh-CN" altLang="en-US" b="1">
+                  <a:latin typeface="Consolas" panose="020B0609020204030204" charset="0"/>
+                  <a:cs typeface="Consolas" panose="020B0609020204030204" charset="0"/>
+                </a:endParaRPr>
+              </a:p>
+            </p:txBody>
+          </p:sp>
+        </p:grpSp>
+        <p:grpSp>
+          <p:nvGrpSpPr>
+            <p:cNvPr id="35" name="组合 34"/>
+            <p:cNvGrpSpPr/>
+            <p:nvPr/>
+          </p:nvGrpSpPr>
+          <p:grpSpPr>
+            <a:xfrm>
+              <a:off x="510" y="5530"/>
+              <a:ext cx="15766" cy="6603"/>
+              <a:chOff x="510" y="5530"/>
+              <a:chExt cx="15766" cy="6603"/>
+            </a:xfrm>
+          </p:grpSpPr>
+          <p:sp>
+            <p:nvSpPr>
+              <p:cNvPr id="18" name="文本框 17"/>
+              <p:cNvSpPr txBox="1"/>
+              <p:nvPr>
+                <p:custDataLst>
+                  <p:tags r:id="rId6"/>
+                </p:custDataLst>
+              </p:nvPr>
+            </p:nvSpPr>
+            <p:spPr>
+              <a:xfrm>
+                <a:off x="510" y="5530"/>
+                <a:ext cx="6407" cy="1895"/>
+              </a:xfrm>
+              <a:prstGeom prst="rect">
+                <a:avLst/>
+              </a:prstGeom>
+              <a:noFill/>
+            </p:spPr>
+            <p:txBody>
+              <a:bodyPr wrap="square" rtlCol="0">
+                <a:noAutofit/>
+              </a:bodyPr>
+              <a:p>
+                <a:r>
+                  <a:rPr lang="zh-CN" altLang="en-US" b="1">
+                    <a:latin typeface="Consolas" panose="020B0609020204030204" charset="0"/>
+                    <a:cs typeface="Consolas" panose="020B0609020204030204" charset="0"/>
+                  </a:rPr>
+                  <a:t>求</a:t>
+                </a:r>
+                <a:r>
+                  <a:rPr lang="en-US" altLang="zh-CN" b="1">
+                    <a:latin typeface="Consolas" panose="020B0609020204030204" charset="0"/>
+                    <a:cs typeface="Consolas" panose="020B0609020204030204" charset="0"/>
+                  </a:rPr>
+                  <a:t>next</a:t>
+                </a:r>
+                <a:r>
+                  <a:rPr lang="zh-CN" altLang="en-US" b="1">
+                    <a:latin typeface="Consolas" panose="020B0609020204030204" charset="0"/>
+                    <a:cs typeface="Consolas" panose="020B0609020204030204" charset="0"/>
+                  </a:rPr>
+                  <a:t>过程</a:t>
+                </a:r>
+                <a:endParaRPr lang="zh-CN" altLang="en-US" b="1">
+                  <a:latin typeface="Consolas" panose="020B0609020204030204" charset="0"/>
+                  <a:cs typeface="Consolas" panose="020B0609020204030204" charset="0"/>
+                </a:endParaRPr>
+              </a:p>
+              <a:p>
+                <a:r>
+                  <a:rPr lang="zh-CN" altLang="en-US" b="1">
+                    <a:latin typeface="Consolas" panose="020B0609020204030204" charset="0"/>
+                    <a:cs typeface="Consolas" panose="020B0609020204030204" charset="0"/>
+                    <a:sym typeface="+mn-ea"/>
+                  </a:rPr>
+                  <a:t>当</a:t>
+                </a:r>
+                <a:r>
+                  <a:rPr lang="en-US" altLang="zh-CN" b="1">
+                    <a:latin typeface="Consolas" panose="020B0609020204030204" charset="0"/>
+                    <a:cs typeface="Consolas" panose="020B0609020204030204" charset="0"/>
+                    <a:sym typeface="+mn-ea"/>
+                  </a:rPr>
+                  <a:t>j=1</a:t>
+                </a:r>
+                <a:r>
+                  <a:rPr lang="zh-CN" altLang="en-US" b="1">
+                    <a:latin typeface="Consolas" panose="020B0609020204030204" charset="0"/>
+                    <a:cs typeface="Consolas" panose="020B0609020204030204" charset="0"/>
+                    <a:sym typeface="+mn-ea"/>
+                  </a:rPr>
+                  <a:t>时</a:t>
+                </a:r>
+                <a:r>
+                  <a:rPr lang="en-US" altLang="zh-CN" b="1">
+                    <a:latin typeface="Consolas" panose="020B0609020204030204" charset="0"/>
+                    <a:cs typeface="Consolas" panose="020B0609020204030204" charset="0"/>
+                    <a:sym typeface="+mn-ea"/>
+                  </a:rPr>
+                  <a:t>,next[1]=0;</a:t>
+                </a:r>
+                <a:endParaRPr lang="en-US" altLang="zh-CN" b="1">
+                  <a:latin typeface="Consolas" panose="020B0609020204030204" charset="0"/>
+                  <a:cs typeface="Consolas" panose="020B0609020204030204" charset="0"/>
+                </a:endParaRPr>
+              </a:p>
+              <a:p>
+                <a:r>
+                  <a:rPr lang="zh-CN" altLang="en-US" b="1">
+                    <a:latin typeface="Consolas" panose="020B0609020204030204" charset="0"/>
+                    <a:cs typeface="Consolas" panose="020B0609020204030204" charset="0"/>
+                    <a:sym typeface="+mn-ea"/>
+                  </a:rPr>
+                  <a:t>当</a:t>
+                </a:r>
+                <a:r>
+                  <a:rPr lang="en-US" altLang="zh-CN" b="1">
+                    <a:latin typeface="Consolas" panose="020B0609020204030204" charset="0"/>
+                    <a:cs typeface="Consolas" panose="020B0609020204030204" charset="0"/>
+                    <a:sym typeface="+mn-ea"/>
+                  </a:rPr>
+                  <a:t>j=2</a:t>
+                </a:r>
+                <a:r>
+                  <a:rPr lang="zh-CN" altLang="en-US" b="1">
+                    <a:latin typeface="Consolas" panose="020B0609020204030204" charset="0"/>
+                    <a:cs typeface="Consolas" panose="020B0609020204030204" charset="0"/>
+                    <a:sym typeface="+mn-ea"/>
+                  </a:rPr>
+                  <a:t>时</a:t>
+                </a:r>
+                <a:r>
+                  <a:rPr lang="en-US" altLang="zh-CN" b="1">
+                    <a:latin typeface="Consolas" panose="020B0609020204030204" charset="0"/>
+                    <a:cs typeface="Consolas" panose="020B0609020204030204" charset="0"/>
+                    <a:sym typeface="+mn-ea"/>
+                  </a:rPr>
+                  <a:t>,next[2]=1;</a:t>
+                </a:r>
+                <a:endParaRPr lang="en-US" altLang="zh-CN" b="1">
+                  <a:latin typeface="Consolas" panose="020B0609020204030204" charset="0"/>
+                  <a:cs typeface="Consolas" panose="020B0609020204030204" charset="0"/>
+                </a:endParaRPr>
+              </a:p>
+              <a:p>
+                <a:r>
+                  <a:rPr lang="zh-CN" altLang="en-US" b="1">
+                    <a:latin typeface="Consolas" panose="020B0609020204030204" charset="0"/>
+                    <a:cs typeface="Consolas" panose="020B0609020204030204" charset="0"/>
+                    <a:sym typeface="+mn-ea"/>
+                  </a:rPr>
+                  <a:t>当</a:t>
+                </a:r>
+                <a:r>
+                  <a:rPr lang="en-US" altLang="zh-CN" b="1">
+                    <a:latin typeface="Consolas" panose="020B0609020204030204" charset="0"/>
+                    <a:cs typeface="Consolas" panose="020B0609020204030204" charset="0"/>
+                    <a:sym typeface="+mn-ea"/>
+                  </a:rPr>
+                  <a:t>j=3</a:t>
+                </a:r>
+                <a:r>
+                  <a:rPr lang="zh-CN" altLang="en-US" b="1">
+                    <a:latin typeface="Consolas" panose="020B0609020204030204" charset="0"/>
+                    <a:cs typeface="Consolas" panose="020B0609020204030204" charset="0"/>
+                    <a:sym typeface="+mn-ea"/>
+                  </a:rPr>
+                  <a:t>时</a:t>
+                </a:r>
+                <a:r>
+                  <a:rPr lang="en-US" altLang="zh-CN" b="1">
+                    <a:latin typeface="Consolas" panose="020B0609020204030204" charset="0"/>
+                    <a:cs typeface="Consolas" panose="020B0609020204030204" charset="0"/>
+                    <a:sym typeface="+mn-ea"/>
+                  </a:rPr>
+                  <a:t>,next[3]=2;</a:t>
+                </a:r>
+                <a:endParaRPr lang="zh-CN" altLang="en-US" b="1">
+                  <a:latin typeface="Consolas" panose="020B0609020204030204" charset="0"/>
+                  <a:cs typeface="Consolas" panose="020B0609020204030204" charset="0"/>
+                </a:endParaRPr>
+              </a:p>
+            </p:txBody>
+          </p:sp>
+          <p:grpSp>
+            <p:nvGrpSpPr>
+              <p:cNvPr id="29" name="组合 28"/>
+              <p:cNvGrpSpPr/>
+              <p:nvPr/>
+            </p:nvGrpSpPr>
+            <p:grpSpPr>
+              <a:xfrm>
+                <a:off x="9095" y="5863"/>
+                <a:ext cx="7181" cy="6270"/>
+                <a:chOff x="7673" y="5863"/>
+                <a:chExt cx="7181" cy="6270"/>
+              </a:xfrm>
+            </p:grpSpPr>
+            <p:sp>
+              <p:nvSpPr>
+                <p:cNvPr id="21" name="文本框 20"/>
+                <p:cNvSpPr txBox="1"/>
+                <p:nvPr>
+                  <p:custDataLst>
+                    <p:tags r:id="rId7"/>
+                  </p:custDataLst>
+                </p:nvPr>
+              </p:nvSpPr>
+              <p:spPr>
+                <a:xfrm>
+                  <a:off x="7673" y="5863"/>
+                  <a:ext cx="6557" cy="580"/>
+                </a:xfrm>
+                <a:prstGeom prst="rect">
+                  <a:avLst/>
+                </a:prstGeom>
+                <a:noFill/>
+              </p:spPr>
+              <p:txBody>
+                <a:bodyPr wrap="square" rtlCol="0" anchor="t">
+                  <a:spAutoFit/>
+                </a:bodyPr>
+                <a:p>
+                  <a:r>
+                    <a:rPr lang="zh-CN" altLang="en-US" b="1">
+                      <a:latin typeface="Consolas" panose="020B0609020204030204" charset="0"/>
+                      <a:cs typeface="Consolas" panose="020B0609020204030204" charset="0"/>
+                      <a:sym typeface="+mn-ea"/>
+                    </a:rPr>
+                    <a:t>当</a:t>
+                  </a:r>
+                  <a:r>
+                    <a:rPr lang="en-US" altLang="zh-CN" b="1">
+                      <a:latin typeface="Consolas" panose="020B0609020204030204" charset="0"/>
+                      <a:cs typeface="Consolas" panose="020B0609020204030204" charset="0"/>
+                      <a:sym typeface="+mn-ea"/>
+                    </a:rPr>
+                    <a:t>j=4</a:t>
+                  </a:r>
+                  <a:r>
+                    <a:rPr lang="zh-CN" altLang="en-US" b="1">
+                      <a:latin typeface="Consolas" panose="020B0609020204030204" charset="0"/>
+                      <a:cs typeface="Consolas" panose="020B0609020204030204" charset="0"/>
+                      <a:sym typeface="+mn-ea"/>
+                    </a:rPr>
+                    <a:t>时</a:t>
+                  </a:r>
+                  <a:r>
+                    <a:rPr lang="en-US" altLang="zh-CN" b="1">
+                      <a:latin typeface="Consolas" panose="020B0609020204030204" charset="0"/>
+                      <a:cs typeface="Consolas" panose="020B0609020204030204" charset="0"/>
+                      <a:sym typeface="+mn-ea"/>
+                    </a:rPr>
+                    <a:t>,next[4]=1;</a:t>
+                  </a:r>
+                  <a:endParaRPr lang="en-US" altLang="zh-CN" b="1">
+                    <a:latin typeface="Consolas" panose="020B0609020204030204" charset="0"/>
+                    <a:cs typeface="Consolas" panose="020B0609020204030204" charset="0"/>
+                    <a:sym typeface="+mn-ea"/>
+                  </a:endParaRPr>
+                </a:p>
+              </p:txBody>
+            </p:sp>
+            <p:sp>
+              <p:nvSpPr>
+                <p:cNvPr id="23" name="文本框 22"/>
+                <p:cNvSpPr txBox="1"/>
+                <p:nvPr>
+                  <p:custDataLst>
+                    <p:tags r:id="rId8"/>
+                  </p:custDataLst>
+                </p:nvPr>
+              </p:nvSpPr>
+              <p:spPr>
+                <a:xfrm>
+                  <a:off x="7873" y="6963"/>
+                  <a:ext cx="6981" cy="4070"/>
+                </a:xfrm>
+                <a:prstGeom prst="rect">
+                  <a:avLst/>
+                </a:prstGeom>
+                <a:noFill/>
+              </p:spPr>
+              <p:txBody>
+                <a:bodyPr wrap="square" rtlCol="0">
+                  <a:spAutoFit/>
+                </a:bodyPr>
+                <a:p>
+                  <a:r>
+                    <a:rPr lang="zh-CN" altLang="en-US" b="1">
+                      <a:solidFill>
+                        <a:srgbClr val="FF0000"/>
+                      </a:solidFill>
+                      <a:latin typeface="Consolas" panose="020B0609020204030204" charset="0"/>
+                      <a:cs typeface="Consolas" panose="020B0609020204030204" charset="0"/>
+                    </a:rPr>
+                    <a:t>主串</a:t>
+                  </a:r>
+                  <a:r>
+                    <a:rPr lang="en-US" altLang="zh-CN" b="1">
+                      <a:solidFill>
+                        <a:srgbClr val="FF0000"/>
+                      </a:solidFill>
+                      <a:latin typeface="Consolas" panose="020B0609020204030204" charset="0"/>
+                      <a:cs typeface="Consolas" panose="020B0609020204030204" charset="0"/>
+                    </a:rPr>
+                    <a:t>:       </a:t>
+                  </a:r>
+                  <a:r>
+                    <a:rPr lang="en-US" altLang="zh-CN" b="1">
+                      <a:solidFill>
+                        <a:schemeClr val="tx2">
+                          <a:lumMod val="25000"/>
+                          <a:lumOff val="75000"/>
+                        </a:schemeClr>
+                      </a:solidFill>
+                      <a:latin typeface="Consolas" panose="020B0609020204030204" charset="0"/>
+                      <a:cs typeface="Consolas" panose="020B0609020204030204" charset="0"/>
+                    </a:rPr>
+                    <a:t>!!!</a:t>
+                  </a:r>
+                  <a:r>
+                    <a:rPr lang="en-US" altLang="zh-CN" b="1">
+                      <a:solidFill>
+                        <a:srgbClr val="FF0000"/>
+                      </a:solidFill>
+                      <a:latin typeface="Consolas" panose="020B0609020204030204" charset="0"/>
+                      <a:cs typeface="Consolas" panose="020B0609020204030204" charset="0"/>
+                    </a:rPr>
+                    <a:t>aab</a:t>
+                  </a:r>
+                  <a:r>
+                    <a:rPr lang="en-US" altLang="zh-CN" b="1">
+                      <a:solidFill>
+                        <a:schemeClr val="accent6">
+                          <a:lumMod val="60000"/>
+                          <a:lumOff val="40000"/>
+                        </a:schemeClr>
+                      </a:solidFill>
+                      <a:latin typeface="Consolas" panose="020B0609020204030204" charset="0"/>
+                      <a:cs typeface="Consolas" panose="020B0609020204030204" charset="0"/>
+                    </a:rPr>
+                    <a:t>?????</a:t>
+                  </a:r>
+                  <a:endParaRPr lang="en-US" altLang="zh-CN" b="1">
+                    <a:solidFill>
+                      <a:srgbClr val="FF0000"/>
+                    </a:solidFill>
+                    <a:latin typeface="Consolas" panose="020B0609020204030204" charset="0"/>
+                    <a:cs typeface="Consolas" panose="020B0609020204030204" charset="0"/>
+                  </a:endParaRPr>
+                </a:p>
+                <a:p>
+                  <a:endParaRPr lang="en-US" altLang="zh-CN" b="1">
+                    <a:solidFill>
+                      <a:srgbClr val="FF0000"/>
+                    </a:solidFill>
+                    <a:latin typeface="Consolas" panose="020B0609020204030204" charset="0"/>
+                    <a:cs typeface="Consolas" panose="020B0609020204030204" charset="0"/>
+                  </a:endParaRPr>
+                </a:p>
+                <a:p>
+                  <a:r>
+                    <a:rPr lang="zh-CN" altLang="en-US" b="1">
+                      <a:solidFill>
+                        <a:srgbClr val="FF0000"/>
+                      </a:solidFill>
+                      <a:latin typeface="Consolas" panose="020B0609020204030204" charset="0"/>
+                      <a:cs typeface="Consolas" panose="020B0609020204030204" charset="0"/>
+                    </a:rPr>
+                    <a:t>模式串</a:t>
+                  </a:r>
+                  <a:r>
+                    <a:rPr lang="en-US" altLang="zh-CN" b="1">
+                      <a:solidFill>
+                        <a:srgbClr val="FF0000"/>
+                      </a:solidFill>
+                      <a:latin typeface="Consolas" panose="020B0609020204030204" charset="0"/>
+                      <a:cs typeface="Consolas" panose="020B0609020204030204" charset="0"/>
+                    </a:rPr>
+                    <a:t>:        aaba</a:t>
+                  </a:r>
+                  <a:endParaRPr lang="en-US" altLang="zh-CN" b="1">
+                    <a:solidFill>
+                      <a:srgbClr val="FF0000"/>
+                    </a:solidFill>
+                    <a:latin typeface="Consolas" panose="020B0609020204030204" charset="0"/>
+                    <a:cs typeface="Consolas" panose="020B0609020204030204" charset="0"/>
+                  </a:endParaRPr>
+                </a:p>
+                <a:p>
+                  <a:endParaRPr lang="en-US" altLang="zh-CN" b="1">
+                    <a:solidFill>
+                      <a:srgbClr val="FF0000"/>
+                    </a:solidFill>
+                    <a:latin typeface="Consolas" panose="020B0609020204030204" charset="0"/>
+                    <a:cs typeface="Consolas" panose="020B0609020204030204" charset="0"/>
+                  </a:endParaRPr>
+                </a:p>
+                <a:p>
+                  <a:r>
+                    <a:rPr lang="zh-CN" altLang="en-US" b="1">
+                      <a:solidFill>
+                        <a:srgbClr val="FF0000"/>
+                      </a:solidFill>
+                      <a:latin typeface="Consolas" panose="020B0609020204030204" charset="0"/>
+                      <a:cs typeface="Consolas" panose="020B0609020204030204" charset="0"/>
+                    </a:rPr>
+                    <a:t>第一次后移操作</a:t>
+                  </a:r>
+                  <a:r>
+                    <a:rPr lang="en-US" altLang="zh-CN" b="1">
+                      <a:solidFill>
+                        <a:srgbClr val="FF0000"/>
+                      </a:solidFill>
+                      <a:latin typeface="Consolas" panose="020B0609020204030204" charset="0"/>
+                      <a:cs typeface="Consolas" panose="020B0609020204030204" charset="0"/>
+                    </a:rPr>
+                    <a:t>:  </a:t>
+                  </a:r>
+                  <a:r>
+                    <a:rPr lang="en-US" altLang="zh-CN" b="1">
+                      <a:solidFill>
+                        <a:srgbClr val="00B050"/>
+                      </a:solidFill>
+                      <a:latin typeface="Consolas" panose="020B0609020204030204" charset="0"/>
+                      <a:cs typeface="Consolas" panose="020B0609020204030204" charset="0"/>
+                    </a:rPr>
+                    <a:t>a</a:t>
+                  </a:r>
+                  <a:r>
+                    <a:rPr lang="en-US" altLang="zh-CN" b="1">
+                      <a:solidFill>
+                        <a:srgbClr val="FF0000"/>
+                      </a:solidFill>
+                      <a:latin typeface="Consolas" panose="020B0609020204030204" charset="0"/>
+                      <a:cs typeface="Consolas" panose="020B0609020204030204" charset="0"/>
+                    </a:rPr>
+                    <a:t>aba(</a:t>
+                  </a:r>
+                  <a:r>
+                    <a:rPr lang="zh-CN" altLang="en-US" b="1">
+                      <a:solidFill>
+                        <a:srgbClr val="FF0000"/>
+                      </a:solidFill>
+                      <a:latin typeface="Consolas" panose="020B0609020204030204" charset="0"/>
+                      <a:cs typeface="Consolas" panose="020B0609020204030204" charset="0"/>
+                    </a:rPr>
+                    <a:t>不匹配</a:t>
+                  </a:r>
+                  <a:r>
+                    <a:rPr lang="en-US" altLang="zh-CN" b="1">
+                      <a:solidFill>
+                        <a:srgbClr val="FF0000"/>
+                      </a:solidFill>
+                      <a:latin typeface="Consolas" panose="020B0609020204030204" charset="0"/>
+                      <a:cs typeface="Consolas" panose="020B0609020204030204" charset="0"/>
+                    </a:rPr>
+                    <a:t>)</a:t>
+                  </a:r>
+                  <a:endParaRPr lang="en-US" altLang="zh-CN" b="1">
+                    <a:solidFill>
+                      <a:srgbClr val="FF0000"/>
+                    </a:solidFill>
+                    <a:latin typeface="Consolas" panose="020B0609020204030204" charset="0"/>
+                    <a:cs typeface="Consolas" panose="020B0609020204030204" charset="0"/>
+                  </a:endParaRPr>
+                </a:p>
+                <a:p>
+                  <a:endParaRPr lang="en-US" altLang="zh-CN" b="1">
+                    <a:solidFill>
+                      <a:srgbClr val="FF0000"/>
+                    </a:solidFill>
+                    <a:latin typeface="Consolas" panose="020B0609020204030204" charset="0"/>
+                    <a:cs typeface="Consolas" panose="020B0609020204030204" charset="0"/>
+                  </a:endParaRPr>
+                </a:p>
+                <a:p>
+                  <a:r>
+                    <a:rPr lang="zh-CN" altLang="en-US" b="1">
+                      <a:solidFill>
+                        <a:srgbClr val="FF0000"/>
+                      </a:solidFill>
+                      <a:latin typeface="Consolas" panose="020B0609020204030204" charset="0"/>
+                      <a:cs typeface="Consolas" panose="020B0609020204030204" charset="0"/>
+                    </a:rPr>
+                    <a:t>第二次后移操作</a:t>
+                  </a:r>
+                  <a:r>
+                    <a:rPr lang="en-US" altLang="zh-CN" b="1">
+                      <a:solidFill>
+                        <a:srgbClr val="FF0000"/>
+                      </a:solidFill>
+                      <a:latin typeface="Consolas" panose="020B0609020204030204" charset="0"/>
+                      <a:cs typeface="Consolas" panose="020B0609020204030204" charset="0"/>
+                    </a:rPr>
+                    <a:t>:   aaba</a:t>
+                  </a:r>
+                  <a:r>
+                    <a:rPr lang="en-US" altLang="zh-CN" b="1">
+                      <a:solidFill>
+                        <a:srgbClr val="FF0000"/>
+                      </a:solidFill>
+                      <a:latin typeface="Consolas" panose="020B0609020204030204" charset="0"/>
+                      <a:cs typeface="Consolas" panose="020B0609020204030204" charset="0"/>
+                      <a:sym typeface="+mn-ea"/>
+                    </a:rPr>
+                    <a:t>(</a:t>
+                  </a:r>
+                  <a:r>
+                    <a:rPr lang="zh-CN" altLang="en-US" b="1">
+                      <a:solidFill>
+                        <a:srgbClr val="FF0000"/>
+                      </a:solidFill>
+                      <a:latin typeface="Consolas" panose="020B0609020204030204" charset="0"/>
+                      <a:cs typeface="Consolas" panose="020B0609020204030204" charset="0"/>
+                      <a:sym typeface="+mn-ea"/>
+                    </a:rPr>
+                    <a:t>不匹配</a:t>
+                  </a:r>
+                  <a:r>
+                    <a:rPr lang="en-US" altLang="zh-CN" b="1">
+                      <a:solidFill>
+                        <a:srgbClr val="FF0000"/>
+                      </a:solidFill>
+                      <a:latin typeface="Consolas" panose="020B0609020204030204" charset="0"/>
+                      <a:cs typeface="Consolas" panose="020B0609020204030204" charset="0"/>
+                      <a:sym typeface="+mn-ea"/>
+                    </a:rPr>
+                    <a:t>)</a:t>
+                  </a:r>
+                  <a:endParaRPr lang="en-US" altLang="zh-CN" b="1">
+                    <a:solidFill>
+                      <a:srgbClr val="FF0000"/>
+                    </a:solidFill>
+                    <a:latin typeface="Consolas" panose="020B0609020204030204" charset="0"/>
+                    <a:cs typeface="Consolas" panose="020B0609020204030204" charset="0"/>
+                    <a:sym typeface="+mn-ea"/>
+                  </a:endParaRPr>
+                </a:p>
+                <a:p>
+                  <a:endParaRPr lang="en-US" altLang="zh-CN" b="1">
+                    <a:solidFill>
+                      <a:srgbClr val="FF0000"/>
+                    </a:solidFill>
+                    <a:latin typeface="Consolas" panose="020B0609020204030204" charset="0"/>
+                    <a:cs typeface="Consolas" panose="020B0609020204030204" charset="0"/>
+                  </a:endParaRPr>
+                </a:p>
+                <a:p>
+                  <a:r>
+                    <a:rPr lang="zh-CN" altLang="en-US" b="1">
+                      <a:solidFill>
+                        <a:srgbClr val="FF0000"/>
+                      </a:solidFill>
+                      <a:latin typeface="Consolas" panose="020B0609020204030204" charset="0"/>
+                      <a:cs typeface="Consolas" panose="020B0609020204030204" charset="0"/>
+                      <a:sym typeface="+mn-ea"/>
+                    </a:rPr>
+                    <a:t>第三次后移操作</a:t>
+                  </a:r>
+                  <a:r>
+                    <a:rPr lang="en-US" altLang="zh-CN" b="1">
+                      <a:solidFill>
+                        <a:srgbClr val="FF0000"/>
+                      </a:solidFill>
+                      <a:latin typeface="Consolas" panose="020B0609020204030204" charset="0"/>
+                      <a:cs typeface="Consolas" panose="020B0609020204030204" charset="0"/>
+                      <a:sym typeface="+mn-ea"/>
+                    </a:rPr>
+                    <a:t>:    aaba</a:t>
+                  </a:r>
+                  <a:r>
+                    <a:rPr lang="en-US" altLang="zh-CN" b="1">
+                      <a:solidFill>
+                        <a:srgbClr val="FF0000"/>
+                      </a:solidFill>
+                      <a:latin typeface="Consolas" panose="020B0609020204030204" charset="0"/>
+                      <a:cs typeface="Consolas" panose="020B0609020204030204" charset="0"/>
+                      <a:sym typeface="+mn-ea"/>
+                    </a:rPr>
+                    <a:t>(</a:t>
+                  </a:r>
+                  <a:r>
+                    <a:rPr lang="zh-CN" altLang="en-US" b="1">
+                      <a:solidFill>
+                        <a:srgbClr val="FF0000"/>
+                      </a:solidFill>
+                      <a:latin typeface="Consolas" panose="020B0609020204030204" charset="0"/>
+                      <a:cs typeface="Consolas" panose="020B0609020204030204" charset="0"/>
+                      <a:sym typeface="+mn-ea"/>
+                    </a:rPr>
+                    <a:t>跨过分界线</a:t>
+                  </a:r>
+                  <a:r>
+                    <a:rPr lang="en-US" altLang="zh-CN" b="1">
+                      <a:solidFill>
+                        <a:srgbClr val="FF0000"/>
+                      </a:solidFill>
+                      <a:latin typeface="Consolas" panose="020B0609020204030204" charset="0"/>
+                      <a:cs typeface="Consolas" panose="020B0609020204030204" charset="0"/>
+                      <a:sym typeface="+mn-ea"/>
+                    </a:rPr>
+                    <a:t>)</a:t>
+                  </a:r>
+                  <a:endParaRPr lang="en-US" altLang="zh-CN" b="1">
+                    <a:solidFill>
+                      <a:srgbClr val="FF0000"/>
+                    </a:solidFill>
+                    <a:latin typeface="Consolas" panose="020B0609020204030204" charset="0"/>
+                    <a:cs typeface="Consolas" panose="020B0609020204030204" charset="0"/>
+                  </a:endParaRPr>
+                </a:p>
+              </p:txBody>
+            </p:sp>
+            <p:cxnSp>
+              <p:nvCxnSpPr>
+                <p:cNvPr id="24" name="直接连接符 23"/>
+                <p:cNvCxnSpPr/>
+                <p:nvPr>
+                  <p:custDataLst>
+                    <p:tags r:id="rId9"/>
+                  </p:custDataLst>
+                </p:nvPr>
+              </p:nvCxnSpPr>
+              <p:spPr>
+                <a:xfrm flipH="1" flipV="1">
+                  <a:off x="11489" y="6963"/>
+                  <a:ext cx="53" cy="3979"/>
+                </a:xfrm>
+                <a:prstGeom prst="line">
+                  <a:avLst/>
+                </a:prstGeom>
+                <a:ln w="19050" cmpd="sng">
+                  <a:solidFill>
+                    <a:srgbClr val="7030A0"/>
+                  </a:solidFill>
+                  <a:prstDash val="solid"/>
+                </a:ln>
+              </p:spPr>
+              <p:style>
+                <a:lnRef idx="1">
+                  <a:schemeClr val="accent1"/>
+                </a:lnRef>
+                <a:fillRef idx="0">
+                  <a:schemeClr val="accent1"/>
+                </a:fillRef>
+                <a:effectRef idx="0">
+                  <a:schemeClr val="accent1"/>
+                </a:effectRef>
+                <a:fontRef idx="minor">
+                  <a:schemeClr val="tx1"/>
+                </a:fontRef>
+              </p:style>
+            </p:cxnSp>
+            <p:cxnSp>
+              <p:nvCxnSpPr>
+                <p:cNvPr id="27" name="直接箭头连接符 26"/>
+                <p:cNvCxnSpPr/>
+                <p:nvPr>
+                  <p:custDataLst>
+                    <p:tags r:id="rId10"/>
+                  </p:custDataLst>
+                </p:nvPr>
+              </p:nvCxnSpPr>
+              <p:spPr>
+                <a:xfrm flipH="1" flipV="1">
+                  <a:off x="11633" y="10859"/>
+                  <a:ext cx="97" cy="695"/>
+                </a:xfrm>
+                <a:prstGeom prst="straightConnector1">
+                  <a:avLst/>
+                </a:prstGeom>
+                <a:ln w="31750">
+                  <a:solidFill>
+                    <a:schemeClr val="tx2"/>
+                  </a:solidFill>
+                  <a:tailEnd type="arrow"/>
+                </a:ln>
+              </p:spPr>
+              <p:style>
+                <a:lnRef idx="1">
+                  <a:schemeClr val="accent1"/>
+                </a:lnRef>
+                <a:fillRef idx="0">
+                  <a:schemeClr val="accent1"/>
+                </a:fillRef>
+                <a:effectRef idx="0">
+                  <a:schemeClr val="accent1"/>
+                </a:effectRef>
+                <a:fontRef idx="minor">
+                  <a:schemeClr val="tx1"/>
+                </a:fontRef>
+              </p:style>
+            </p:cxnSp>
+            <p:sp>
+              <p:nvSpPr>
+                <p:cNvPr id="28" name="文本框 27"/>
+                <p:cNvSpPr txBox="1"/>
+                <p:nvPr>
+                  <p:custDataLst>
+                    <p:tags r:id="rId11"/>
+                  </p:custDataLst>
+                </p:nvPr>
+              </p:nvSpPr>
+              <p:spPr>
+                <a:xfrm>
+                  <a:off x="11216" y="11553"/>
+                  <a:ext cx="1241" cy="580"/>
+                </a:xfrm>
+                <a:prstGeom prst="rect">
+                  <a:avLst/>
+                </a:prstGeom>
+                <a:noFill/>
+              </p:spPr>
+              <p:txBody>
+                <a:bodyPr wrap="square" rtlCol="0">
+                  <a:spAutoFit/>
+                </a:bodyPr>
+                <a:p>
+                  <a:r>
+                    <a:rPr lang="en-US" altLang="zh-CN" b="1">
+                      <a:latin typeface="Consolas" panose="020B0609020204030204" charset="0"/>
+                      <a:cs typeface="Consolas" panose="020B0609020204030204" charset="0"/>
+                    </a:rPr>
+                    <a:t>j=1</a:t>
+                  </a:r>
+                  <a:endParaRPr lang="zh-CN" altLang="en-US" b="1">
+                    <a:latin typeface="Consolas" panose="020B0609020204030204" charset="0"/>
+                    <a:cs typeface="Consolas" panose="020B0609020204030204" charset="0"/>
+                  </a:endParaRPr>
+                </a:p>
+              </p:txBody>
+            </p:sp>
+          </p:grpSp>
+        </p:grpSp>
+      </p:grpSp>
+    </p:spTree>
+    <p:custDataLst>
+      <p:tags r:id="rId12"/>
+    </p:custDataLst>
+  </p:cSld>
+  <p:clrMapOvr>
+    <a:masterClrMapping/>
+  </p:clrMapOvr>
+</p:sld>
+</file>
+
+<file path=ppt/slides/slide14.xml><?xml version="1.0" encoding="utf-8"?>
+<p:sld xmlns:a="http://schemas.openxmlformats.org/drawingml/2006/main" xmlns:r="http://schemas.openxmlformats.org/officeDocument/2006/relationships" xmlns:p="http://schemas.openxmlformats.org/presentationml/2006/main">
+  <p:cSld>
+    <p:spTree>
+      <p:nvGrpSpPr>
+        <p:cNvPr id="1" name=""/>
+        <p:cNvGrpSpPr/>
+        <p:nvPr/>
+      </p:nvGrpSpPr>
+      <p:grpSpPr/>
+      <p:grpSp>
+        <p:nvGrpSpPr>
+          <p:cNvPr id="14" name="组合 13"/>
+          <p:cNvGrpSpPr/>
+          <p:nvPr/>
+        </p:nvGrpSpPr>
+        <p:grpSpPr>
+          <a:xfrm>
+            <a:off x="348615" y="193675"/>
+            <a:ext cx="9322435" cy="3945890"/>
+            <a:chOff x="549" y="305"/>
+            <a:chExt cx="14681" cy="6214"/>
+          </a:xfrm>
+        </p:grpSpPr>
+        <p:grpSp>
+          <p:nvGrpSpPr>
+            <p:cNvPr id="4" name="组合 3"/>
+            <p:cNvGrpSpPr/>
+            <p:nvPr/>
+          </p:nvGrpSpPr>
+          <p:grpSpPr>
+            <a:xfrm>
+              <a:off x="549" y="305"/>
+              <a:ext cx="9600" cy="6201"/>
+              <a:chOff x="7673" y="5863"/>
+              <a:chExt cx="9600" cy="6201"/>
+            </a:xfrm>
+          </p:grpSpPr>
+          <p:sp>
+            <p:nvSpPr>
+              <p:cNvPr id="21" name="文本框 20"/>
+              <p:cNvSpPr txBox="1"/>
+              <p:nvPr>
+                <p:custDataLst>
+                  <p:tags r:id="rId1"/>
+                </p:custDataLst>
+              </p:nvPr>
+            </p:nvSpPr>
+            <p:spPr>
+              <a:xfrm>
+                <a:off x="7673" y="5863"/>
+                <a:ext cx="9600" cy="580"/>
+              </a:xfrm>
+              <a:prstGeom prst="rect">
+                <a:avLst/>
+              </a:prstGeom>
+              <a:noFill/>
+            </p:spPr>
+            <p:txBody>
+              <a:bodyPr wrap="square" rtlCol="0" anchor="t">
+                <a:spAutoFit/>
+              </a:bodyPr>
+              <a:p>
+                <a:r>
+                  <a:rPr lang="zh-CN" altLang="en-US" b="1">
+                    <a:latin typeface="Consolas" panose="020B0609020204030204" charset="0"/>
+                    <a:cs typeface="Consolas" panose="020B0609020204030204" charset="0"/>
+                    <a:sym typeface="+mn-ea"/>
+                  </a:rPr>
+                  <a:t>当</a:t>
+                </a:r>
+                <a:r>
+                  <a:rPr lang="en-US" altLang="zh-CN" b="1">
+                    <a:latin typeface="Consolas" panose="020B0609020204030204" charset="0"/>
+                    <a:cs typeface="Consolas" panose="020B0609020204030204" charset="0"/>
+                    <a:sym typeface="+mn-ea"/>
+                  </a:rPr>
+                  <a:t>j=5</a:t>
+                </a:r>
+                <a:r>
+                  <a:rPr lang="zh-CN" altLang="en-US" b="1">
+                    <a:latin typeface="Consolas" panose="020B0609020204030204" charset="0"/>
+                    <a:cs typeface="Consolas" panose="020B0609020204030204" charset="0"/>
+                    <a:sym typeface="+mn-ea"/>
+                  </a:rPr>
+                  <a:t>时</a:t>
+                </a:r>
+                <a:r>
+                  <a:rPr lang="en-US" altLang="zh-CN" b="1">
+                    <a:latin typeface="Consolas" panose="020B0609020204030204" charset="0"/>
+                    <a:cs typeface="Consolas" panose="020B0609020204030204" charset="0"/>
+                    <a:sym typeface="+mn-ea"/>
+                  </a:rPr>
+                  <a:t>,next[5]=2;</a:t>
+                </a:r>
+                <a:endParaRPr lang="en-US" altLang="zh-CN" b="1">
+                  <a:latin typeface="Consolas" panose="020B0609020204030204" charset="0"/>
+                  <a:cs typeface="Consolas" panose="020B0609020204030204" charset="0"/>
+                  <a:sym typeface="+mn-ea"/>
+                </a:endParaRPr>
+              </a:p>
+            </p:txBody>
+          </p:sp>
+          <p:sp>
+            <p:nvSpPr>
+              <p:cNvPr id="23" name="文本框 22"/>
+              <p:cNvSpPr txBox="1"/>
+              <p:nvPr>
+                <p:custDataLst>
+                  <p:tags r:id="rId2"/>
+                </p:custDataLst>
+              </p:nvPr>
+            </p:nvSpPr>
+            <p:spPr>
+              <a:xfrm>
+                <a:off x="7873" y="6963"/>
+                <a:ext cx="9018" cy="4070"/>
+              </a:xfrm>
+              <a:prstGeom prst="rect">
+                <a:avLst/>
+              </a:prstGeom>
+              <a:noFill/>
+            </p:spPr>
+            <p:txBody>
+              <a:bodyPr wrap="square" rtlCol="0">
+                <a:spAutoFit/>
+              </a:bodyPr>
+              <a:p>
+                <a:r>
+                  <a:rPr lang="zh-CN" altLang="en-US" b="1">
+                    <a:solidFill>
+                      <a:srgbClr val="FF0000"/>
+                    </a:solidFill>
+                    <a:latin typeface="Consolas" panose="020B0609020204030204" charset="0"/>
+                    <a:cs typeface="Consolas" panose="020B0609020204030204" charset="0"/>
+                  </a:rPr>
+                  <a:t>主串</a:t>
+                </a:r>
+                <a:r>
+                  <a:rPr lang="en-US" altLang="zh-CN" b="1">
+                    <a:solidFill>
+                      <a:srgbClr val="FF0000"/>
+                    </a:solidFill>
+                    <a:latin typeface="Consolas" panose="020B0609020204030204" charset="0"/>
+                    <a:cs typeface="Consolas" panose="020B0609020204030204" charset="0"/>
+                  </a:rPr>
+                  <a:t>:       </a:t>
+                </a:r>
+                <a:r>
+                  <a:rPr lang="en-US" altLang="zh-CN" b="1">
+                    <a:solidFill>
+                      <a:schemeClr val="tx2">
+                        <a:lumMod val="25000"/>
+                        <a:lumOff val="75000"/>
+                      </a:schemeClr>
+                    </a:solidFill>
+                    <a:latin typeface="Consolas" panose="020B0609020204030204" charset="0"/>
+                    <a:cs typeface="Consolas" panose="020B0609020204030204" charset="0"/>
+                  </a:rPr>
+                  <a:t>!!!</a:t>
+                </a:r>
+                <a:r>
+                  <a:rPr lang="en-US" altLang="zh-CN" b="1">
+                    <a:solidFill>
+                      <a:srgbClr val="FF0000"/>
+                    </a:solidFill>
+                    <a:latin typeface="Consolas" panose="020B0609020204030204" charset="0"/>
+                    <a:cs typeface="Consolas" panose="020B0609020204030204" charset="0"/>
+                  </a:rPr>
+                  <a:t>aab</a:t>
+                </a:r>
+                <a:r>
+                  <a:rPr lang="en-US" altLang="zh-CN" b="1">
+                    <a:solidFill>
+                      <a:srgbClr val="00B050"/>
+                    </a:solidFill>
+                    <a:latin typeface="Consolas" panose="020B0609020204030204" charset="0"/>
+                    <a:cs typeface="Consolas" panose="020B0609020204030204" charset="0"/>
+                  </a:rPr>
+                  <a:t>a</a:t>
+                </a:r>
+                <a:r>
+                  <a:rPr lang="en-US" altLang="zh-CN" b="1">
+                    <a:solidFill>
+                      <a:schemeClr val="accent6">
+                        <a:lumMod val="60000"/>
+                        <a:lumOff val="40000"/>
+                      </a:schemeClr>
+                    </a:solidFill>
+                    <a:latin typeface="Consolas" panose="020B0609020204030204" charset="0"/>
+                    <a:cs typeface="Consolas" panose="020B0609020204030204" charset="0"/>
+                  </a:rPr>
+                  <a:t>?????</a:t>
+                </a:r>
+                <a:endParaRPr lang="en-US" altLang="zh-CN" b="1">
+                  <a:solidFill>
+                    <a:srgbClr val="FF0000"/>
+                  </a:solidFill>
+                  <a:latin typeface="Consolas" panose="020B0609020204030204" charset="0"/>
+                  <a:cs typeface="Consolas" panose="020B0609020204030204" charset="0"/>
+                </a:endParaRPr>
+              </a:p>
+              <a:p>
+                <a:endParaRPr lang="en-US" altLang="zh-CN" b="1">
+                  <a:solidFill>
+                    <a:srgbClr val="FF0000"/>
+                  </a:solidFill>
+                  <a:latin typeface="Consolas" panose="020B0609020204030204" charset="0"/>
+                  <a:cs typeface="Consolas" panose="020B0609020204030204" charset="0"/>
+                </a:endParaRPr>
+              </a:p>
+              <a:p>
+                <a:r>
+                  <a:rPr lang="zh-CN" altLang="en-US" b="1">
+                    <a:solidFill>
+                      <a:srgbClr val="FF0000"/>
+                    </a:solidFill>
+                    <a:latin typeface="Consolas" panose="020B0609020204030204" charset="0"/>
+                    <a:cs typeface="Consolas" panose="020B0609020204030204" charset="0"/>
+                  </a:rPr>
+                  <a:t>模式串</a:t>
+                </a:r>
+                <a:r>
+                  <a:rPr lang="en-US" altLang="zh-CN" b="1">
+                    <a:solidFill>
+                      <a:srgbClr val="FF0000"/>
+                    </a:solidFill>
+                    <a:latin typeface="Consolas" panose="020B0609020204030204" charset="0"/>
+                    <a:cs typeface="Consolas" panose="020B0609020204030204" charset="0"/>
+                  </a:rPr>
+                  <a:t>:        aabaa</a:t>
+                </a:r>
+                <a:endParaRPr lang="en-US" altLang="zh-CN" b="1">
+                  <a:solidFill>
+                    <a:srgbClr val="FF0000"/>
+                  </a:solidFill>
+                  <a:latin typeface="Consolas" panose="020B0609020204030204" charset="0"/>
+                  <a:cs typeface="Consolas" panose="020B0609020204030204" charset="0"/>
+                </a:endParaRPr>
+              </a:p>
+              <a:p>
+                <a:endParaRPr lang="en-US" altLang="zh-CN" b="1">
+                  <a:solidFill>
+                    <a:srgbClr val="FF0000"/>
+                  </a:solidFill>
+                  <a:latin typeface="Consolas" panose="020B0609020204030204" charset="0"/>
+                  <a:cs typeface="Consolas" panose="020B0609020204030204" charset="0"/>
+                </a:endParaRPr>
+              </a:p>
+              <a:p>
+                <a:r>
+                  <a:rPr lang="zh-CN" altLang="en-US" b="1">
+                    <a:solidFill>
+                      <a:srgbClr val="FF0000"/>
+                    </a:solidFill>
+                    <a:latin typeface="Consolas" panose="020B0609020204030204" charset="0"/>
+                    <a:cs typeface="Consolas" panose="020B0609020204030204" charset="0"/>
+                  </a:rPr>
+                  <a:t>第一次后移操作</a:t>
+                </a:r>
+                <a:r>
+                  <a:rPr lang="en-US" altLang="zh-CN" b="1">
+                    <a:solidFill>
+                      <a:srgbClr val="FF0000"/>
+                    </a:solidFill>
+                    <a:latin typeface="Consolas" panose="020B0609020204030204" charset="0"/>
+                    <a:cs typeface="Consolas" panose="020B0609020204030204" charset="0"/>
+                  </a:rPr>
+                  <a:t>:  </a:t>
+                </a:r>
+                <a:r>
+                  <a:rPr lang="en-US" altLang="zh-CN" b="1">
+                    <a:solidFill>
+                      <a:srgbClr val="00B050"/>
+                    </a:solidFill>
+                    <a:latin typeface="Consolas" panose="020B0609020204030204" charset="0"/>
+                    <a:cs typeface="Consolas" panose="020B0609020204030204" charset="0"/>
+                  </a:rPr>
+                  <a:t>a</a:t>
+                </a:r>
+                <a:r>
+                  <a:rPr lang="en-US" altLang="zh-CN" b="1">
+                    <a:solidFill>
+                      <a:srgbClr val="FF0000"/>
+                    </a:solidFill>
+                    <a:latin typeface="Consolas" panose="020B0609020204030204" charset="0"/>
+                    <a:cs typeface="Consolas" panose="020B0609020204030204" charset="0"/>
+                  </a:rPr>
+                  <a:t>abaa(</a:t>
+                </a:r>
+                <a:r>
+                  <a:rPr lang="zh-CN" altLang="en-US" b="1">
+                    <a:solidFill>
+                      <a:srgbClr val="FF0000"/>
+                    </a:solidFill>
+                    <a:latin typeface="Consolas" panose="020B0609020204030204" charset="0"/>
+                    <a:cs typeface="Consolas" panose="020B0609020204030204" charset="0"/>
+                  </a:rPr>
+                  <a:t>不匹配</a:t>
+                </a:r>
+                <a:r>
+                  <a:rPr lang="en-US" altLang="zh-CN" b="1">
+                    <a:solidFill>
+                      <a:srgbClr val="FF0000"/>
+                    </a:solidFill>
+                    <a:latin typeface="Consolas" panose="020B0609020204030204" charset="0"/>
+                    <a:cs typeface="Consolas" panose="020B0609020204030204" charset="0"/>
+                  </a:rPr>
+                  <a:t>)</a:t>
+                </a:r>
+                <a:endParaRPr lang="en-US" altLang="zh-CN" b="1">
+                  <a:solidFill>
+                    <a:srgbClr val="FF0000"/>
+                  </a:solidFill>
+                  <a:latin typeface="Consolas" panose="020B0609020204030204" charset="0"/>
+                  <a:cs typeface="Consolas" panose="020B0609020204030204" charset="0"/>
+                </a:endParaRPr>
+              </a:p>
+              <a:p>
+                <a:endParaRPr lang="en-US" altLang="zh-CN" b="1">
+                  <a:solidFill>
+                    <a:srgbClr val="FF0000"/>
+                  </a:solidFill>
+                  <a:latin typeface="Consolas" panose="020B0609020204030204" charset="0"/>
+                  <a:cs typeface="Consolas" panose="020B0609020204030204" charset="0"/>
+                </a:endParaRPr>
+              </a:p>
+              <a:p>
+                <a:r>
+                  <a:rPr lang="zh-CN" altLang="en-US" b="1">
+                    <a:solidFill>
+                      <a:srgbClr val="FF0000"/>
+                    </a:solidFill>
+                    <a:latin typeface="Consolas" panose="020B0609020204030204" charset="0"/>
+                    <a:cs typeface="Consolas" panose="020B0609020204030204" charset="0"/>
+                  </a:rPr>
+                  <a:t>第二次后移操作</a:t>
+                </a:r>
+                <a:r>
+                  <a:rPr lang="en-US" altLang="zh-CN" b="1">
+                    <a:solidFill>
+                      <a:srgbClr val="FF0000"/>
+                    </a:solidFill>
+                    <a:latin typeface="Consolas" panose="020B0609020204030204" charset="0"/>
+                    <a:cs typeface="Consolas" panose="020B0609020204030204" charset="0"/>
+                  </a:rPr>
+                  <a:t>:   </a:t>
+                </a:r>
+                <a:r>
+                  <a:rPr lang="en-US" altLang="zh-CN" b="1">
+                    <a:solidFill>
+                      <a:srgbClr val="FF0000"/>
+                    </a:solidFill>
+                    <a:latin typeface="Consolas" panose="020B0609020204030204" charset="0"/>
+                    <a:cs typeface="Consolas" panose="020B0609020204030204" charset="0"/>
+                  </a:rPr>
+                  <a:t>aabaa(</a:t>
+                </a:r>
+                <a:r>
+                  <a:rPr lang="zh-CN" altLang="en-US" b="1">
+                    <a:solidFill>
+                      <a:srgbClr val="FF0000"/>
+                    </a:solidFill>
+                    <a:latin typeface="Consolas" panose="020B0609020204030204" charset="0"/>
+                    <a:cs typeface="Consolas" panose="020B0609020204030204" charset="0"/>
+                  </a:rPr>
+                  <a:t>不匹配</a:t>
+                </a:r>
+                <a:r>
+                  <a:rPr lang="en-US" altLang="zh-CN" b="1">
+                    <a:solidFill>
+                      <a:srgbClr val="FF0000"/>
+                    </a:solidFill>
+                    <a:latin typeface="Consolas" panose="020B0609020204030204" charset="0"/>
+                    <a:cs typeface="Consolas" panose="020B0609020204030204" charset="0"/>
+                  </a:rPr>
+                  <a:t>)</a:t>
+                </a:r>
+                <a:endParaRPr lang="en-US" altLang="zh-CN" b="1">
+                  <a:solidFill>
+                    <a:srgbClr val="FF0000"/>
+                  </a:solidFill>
+                  <a:latin typeface="Consolas" panose="020B0609020204030204" charset="0"/>
+                  <a:cs typeface="Consolas" panose="020B0609020204030204" charset="0"/>
+                </a:endParaRPr>
+              </a:p>
+              <a:p>
+                <a:endParaRPr lang="zh-CN" altLang="en-US" b="1">
+                  <a:solidFill>
+                    <a:srgbClr val="FF0000"/>
+                  </a:solidFill>
+                  <a:latin typeface="Consolas" panose="020B0609020204030204" charset="0"/>
+                  <a:cs typeface="Consolas" panose="020B0609020204030204" charset="0"/>
+                </a:endParaRPr>
+              </a:p>
+              <a:p>
+                <a:r>
+                  <a:rPr lang="zh-CN" altLang="en-US" b="1">
+                    <a:solidFill>
+                      <a:srgbClr val="FF0000"/>
+                    </a:solidFill>
+                    <a:latin typeface="Consolas" panose="020B0609020204030204" charset="0"/>
+                    <a:cs typeface="Consolas" panose="020B0609020204030204" charset="0"/>
+                    <a:sym typeface="+mn-ea"/>
+                  </a:rPr>
+                  <a:t>第三次后移操作</a:t>
+                </a:r>
+                <a:r>
+                  <a:rPr lang="en-US" altLang="zh-CN" b="1">
+                    <a:solidFill>
+                      <a:srgbClr val="FF0000"/>
+                    </a:solidFill>
+                    <a:latin typeface="Consolas" panose="020B0609020204030204" charset="0"/>
+                    <a:cs typeface="Consolas" panose="020B0609020204030204" charset="0"/>
+                    <a:sym typeface="+mn-ea"/>
+                  </a:rPr>
+                  <a:t>:    </a:t>
+                </a:r>
+                <a:r>
+                  <a:rPr lang="en-US" altLang="zh-CN" b="1">
+                    <a:solidFill>
+                      <a:srgbClr val="00B050"/>
+                    </a:solidFill>
+                    <a:latin typeface="Consolas" panose="020B0609020204030204" charset="0"/>
+                    <a:cs typeface="Consolas" panose="020B0609020204030204" charset="0"/>
+                    <a:sym typeface="+mn-ea"/>
+                  </a:rPr>
+                  <a:t>a</a:t>
+                </a:r>
+                <a:r>
+                  <a:rPr lang="en-US" altLang="zh-CN" b="1">
+                    <a:solidFill>
+                      <a:srgbClr val="FF0000"/>
+                    </a:solidFill>
+                    <a:latin typeface="Consolas" panose="020B0609020204030204" charset="0"/>
+                    <a:cs typeface="Consolas" panose="020B0609020204030204" charset="0"/>
+                    <a:sym typeface="+mn-ea"/>
+                  </a:rPr>
+                  <a:t>abaa</a:t>
+                </a:r>
+                <a:endParaRPr lang="en-US" altLang="zh-CN" b="1">
+                  <a:solidFill>
+                    <a:srgbClr val="FF0000"/>
+                  </a:solidFill>
+                  <a:latin typeface="Consolas" panose="020B0609020204030204" charset="0"/>
+                  <a:cs typeface="Consolas" panose="020B0609020204030204" charset="0"/>
+                  <a:sym typeface="+mn-ea"/>
+                </a:endParaRPr>
+              </a:p>
+            </p:txBody>
+          </p:sp>
+          <p:cxnSp>
+            <p:nvCxnSpPr>
+              <p:cNvPr id="24" name="直接连接符 23"/>
+              <p:cNvCxnSpPr/>
+              <p:nvPr>
+                <p:custDataLst>
+                  <p:tags r:id="rId3"/>
+                </p:custDataLst>
+              </p:nvPr>
+            </p:nvCxnSpPr>
+            <p:spPr>
+              <a:xfrm flipH="1" flipV="1">
+                <a:off x="11684" y="6963"/>
+                <a:ext cx="62" cy="4001"/>
+              </a:xfrm>
+              <a:prstGeom prst="line">
+                <a:avLst/>
+              </a:prstGeom>
+              <a:ln w="19050" cmpd="sng">
+                <a:solidFill>
+                  <a:srgbClr val="7030A0"/>
+                </a:solidFill>
+                <a:prstDash val="solid"/>
+              </a:ln>
+            </p:spPr>
+            <p:style>
+              <a:lnRef idx="1">
+                <a:schemeClr val="accent1"/>
+              </a:lnRef>
+              <a:fillRef idx="0">
+                <a:schemeClr val="accent1"/>
+              </a:fillRef>
+              <a:effectRef idx="0">
+                <a:schemeClr val="accent1"/>
+              </a:effectRef>
+              <a:fontRef idx="minor">
+                <a:schemeClr val="tx1"/>
+              </a:fontRef>
+            </p:style>
+          </p:cxnSp>
+          <p:cxnSp>
+            <p:nvCxnSpPr>
+              <p:cNvPr id="27" name="直接箭头连接符 26"/>
+              <p:cNvCxnSpPr/>
+              <p:nvPr>
+                <p:custDataLst>
+                  <p:tags r:id="rId4"/>
+                </p:custDataLst>
+              </p:nvPr>
+            </p:nvCxnSpPr>
+            <p:spPr>
+              <a:xfrm flipH="1" flipV="1">
+                <a:off x="11867" y="10843"/>
+                <a:ext cx="97" cy="695"/>
+              </a:xfrm>
+              <a:prstGeom prst="straightConnector1">
+                <a:avLst/>
+              </a:prstGeom>
+              <a:ln w="31750">
+                <a:solidFill>
+                  <a:schemeClr val="tx2"/>
+                </a:solidFill>
+                <a:tailEnd type="arrow"/>
+              </a:ln>
+            </p:spPr>
+            <p:style>
+              <a:lnRef idx="1">
+                <a:schemeClr val="accent1"/>
+              </a:lnRef>
+              <a:fillRef idx="0">
+                <a:schemeClr val="accent1"/>
+              </a:fillRef>
+              <a:effectRef idx="0">
+                <a:schemeClr val="accent1"/>
+              </a:effectRef>
+              <a:fontRef idx="minor">
+                <a:schemeClr val="tx1"/>
+              </a:fontRef>
+            </p:style>
+          </p:cxnSp>
+          <p:sp>
+            <p:nvSpPr>
+              <p:cNvPr id="28" name="文本框 27"/>
+              <p:cNvSpPr txBox="1"/>
+              <p:nvPr>
+                <p:custDataLst>
+                  <p:tags r:id="rId5"/>
+                </p:custDataLst>
+              </p:nvPr>
+            </p:nvSpPr>
+            <p:spPr>
+              <a:xfrm>
+                <a:off x="11746" y="11484"/>
+                <a:ext cx="1241" cy="580"/>
+              </a:xfrm>
+              <a:prstGeom prst="rect">
+                <a:avLst/>
+              </a:prstGeom>
+              <a:noFill/>
+            </p:spPr>
+            <p:txBody>
+              <a:bodyPr wrap="square" rtlCol="0">
+                <a:spAutoFit/>
+              </a:bodyPr>
+              <a:p>
+                <a:r>
+                  <a:rPr lang="en-US" altLang="zh-CN" b="1">
+                    <a:latin typeface="Consolas" panose="020B0609020204030204" charset="0"/>
+                    <a:cs typeface="Consolas" panose="020B0609020204030204" charset="0"/>
+                  </a:rPr>
+                  <a:t>j=2</a:t>
+                </a:r>
+                <a:endParaRPr lang="zh-CN" altLang="en-US" b="1">
+                  <a:latin typeface="Consolas" panose="020B0609020204030204" charset="0"/>
+                  <a:cs typeface="Consolas" panose="020B0609020204030204" charset="0"/>
+                </a:endParaRPr>
+              </a:p>
+            </p:txBody>
+          </p:sp>
+        </p:grpSp>
+        <p:grpSp>
+          <p:nvGrpSpPr>
+            <p:cNvPr id="7" name="组合 6"/>
+            <p:cNvGrpSpPr/>
+            <p:nvPr/>
+          </p:nvGrpSpPr>
+          <p:grpSpPr>
+            <a:xfrm>
+              <a:off x="8539" y="305"/>
+              <a:ext cx="6691" cy="6214"/>
+              <a:chOff x="7673" y="5863"/>
+              <a:chExt cx="6691" cy="6214"/>
+            </a:xfrm>
+          </p:grpSpPr>
+          <p:sp>
+            <p:nvSpPr>
+              <p:cNvPr id="8" name="文本框 7"/>
+              <p:cNvSpPr txBox="1"/>
+              <p:nvPr>
+                <p:custDataLst>
+                  <p:tags r:id="rId6"/>
+                </p:custDataLst>
+              </p:nvPr>
+            </p:nvSpPr>
+            <p:spPr>
+              <a:xfrm>
+                <a:off x="7673" y="5863"/>
+                <a:ext cx="5878" cy="580"/>
+              </a:xfrm>
+              <a:prstGeom prst="rect">
+                <a:avLst/>
+              </a:prstGeom>
+              <a:noFill/>
+            </p:spPr>
+            <p:txBody>
+              <a:bodyPr wrap="square" rtlCol="0" anchor="t">
+                <a:spAutoFit/>
+              </a:bodyPr>
+              <a:p>
+                <a:r>
+                  <a:rPr lang="zh-CN" altLang="en-US" b="1">
+                    <a:latin typeface="Consolas" panose="020B0609020204030204" charset="0"/>
+                    <a:cs typeface="Consolas" panose="020B0609020204030204" charset="0"/>
+                    <a:sym typeface="+mn-ea"/>
+                  </a:rPr>
+                  <a:t>当</a:t>
+                </a:r>
+                <a:r>
+                  <a:rPr lang="en-US" altLang="zh-CN" b="1">
+                    <a:latin typeface="Consolas" panose="020B0609020204030204" charset="0"/>
+                    <a:cs typeface="Consolas" panose="020B0609020204030204" charset="0"/>
+                    <a:sym typeface="+mn-ea"/>
+                  </a:rPr>
+                  <a:t>j=6</a:t>
+                </a:r>
+                <a:r>
+                  <a:rPr lang="zh-CN" altLang="en-US" b="1">
+                    <a:latin typeface="Consolas" panose="020B0609020204030204" charset="0"/>
+                    <a:cs typeface="Consolas" panose="020B0609020204030204" charset="0"/>
+                    <a:sym typeface="+mn-ea"/>
+                  </a:rPr>
+                  <a:t>时</a:t>
+                </a:r>
+                <a:r>
+                  <a:rPr lang="en-US" altLang="zh-CN" b="1">
+                    <a:latin typeface="Consolas" panose="020B0609020204030204" charset="0"/>
+                    <a:cs typeface="Consolas" panose="020B0609020204030204" charset="0"/>
+                    <a:sym typeface="+mn-ea"/>
+                  </a:rPr>
+                  <a:t>,next[6]=3;</a:t>
+                </a:r>
+                <a:endParaRPr lang="en-US" altLang="zh-CN" b="1">
+                  <a:latin typeface="Consolas" panose="020B0609020204030204" charset="0"/>
+                  <a:cs typeface="Consolas" panose="020B0609020204030204" charset="0"/>
+                  <a:sym typeface="+mn-ea"/>
+                </a:endParaRPr>
+              </a:p>
+            </p:txBody>
+          </p:sp>
+          <p:sp>
+            <p:nvSpPr>
+              <p:cNvPr id="9" name="文本框 8"/>
+              <p:cNvSpPr txBox="1"/>
+              <p:nvPr>
+                <p:custDataLst>
+                  <p:tags r:id="rId7"/>
+                </p:custDataLst>
+              </p:nvPr>
+            </p:nvSpPr>
+            <p:spPr>
+              <a:xfrm>
+                <a:off x="7873" y="6963"/>
+                <a:ext cx="6491" cy="4506"/>
+              </a:xfrm>
+              <a:prstGeom prst="rect">
+                <a:avLst/>
+              </a:prstGeom>
+              <a:noFill/>
+            </p:spPr>
+            <p:txBody>
+              <a:bodyPr wrap="square" rtlCol="0">
+                <a:spAutoFit/>
+              </a:bodyPr>
+              <a:p>
+                <a:r>
+                  <a:rPr lang="zh-CN" altLang="en-US" b="1">
+                    <a:solidFill>
+                      <a:srgbClr val="FF0000"/>
+                    </a:solidFill>
+                    <a:latin typeface="Consolas" panose="020B0609020204030204" charset="0"/>
+                    <a:cs typeface="Consolas" panose="020B0609020204030204" charset="0"/>
+                  </a:rPr>
+                  <a:t>主串</a:t>
+                </a:r>
+                <a:r>
+                  <a:rPr lang="en-US" altLang="zh-CN" b="1">
+                    <a:solidFill>
+                      <a:srgbClr val="FF0000"/>
+                    </a:solidFill>
+                    <a:latin typeface="Consolas" panose="020B0609020204030204" charset="0"/>
+                    <a:cs typeface="Consolas" panose="020B0609020204030204" charset="0"/>
+                  </a:rPr>
+                  <a:t>:       </a:t>
+                </a:r>
+                <a:r>
+                  <a:rPr lang="en-US" altLang="zh-CN" b="1">
+                    <a:solidFill>
+                      <a:schemeClr val="tx2">
+                        <a:lumMod val="25000"/>
+                        <a:lumOff val="75000"/>
+                      </a:schemeClr>
+                    </a:solidFill>
+                    <a:latin typeface="Consolas" panose="020B0609020204030204" charset="0"/>
+                    <a:cs typeface="Consolas" panose="020B0609020204030204" charset="0"/>
+                  </a:rPr>
+                  <a:t>!!!</a:t>
+                </a:r>
+                <a:r>
+                  <a:rPr lang="en-US" altLang="zh-CN" b="1">
+                    <a:solidFill>
+                      <a:srgbClr val="FF0000"/>
+                    </a:solidFill>
+                    <a:latin typeface="Consolas" panose="020B0609020204030204" charset="0"/>
+                    <a:cs typeface="Consolas" panose="020B0609020204030204" charset="0"/>
+                  </a:rPr>
+                  <a:t>aab</a:t>
+                </a:r>
+                <a:r>
+                  <a:rPr lang="en-US" altLang="zh-CN" b="1">
+                    <a:solidFill>
+                      <a:srgbClr val="00B050"/>
+                    </a:solidFill>
+                    <a:latin typeface="Consolas" panose="020B0609020204030204" charset="0"/>
+                    <a:cs typeface="Consolas" panose="020B0609020204030204" charset="0"/>
+                  </a:rPr>
+                  <a:t>aa</a:t>
+                </a:r>
+                <a:r>
+                  <a:rPr lang="en-US" altLang="zh-CN" b="1">
+                    <a:solidFill>
+                      <a:schemeClr val="accent6">
+                        <a:lumMod val="60000"/>
+                        <a:lumOff val="40000"/>
+                      </a:schemeClr>
+                    </a:solidFill>
+                    <a:latin typeface="Consolas" panose="020B0609020204030204" charset="0"/>
+                    <a:cs typeface="Consolas" panose="020B0609020204030204" charset="0"/>
+                  </a:rPr>
+                  <a:t>?????</a:t>
+                </a:r>
+                <a:endParaRPr lang="en-US" altLang="zh-CN" b="1">
+                  <a:solidFill>
+                    <a:srgbClr val="FF0000"/>
+                  </a:solidFill>
+                  <a:latin typeface="Consolas" panose="020B0609020204030204" charset="0"/>
+                  <a:cs typeface="Consolas" panose="020B0609020204030204" charset="0"/>
+                </a:endParaRPr>
+              </a:p>
+              <a:p>
+                <a:endParaRPr lang="en-US" altLang="zh-CN" b="1">
+                  <a:solidFill>
+                    <a:srgbClr val="FF0000"/>
+                  </a:solidFill>
+                  <a:latin typeface="Consolas" panose="020B0609020204030204" charset="0"/>
+                  <a:cs typeface="Consolas" panose="020B0609020204030204" charset="0"/>
+                </a:endParaRPr>
+              </a:p>
+              <a:p>
+                <a:r>
+                  <a:rPr lang="zh-CN" altLang="en-US" b="1">
+                    <a:solidFill>
+                      <a:srgbClr val="FF0000"/>
+                    </a:solidFill>
+                    <a:latin typeface="Consolas" panose="020B0609020204030204" charset="0"/>
+                    <a:cs typeface="Consolas" panose="020B0609020204030204" charset="0"/>
+                  </a:rPr>
+                  <a:t>模式串</a:t>
+                </a:r>
+                <a:r>
+                  <a:rPr lang="en-US" altLang="zh-CN" b="1">
+                    <a:solidFill>
+                      <a:srgbClr val="FF0000"/>
+                    </a:solidFill>
+                    <a:latin typeface="Consolas" panose="020B0609020204030204" charset="0"/>
+                    <a:cs typeface="Consolas" panose="020B0609020204030204" charset="0"/>
+                  </a:rPr>
+                  <a:t>:        aabaac</a:t>
+                </a:r>
+                <a:endParaRPr lang="en-US" altLang="zh-CN" b="1">
+                  <a:solidFill>
+                    <a:srgbClr val="FF0000"/>
+                  </a:solidFill>
+                  <a:latin typeface="Consolas" panose="020B0609020204030204" charset="0"/>
+                  <a:cs typeface="Consolas" panose="020B0609020204030204" charset="0"/>
+                </a:endParaRPr>
+              </a:p>
+              <a:p>
+                <a:endParaRPr lang="en-US" altLang="zh-CN" b="1">
+                  <a:solidFill>
+                    <a:srgbClr val="FF0000"/>
+                  </a:solidFill>
+                  <a:latin typeface="Consolas" panose="020B0609020204030204" charset="0"/>
+                  <a:cs typeface="Consolas" panose="020B0609020204030204" charset="0"/>
+                </a:endParaRPr>
+              </a:p>
+              <a:p>
+                <a:r>
+                  <a:rPr lang="zh-CN" altLang="en-US" b="1">
+                    <a:solidFill>
+                      <a:srgbClr val="FF0000"/>
+                    </a:solidFill>
+                    <a:latin typeface="Consolas" panose="020B0609020204030204" charset="0"/>
+                    <a:cs typeface="Consolas" panose="020B0609020204030204" charset="0"/>
+                  </a:rPr>
+                  <a:t>第一次后移操作</a:t>
+                </a:r>
+                <a:r>
+                  <a:rPr lang="en-US" altLang="zh-CN" b="1">
+                    <a:solidFill>
+                      <a:srgbClr val="FF0000"/>
+                    </a:solidFill>
+                    <a:latin typeface="Consolas" panose="020B0609020204030204" charset="0"/>
+                    <a:cs typeface="Consolas" panose="020B0609020204030204" charset="0"/>
+                  </a:rPr>
+                  <a:t>:  </a:t>
+                </a:r>
+                <a:r>
+                  <a:rPr lang="en-US" altLang="zh-CN" b="1">
+                    <a:solidFill>
+                      <a:srgbClr val="00B050"/>
+                    </a:solidFill>
+                    <a:latin typeface="Consolas" panose="020B0609020204030204" charset="0"/>
+                    <a:cs typeface="Consolas" panose="020B0609020204030204" charset="0"/>
+                  </a:rPr>
+                  <a:t>a</a:t>
+                </a:r>
+                <a:r>
+                  <a:rPr lang="en-US" altLang="zh-CN" b="1">
+                    <a:solidFill>
+                      <a:srgbClr val="FF0000"/>
+                    </a:solidFill>
+                    <a:latin typeface="Consolas" panose="020B0609020204030204" charset="0"/>
+                    <a:cs typeface="Consolas" panose="020B0609020204030204" charset="0"/>
+                  </a:rPr>
+                  <a:t>abaac(</a:t>
+                </a:r>
+                <a:r>
+                  <a:rPr lang="zh-CN" altLang="en-US" b="1">
+                    <a:solidFill>
+                      <a:srgbClr val="FF0000"/>
+                    </a:solidFill>
+                    <a:latin typeface="Consolas" panose="020B0609020204030204" charset="0"/>
+                    <a:cs typeface="Consolas" panose="020B0609020204030204" charset="0"/>
+                  </a:rPr>
+                  <a:t>不匹配</a:t>
+                </a:r>
+                <a:r>
+                  <a:rPr lang="en-US" altLang="zh-CN" b="1">
+                    <a:solidFill>
+                      <a:srgbClr val="FF0000"/>
+                    </a:solidFill>
+                    <a:latin typeface="Consolas" panose="020B0609020204030204" charset="0"/>
+                    <a:cs typeface="Consolas" panose="020B0609020204030204" charset="0"/>
+                  </a:rPr>
+                  <a:t>)</a:t>
+                </a:r>
+                <a:endParaRPr lang="en-US" altLang="zh-CN" b="1">
+                  <a:solidFill>
+                    <a:srgbClr val="FF0000"/>
+                  </a:solidFill>
+                  <a:latin typeface="Consolas" panose="020B0609020204030204" charset="0"/>
+                  <a:cs typeface="Consolas" panose="020B0609020204030204" charset="0"/>
+                </a:endParaRPr>
+              </a:p>
+              <a:p>
+                <a:endParaRPr lang="en-US" altLang="zh-CN" b="1">
+                  <a:solidFill>
+                    <a:srgbClr val="FF0000"/>
+                  </a:solidFill>
+                  <a:latin typeface="Consolas" panose="020B0609020204030204" charset="0"/>
+                  <a:cs typeface="Consolas" panose="020B0609020204030204" charset="0"/>
+                </a:endParaRPr>
+              </a:p>
+              <a:p>
+                <a:r>
+                  <a:rPr lang="zh-CN" altLang="en-US" b="1">
+                    <a:solidFill>
+                      <a:srgbClr val="FF0000"/>
+                    </a:solidFill>
+                    <a:latin typeface="Consolas" panose="020B0609020204030204" charset="0"/>
+                    <a:cs typeface="Consolas" panose="020B0609020204030204" charset="0"/>
+                  </a:rPr>
+                  <a:t>第二次后移操作</a:t>
+                </a:r>
+                <a:r>
+                  <a:rPr lang="en-US" altLang="zh-CN" b="1">
+                    <a:solidFill>
+                      <a:srgbClr val="FF0000"/>
+                    </a:solidFill>
+                    <a:latin typeface="Consolas" panose="020B0609020204030204" charset="0"/>
+                    <a:cs typeface="Consolas" panose="020B0609020204030204" charset="0"/>
+                  </a:rPr>
+                  <a:t>:   </a:t>
+                </a:r>
+                <a:r>
+                  <a:rPr lang="en-US" altLang="zh-CN" b="1">
+                    <a:solidFill>
+                      <a:srgbClr val="FF0000"/>
+                    </a:solidFill>
+                    <a:latin typeface="Consolas" panose="020B0609020204030204" charset="0"/>
+                    <a:cs typeface="Consolas" panose="020B0609020204030204" charset="0"/>
+                  </a:rPr>
+                  <a:t>aabaac(</a:t>
+                </a:r>
+                <a:r>
+                  <a:rPr lang="zh-CN" altLang="en-US" b="1">
+                    <a:solidFill>
+                      <a:srgbClr val="FF0000"/>
+                    </a:solidFill>
+                    <a:latin typeface="Consolas" panose="020B0609020204030204" charset="0"/>
+                    <a:cs typeface="Consolas" panose="020B0609020204030204" charset="0"/>
+                  </a:rPr>
+                  <a:t>不匹配</a:t>
+                </a:r>
+                <a:r>
+                  <a:rPr lang="en-US" altLang="zh-CN" b="1">
+                    <a:solidFill>
+                      <a:srgbClr val="FF0000"/>
+                    </a:solidFill>
+                    <a:latin typeface="Consolas" panose="020B0609020204030204" charset="0"/>
+                    <a:cs typeface="Consolas" panose="020B0609020204030204" charset="0"/>
+                  </a:rPr>
+                  <a:t>)</a:t>
+                </a:r>
+                <a:endParaRPr lang="en-US" altLang="zh-CN" b="1">
+                  <a:solidFill>
+                    <a:srgbClr val="FF0000"/>
+                  </a:solidFill>
+                  <a:latin typeface="Consolas" panose="020B0609020204030204" charset="0"/>
+                  <a:cs typeface="Consolas" panose="020B0609020204030204" charset="0"/>
+                </a:endParaRPr>
+              </a:p>
+              <a:p>
+                <a:endParaRPr lang="zh-CN" altLang="en-US" b="1">
+                  <a:solidFill>
+                    <a:srgbClr val="FF0000"/>
+                  </a:solidFill>
+                  <a:latin typeface="Consolas" panose="020B0609020204030204" charset="0"/>
+                  <a:cs typeface="Consolas" panose="020B0609020204030204" charset="0"/>
+                </a:endParaRPr>
+              </a:p>
+              <a:p>
+                <a:r>
+                  <a:rPr lang="zh-CN" altLang="en-US" b="1">
+                    <a:solidFill>
+                      <a:srgbClr val="FF0000"/>
+                    </a:solidFill>
+                    <a:latin typeface="Consolas" panose="020B0609020204030204" charset="0"/>
+                    <a:cs typeface="Consolas" panose="020B0609020204030204" charset="0"/>
+                    <a:sym typeface="+mn-ea"/>
+                  </a:rPr>
+                  <a:t>第三次后移操作</a:t>
+                </a:r>
+                <a:r>
+                  <a:rPr lang="en-US" altLang="zh-CN" b="1">
+                    <a:solidFill>
+                      <a:srgbClr val="FF0000"/>
+                    </a:solidFill>
+                    <a:latin typeface="Consolas" panose="020B0609020204030204" charset="0"/>
+                    <a:cs typeface="Consolas" panose="020B0609020204030204" charset="0"/>
+                    <a:sym typeface="+mn-ea"/>
+                  </a:rPr>
+                  <a:t>:    </a:t>
+                </a:r>
+                <a:r>
+                  <a:rPr lang="en-US" altLang="zh-CN" b="1">
+                    <a:solidFill>
+                      <a:srgbClr val="00B050"/>
+                    </a:solidFill>
+                    <a:latin typeface="Consolas" panose="020B0609020204030204" charset="0"/>
+                    <a:cs typeface="Consolas" panose="020B0609020204030204" charset="0"/>
+                    <a:sym typeface="+mn-ea"/>
+                  </a:rPr>
+                  <a:t>aa</a:t>
+                </a:r>
+                <a:r>
+                  <a:rPr lang="en-US" altLang="zh-CN" b="1">
+                    <a:solidFill>
+                      <a:srgbClr val="FF0000"/>
+                    </a:solidFill>
+                    <a:latin typeface="Consolas" panose="020B0609020204030204" charset="0"/>
+                    <a:cs typeface="Consolas" panose="020B0609020204030204" charset="0"/>
+                    <a:sym typeface="+mn-ea"/>
+                  </a:rPr>
+                  <a:t>baac</a:t>
+                </a:r>
+                <a:endParaRPr lang="en-US" altLang="zh-CN" b="1">
+                  <a:solidFill>
+                    <a:srgbClr val="FF0000"/>
+                  </a:solidFill>
+                  <a:latin typeface="Consolas" panose="020B0609020204030204" charset="0"/>
+                  <a:cs typeface="Consolas" panose="020B0609020204030204" charset="0"/>
+                </a:endParaRPr>
+              </a:p>
+              <a:p>
+                <a:endParaRPr lang="zh-CN" altLang="en-US" b="1">
+                  <a:solidFill>
+                    <a:srgbClr val="FF0000"/>
+                  </a:solidFill>
+                  <a:latin typeface="Consolas" panose="020B0609020204030204" charset="0"/>
+                  <a:cs typeface="Consolas" panose="020B0609020204030204" charset="0"/>
+                </a:endParaRPr>
+              </a:p>
+            </p:txBody>
+          </p:sp>
+          <p:cxnSp>
+            <p:nvCxnSpPr>
+              <p:cNvPr id="10" name="直接连接符 9"/>
+              <p:cNvCxnSpPr/>
+              <p:nvPr>
+                <p:custDataLst>
+                  <p:tags r:id="rId8"/>
+                </p:custDataLst>
+              </p:nvPr>
+            </p:nvCxnSpPr>
+            <p:spPr>
+              <a:xfrm flipH="1" flipV="1">
+                <a:off x="11867" y="6949"/>
+                <a:ext cx="93" cy="4042"/>
+              </a:xfrm>
+              <a:prstGeom prst="line">
+                <a:avLst/>
+              </a:prstGeom>
+              <a:ln w="19050" cmpd="sng">
+                <a:solidFill>
+                  <a:srgbClr val="7030A0"/>
+                </a:solidFill>
+                <a:prstDash val="solid"/>
+              </a:ln>
+            </p:spPr>
+            <p:style>
+              <a:lnRef idx="1">
+                <a:schemeClr val="accent1"/>
+              </a:lnRef>
+              <a:fillRef idx="0">
+                <a:schemeClr val="accent1"/>
+              </a:fillRef>
+              <a:effectRef idx="0">
+                <a:schemeClr val="accent1"/>
+              </a:effectRef>
+              <a:fontRef idx="minor">
+                <a:schemeClr val="tx1"/>
+              </a:fontRef>
+            </p:style>
+          </p:cxnSp>
+          <p:cxnSp>
+            <p:nvCxnSpPr>
+              <p:cNvPr id="11" name="直接箭头连接符 10"/>
+              <p:cNvCxnSpPr/>
+              <p:nvPr>
+                <p:custDataLst>
+                  <p:tags r:id="rId9"/>
+                </p:custDataLst>
+              </p:nvPr>
+            </p:nvCxnSpPr>
+            <p:spPr>
+              <a:xfrm flipH="1" flipV="1">
+                <a:off x="12049" y="10843"/>
+                <a:ext cx="97" cy="695"/>
+              </a:xfrm>
+              <a:prstGeom prst="straightConnector1">
+                <a:avLst/>
+              </a:prstGeom>
+              <a:ln w="31750">
+                <a:solidFill>
+                  <a:schemeClr val="tx2"/>
+                </a:solidFill>
+                <a:tailEnd type="arrow"/>
+              </a:ln>
+            </p:spPr>
+            <p:style>
+              <a:lnRef idx="1">
+                <a:schemeClr val="accent1"/>
+              </a:lnRef>
+              <a:fillRef idx="0">
+                <a:schemeClr val="accent1"/>
+              </a:fillRef>
+              <a:effectRef idx="0">
+                <a:schemeClr val="accent1"/>
+              </a:effectRef>
+              <a:fontRef idx="minor">
+                <a:schemeClr val="tx1"/>
+              </a:fontRef>
+            </p:style>
+          </p:cxnSp>
+          <p:sp>
+            <p:nvSpPr>
+              <p:cNvPr id="12" name="文本框 11"/>
+              <p:cNvSpPr txBox="1"/>
+              <p:nvPr>
+                <p:custDataLst>
+                  <p:tags r:id="rId10"/>
+                </p:custDataLst>
+              </p:nvPr>
+            </p:nvSpPr>
+            <p:spPr>
+              <a:xfrm>
+                <a:off x="11762" y="11497"/>
+                <a:ext cx="1241" cy="580"/>
+              </a:xfrm>
+              <a:prstGeom prst="rect">
+                <a:avLst/>
+              </a:prstGeom>
+              <a:noFill/>
+            </p:spPr>
+            <p:txBody>
+              <a:bodyPr wrap="square" rtlCol="0">
+                <a:spAutoFit/>
+              </a:bodyPr>
+              <a:p>
+                <a:r>
+                  <a:rPr lang="en-US" altLang="zh-CN" b="1">
+                    <a:latin typeface="Consolas" panose="020B0609020204030204" charset="0"/>
+                    <a:cs typeface="Consolas" panose="020B0609020204030204" charset="0"/>
+                  </a:rPr>
+                  <a:t>j=3</a:t>
+                </a:r>
+                <a:endParaRPr lang="zh-CN" altLang="en-US" b="1">
+                  <a:latin typeface="Consolas" panose="020B0609020204030204" charset="0"/>
+                  <a:cs typeface="Consolas" panose="020B0609020204030204" charset="0"/>
+                </a:endParaRPr>
+              </a:p>
+            </p:txBody>
+          </p:sp>
+        </p:grpSp>
+      </p:grpSp>
+    </p:spTree>
+    <p:custDataLst>
+      <p:tags r:id="rId11"/>
+    </p:custDataLst>
+  </p:cSld>
+  <p:clrMapOvr>
+    <a:masterClrMapping/>
+  </p:clrMapOvr>
+</p:sld>
+</file>
+
+<file path=ppt/slides/slide15.xml><?xml version="1.0" encoding="utf-8"?>
+<p:sld xmlns:a="http://schemas.openxmlformats.org/drawingml/2006/main" xmlns:r="http://schemas.openxmlformats.org/officeDocument/2006/relationships" xmlns:p="http://schemas.openxmlformats.org/presentationml/2006/main">
+  <p:cSld>
+    <p:spTree>
+      <p:nvGrpSpPr>
+        <p:cNvPr id="1" name=""/>
+        <p:cNvGrpSpPr/>
+        <p:nvPr/>
+      </p:nvGrpSpPr>
+      <p:grpSpPr/>
+      <p:graphicFrame>
+        <p:nvGraphicFramePr>
+          <p:cNvPr id="6" name="表格 5"/>
+          <p:cNvGraphicFramePr/>
+          <p:nvPr>
+            <p:custDataLst>
+              <p:tags r:id="rId1"/>
+            </p:custDataLst>
+          </p:nvPr>
+        </p:nvGraphicFramePr>
+        <p:xfrm>
+          <a:off x="913765" y="163830"/>
+          <a:ext cx="7049770" cy="1842135"/>
+        </p:xfrm>
+        <a:graphic>
+          <a:graphicData uri="http://schemas.openxmlformats.org/drawingml/2006/table">
+            <a:tbl>
+              <a:tblPr firstRow="1" bandRow="1">
+                <a:tableStyleId>{5C22544A-7EE6-4342-B048-85BDC9FD1C3A}</a:tableStyleId>
+              </a:tblPr>
+              <a:tblGrid>
+                <a:gridCol w="1007110"/>
+                <a:gridCol w="1007110"/>
+                <a:gridCol w="1007110"/>
+                <a:gridCol w="1007110"/>
+                <a:gridCol w="1007110"/>
+                <a:gridCol w="1007110"/>
+                <a:gridCol w="1007110"/>
+              </a:tblGrid>
+              <a:tr h="429260">
+                <a:tc>
+                  <a:txBody>
+                    <a:bodyPr/>
+                    <a:p>
+                      <a:pPr algn="ctr">
+                        <a:buNone/>
+                      </a:pPr>
+                      <a:r>
+                        <a:rPr lang="zh-CN" altLang="en-US" sz="1400" b="1">
+                          <a:latin typeface="Consolas" panose="020B0609020204030204" charset="0"/>
+                          <a:cs typeface="Consolas" panose="020B0609020204030204" charset="0"/>
+                        </a:rPr>
+                        <a:t>编号</a:t>
+                      </a:r>
+                      <a:r>
+                        <a:rPr lang="en-US" altLang="zh-CN" sz="1400" b="1">
+                          <a:latin typeface="Consolas" panose="020B0609020204030204" charset="0"/>
+                          <a:cs typeface="Consolas" panose="020B0609020204030204" charset="0"/>
+                        </a:rPr>
+                        <a:t>j</a:t>
+                      </a:r>
+                      <a:endParaRPr lang="en-US" altLang="zh-CN" sz="1400" b="1">
+                        <a:latin typeface="Consolas" panose="020B0609020204030204" charset="0"/>
+                        <a:cs typeface="Consolas" panose="020B0609020204030204" charset="0"/>
+                      </a:endParaRPr>
+                    </a:p>
+                  </a:txBody>
+                  <a:tcPr anchor="ctr" anchorCtr="0">
+                    <a:lnL w="12700">
+                      <a:solidFill>
+                        <a:schemeClr val="tx1"/>
+                      </a:solidFill>
+                      <a:prstDash val="solid"/>
+                    </a:lnL>
+                    <a:lnR w="12700">
+                      <a:solidFill>
+                        <a:schemeClr val="tx1"/>
+                      </a:solidFill>
+                      <a:prstDash val="solid"/>
+                    </a:lnR>
+                    <a:lnT w="12700">
+                      <a:solidFill>
+                        <a:schemeClr val="tx1"/>
+                      </a:solidFill>
+                      <a:prstDash val="solid"/>
+                    </a:lnT>
+                    <a:lnB w="12700">
+                      <a:solidFill>
+                        <a:schemeClr val="tx1"/>
+                      </a:solidFill>
+                      <a:prstDash val="solid"/>
+                    </a:lnB>
+                    <a:lnTlToBr>
+                      <a:noFill/>
+                    </a:lnTlToBr>
+                    <a:lnBlToTr>
+                      <a:noFill/>
+                    </a:lnBlToTr>
+                    <a:solidFill>
+                      <a:srgbClr val="00B050"/>
+                    </a:solidFill>
+                  </a:tcPr>
+                </a:tc>
+                <a:tc>
+                  <a:txBody>
+                    <a:bodyPr/>
+                    <a:p>
+                      <a:pPr algn="ctr">
+                        <a:buNone/>
+                      </a:pPr>
+                      <a:r>
+                        <a:rPr lang="en-US" altLang="zh-CN" sz="1400" b="1">
+                          <a:latin typeface="Consolas" panose="020B0609020204030204" charset="0"/>
+                          <a:cs typeface="Consolas" panose="020B0609020204030204" charset="0"/>
+                        </a:rPr>
+                        <a:t>1</a:t>
+                      </a:r>
+                      <a:endParaRPr lang="en-US" altLang="zh-CN" sz="1400" b="1">
+                        <a:latin typeface="Consolas" panose="020B0609020204030204" charset="0"/>
+                        <a:cs typeface="Consolas" panose="020B0609020204030204" charset="0"/>
+                      </a:endParaRPr>
+                    </a:p>
+                  </a:txBody>
+                  <a:tcPr anchor="ctr" anchorCtr="0">
+                    <a:lnL w="12700">
+                      <a:solidFill>
+                        <a:schemeClr val="tx1"/>
+                      </a:solidFill>
+                      <a:prstDash val="solid"/>
+                    </a:lnL>
+                    <a:lnR w="12700">
+                      <a:solidFill>
+                        <a:schemeClr val="tx1"/>
+                      </a:solidFill>
+                      <a:prstDash val="solid"/>
+                    </a:lnR>
+                    <a:lnT w="12700">
+                      <a:solidFill>
+                        <a:schemeClr val="tx1"/>
+                      </a:solidFill>
+                      <a:prstDash val="solid"/>
+                    </a:lnT>
+                    <a:lnB w="12700">
+                      <a:solidFill>
+                        <a:schemeClr val="tx1"/>
+                      </a:solidFill>
+                      <a:prstDash val="solid"/>
+                    </a:lnB>
+                    <a:lnTlToBr>
+                      <a:noFill/>
+                    </a:lnTlToBr>
+                    <a:lnBlToTr>
+                      <a:noFill/>
+                    </a:lnBlToTr>
+                    <a:solidFill>
+                      <a:srgbClr val="00B050"/>
+                    </a:solidFill>
+                  </a:tcPr>
+                </a:tc>
+                <a:tc>
+                  <a:txBody>
+                    <a:bodyPr/>
+                    <a:p>
+                      <a:pPr algn="ctr">
+                        <a:buNone/>
+                      </a:pPr>
+                      <a:r>
+                        <a:rPr lang="en-US" altLang="zh-CN" sz="1400" b="1">
+                          <a:latin typeface="Consolas" panose="020B0609020204030204" charset="0"/>
+                          <a:cs typeface="Consolas" panose="020B0609020204030204" charset="0"/>
+                        </a:rPr>
+                        <a:t>2</a:t>
+                      </a:r>
+                      <a:endParaRPr lang="en-US" altLang="zh-CN" sz="1400" b="1">
+                        <a:latin typeface="Consolas" panose="020B0609020204030204" charset="0"/>
+                        <a:cs typeface="Consolas" panose="020B0609020204030204" charset="0"/>
+                      </a:endParaRPr>
+                    </a:p>
+                  </a:txBody>
+                  <a:tcPr anchor="ctr" anchorCtr="0">
+                    <a:lnL w="12700">
+                      <a:solidFill>
+                        <a:schemeClr val="tx1"/>
+                      </a:solidFill>
+                      <a:prstDash val="solid"/>
+                    </a:lnL>
+                    <a:lnR w="12700">
+                      <a:solidFill>
+                        <a:schemeClr val="tx1"/>
+                      </a:solidFill>
+                      <a:prstDash val="solid"/>
+                    </a:lnR>
+                    <a:lnT w="12700">
+                      <a:solidFill>
+                        <a:schemeClr val="tx1"/>
+                      </a:solidFill>
+                      <a:prstDash val="solid"/>
+                    </a:lnT>
+                    <a:lnB w="12700">
+                      <a:solidFill>
+                        <a:schemeClr val="tx1"/>
+                      </a:solidFill>
+                      <a:prstDash val="solid"/>
+                    </a:lnB>
+                    <a:lnTlToBr>
+                      <a:noFill/>
+                    </a:lnTlToBr>
+                    <a:lnBlToTr>
+                      <a:noFill/>
+                    </a:lnBlToTr>
+                    <a:solidFill>
+                      <a:srgbClr val="00B050"/>
+                    </a:solidFill>
+                  </a:tcPr>
+                </a:tc>
+                <a:tc>
+                  <a:txBody>
+                    <a:bodyPr/>
+                    <a:p>
+                      <a:pPr algn="ctr">
+                        <a:buNone/>
+                      </a:pPr>
+                      <a:r>
+                        <a:rPr lang="en-US" altLang="zh-CN" sz="1400" b="1">
+                          <a:latin typeface="Consolas" panose="020B0609020204030204" charset="0"/>
+                          <a:cs typeface="Consolas" panose="020B0609020204030204" charset="0"/>
+                        </a:rPr>
+                        <a:t>3</a:t>
+                      </a:r>
+                      <a:endParaRPr lang="en-US" altLang="zh-CN" sz="1400" b="1">
+                        <a:latin typeface="Consolas" panose="020B0609020204030204" charset="0"/>
+                        <a:cs typeface="Consolas" panose="020B0609020204030204" charset="0"/>
+                      </a:endParaRPr>
+                    </a:p>
+                  </a:txBody>
+                  <a:tcPr anchor="ctr" anchorCtr="0">
+                    <a:lnL w="12700">
+                      <a:solidFill>
+                        <a:schemeClr val="tx1"/>
+                      </a:solidFill>
+                      <a:prstDash val="solid"/>
+                    </a:lnL>
+                    <a:lnR w="12700">
+                      <a:solidFill>
+                        <a:schemeClr val="tx1"/>
+                      </a:solidFill>
+                      <a:prstDash val="solid"/>
+                    </a:lnR>
+                    <a:lnT w="12700">
+                      <a:solidFill>
+                        <a:schemeClr val="tx1"/>
+                      </a:solidFill>
+                      <a:prstDash val="solid"/>
+                    </a:lnT>
+                    <a:lnB w="12700">
+                      <a:solidFill>
+                        <a:schemeClr val="tx1"/>
+                      </a:solidFill>
+                      <a:prstDash val="solid"/>
+                    </a:lnB>
+                    <a:lnTlToBr>
+                      <a:noFill/>
+                    </a:lnTlToBr>
+                    <a:lnBlToTr>
+                      <a:noFill/>
+                    </a:lnBlToTr>
+                    <a:solidFill>
+                      <a:srgbClr val="00B050"/>
+                    </a:solidFill>
+                  </a:tcPr>
+                </a:tc>
+                <a:tc>
+                  <a:txBody>
+                    <a:bodyPr/>
+                    <a:p>
+                      <a:pPr algn="ctr">
+                        <a:buNone/>
+                      </a:pPr>
+                      <a:r>
+                        <a:rPr lang="en-US" altLang="zh-CN" sz="1400" b="1">
+                          <a:latin typeface="Consolas" panose="020B0609020204030204" charset="0"/>
+                          <a:cs typeface="Consolas" panose="020B0609020204030204" charset="0"/>
+                        </a:rPr>
+                        <a:t>4</a:t>
+                      </a:r>
+                      <a:endParaRPr lang="en-US" altLang="zh-CN" sz="1400" b="1">
+                        <a:latin typeface="Consolas" panose="020B0609020204030204" charset="0"/>
+                        <a:cs typeface="Consolas" panose="020B0609020204030204" charset="0"/>
+                      </a:endParaRPr>
+                    </a:p>
+                  </a:txBody>
+                  <a:tcPr anchor="ctr" anchorCtr="0">
+                    <a:lnL w="12700">
+                      <a:solidFill>
+                        <a:schemeClr val="tx1"/>
+                      </a:solidFill>
+                      <a:prstDash val="solid"/>
+                    </a:lnL>
+                    <a:lnR w="12700">
+                      <a:solidFill>
+                        <a:schemeClr val="tx1"/>
+                      </a:solidFill>
+                      <a:prstDash val="solid"/>
+                    </a:lnR>
+                    <a:lnT w="12700">
+                      <a:solidFill>
+                        <a:schemeClr val="tx1"/>
+                      </a:solidFill>
+                      <a:prstDash val="solid"/>
+                    </a:lnT>
+                    <a:lnB w="12700">
+                      <a:solidFill>
+                        <a:schemeClr val="tx1"/>
+                      </a:solidFill>
+                      <a:prstDash val="solid"/>
+                    </a:lnB>
+                    <a:lnTlToBr>
+                      <a:noFill/>
+                    </a:lnTlToBr>
+                    <a:lnBlToTr>
+                      <a:noFill/>
+                    </a:lnBlToTr>
+                    <a:solidFill>
+                      <a:srgbClr val="00B050"/>
+                    </a:solidFill>
+                  </a:tcPr>
+                </a:tc>
+                <a:tc>
+                  <a:txBody>
+                    <a:bodyPr/>
+                    <a:p>
+                      <a:pPr algn="ctr">
+                        <a:buNone/>
+                      </a:pPr>
+                      <a:r>
+                        <a:rPr lang="en-US" altLang="zh-CN" sz="1400" b="1">
+                          <a:latin typeface="Consolas" panose="020B0609020204030204" charset="0"/>
+                          <a:cs typeface="Consolas" panose="020B0609020204030204" charset="0"/>
+                        </a:rPr>
+                        <a:t>5</a:t>
+                      </a:r>
+                      <a:endParaRPr lang="en-US" altLang="zh-CN" sz="1400" b="1">
+                        <a:latin typeface="Consolas" panose="020B0609020204030204" charset="0"/>
+                        <a:cs typeface="Consolas" panose="020B0609020204030204" charset="0"/>
+                      </a:endParaRPr>
+                    </a:p>
+                  </a:txBody>
+                  <a:tcPr anchor="ctr" anchorCtr="0">
+                    <a:lnL w="12700">
+                      <a:solidFill>
+                        <a:schemeClr val="tx1"/>
+                      </a:solidFill>
+                      <a:prstDash val="solid"/>
+                    </a:lnL>
+                    <a:lnR w="12700">
+                      <a:solidFill>
+                        <a:schemeClr val="tx1"/>
+                      </a:solidFill>
+                      <a:prstDash val="solid"/>
+                    </a:lnR>
+                    <a:lnT w="12700">
+                      <a:solidFill>
+                        <a:schemeClr val="tx1"/>
+                      </a:solidFill>
+                      <a:prstDash val="solid"/>
+                    </a:lnT>
+                    <a:lnB w="12700">
+                      <a:solidFill>
+                        <a:schemeClr val="tx1"/>
+                      </a:solidFill>
+                      <a:prstDash val="solid"/>
+                    </a:lnB>
+                    <a:lnTlToBr>
+                      <a:noFill/>
+                    </a:lnTlToBr>
+                    <a:lnBlToTr>
+                      <a:noFill/>
+                    </a:lnBlToTr>
+                    <a:solidFill>
+                      <a:srgbClr val="00B050"/>
+                    </a:solidFill>
+                  </a:tcPr>
+                </a:tc>
+                <a:tc>
+                  <a:txBody>
+                    <a:bodyPr/>
+                    <a:p>
+                      <a:pPr algn="ctr">
+                        <a:buNone/>
+                      </a:pPr>
+                      <a:r>
+                        <a:rPr lang="en-US" altLang="zh-CN" sz="1400" b="1">
+                          <a:latin typeface="Consolas" panose="020B0609020204030204" charset="0"/>
+                          <a:cs typeface="Consolas" panose="020B0609020204030204" charset="0"/>
+                        </a:rPr>
+                        <a:t>6</a:t>
+                      </a:r>
+                      <a:endParaRPr lang="en-US" altLang="zh-CN" sz="1400" b="1">
+                        <a:latin typeface="Consolas" panose="020B0609020204030204" charset="0"/>
+                        <a:cs typeface="Consolas" panose="020B0609020204030204" charset="0"/>
+                      </a:endParaRPr>
+                    </a:p>
+                  </a:txBody>
+                  <a:tcPr anchor="ctr" anchorCtr="0">
+                    <a:lnL w="12700">
+                      <a:solidFill>
+                        <a:schemeClr val="tx1"/>
+                      </a:solidFill>
+                      <a:prstDash val="solid"/>
+                    </a:lnL>
+                    <a:lnR w="12700">
+                      <a:solidFill>
+                        <a:schemeClr val="tx1"/>
+                      </a:solidFill>
+                      <a:prstDash val="solid"/>
+                    </a:lnR>
+                    <a:lnT w="12700">
+                      <a:solidFill>
+                        <a:schemeClr val="tx1"/>
+                      </a:solidFill>
+                      <a:prstDash val="solid"/>
+                    </a:lnT>
+                    <a:lnB w="12700">
+                      <a:solidFill>
+                        <a:schemeClr val="tx1"/>
+                      </a:solidFill>
+                      <a:prstDash val="solid"/>
+                    </a:lnB>
+                    <a:lnTlToBr>
+                      <a:noFill/>
+                    </a:lnTlToBr>
+                    <a:lnBlToTr>
+                      <a:noFill/>
+                    </a:lnBlToTr>
+                    <a:solidFill>
+                      <a:srgbClr val="00B050"/>
+                    </a:solidFill>
+                  </a:tcPr>
+                </a:tc>
+              </a:tr>
+              <a:tr h="429895">
+                <a:tc>
+                  <a:txBody>
+                    <a:bodyPr/>
+                    <a:p>
+                      <a:pPr algn="ctr">
+                        <a:buNone/>
+                      </a:pPr>
+                      <a:r>
+                        <a:rPr lang="zh-CN" altLang="en-US" sz="1400" b="1">
+                          <a:latin typeface="Consolas" panose="020B0609020204030204" charset="0"/>
+                        </a:rPr>
+                        <a:t>模式串</a:t>
+                      </a:r>
+                      <a:endParaRPr lang="zh-CN" altLang="en-US" sz="1400" b="1">
+                        <a:latin typeface="Consolas" panose="020B0609020204030204" charset="0"/>
+                      </a:endParaRPr>
+                    </a:p>
+                  </a:txBody>
+                  <a:tcPr anchor="ctr" anchorCtr="0">
+                    <a:lnL w="12700">
+                      <a:solidFill>
+                        <a:schemeClr val="tx1"/>
+                      </a:solidFill>
+                      <a:prstDash val="solid"/>
+                    </a:lnL>
+                    <a:lnR w="12700">
+                      <a:solidFill>
+                        <a:schemeClr val="tx1"/>
+                      </a:solidFill>
+                      <a:prstDash val="solid"/>
+                    </a:lnR>
+                    <a:lnT w="12700">
+                      <a:solidFill>
+                        <a:schemeClr val="tx1"/>
+                      </a:solidFill>
+                      <a:prstDash val="solid"/>
+                    </a:lnT>
+                    <a:lnB w="12700">
+                      <a:solidFill>
+                        <a:schemeClr val="tx1"/>
+                      </a:solidFill>
+                      <a:prstDash val="solid"/>
+                    </a:lnB>
+                    <a:lnTlToBr>
+                      <a:noFill/>
+                    </a:lnTlToBr>
+                    <a:lnBlToTr>
+                      <a:noFill/>
+                    </a:lnBlToTr>
+                    <a:solidFill>
+                      <a:schemeClr val="accent4">
+                        <a:lumMod val="75000"/>
+                      </a:schemeClr>
+                    </a:solidFill>
+                  </a:tcPr>
+                </a:tc>
+                <a:tc>
+                  <a:txBody>
+                    <a:bodyPr/>
+                    <a:p>
+                      <a:pPr algn="ctr">
+                        <a:buNone/>
+                      </a:pPr>
+                      <a:r>
+                        <a:rPr lang="en-US" altLang="zh-CN" sz="1400" b="1">
+                          <a:latin typeface="Consolas" panose="020B0609020204030204" charset="0"/>
+                          <a:cs typeface="Consolas" panose="020B0609020204030204" charset="0"/>
+                        </a:rPr>
+                        <a:t>a</a:t>
+                      </a:r>
+                      <a:endParaRPr lang="en-US" altLang="zh-CN" sz="1400" b="1">
+                        <a:latin typeface="Consolas" panose="020B0609020204030204" charset="0"/>
+                        <a:cs typeface="Consolas" panose="020B0609020204030204" charset="0"/>
+                      </a:endParaRPr>
+                    </a:p>
+                  </a:txBody>
+                  <a:tcPr anchor="ctr" anchorCtr="0">
+                    <a:lnL w="12700">
+                      <a:solidFill>
+                        <a:schemeClr val="tx1"/>
+                      </a:solidFill>
+                      <a:prstDash val="solid"/>
+                    </a:lnL>
+                    <a:lnR w="12700">
+                      <a:solidFill>
+                        <a:schemeClr val="tx1"/>
+                      </a:solidFill>
+                      <a:prstDash val="solid"/>
+                    </a:lnR>
+                    <a:lnT w="12700">
+                      <a:solidFill>
+                        <a:schemeClr val="tx1"/>
+                      </a:solidFill>
+                      <a:prstDash val="solid"/>
+                    </a:lnT>
+                    <a:lnB w="12700">
+                      <a:solidFill>
+                        <a:schemeClr val="tx1"/>
+                      </a:solidFill>
+                      <a:prstDash val="solid"/>
+                    </a:lnB>
+                    <a:lnTlToBr>
+                      <a:noFill/>
+                    </a:lnTlToBr>
+                    <a:lnBlToTr>
+                      <a:noFill/>
+                    </a:lnBlToTr>
+                    <a:solidFill>
+                      <a:schemeClr val="accent4">
+                        <a:lumMod val="75000"/>
+                      </a:schemeClr>
+                    </a:solidFill>
+                  </a:tcPr>
+                </a:tc>
+                <a:tc>
+                  <a:txBody>
+                    <a:bodyPr/>
+                    <a:p>
+                      <a:pPr algn="ctr">
+                        <a:buNone/>
+                      </a:pPr>
+                      <a:r>
+                        <a:rPr lang="en-US" altLang="zh-CN" sz="1400" b="1">
+                          <a:latin typeface="Consolas" panose="020B0609020204030204" charset="0"/>
+                          <a:cs typeface="Consolas" panose="020B0609020204030204" charset="0"/>
+                        </a:rPr>
+                        <a:t>a</a:t>
+                      </a:r>
+                      <a:endParaRPr lang="en-US" altLang="zh-CN" sz="1400" b="1">
+                        <a:latin typeface="Consolas" panose="020B0609020204030204" charset="0"/>
+                        <a:cs typeface="Consolas" panose="020B0609020204030204" charset="0"/>
+                      </a:endParaRPr>
+                    </a:p>
+                  </a:txBody>
+                  <a:tcPr anchor="ctr" anchorCtr="0">
+                    <a:lnL w="12700">
+                      <a:solidFill>
+                        <a:schemeClr val="tx1"/>
+                      </a:solidFill>
+                      <a:prstDash val="solid"/>
+                    </a:lnL>
+                    <a:lnR w="12700">
+                      <a:solidFill>
+                        <a:schemeClr val="tx1"/>
+                      </a:solidFill>
+                      <a:prstDash val="solid"/>
+                    </a:lnR>
+                    <a:lnT w="12700">
+                      <a:solidFill>
+                        <a:schemeClr val="tx1"/>
+                      </a:solidFill>
+                      <a:prstDash val="solid"/>
+                    </a:lnT>
+                    <a:lnB w="12700">
+                      <a:solidFill>
+                        <a:schemeClr val="tx1"/>
+                      </a:solidFill>
+                      <a:prstDash val="solid"/>
+                    </a:lnB>
+                    <a:lnTlToBr>
+                      <a:noFill/>
+                    </a:lnTlToBr>
+                    <a:lnBlToTr>
+                      <a:noFill/>
+                    </a:lnBlToTr>
+                    <a:solidFill>
+                      <a:schemeClr val="accent4">
+                        <a:lumMod val="75000"/>
+                      </a:schemeClr>
+                    </a:solidFill>
+                  </a:tcPr>
+                </a:tc>
+                <a:tc>
+                  <a:txBody>
+                    <a:bodyPr/>
+                    <a:p>
+                      <a:pPr algn="ctr">
+                        <a:buNone/>
+                      </a:pPr>
+                      <a:r>
+                        <a:rPr lang="en-US" altLang="zh-CN" sz="1400" b="1">
+                          <a:latin typeface="Consolas" panose="020B0609020204030204" charset="0"/>
+                          <a:cs typeface="Consolas" panose="020B0609020204030204" charset="0"/>
+                        </a:rPr>
+                        <a:t>b</a:t>
+                      </a:r>
+                      <a:endParaRPr lang="en-US" altLang="zh-CN" sz="1400" b="1">
+                        <a:latin typeface="Consolas" panose="020B0609020204030204" charset="0"/>
+                        <a:cs typeface="Consolas" panose="020B0609020204030204" charset="0"/>
+                      </a:endParaRPr>
+                    </a:p>
+                  </a:txBody>
+                  <a:tcPr anchor="ctr" anchorCtr="0">
+                    <a:lnL w="12700">
+                      <a:solidFill>
+                        <a:schemeClr val="tx1"/>
+                      </a:solidFill>
+                      <a:prstDash val="solid"/>
+                    </a:lnL>
+                    <a:lnR w="12700">
+                      <a:solidFill>
+                        <a:schemeClr val="tx1"/>
+                      </a:solidFill>
+                      <a:prstDash val="solid"/>
+                    </a:lnR>
+                    <a:lnT w="12700">
+                      <a:solidFill>
+                        <a:schemeClr val="tx1"/>
+                      </a:solidFill>
+                      <a:prstDash val="solid"/>
+                    </a:lnT>
+                    <a:lnB w="12700">
+                      <a:solidFill>
+                        <a:schemeClr val="tx1"/>
+                      </a:solidFill>
+                      <a:prstDash val="solid"/>
+                    </a:lnB>
+                    <a:lnTlToBr>
+                      <a:noFill/>
+                    </a:lnTlToBr>
+                    <a:lnBlToTr>
+                      <a:noFill/>
+                    </a:lnBlToTr>
+                    <a:solidFill>
+                      <a:schemeClr val="accent4">
+                        <a:lumMod val="75000"/>
+                      </a:schemeClr>
+                    </a:solidFill>
+                  </a:tcPr>
+                </a:tc>
+                <a:tc>
+                  <a:txBody>
+                    <a:bodyPr/>
+                    <a:p>
+                      <a:pPr algn="ctr">
+                        <a:buNone/>
+                      </a:pPr>
+                      <a:r>
+                        <a:rPr lang="en-US" altLang="zh-CN" sz="1400" b="1">
+                          <a:latin typeface="Consolas" panose="020B0609020204030204" charset="0"/>
+                          <a:cs typeface="Consolas" panose="020B0609020204030204" charset="0"/>
+                        </a:rPr>
+                        <a:t>a</a:t>
+                      </a:r>
+                      <a:endParaRPr lang="en-US" altLang="zh-CN" sz="1400" b="1">
+                        <a:latin typeface="Consolas" panose="020B0609020204030204" charset="0"/>
+                        <a:cs typeface="Consolas" panose="020B0609020204030204" charset="0"/>
+                      </a:endParaRPr>
+                    </a:p>
+                  </a:txBody>
+                  <a:tcPr anchor="ctr" anchorCtr="0">
+                    <a:lnL w="12700">
+                      <a:solidFill>
+                        <a:schemeClr val="tx1"/>
+                      </a:solidFill>
+                      <a:prstDash val="solid"/>
+                    </a:lnL>
+                    <a:lnR w="12700">
+                      <a:solidFill>
+                        <a:schemeClr val="tx1"/>
+                      </a:solidFill>
+                      <a:prstDash val="solid"/>
+                    </a:lnR>
+                    <a:lnT w="12700">
+                      <a:solidFill>
+                        <a:schemeClr val="tx1"/>
+                      </a:solidFill>
+                      <a:prstDash val="solid"/>
+                    </a:lnT>
+                    <a:lnB w="12700">
+                      <a:solidFill>
+                        <a:schemeClr val="tx1"/>
+                      </a:solidFill>
+                      <a:prstDash val="solid"/>
+                    </a:lnB>
+                    <a:lnTlToBr>
+                      <a:noFill/>
+                    </a:lnTlToBr>
+                    <a:lnBlToTr>
+                      <a:noFill/>
+                    </a:lnBlToTr>
+                    <a:solidFill>
+                      <a:schemeClr val="accent4">
+                        <a:lumMod val="75000"/>
+                      </a:schemeClr>
+                    </a:solidFill>
+                  </a:tcPr>
+                </a:tc>
+                <a:tc>
+                  <a:txBody>
+                    <a:bodyPr/>
+                    <a:p>
+                      <a:pPr algn="ctr">
+                        <a:buNone/>
+                      </a:pPr>
+                      <a:r>
+                        <a:rPr lang="en-US" altLang="zh-CN" sz="1400" b="1">
+                          <a:latin typeface="Consolas" panose="020B0609020204030204" charset="0"/>
+                          <a:cs typeface="Consolas" panose="020B0609020204030204" charset="0"/>
+                        </a:rPr>
+                        <a:t>a</a:t>
+                      </a:r>
+                      <a:endParaRPr lang="en-US" altLang="zh-CN" sz="1400" b="1">
+                        <a:latin typeface="Consolas" panose="020B0609020204030204" charset="0"/>
+                        <a:cs typeface="Consolas" panose="020B0609020204030204" charset="0"/>
+                      </a:endParaRPr>
+                    </a:p>
+                  </a:txBody>
+                  <a:tcPr anchor="ctr" anchorCtr="0">
+                    <a:lnL w="12700">
+                      <a:solidFill>
+                        <a:schemeClr val="tx1"/>
+                      </a:solidFill>
+                      <a:prstDash val="solid"/>
+                    </a:lnL>
+                    <a:lnR w="12700">
+                      <a:solidFill>
+                        <a:schemeClr val="tx1"/>
+                      </a:solidFill>
+                      <a:prstDash val="solid"/>
+                    </a:lnR>
+                    <a:lnT w="12700">
+                      <a:solidFill>
+                        <a:schemeClr val="tx1"/>
+                      </a:solidFill>
+                      <a:prstDash val="solid"/>
+                    </a:lnT>
+                    <a:lnB w="12700">
+                      <a:solidFill>
+                        <a:schemeClr val="tx1"/>
+                      </a:solidFill>
+                      <a:prstDash val="solid"/>
+                    </a:lnB>
+                    <a:lnTlToBr>
+                      <a:noFill/>
+                    </a:lnTlToBr>
+                    <a:lnBlToTr>
+                      <a:noFill/>
+                    </a:lnBlToTr>
+                    <a:solidFill>
+                      <a:schemeClr val="accent4">
+                        <a:lumMod val="75000"/>
+                      </a:schemeClr>
+                    </a:solidFill>
+                  </a:tcPr>
+                </a:tc>
+                <a:tc>
+                  <a:txBody>
+                    <a:bodyPr/>
+                    <a:p>
+                      <a:pPr algn="ctr">
+                        <a:buNone/>
+                      </a:pPr>
+                      <a:r>
+                        <a:rPr lang="en-US" altLang="zh-CN" sz="1400" b="1">
+                          <a:latin typeface="Consolas" panose="020B0609020204030204" charset="0"/>
+                          <a:cs typeface="Consolas" panose="020B0609020204030204" charset="0"/>
+                        </a:rPr>
+                        <a:t>c</a:t>
+                      </a:r>
+                      <a:endParaRPr lang="en-US" altLang="zh-CN" sz="1400" b="1">
+                        <a:latin typeface="Consolas" panose="020B0609020204030204" charset="0"/>
+                        <a:cs typeface="Consolas" panose="020B0609020204030204" charset="0"/>
+                      </a:endParaRPr>
+                    </a:p>
+                  </a:txBody>
+                  <a:tcPr anchor="ctr" anchorCtr="0">
+                    <a:lnL w="12700">
+                      <a:solidFill>
+                        <a:schemeClr val="tx1"/>
+                      </a:solidFill>
+                      <a:prstDash val="solid"/>
+                    </a:lnL>
+                    <a:lnR w="12700">
+                      <a:solidFill>
+                        <a:schemeClr val="tx1"/>
+                      </a:solidFill>
+                      <a:prstDash val="solid"/>
+                    </a:lnR>
+                    <a:lnT w="12700">
+                      <a:solidFill>
+                        <a:schemeClr val="tx1"/>
+                      </a:solidFill>
+                      <a:prstDash val="solid"/>
+                    </a:lnT>
+                    <a:lnB w="12700">
+                      <a:solidFill>
+                        <a:schemeClr val="tx1"/>
+                      </a:solidFill>
+                      <a:prstDash val="solid"/>
+                    </a:lnB>
+                    <a:lnTlToBr>
+                      <a:noFill/>
+                    </a:lnTlToBr>
+                    <a:lnBlToTr>
+                      <a:noFill/>
+                    </a:lnBlToTr>
+                    <a:solidFill>
+                      <a:schemeClr val="accent4">
+                        <a:lumMod val="75000"/>
+                      </a:schemeClr>
+                    </a:solidFill>
+                  </a:tcPr>
+                </a:tc>
+              </a:tr>
+              <a:tr h="466725">
+                <a:tc>
+                  <a:txBody>
+                    <a:bodyPr/>
+                    <a:p>
+                      <a:pPr algn="ctr">
+                        <a:buNone/>
+                      </a:pPr>
+                      <a:r>
+                        <a:rPr lang="en-US" altLang="zh-CN" sz="1400" b="1">
+                          <a:latin typeface="Consolas" panose="020B0609020204030204" charset="0"/>
+                          <a:cs typeface="Consolas" panose="020B0609020204030204" charset="0"/>
+                        </a:rPr>
+                        <a:t>next[j]</a:t>
+                      </a:r>
+                      <a:endParaRPr lang="en-US" altLang="zh-CN" sz="1400" b="1">
+                        <a:latin typeface="Consolas" panose="020B0609020204030204" charset="0"/>
+                        <a:cs typeface="Consolas" panose="020B0609020204030204" charset="0"/>
+                      </a:endParaRPr>
+                    </a:p>
+                  </a:txBody>
+                  <a:tcPr anchor="ctr" anchorCtr="0">
+                    <a:lnL w="12700">
+                      <a:solidFill>
+                        <a:schemeClr val="tx1"/>
+                      </a:solidFill>
+                      <a:prstDash val="solid"/>
+                    </a:lnL>
+                    <a:lnR w="12700">
+                      <a:solidFill>
+                        <a:schemeClr val="tx1"/>
+                      </a:solidFill>
+                      <a:prstDash val="solid"/>
+                    </a:lnR>
+                    <a:lnT w="12700">
+                      <a:solidFill>
+                        <a:schemeClr val="tx1"/>
+                      </a:solidFill>
+                      <a:prstDash val="solid"/>
+                    </a:lnT>
+                    <a:lnB w="12700">
+                      <a:solidFill>
+                        <a:schemeClr val="tx1"/>
+                      </a:solidFill>
+                      <a:prstDash val="solid"/>
+                    </a:lnB>
+                    <a:lnTlToBr>
+                      <a:noFill/>
+                    </a:lnTlToBr>
+                    <a:lnBlToTr>
+                      <a:noFill/>
+                    </a:lnBlToTr>
+                    <a:solidFill>
+                      <a:schemeClr val="accent4">
+                        <a:lumMod val="75000"/>
+                      </a:schemeClr>
+                    </a:solidFill>
+                  </a:tcPr>
+                </a:tc>
+                <a:tc>
+                  <a:txBody>
+                    <a:bodyPr/>
+                    <a:p>
+                      <a:pPr algn="ctr">
+                        <a:buNone/>
+                      </a:pPr>
+                      <a:r>
+                        <a:rPr lang="en-US" altLang="zh-CN" sz="1400" b="1">
+                          <a:latin typeface="Consolas" panose="020B0609020204030204" charset="0"/>
+                          <a:cs typeface="Consolas" panose="020B0609020204030204" charset="0"/>
+                        </a:rPr>
+                        <a:t>0</a:t>
+                      </a:r>
+                      <a:endParaRPr lang="en-US" altLang="zh-CN" sz="1400" b="1">
+                        <a:latin typeface="Consolas" panose="020B0609020204030204" charset="0"/>
+                        <a:cs typeface="Consolas" panose="020B0609020204030204" charset="0"/>
+                      </a:endParaRPr>
+                    </a:p>
+                  </a:txBody>
+                  <a:tcPr anchor="ctr" anchorCtr="0">
+                    <a:lnL w="12700">
+                      <a:solidFill>
+                        <a:schemeClr val="tx1"/>
+                      </a:solidFill>
+                      <a:prstDash val="solid"/>
+                    </a:lnL>
+                    <a:lnR w="12700">
+                      <a:solidFill>
+                        <a:schemeClr val="tx1"/>
+                      </a:solidFill>
+                      <a:prstDash val="solid"/>
+                    </a:lnR>
+                    <a:lnT w="12700">
+                      <a:solidFill>
+                        <a:schemeClr val="tx1"/>
+                      </a:solidFill>
+                      <a:prstDash val="solid"/>
+                    </a:lnT>
+                    <a:lnB w="12700">
+                      <a:solidFill>
+                        <a:schemeClr val="tx1"/>
+                      </a:solidFill>
+                      <a:prstDash val="solid"/>
+                    </a:lnB>
+                    <a:lnTlToBr>
+                      <a:noFill/>
+                    </a:lnTlToBr>
+                    <a:lnBlToTr>
+                      <a:noFill/>
+                    </a:lnBlToTr>
+                    <a:solidFill>
+                      <a:schemeClr val="accent2">
+                        <a:lumMod val="40000"/>
+                        <a:lumOff val="60000"/>
+                      </a:schemeClr>
+                    </a:solidFill>
+                  </a:tcPr>
+                </a:tc>
+                <a:tc>
+                  <a:txBody>
+                    <a:bodyPr/>
+                    <a:p>
+                      <a:pPr algn="ctr">
+                        <a:buNone/>
+                      </a:pPr>
+                      <a:r>
+                        <a:rPr lang="en-US" altLang="zh-CN" sz="1400" b="1">
+                          <a:latin typeface="Consolas" panose="020B0609020204030204" charset="0"/>
+                          <a:cs typeface="Consolas" panose="020B0609020204030204" charset="0"/>
+                        </a:rPr>
+                        <a:t>1</a:t>
+                      </a:r>
+                      <a:endParaRPr lang="en-US" altLang="zh-CN" sz="1400" b="1">
+                        <a:latin typeface="Consolas" panose="020B0609020204030204" charset="0"/>
+                        <a:cs typeface="Consolas" panose="020B0609020204030204" charset="0"/>
+                      </a:endParaRPr>
+                    </a:p>
+                  </a:txBody>
+                  <a:tcPr anchor="ctr" anchorCtr="0">
+                    <a:lnL w="12700">
+                      <a:solidFill>
+                        <a:schemeClr val="tx1"/>
+                      </a:solidFill>
+                      <a:prstDash val="solid"/>
+                    </a:lnL>
+                    <a:lnR w="12700">
+                      <a:solidFill>
+                        <a:schemeClr val="tx1"/>
+                      </a:solidFill>
+                      <a:prstDash val="solid"/>
+                    </a:lnR>
+                    <a:lnT w="12700">
+                      <a:solidFill>
+                        <a:schemeClr val="tx1"/>
+                      </a:solidFill>
+                      <a:prstDash val="solid"/>
+                    </a:lnT>
+                    <a:lnB w="12700">
+                      <a:solidFill>
+                        <a:schemeClr val="tx1"/>
+                      </a:solidFill>
+                      <a:prstDash val="solid"/>
+                    </a:lnB>
+                    <a:lnTlToBr>
+                      <a:noFill/>
+                    </a:lnTlToBr>
+                    <a:lnBlToTr>
+                      <a:noFill/>
+                    </a:lnBlToTr>
+                    <a:solidFill>
+                      <a:schemeClr val="accent2">
+                        <a:lumMod val="40000"/>
+                        <a:lumOff val="60000"/>
+                      </a:schemeClr>
+                    </a:solidFill>
+                  </a:tcPr>
+                </a:tc>
+                <a:tc>
+                  <a:txBody>
+                    <a:bodyPr/>
+                    <a:p>
+                      <a:pPr algn="ctr">
+                        <a:buNone/>
+                      </a:pPr>
+                      <a:r>
+                        <a:rPr lang="en-US" altLang="zh-CN" sz="1400" b="1">
+                          <a:latin typeface="Consolas" panose="020B0609020204030204" charset="0"/>
+                          <a:cs typeface="Consolas" panose="020B0609020204030204" charset="0"/>
+                        </a:rPr>
+                        <a:t>2</a:t>
+                      </a:r>
+                      <a:endParaRPr lang="en-US" altLang="zh-CN" sz="1400" b="1">
+                        <a:latin typeface="Consolas" panose="020B0609020204030204" charset="0"/>
+                        <a:cs typeface="Consolas" panose="020B0609020204030204" charset="0"/>
+                      </a:endParaRPr>
+                    </a:p>
+                  </a:txBody>
+                  <a:tcPr anchor="ctr" anchorCtr="0">
+                    <a:lnL w="12700">
+                      <a:solidFill>
+                        <a:schemeClr val="tx1"/>
+                      </a:solidFill>
+                      <a:prstDash val="solid"/>
+                    </a:lnL>
+                    <a:lnR w="12700">
+                      <a:solidFill>
+                        <a:schemeClr val="tx1"/>
+                      </a:solidFill>
+                      <a:prstDash val="solid"/>
+                    </a:lnR>
+                    <a:lnT w="12700">
+                      <a:solidFill>
+                        <a:schemeClr val="tx1"/>
+                      </a:solidFill>
+                      <a:prstDash val="solid"/>
+                    </a:lnT>
+                    <a:lnB w="12700">
+                      <a:solidFill>
+                        <a:schemeClr val="tx1"/>
+                      </a:solidFill>
+                      <a:prstDash val="solid"/>
+                    </a:lnB>
+                    <a:lnTlToBr>
+                      <a:noFill/>
+                    </a:lnTlToBr>
+                    <a:lnBlToTr>
+                      <a:noFill/>
+                    </a:lnBlToTr>
+                    <a:solidFill>
+                      <a:schemeClr val="accent4">
+                        <a:lumMod val="75000"/>
+                      </a:schemeClr>
+                    </a:solidFill>
+                  </a:tcPr>
+                </a:tc>
+                <a:tc>
+                  <a:txBody>
+                    <a:bodyPr/>
+                    <a:p>
+                      <a:pPr algn="ctr">
+                        <a:buNone/>
+                      </a:pPr>
+                      <a:r>
+                        <a:rPr lang="en-US" altLang="zh-CN" sz="1400" b="1">
+                          <a:latin typeface="Consolas" panose="020B0609020204030204" charset="0"/>
+                          <a:cs typeface="Consolas" panose="020B0609020204030204" charset="0"/>
+                        </a:rPr>
+                        <a:t>1</a:t>
+                      </a:r>
+                      <a:endParaRPr lang="en-US" altLang="zh-CN" sz="1400" b="1">
+                        <a:latin typeface="Consolas" panose="020B0609020204030204" charset="0"/>
+                        <a:cs typeface="Consolas" panose="020B0609020204030204" charset="0"/>
+                      </a:endParaRPr>
+                    </a:p>
+                  </a:txBody>
+                  <a:tcPr anchor="ctr" anchorCtr="0">
+                    <a:lnL w="12700">
+                      <a:solidFill>
+                        <a:schemeClr val="tx1"/>
+                      </a:solidFill>
+                      <a:prstDash val="solid"/>
+                    </a:lnL>
+                    <a:lnR w="12700">
+                      <a:solidFill>
+                        <a:schemeClr val="tx1"/>
+                      </a:solidFill>
+                      <a:prstDash val="solid"/>
+                    </a:lnR>
+                    <a:lnT w="12700">
+                      <a:solidFill>
+                        <a:schemeClr val="tx1"/>
+                      </a:solidFill>
+                      <a:prstDash val="solid"/>
+                    </a:lnT>
+                    <a:lnB w="12700">
+                      <a:solidFill>
+                        <a:schemeClr val="tx1"/>
+                      </a:solidFill>
+                      <a:prstDash val="solid"/>
+                    </a:lnB>
+                    <a:lnTlToBr>
+                      <a:noFill/>
+                    </a:lnTlToBr>
+                    <a:lnBlToTr>
+                      <a:noFill/>
+                    </a:lnBlToTr>
+                    <a:solidFill>
+                      <a:schemeClr val="accent4">
+                        <a:lumMod val="75000"/>
+                      </a:schemeClr>
+                    </a:solidFill>
+                  </a:tcPr>
+                </a:tc>
+                <a:tc>
+                  <a:txBody>
+                    <a:bodyPr/>
+                    <a:p>
+                      <a:pPr algn="ctr">
+                        <a:buNone/>
+                      </a:pPr>
+                      <a:r>
+                        <a:rPr lang="en-US" altLang="zh-CN" sz="1400" b="1">
+                          <a:latin typeface="Consolas" panose="020B0609020204030204" charset="0"/>
+                          <a:cs typeface="Consolas" panose="020B0609020204030204" charset="0"/>
+                        </a:rPr>
+                        <a:t>2</a:t>
+                      </a:r>
+                      <a:endParaRPr lang="en-US" altLang="zh-CN" sz="1400" b="1">
+                        <a:latin typeface="Consolas" panose="020B0609020204030204" charset="0"/>
+                        <a:cs typeface="Consolas" panose="020B0609020204030204" charset="0"/>
+                      </a:endParaRPr>
+                    </a:p>
+                  </a:txBody>
+                  <a:tcPr anchor="ctr" anchorCtr="0">
+                    <a:lnL w="12700">
+                      <a:solidFill>
+                        <a:schemeClr val="tx1"/>
+                      </a:solidFill>
+                      <a:prstDash val="solid"/>
+                    </a:lnL>
+                    <a:lnR w="12700">
+                      <a:solidFill>
+                        <a:schemeClr val="tx1"/>
+                      </a:solidFill>
+                      <a:prstDash val="solid"/>
+                    </a:lnR>
+                    <a:lnT w="12700">
+                      <a:solidFill>
+                        <a:schemeClr val="tx1"/>
+                      </a:solidFill>
+                      <a:prstDash val="solid"/>
+                    </a:lnT>
+                    <a:lnB w="12700">
+                      <a:solidFill>
+                        <a:schemeClr val="tx1"/>
+                      </a:solidFill>
+                      <a:prstDash val="solid"/>
+                    </a:lnB>
+                    <a:lnTlToBr>
+                      <a:noFill/>
+                    </a:lnTlToBr>
+                    <a:lnBlToTr>
+                      <a:noFill/>
+                    </a:lnBlToTr>
+                    <a:solidFill>
+                      <a:schemeClr val="accent4">
+                        <a:lumMod val="75000"/>
+                      </a:schemeClr>
+                    </a:solidFill>
+                  </a:tcPr>
+                </a:tc>
+                <a:tc>
+                  <a:txBody>
+                    <a:bodyPr/>
+                    <a:p>
+                      <a:pPr algn="ctr">
+                        <a:buNone/>
+                      </a:pPr>
+                      <a:r>
+                        <a:rPr lang="en-US" altLang="zh-CN" sz="1400" b="1">
+                          <a:latin typeface="Consolas" panose="020B0609020204030204" charset="0"/>
+                          <a:cs typeface="Consolas" panose="020B0609020204030204" charset="0"/>
+                        </a:rPr>
+                        <a:t>3</a:t>
+                      </a:r>
+                      <a:endParaRPr lang="en-US" altLang="zh-CN" sz="1400" b="1">
+                        <a:latin typeface="Consolas" panose="020B0609020204030204" charset="0"/>
+                        <a:cs typeface="Consolas" panose="020B0609020204030204" charset="0"/>
+                      </a:endParaRPr>
+                    </a:p>
+                  </a:txBody>
+                  <a:tcPr anchor="ctr" anchorCtr="0">
+                    <a:lnL w="12700">
+                      <a:solidFill>
+                        <a:schemeClr val="tx1"/>
+                      </a:solidFill>
+                      <a:prstDash val="solid"/>
+                    </a:lnL>
+                    <a:lnR w="12700">
+                      <a:solidFill>
+                        <a:schemeClr val="tx1"/>
+                      </a:solidFill>
+                      <a:prstDash val="solid"/>
+                    </a:lnR>
+                    <a:lnT w="12700">
+                      <a:solidFill>
+                        <a:schemeClr val="tx1"/>
+                      </a:solidFill>
+                      <a:prstDash val="solid"/>
+                    </a:lnT>
+                    <a:lnB w="12700">
+                      <a:solidFill>
+                        <a:schemeClr val="tx1"/>
+                      </a:solidFill>
+                      <a:prstDash val="solid"/>
+                    </a:lnB>
+                    <a:lnTlToBr>
+                      <a:noFill/>
+                    </a:lnTlToBr>
+                    <a:lnBlToTr>
+                      <a:noFill/>
+                    </a:lnBlToTr>
+                    <a:solidFill>
+                      <a:schemeClr val="accent4">
+                        <a:lumMod val="75000"/>
+                      </a:schemeClr>
+                    </a:solidFill>
+                  </a:tcPr>
+                </a:tc>
+              </a:tr>
+            </a:tbl>
+          </a:graphicData>
+        </a:graphic>
+      </p:graphicFrame>
+      <p:graphicFrame>
+        <p:nvGraphicFramePr>
+          <p:cNvPr id="5" name="表格 4"/>
+          <p:cNvGraphicFramePr/>
+          <p:nvPr>
+            <p:custDataLst>
+              <p:tags r:id="rId2"/>
+            </p:custDataLst>
+          </p:nvPr>
+        </p:nvGraphicFramePr>
+        <p:xfrm>
+          <a:off x="338455" y="1914525"/>
+          <a:ext cx="9000490" cy="1957070"/>
+        </p:xfrm>
+        <a:graphic>
+          <a:graphicData uri="http://schemas.openxmlformats.org/drawingml/2006/table">
+            <a:tbl>
+              <a:tblPr firstRow="1" bandRow="1">
+                <a:tableStyleId>{5C22544A-7EE6-4342-B048-85BDC9FD1C3A}</a:tableStyleId>
+              </a:tblPr>
+              <a:tblGrid>
+                <a:gridCol w="692150"/>
+                <a:gridCol w="692349"/>
+                <a:gridCol w="692348"/>
+                <a:gridCol w="692150"/>
+                <a:gridCol w="692547"/>
+                <a:gridCol w="692349"/>
+                <a:gridCol w="692348"/>
+                <a:gridCol w="692349"/>
+                <a:gridCol w="692348"/>
+                <a:gridCol w="692348"/>
+                <a:gridCol w="692349"/>
+                <a:gridCol w="692348"/>
+                <a:gridCol w="692349"/>
+              </a:tblGrid>
+              <a:tr h="554990">
+                <a:tc>
+                  <a:txBody>
+                    <a:bodyPr/>
+                    <a:p>
+                      <a:pPr algn="ctr">
+                        <a:buNone/>
+                      </a:pPr>
+                      <a:r>
+                        <a:rPr lang="zh-CN" altLang="en-US" sz="1200" b="1">
+                          <a:solidFill>
+                            <a:schemeClr val="tx1"/>
+                          </a:solidFill>
+                          <a:latin typeface="Consolas" panose="020B0609020204030204" charset="0"/>
+                          <a:cs typeface="Consolas" panose="020B0609020204030204" charset="0"/>
+                        </a:rPr>
+                        <a:t>编号</a:t>
+                      </a:r>
+                      <a:r>
+                        <a:rPr lang="en-US" altLang="zh-CN" sz="1200" b="1">
+                          <a:solidFill>
+                            <a:schemeClr val="tx1"/>
+                          </a:solidFill>
+                          <a:latin typeface="Consolas" panose="020B0609020204030204" charset="0"/>
+                          <a:cs typeface="Consolas" panose="020B0609020204030204" charset="0"/>
+                        </a:rPr>
+                        <a:t>j</a:t>
+                      </a:r>
+                      <a:endParaRPr lang="en-US" altLang="zh-CN" sz="1200" b="1">
+                        <a:solidFill>
+                          <a:schemeClr val="tx1"/>
+                        </a:solidFill>
+                        <a:latin typeface="Consolas" panose="020B0609020204030204" charset="0"/>
+                        <a:cs typeface="Consolas" panose="020B0609020204030204" charset="0"/>
+                      </a:endParaRPr>
+                    </a:p>
+                  </a:txBody>
+                  <a:tcPr anchor="ctr" anchorCtr="0">
+                    <a:lnL w="12700" cmpd="sng">
+                      <a:solidFill>
+                        <a:schemeClr val="tx1"/>
+                      </a:solidFill>
+                      <a:prstDash val="solid"/>
+                    </a:lnL>
+                    <a:lnR w="12700" cmpd="sng">
+                      <a:solidFill>
+                        <a:schemeClr val="tx1"/>
+                      </a:solidFill>
+                      <a:prstDash val="solid"/>
+                    </a:lnR>
+                    <a:lnT w="12700" cmpd="sng">
+                      <a:solidFill>
+                        <a:schemeClr val="tx1"/>
+                      </a:solidFill>
+                      <a:prstDash val="solid"/>
+                    </a:lnT>
+                    <a:lnB w="12700" cmpd="sng">
+                      <a:solidFill>
+                        <a:schemeClr val="tx1"/>
+                      </a:solidFill>
+                      <a:prstDash val="solid"/>
+                    </a:lnB>
+                    <a:solidFill>
+                      <a:schemeClr val="accent4">
+                        <a:lumMod val="60000"/>
+                        <a:lumOff val="40000"/>
+                      </a:schemeClr>
+                    </a:solidFill>
+                  </a:tcPr>
+                </a:tc>
+                <a:tc>
+                  <a:txBody>
+                    <a:bodyPr/>
+                    <a:p>
+                      <a:pPr algn="ctr">
+                        <a:buNone/>
+                      </a:pPr>
+                      <a:r>
+                        <a:rPr lang="en-US" altLang="zh-CN" sz="1200" b="1">
+                          <a:solidFill>
+                            <a:schemeClr val="tx1"/>
+                          </a:solidFill>
+                          <a:latin typeface="Consolas" panose="020B0609020204030204" charset="0"/>
+                          <a:cs typeface="Consolas" panose="020B0609020204030204" charset="0"/>
+                        </a:rPr>
+                        <a:t>1</a:t>
+                      </a:r>
+                      <a:endParaRPr lang="en-US" altLang="zh-CN" sz="1200" b="1">
+                        <a:solidFill>
+                          <a:schemeClr val="tx1"/>
+                        </a:solidFill>
+                        <a:latin typeface="Consolas" panose="020B0609020204030204" charset="0"/>
+                        <a:cs typeface="Consolas" panose="020B0609020204030204" charset="0"/>
+                      </a:endParaRPr>
+                    </a:p>
+                  </a:txBody>
+                  <a:tcPr anchor="ctr" anchorCtr="0">
+                    <a:lnL w="12700" cmpd="sng">
+                      <a:solidFill>
+                        <a:schemeClr val="tx1"/>
+                      </a:solidFill>
+                      <a:prstDash val="solid"/>
+                    </a:lnL>
+                    <a:lnR w="12700" cmpd="sng">
+                      <a:solidFill>
+                        <a:schemeClr val="tx1"/>
+                      </a:solidFill>
+                      <a:prstDash val="solid"/>
+                    </a:lnR>
+                    <a:lnT w="12700" cmpd="sng">
+                      <a:solidFill>
+                        <a:schemeClr val="tx1"/>
+                      </a:solidFill>
+                      <a:prstDash val="solid"/>
+                    </a:lnT>
+                    <a:lnB w="12700" cmpd="sng">
+                      <a:solidFill>
+                        <a:schemeClr val="tx1"/>
+                      </a:solidFill>
+                      <a:prstDash val="solid"/>
+                    </a:lnB>
+                    <a:solidFill>
+                      <a:schemeClr val="accent4">
+                        <a:lumMod val="60000"/>
+                        <a:lumOff val="40000"/>
+                      </a:schemeClr>
+                    </a:solidFill>
+                  </a:tcPr>
+                </a:tc>
+                <a:tc>
+                  <a:txBody>
+                    <a:bodyPr/>
+                    <a:p>
+                      <a:pPr algn="ctr">
+                        <a:buNone/>
+                      </a:pPr>
+                      <a:r>
+                        <a:rPr lang="en-US" altLang="zh-CN" sz="1200" b="1">
+                          <a:solidFill>
+                            <a:schemeClr val="tx1"/>
+                          </a:solidFill>
+                          <a:latin typeface="Consolas" panose="020B0609020204030204" charset="0"/>
+                          <a:cs typeface="Consolas" panose="020B0609020204030204" charset="0"/>
+                        </a:rPr>
+                        <a:t>2</a:t>
+                      </a:r>
+                      <a:endParaRPr lang="en-US" altLang="zh-CN" sz="1200" b="1">
+                        <a:solidFill>
+                          <a:schemeClr val="tx1"/>
+                        </a:solidFill>
+                        <a:latin typeface="Consolas" panose="020B0609020204030204" charset="0"/>
+                        <a:cs typeface="Consolas" panose="020B0609020204030204" charset="0"/>
+                      </a:endParaRPr>
+                    </a:p>
+                  </a:txBody>
+                  <a:tcPr anchor="ctr" anchorCtr="0">
+                    <a:lnL w="12700" cmpd="sng">
+                      <a:solidFill>
+                        <a:schemeClr val="tx1"/>
+                      </a:solidFill>
+                      <a:prstDash val="solid"/>
+                    </a:lnL>
+                    <a:lnR w="12700" cmpd="sng">
+                      <a:solidFill>
+                        <a:schemeClr val="tx1"/>
+                      </a:solidFill>
+                      <a:prstDash val="solid"/>
+                    </a:lnR>
+                    <a:lnT w="12700" cmpd="sng">
+                      <a:solidFill>
+                        <a:schemeClr val="tx1"/>
+                      </a:solidFill>
+                      <a:prstDash val="solid"/>
+                    </a:lnT>
+                    <a:lnB w="12700" cmpd="sng">
+                      <a:solidFill>
+                        <a:schemeClr val="tx1"/>
+                      </a:solidFill>
+                      <a:prstDash val="solid"/>
+                    </a:lnB>
+                    <a:solidFill>
+                      <a:schemeClr val="accent4">
+                        <a:lumMod val="60000"/>
+                        <a:lumOff val="40000"/>
+                      </a:schemeClr>
+                    </a:solidFill>
+                  </a:tcPr>
+                </a:tc>
+                <a:tc>
+                  <a:txBody>
+                    <a:bodyPr/>
+                    <a:p>
+                      <a:pPr algn="ctr">
+                        <a:buNone/>
+                      </a:pPr>
+                      <a:r>
+                        <a:rPr lang="en-US" altLang="zh-CN" sz="1200" b="1">
+                          <a:solidFill>
+                            <a:schemeClr val="tx1"/>
+                          </a:solidFill>
+                          <a:latin typeface="Consolas" panose="020B0609020204030204" charset="0"/>
+                          <a:cs typeface="Consolas" panose="020B0609020204030204" charset="0"/>
+                        </a:rPr>
+                        <a:t>3</a:t>
+                      </a:r>
+                      <a:endParaRPr lang="en-US" altLang="zh-CN" sz="1200" b="1">
+                        <a:solidFill>
+                          <a:schemeClr val="tx1"/>
+                        </a:solidFill>
+                        <a:latin typeface="Consolas" panose="020B0609020204030204" charset="0"/>
+                        <a:cs typeface="Consolas" panose="020B0609020204030204" charset="0"/>
+                      </a:endParaRPr>
+                    </a:p>
+                  </a:txBody>
+                  <a:tcPr anchor="ctr" anchorCtr="0">
+                    <a:lnL w="12700" cmpd="sng">
+                      <a:solidFill>
+                        <a:schemeClr val="tx1"/>
+                      </a:solidFill>
+                      <a:prstDash val="solid"/>
+                    </a:lnL>
+                    <a:lnR w="12700" cmpd="sng">
+                      <a:solidFill>
+                        <a:schemeClr val="tx1"/>
+                      </a:solidFill>
+                      <a:prstDash val="solid"/>
+                    </a:lnR>
+                    <a:lnT w="12700" cmpd="sng">
+                      <a:solidFill>
+                        <a:schemeClr val="tx1"/>
+                      </a:solidFill>
+                      <a:prstDash val="solid"/>
+                    </a:lnT>
+                    <a:lnB w="12700" cmpd="sng">
+                      <a:solidFill>
+                        <a:schemeClr val="tx1"/>
+                      </a:solidFill>
+                      <a:prstDash val="solid"/>
+                    </a:lnB>
+                    <a:solidFill>
+                      <a:schemeClr val="accent4">
+                        <a:lumMod val="60000"/>
+                        <a:lumOff val="40000"/>
+                      </a:schemeClr>
+                    </a:solidFill>
+                  </a:tcPr>
+                </a:tc>
+                <a:tc>
+                  <a:txBody>
+                    <a:bodyPr/>
+                    <a:p>
+                      <a:pPr algn="ctr">
+                        <a:buNone/>
+                      </a:pPr>
+                      <a:r>
+                        <a:rPr lang="en-US" altLang="zh-CN" sz="1200" b="1">
+                          <a:solidFill>
+                            <a:schemeClr val="tx1"/>
+                          </a:solidFill>
+                          <a:latin typeface="Consolas" panose="020B0609020204030204" charset="0"/>
+                          <a:cs typeface="Consolas" panose="020B0609020204030204" charset="0"/>
+                        </a:rPr>
+                        <a:t>4</a:t>
+                      </a:r>
+                      <a:endParaRPr lang="en-US" altLang="zh-CN" sz="1200" b="1">
+                        <a:solidFill>
+                          <a:schemeClr val="tx1"/>
+                        </a:solidFill>
+                        <a:latin typeface="Consolas" panose="020B0609020204030204" charset="0"/>
+                        <a:cs typeface="Consolas" panose="020B0609020204030204" charset="0"/>
+                      </a:endParaRPr>
+                    </a:p>
+                  </a:txBody>
+                  <a:tcPr anchor="ctr" anchorCtr="0">
+                    <a:lnL w="12700" cmpd="sng">
+                      <a:solidFill>
+                        <a:schemeClr val="tx1"/>
+                      </a:solidFill>
+                      <a:prstDash val="solid"/>
+                    </a:lnL>
+                    <a:lnR w="12700" cmpd="sng">
+                      <a:solidFill>
+                        <a:schemeClr val="tx1"/>
+                      </a:solidFill>
+                      <a:prstDash val="solid"/>
+                    </a:lnR>
+                    <a:lnT w="12700" cmpd="sng">
+                      <a:solidFill>
+                        <a:schemeClr val="tx1"/>
+                      </a:solidFill>
+                      <a:prstDash val="solid"/>
+                    </a:lnT>
+                    <a:lnB w="12700" cmpd="sng">
+                      <a:solidFill>
+                        <a:schemeClr val="tx1"/>
+                      </a:solidFill>
+                      <a:prstDash val="solid"/>
+                    </a:lnB>
+                    <a:solidFill>
+                      <a:schemeClr val="accent4">
+                        <a:lumMod val="60000"/>
+                        <a:lumOff val="40000"/>
+                      </a:schemeClr>
+                    </a:solidFill>
+                  </a:tcPr>
+                </a:tc>
+                <a:tc>
+                  <a:txBody>
+                    <a:bodyPr/>
+                    <a:p>
+                      <a:pPr algn="ctr">
+                        <a:buNone/>
+                      </a:pPr>
+                      <a:r>
+                        <a:rPr lang="en-US" altLang="zh-CN" sz="1200" b="1">
+                          <a:solidFill>
+                            <a:schemeClr val="tx1"/>
+                          </a:solidFill>
+                          <a:latin typeface="Consolas" panose="020B0609020204030204" charset="0"/>
+                          <a:cs typeface="Consolas" panose="020B0609020204030204" charset="0"/>
+                        </a:rPr>
+                        <a:t>5</a:t>
+                      </a:r>
+                      <a:endParaRPr lang="en-US" altLang="zh-CN" sz="1200" b="1">
+                        <a:solidFill>
+                          <a:schemeClr val="tx1"/>
+                        </a:solidFill>
+                        <a:latin typeface="Consolas" panose="020B0609020204030204" charset="0"/>
+                        <a:cs typeface="Consolas" panose="020B0609020204030204" charset="0"/>
+                      </a:endParaRPr>
+                    </a:p>
+                  </a:txBody>
+                  <a:tcPr anchor="ctr" anchorCtr="0">
+                    <a:lnL w="12700" cmpd="sng">
+                      <a:solidFill>
+                        <a:schemeClr val="tx1"/>
+                      </a:solidFill>
+                      <a:prstDash val="solid"/>
+                    </a:lnL>
+                    <a:lnR w="12700" cmpd="sng">
+                      <a:solidFill>
+                        <a:schemeClr val="tx1"/>
+                      </a:solidFill>
+                      <a:prstDash val="solid"/>
+                    </a:lnR>
+                    <a:lnT w="12700" cmpd="sng">
+                      <a:solidFill>
+                        <a:schemeClr val="tx1"/>
+                      </a:solidFill>
+                      <a:prstDash val="solid"/>
+                    </a:lnT>
+                    <a:lnB w="12700" cmpd="sng">
+                      <a:solidFill>
+                        <a:schemeClr val="tx1"/>
+                      </a:solidFill>
+                      <a:prstDash val="solid"/>
+                    </a:lnB>
+                    <a:solidFill>
+                      <a:schemeClr val="accent4">
+                        <a:lumMod val="60000"/>
+                        <a:lumOff val="40000"/>
+                      </a:schemeClr>
+                    </a:solidFill>
+                  </a:tcPr>
+                </a:tc>
+                <a:tc>
+                  <a:txBody>
+                    <a:bodyPr/>
+                    <a:p>
+                      <a:pPr algn="ctr">
+                        <a:buNone/>
+                      </a:pPr>
+                      <a:r>
+                        <a:rPr lang="en-US" altLang="zh-CN" sz="1200" b="1">
+                          <a:solidFill>
+                            <a:schemeClr val="tx1"/>
+                          </a:solidFill>
+                          <a:latin typeface="Consolas" panose="020B0609020204030204" charset="0"/>
+                          <a:cs typeface="Consolas" panose="020B0609020204030204" charset="0"/>
+                        </a:rPr>
+                        <a:t>6</a:t>
+                      </a:r>
+                      <a:endParaRPr lang="en-US" altLang="zh-CN" sz="1200" b="1">
+                        <a:solidFill>
+                          <a:schemeClr val="tx1"/>
+                        </a:solidFill>
+                        <a:latin typeface="Consolas" panose="020B0609020204030204" charset="0"/>
+                        <a:cs typeface="Consolas" panose="020B0609020204030204" charset="0"/>
+                      </a:endParaRPr>
+                    </a:p>
+                  </a:txBody>
+                  <a:tcPr anchor="ctr" anchorCtr="0">
+                    <a:lnL w="12700" cmpd="sng">
+                      <a:solidFill>
+                        <a:schemeClr val="tx1"/>
+                      </a:solidFill>
+                      <a:prstDash val="solid"/>
+                    </a:lnL>
+                    <a:lnR w="12700" cmpd="sng">
+                      <a:solidFill>
+                        <a:schemeClr val="tx1"/>
+                      </a:solidFill>
+                      <a:prstDash val="solid"/>
+                    </a:lnR>
+                    <a:lnT w="12700" cmpd="sng">
+                      <a:solidFill>
+                        <a:schemeClr val="tx1"/>
+                      </a:solidFill>
+                      <a:prstDash val="solid"/>
+                    </a:lnT>
+                    <a:lnB w="12700" cmpd="sng">
+                      <a:solidFill>
+                        <a:schemeClr val="tx1"/>
+                      </a:solidFill>
+                      <a:prstDash val="solid"/>
+                    </a:lnB>
+                    <a:solidFill>
+                      <a:schemeClr val="accent4">
+                        <a:lumMod val="60000"/>
+                        <a:lumOff val="40000"/>
+                      </a:schemeClr>
+                    </a:solidFill>
+                  </a:tcPr>
+                </a:tc>
+                <a:tc>
+                  <a:txBody>
+                    <a:bodyPr/>
+                    <a:p>
+                      <a:pPr algn="ctr">
+                        <a:buNone/>
+                      </a:pPr>
+                      <a:r>
+                        <a:rPr lang="en-US" altLang="zh-CN" sz="1200" b="1">
+                          <a:solidFill>
+                            <a:schemeClr val="tx1"/>
+                          </a:solidFill>
+                          <a:latin typeface="Consolas" panose="020B0609020204030204" charset="0"/>
+                          <a:cs typeface="Consolas" panose="020B0609020204030204" charset="0"/>
+                        </a:rPr>
+                        <a:t>7</a:t>
+                      </a:r>
+                      <a:endParaRPr lang="en-US" altLang="zh-CN" sz="1200" b="1">
+                        <a:solidFill>
+                          <a:schemeClr val="tx1"/>
+                        </a:solidFill>
+                        <a:latin typeface="Consolas" panose="020B0609020204030204" charset="0"/>
+                        <a:cs typeface="Consolas" panose="020B0609020204030204" charset="0"/>
+                      </a:endParaRPr>
+                    </a:p>
+                  </a:txBody>
+                  <a:tcPr anchor="ctr" anchorCtr="0">
+                    <a:lnL w="12700" cmpd="sng">
+                      <a:solidFill>
+                        <a:schemeClr val="tx1"/>
+                      </a:solidFill>
+                      <a:prstDash val="solid"/>
+                    </a:lnL>
+                    <a:lnR w="12700" cmpd="sng">
+                      <a:solidFill>
+                        <a:schemeClr val="tx1"/>
+                      </a:solidFill>
+                      <a:prstDash val="solid"/>
+                    </a:lnR>
+                    <a:lnT w="12700" cmpd="sng">
+                      <a:solidFill>
+                        <a:schemeClr val="tx1"/>
+                      </a:solidFill>
+                      <a:prstDash val="solid"/>
+                    </a:lnT>
+                    <a:lnB w="12700" cmpd="sng">
+                      <a:solidFill>
+                        <a:schemeClr val="tx1"/>
+                      </a:solidFill>
+                      <a:prstDash val="solid"/>
+                    </a:lnB>
+                    <a:solidFill>
+                      <a:schemeClr val="accent4">
+                        <a:lumMod val="60000"/>
+                        <a:lumOff val="40000"/>
+                      </a:schemeClr>
+                    </a:solidFill>
+                  </a:tcPr>
+                </a:tc>
+                <a:tc>
+                  <a:txBody>
+                    <a:bodyPr/>
+                    <a:p>
+                      <a:pPr algn="ctr">
+                        <a:buNone/>
+                      </a:pPr>
+                      <a:r>
+                        <a:rPr lang="en-US" altLang="zh-CN" sz="1200" b="1">
+                          <a:solidFill>
+                            <a:schemeClr val="tx1"/>
+                          </a:solidFill>
+                          <a:latin typeface="Consolas" panose="020B0609020204030204" charset="0"/>
+                          <a:cs typeface="Consolas" panose="020B0609020204030204" charset="0"/>
+                        </a:rPr>
+                        <a:t>8</a:t>
+                      </a:r>
+                      <a:endParaRPr lang="en-US" altLang="zh-CN" sz="1200" b="1">
+                        <a:solidFill>
+                          <a:schemeClr val="tx1"/>
+                        </a:solidFill>
+                        <a:latin typeface="Consolas" panose="020B0609020204030204" charset="0"/>
+                        <a:cs typeface="Consolas" panose="020B0609020204030204" charset="0"/>
+                      </a:endParaRPr>
+                    </a:p>
+                  </a:txBody>
+                  <a:tcPr anchor="ctr" anchorCtr="0">
+                    <a:lnL w="12700" cmpd="sng">
+                      <a:solidFill>
+                        <a:schemeClr val="tx1"/>
+                      </a:solidFill>
+                      <a:prstDash val="solid"/>
+                    </a:lnL>
+                    <a:lnR w="12700" cmpd="sng">
+                      <a:solidFill>
+                        <a:schemeClr val="tx1"/>
+                      </a:solidFill>
+                      <a:prstDash val="solid"/>
+                    </a:lnR>
+                    <a:lnT w="12700" cmpd="sng">
+                      <a:solidFill>
+                        <a:schemeClr val="tx1"/>
+                      </a:solidFill>
+                      <a:prstDash val="solid"/>
+                    </a:lnT>
+                    <a:lnB w="12700" cmpd="sng">
+                      <a:solidFill>
+                        <a:schemeClr val="tx1"/>
+                      </a:solidFill>
+                      <a:prstDash val="solid"/>
+                    </a:lnB>
+                    <a:solidFill>
+                      <a:schemeClr val="accent4">
+                        <a:lumMod val="60000"/>
+                        <a:lumOff val="40000"/>
+                      </a:schemeClr>
+                    </a:solidFill>
+                  </a:tcPr>
+                </a:tc>
+                <a:tc>
+                  <a:txBody>
+                    <a:bodyPr/>
+                    <a:p>
+                      <a:pPr algn="ctr">
+                        <a:buNone/>
+                      </a:pPr>
+                      <a:r>
+                        <a:rPr lang="en-US" altLang="zh-CN" sz="1200" b="1">
+                          <a:solidFill>
+                            <a:schemeClr val="tx1"/>
+                          </a:solidFill>
+                          <a:latin typeface="Consolas" panose="020B0609020204030204" charset="0"/>
+                          <a:cs typeface="Consolas" panose="020B0609020204030204" charset="0"/>
+                        </a:rPr>
+                        <a:t>9</a:t>
+                      </a:r>
+                      <a:endParaRPr lang="en-US" altLang="zh-CN" sz="1200" b="1">
+                        <a:solidFill>
+                          <a:schemeClr val="tx1"/>
+                        </a:solidFill>
+                        <a:latin typeface="Consolas" panose="020B0609020204030204" charset="0"/>
+                        <a:cs typeface="Consolas" panose="020B0609020204030204" charset="0"/>
+                      </a:endParaRPr>
+                    </a:p>
+                  </a:txBody>
+                  <a:tcPr anchor="ctr" anchorCtr="0">
+                    <a:lnL w="12700" cmpd="sng">
+                      <a:solidFill>
+                        <a:schemeClr val="tx1"/>
+                      </a:solidFill>
+                      <a:prstDash val="solid"/>
+                    </a:lnL>
+                    <a:lnR w="12700" cmpd="sng">
+                      <a:solidFill>
+                        <a:schemeClr val="tx1"/>
+                      </a:solidFill>
+                      <a:prstDash val="solid"/>
+                    </a:lnR>
+                    <a:lnT w="12700" cmpd="sng">
+                      <a:solidFill>
+                        <a:schemeClr val="tx1"/>
+                      </a:solidFill>
+                      <a:prstDash val="solid"/>
+                    </a:lnT>
+                    <a:lnB w="12700" cmpd="sng">
+                      <a:solidFill>
+                        <a:schemeClr val="tx1"/>
+                      </a:solidFill>
+                      <a:prstDash val="solid"/>
+                    </a:lnB>
+                    <a:solidFill>
+                      <a:schemeClr val="accent4">
+                        <a:lumMod val="60000"/>
+                        <a:lumOff val="40000"/>
+                      </a:schemeClr>
+                    </a:solidFill>
+                  </a:tcPr>
+                </a:tc>
+                <a:tc>
+                  <a:txBody>
+                    <a:bodyPr/>
+                    <a:p>
+                      <a:pPr algn="ctr">
+                        <a:buNone/>
+                      </a:pPr>
+                      <a:r>
+                        <a:rPr lang="en-US" altLang="zh-CN" sz="1200" b="1">
+                          <a:solidFill>
+                            <a:schemeClr val="tx1"/>
+                          </a:solidFill>
+                          <a:latin typeface="Consolas" panose="020B0609020204030204" charset="0"/>
+                          <a:cs typeface="Consolas" panose="020B0609020204030204" charset="0"/>
+                        </a:rPr>
+                        <a:t>10</a:t>
+                      </a:r>
+                      <a:endParaRPr lang="en-US" altLang="zh-CN" sz="1200" b="1">
+                        <a:solidFill>
+                          <a:schemeClr val="tx1"/>
+                        </a:solidFill>
+                        <a:latin typeface="Consolas" panose="020B0609020204030204" charset="0"/>
+                        <a:cs typeface="Consolas" panose="020B0609020204030204" charset="0"/>
+                      </a:endParaRPr>
+                    </a:p>
+                  </a:txBody>
+                  <a:tcPr anchor="ctr" anchorCtr="0">
+                    <a:lnL w="12700" cmpd="sng">
+                      <a:solidFill>
+                        <a:schemeClr val="tx1"/>
+                      </a:solidFill>
+                      <a:prstDash val="solid"/>
+                    </a:lnL>
+                    <a:lnR w="12700" cmpd="sng">
+                      <a:solidFill>
+                        <a:schemeClr val="tx1"/>
+                      </a:solidFill>
+                      <a:prstDash val="solid"/>
+                    </a:lnR>
+                    <a:lnT w="12700" cmpd="sng">
+                      <a:solidFill>
+                        <a:schemeClr val="tx1"/>
+                      </a:solidFill>
+                      <a:prstDash val="solid"/>
+                    </a:lnT>
+                    <a:lnB w="12700" cmpd="sng">
+                      <a:solidFill>
+                        <a:schemeClr val="tx1"/>
+                      </a:solidFill>
+                      <a:prstDash val="solid"/>
+                    </a:lnB>
+                    <a:solidFill>
+                      <a:schemeClr val="accent4">
+                        <a:lumMod val="60000"/>
+                        <a:lumOff val="40000"/>
+                      </a:schemeClr>
+                    </a:solidFill>
+                  </a:tcPr>
+                </a:tc>
+                <a:tc>
+                  <a:txBody>
+                    <a:bodyPr/>
+                    <a:p>
+                      <a:pPr algn="ctr">
+                        <a:buNone/>
+                      </a:pPr>
+                      <a:r>
+                        <a:rPr lang="en-US" altLang="zh-CN" sz="1200" b="1">
+                          <a:solidFill>
+                            <a:schemeClr val="tx1"/>
+                          </a:solidFill>
+                          <a:latin typeface="Consolas" panose="020B0609020204030204" charset="0"/>
+                          <a:cs typeface="Consolas" panose="020B0609020204030204" charset="0"/>
+                        </a:rPr>
+                        <a:t>11</a:t>
+                      </a:r>
+                      <a:endParaRPr lang="en-US" altLang="zh-CN" sz="1200" b="1">
+                        <a:solidFill>
+                          <a:schemeClr val="tx1"/>
+                        </a:solidFill>
+                        <a:latin typeface="Consolas" panose="020B0609020204030204" charset="0"/>
+                        <a:cs typeface="Consolas" panose="020B0609020204030204" charset="0"/>
+                      </a:endParaRPr>
+                    </a:p>
+                  </a:txBody>
+                  <a:tcPr anchor="ctr" anchorCtr="0">
+                    <a:lnL w="12700" cmpd="sng">
+                      <a:solidFill>
+                        <a:schemeClr val="tx1"/>
+                      </a:solidFill>
+                      <a:prstDash val="solid"/>
+                    </a:lnL>
+                    <a:lnR w="12700" cmpd="sng">
+                      <a:solidFill>
+                        <a:schemeClr val="tx1"/>
+                      </a:solidFill>
+                      <a:prstDash val="solid"/>
+                    </a:lnR>
+                    <a:lnT w="12700" cmpd="sng">
+                      <a:solidFill>
+                        <a:schemeClr val="tx1"/>
+                      </a:solidFill>
+                      <a:prstDash val="solid"/>
+                    </a:lnT>
+                    <a:lnB w="12700" cmpd="sng">
+                      <a:solidFill>
+                        <a:schemeClr val="tx1"/>
+                      </a:solidFill>
+                      <a:prstDash val="solid"/>
+                    </a:lnB>
+                    <a:solidFill>
+                      <a:schemeClr val="accent4">
+                        <a:lumMod val="60000"/>
+                        <a:lumOff val="40000"/>
+                      </a:schemeClr>
+                    </a:solidFill>
+                  </a:tcPr>
+                </a:tc>
+                <a:tc>
+                  <a:txBody>
+                    <a:bodyPr/>
+                    <a:p>
+                      <a:pPr algn="ctr">
+                        <a:buNone/>
+                      </a:pPr>
+                      <a:r>
+                        <a:rPr lang="en-US" altLang="zh-CN" sz="1200" b="1">
+                          <a:solidFill>
+                            <a:schemeClr val="tx1"/>
+                          </a:solidFill>
+                          <a:latin typeface="Consolas" panose="020B0609020204030204" charset="0"/>
+                          <a:cs typeface="Consolas" panose="020B0609020204030204" charset="0"/>
+                        </a:rPr>
+                        <a:t>12</a:t>
+                      </a:r>
+                      <a:endParaRPr lang="en-US" altLang="zh-CN" sz="1200" b="1">
+                        <a:solidFill>
+                          <a:schemeClr val="tx1"/>
+                        </a:solidFill>
+                        <a:latin typeface="Consolas" panose="020B0609020204030204" charset="0"/>
+                        <a:cs typeface="Consolas" panose="020B0609020204030204" charset="0"/>
+                      </a:endParaRPr>
+                    </a:p>
+                  </a:txBody>
+                  <a:tcPr anchor="ctr" anchorCtr="0">
+                    <a:lnL w="12700" cmpd="sng">
+                      <a:solidFill>
+                        <a:schemeClr val="tx1"/>
+                      </a:solidFill>
+                      <a:prstDash val="solid"/>
+                    </a:lnL>
+                    <a:lnR w="12700" cmpd="sng">
+                      <a:solidFill>
+                        <a:schemeClr val="tx1"/>
+                      </a:solidFill>
+                      <a:prstDash val="solid"/>
+                    </a:lnR>
+                    <a:lnT w="12700" cmpd="sng">
+                      <a:solidFill>
+                        <a:schemeClr val="tx1"/>
+                      </a:solidFill>
+                      <a:prstDash val="solid"/>
+                    </a:lnT>
+                    <a:lnB w="12700" cmpd="sng">
+                      <a:solidFill>
+                        <a:schemeClr val="tx1"/>
+                      </a:solidFill>
+                      <a:prstDash val="solid"/>
+                    </a:lnB>
+                    <a:solidFill>
+                      <a:schemeClr val="accent4">
+                        <a:lumMod val="60000"/>
+                        <a:lumOff val="40000"/>
+                      </a:schemeClr>
+                    </a:solidFill>
+                  </a:tcPr>
+                </a:tc>
+              </a:tr>
+              <a:tr h="350520">
+                <a:tc>
+                  <a:txBody>
+                    <a:bodyPr/>
+                    <a:p>
+                      <a:pPr algn="ctr">
+                        <a:buNone/>
+                      </a:pPr>
+                      <a:r>
+                        <a:rPr lang="zh-CN" altLang="en-US" sz="1200" b="1">
+                          <a:solidFill>
+                            <a:schemeClr val="tx1"/>
+                          </a:solidFill>
+                          <a:latin typeface="Consolas" panose="020B0609020204030204" charset="0"/>
+                          <a:cs typeface="Consolas" panose="020B0609020204030204" charset="0"/>
+                        </a:rPr>
+                        <a:t>主串</a:t>
+                      </a:r>
+                      <a:endParaRPr lang="zh-CN" altLang="en-US" sz="1200" b="1">
+                        <a:solidFill>
+                          <a:schemeClr val="tx1"/>
+                        </a:solidFill>
+                        <a:latin typeface="Consolas" panose="020B0609020204030204" charset="0"/>
+                        <a:cs typeface="Consolas" panose="020B0609020204030204" charset="0"/>
+                      </a:endParaRPr>
+                    </a:p>
+                  </a:txBody>
+                  <a:tcPr anchor="ctr" anchorCtr="0">
+                    <a:lnL w="12700" cmpd="sng">
+                      <a:solidFill>
+                        <a:schemeClr val="tx1"/>
+                      </a:solidFill>
+                      <a:prstDash val="solid"/>
+                    </a:lnL>
+                    <a:lnR w="12700" cmpd="sng">
+                      <a:solidFill>
+                        <a:schemeClr val="tx1"/>
+                      </a:solidFill>
+                      <a:prstDash val="solid"/>
+                    </a:lnR>
+                    <a:lnT w="12700" cmpd="sng">
+                      <a:solidFill>
+                        <a:schemeClr val="tx1"/>
+                      </a:solidFill>
+                      <a:prstDash val="solid"/>
+                    </a:lnT>
+                    <a:lnB w="12700" cmpd="sng">
+                      <a:solidFill>
+                        <a:schemeClr val="tx1"/>
+                      </a:solidFill>
+                      <a:prstDash val="solid"/>
+                    </a:lnB>
+                    <a:solidFill>
+                      <a:schemeClr val="accent4">
+                        <a:lumMod val="75000"/>
+                      </a:schemeClr>
+                    </a:solidFill>
+                  </a:tcPr>
+                </a:tc>
+                <a:tc>
+                  <a:txBody>
+                    <a:bodyPr/>
+                    <a:p>
+                      <a:pPr algn="ctr">
+                        <a:buClrTx/>
+                        <a:buSzTx/>
+                        <a:buFontTx/>
+                        <a:buNone/>
+                      </a:pPr>
+                      <a:r>
+                        <a:rPr lang="en-US" altLang="zh-CN" sz="1200" b="1">
+                          <a:solidFill>
+                            <a:schemeClr val="tx1"/>
+                          </a:solidFill>
+                          <a:latin typeface="Consolas" panose="020B0609020204030204" charset="0"/>
+                          <a:cs typeface="Consolas" panose="020B0609020204030204" charset="0"/>
+                        </a:rPr>
+                        <a:t>a</a:t>
+                      </a:r>
+                      <a:endParaRPr lang="en-US" altLang="zh-CN" sz="1200" b="1">
+                        <a:solidFill>
+                          <a:schemeClr val="tx1"/>
+                        </a:solidFill>
+                        <a:latin typeface="Consolas" panose="020B0609020204030204" charset="0"/>
+                        <a:cs typeface="Consolas" panose="020B0609020204030204" charset="0"/>
+                      </a:endParaRPr>
+                    </a:p>
+                  </a:txBody>
+                  <a:tcPr anchor="ctr" anchorCtr="0">
+                    <a:lnL w="12700" cmpd="sng">
+                      <a:solidFill>
+                        <a:schemeClr val="tx1"/>
+                      </a:solidFill>
+                      <a:prstDash val="solid"/>
+                    </a:lnL>
+                    <a:lnR w="12700" cmpd="sng">
+                      <a:solidFill>
+                        <a:schemeClr val="tx1"/>
+                      </a:solidFill>
+                      <a:prstDash val="solid"/>
+                    </a:lnR>
+                    <a:lnT w="12700" cmpd="sng">
+                      <a:solidFill>
+                        <a:schemeClr val="tx1"/>
+                      </a:solidFill>
+                      <a:prstDash val="solid"/>
+                    </a:lnT>
+                    <a:lnB w="12700" cmpd="sng">
+                      <a:solidFill>
+                        <a:schemeClr val="tx1"/>
+                      </a:solidFill>
+                      <a:prstDash val="solid"/>
+                    </a:lnB>
+                    <a:solidFill>
+                      <a:schemeClr val="accent3">
+                        <a:lumMod val="40000"/>
+                        <a:lumOff val="60000"/>
+                      </a:schemeClr>
+                    </a:solidFill>
+                  </a:tcPr>
+                </a:tc>
+                <a:tc>
+                  <a:txBody>
+                    <a:bodyPr/>
+                    <a:p>
+                      <a:pPr algn="ctr">
+                        <a:buClrTx/>
+                        <a:buSzTx/>
+                        <a:buFontTx/>
+                        <a:buNone/>
+                      </a:pPr>
+                      <a:r>
+                        <a:rPr lang="en-US" altLang="zh-CN" sz="1200" b="1">
+                          <a:solidFill>
+                            <a:schemeClr val="tx1"/>
+                          </a:solidFill>
+                          <a:latin typeface="Consolas" panose="020B0609020204030204" charset="0"/>
+                          <a:cs typeface="Consolas" panose="020B0609020204030204" charset="0"/>
+                        </a:rPr>
+                        <a:t>a</a:t>
+                      </a:r>
+                      <a:endParaRPr lang="en-US" altLang="zh-CN" sz="1200" b="1">
+                        <a:solidFill>
+                          <a:schemeClr val="tx1"/>
+                        </a:solidFill>
+                        <a:latin typeface="Consolas" panose="020B0609020204030204" charset="0"/>
+                        <a:cs typeface="Consolas" panose="020B0609020204030204" charset="0"/>
+                      </a:endParaRPr>
+                    </a:p>
+                  </a:txBody>
+                  <a:tcPr anchor="ctr" anchorCtr="0">
+                    <a:lnL w="12700" cmpd="sng">
+                      <a:solidFill>
+                        <a:schemeClr val="tx1"/>
+                      </a:solidFill>
+                      <a:prstDash val="solid"/>
+                    </a:lnL>
+                    <a:lnR w="12700" cmpd="sng">
+                      <a:solidFill>
+                        <a:schemeClr val="tx1"/>
+                      </a:solidFill>
+                      <a:prstDash val="solid"/>
+                    </a:lnR>
+                    <a:lnT w="12700" cmpd="sng">
+                      <a:solidFill>
+                        <a:schemeClr val="tx1"/>
+                      </a:solidFill>
+                      <a:prstDash val="solid"/>
+                    </a:lnT>
+                    <a:lnB w="12700" cmpd="sng">
+                      <a:solidFill>
+                        <a:schemeClr val="tx1"/>
+                      </a:solidFill>
+                      <a:prstDash val="solid"/>
+                    </a:lnB>
+                    <a:solidFill>
+                      <a:schemeClr val="accent3">
+                        <a:lumMod val="40000"/>
+                        <a:lumOff val="60000"/>
+                      </a:schemeClr>
+                    </a:solidFill>
+                  </a:tcPr>
+                </a:tc>
+                <a:tc>
+                  <a:txBody>
+                    <a:bodyPr/>
+                    <a:p>
+                      <a:pPr algn="ctr">
+                        <a:buClrTx/>
+                        <a:buSzTx/>
+                        <a:buFontTx/>
+                        <a:buNone/>
+                      </a:pPr>
+                      <a:r>
+                        <a:rPr lang="en-US" altLang="zh-CN" sz="1200" b="1">
+                          <a:solidFill>
+                            <a:schemeClr val="tx1"/>
+                          </a:solidFill>
+                          <a:latin typeface="Consolas" panose="020B0609020204030204" charset="0"/>
+                          <a:cs typeface="Consolas" panose="020B0609020204030204" charset="0"/>
+                        </a:rPr>
+                        <a:t>b</a:t>
+                      </a:r>
+                      <a:endParaRPr lang="en-US" altLang="zh-CN" sz="1200" b="1">
+                        <a:solidFill>
+                          <a:schemeClr val="tx1"/>
+                        </a:solidFill>
+                        <a:latin typeface="Consolas" panose="020B0609020204030204" charset="0"/>
+                        <a:cs typeface="Consolas" panose="020B0609020204030204" charset="0"/>
+                      </a:endParaRPr>
+                    </a:p>
+                  </a:txBody>
+                  <a:tcPr anchor="ctr" anchorCtr="0">
+                    <a:lnL w="12700" cmpd="sng">
+                      <a:solidFill>
+                        <a:schemeClr val="tx1"/>
+                      </a:solidFill>
+                      <a:prstDash val="solid"/>
+                    </a:lnL>
+                    <a:lnR w="12700" cmpd="sng">
+                      <a:solidFill>
+                        <a:schemeClr val="tx1"/>
+                      </a:solidFill>
+                      <a:prstDash val="solid"/>
+                    </a:lnR>
+                    <a:lnT w="12700" cmpd="sng">
+                      <a:solidFill>
+                        <a:schemeClr val="tx1"/>
+                      </a:solidFill>
+                      <a:prstDash val="solid"/>
+                    </a:lnT>
+                    <a:lnB w="12700" cmpd="sng">
+                      <a:solidFill>
+                        <a:schemeClr val="tx1"/>
+                      </a:solidFill>
+                      <a:prstDash val="solid"/>
+                    </a:lnB>
+                    <a:solidFill>
+                      <a:schemeClr val="accent3">
+                        <a:lumMod val="40000"/>
+                        <a:lumOff val="60000"/>
+                      </a:schemeClr>
+                    </a:solidFill>
+                  </a:tcPr>
+                </a:tc>
+                <a:tc>
+                  <a:txBody>
+                    <a:bodyPr/>
+                    <a:p>
+                      <a:pPr algn="ctr">
+                        <a:buClrTx/>
+                        <a:buSzTx/>
+                        <a:buFontTx/>
+                        <a:buNone/>
+                      </a:pPr>
+                      <a:r>
+                        <a:rPr lang="en-US" altLang="zh-CN" sz="1200" b="1">
+                          <a:solidFill>
+                            <a:schemeClr val="tx1"/>
+                          </a:solidFill>
+                          <a:latin typeface="Consolas" panose="020B0609020204030204" charset="0"/>
+                          <a:cs typeface="Consolas" panose="020B0609020204030204" charset="0"/>
+                        </a:rPr>
+                        <a:t>a</a:t>
+                      </a:r>
+                      <a:endParaRPr lang="en-US" altLang="zh-CN" sz="1200" b="1">
+                        <a:solidFill>
+                          <a:schemeClr val="tx1"/>
+                        </a:solidFill>
+                        <a:latin typeface="Consolas" panose="020B0609020204030204" charset="0"/>
+                        <a:cs typeface="Consolas" panose="020B0609020204030204" charset="0"/>
+                      </a:endParaRPr>
+                    </a:p>
+                  </a:txBody>
+                  <a:tcPr anchor="ctr" anchorCtr="0">
+                    <a:lnL w="12700" cmpd="sng">
+                      <a:solidFill>
+                        <a:schemeClr val="tx1"/>
+                      </a:solidFill>
+                      <a:prstDash val="solid"/>
+                    </a:lnL>
+                    <a:lnR w="12700" cmpd="sng">
+                      <a:solidFill>
+                        <a:schemeClr val="tx1"/>
+                      </a:solidFill>
+                      <a:prstDash val="solid"/>
+                    </a:lnR>
+                    <a:lnT w="12700" cmpd="sng">
+                      <a:solidFill>
+                        <a:schemeClr val="tx1"/>
+                      </a:solidFill>
+                      <a:prstDash val="solid"/>
+                    </a:lnT>
+                    <a:lnB w="12700" cmpd="sng">
+                      <a:solidFill>
+                        <a:schemeClr val="tx1"/>
+                      </a:solidFill>
+                      <a:prstDash val="solid"/>
+                    </a:lnB>
+                    <a:solidFill>
+                      <a:schemeClr val="accent3">
+                        <a:lumMod val="40000"/>
+                        <a:lumOff val="60000"/>
+                      </a:schemeClr>
+                    </a:solidFill>
+                  </a:tcPr>
+                </a:tc>
+                <a:tc>
+                  <a:txBody>
+                    <a:bodyPr/>
+                    <a:p>
+                      <a:pPr algn="ctr">
+                        <a:buClrTx/>
+                        <a:buSzTx/>
+                        <a:buFontTx/>
+                        <a:buNone/>
+                      </a:pPr>
+                      <a:r>
+                        <a:rPr lang="en-US" altLang="zh-CN" sz="1200" b="1">
+                          <a:solidFill>
+                            <a:schemeClr val="tx1"/>
+                          </a:solidFill>
+                          <a:latin typeface="Consolas" panose="020B0609020204030204" charset="0"/>
+                          <a:cs typeface="Consolas" panose="020B0609020204030204" charset="0"/>
+                        </a:rPr>
+                        <a:t>a</a:t>
+                      </a:r>
+                      <a:endParaRPr lang="en-US" altLang="zh-CN" sz="1200" b="1">
+                        <a:solidFill>
+                          <a:schemeClr val="tx1"/>
+                        </a:solidFill>
+                        <a:latin typeface="Consolas" panose="020B0609020204030204" charset="0"/>
+                        <a:cs typeface="Consolas" panose="020B0609020204030204" charset="0"/>
+                      </a:endParaRPr>
+                    </a:p>
+                  </a:txBody>
+                  <a:tcPr anchor="ctr" anchorCtr="0">
+                    <a:lnL w="12700" cmpd="sng">
+                      <a:solidFill>
+                        <a:schemeClr val="tx1"/>
+                      </a:solidFill>
+                      <a:prstDash val="solid"/>
+                    </a:lnL>
+                    <a:lnR w="12700" cmpd="sng">
+                      <a:solidFill>
+                        <a:schemeClr val="tx1"/>
+                      </a:solidFill>
+                      <a:prstDash val="solid"/>
+                    </a:lnR>
+                    <a:lnT w="12700" cmpd="sng">
+                      <a:solidFill>
+                        <a:schemeClr val="tx1"/>
+                      </a:solidFill>
+                      <a:prstDash val="solid"/>
+                    </a:lnT>
+                    <a:lnB w="12700" cmpd="sng">
+                      <a:solidFill>
+                        <a:schemeClr val="tx1"/>
+                      </a:solidFill>
+                      <a:prstDash val="solid"/>
+                    </a:lnB>
+                    <a:solidFill>
+                      <a:schemeClr val="accent3">
+                        <a:lumMod val="40000"/>
+                        <a:lumOff val="60000"/>
+                      </a:schemeClr>
+                    </a:solidFill>
+                  </a:tcPr>
+                </a:tc>
+                <a:tc>
+                  <a:txBody>
+                    <a:bodyPr/>
+                    <a:p>
+                      <a:pPr algn="ctr">
+                        <a:buClrTx/>
+                        <a:buSzTx/>
+                        <a:buFontTx/>
+                        <a:buNone/>
+                      </a:pPr>
+                      <a:r>
+                        <a:rPr lang="en-US" altLang="zh-CN" sz="1200" b="1">
+                          <a:solidFill>
+                            <a:schemeClr val="tx1"/>
+                          </a:solidFill>
+                          <a:latin typeface="Consolas" panose="020B0609020204030204" charset="0"/>
+                          <a:cs typeface="Consolas" panose="020B0609020204030204" charset="0"/>
+                        </a:rPr>
+                        <a:t>b</a:t>
+                      </a:r>
+                      <a:endParaRPr lang="en-US" altLang="zh-CN" sz="1200" b="1">
+                        <a:solidFill>
+                          <a:schemeClr val="tx1"/>
+                        </a:solidFill>
+                        <a:latin typeface="Consolas" panose="020B0609020204030204" charset="0"/>
+                        <a:cs typeface="Consolas" panose="020B0609020204030204" charset="0"/>
+                      </a:endParaRPr>
+                    </a:p>
+                  </a:txBody>
+                  <a:tcPr anchor="ctr" anchorCtr="0">
+                    <a:lnL w="12700" cmpd="sng">
+                      <a:solidFill>
+                        <a:schemeClr val="tx1"/>
+                      </a:solidFill>
+                      <a:prstDash val="solid"/>
+                    </a:lnL>
+                    <a:lnR w="12700" cmpd="sng">
+                      <a:solidFill>
+                        <a:schemeClr val="tx1"/>
+                      </a:solidFill>
+                      <a:prstDash val="solid"/>
+                    </a:lnR>
+                    <a:lnT w="12700" cmpd="sng">
+                      <a:solidFill>
+                        <a:schemeClr val="tx1"/>
+                      </a:solidFill>
+                      <a:prstDash val="solid"/>
+                    </a:lnT>
+                    <a:lnB w="12700" cmpd="sng">
+                      <a:solidFill>
+                        <a:schemeClr val="tx1"/>
+                      </a:solidFill>
+                      <a:prstDash val="solid"/>
+                    </a:lnB>
+                    <a:solidFill>
+                      <a:srgbClr val="FF0000"/>
+                    </a:solidFill>
+                  </a:tcPr>
+                </a:tc>
+                <a:tc>
+                  <a:txBody>
+                    <a:bodyPr/>
+                    <a:p>
+                      <a:pPr algn="ctr">
+                        <a:buClrTx/>
+                        <a:buSzTx/>
+                        <a:buFontTx/>
+                        <a:buNone/>
+                      </a:pPr>
+                      <a:r>
+                        <a:rPr lang="en-US" altLang="zh-CN" sz="1200" b="1" u="sng">
+                          <a:solidFill>
+                            <a:schemeClr val="bg2">
+                              <a:lumMod val="50000"/>
+                            </a:schemeClr>
+                          </a:solidFill>
+                          <a:latin typeface="Consolas" panose="020B0609020204030204" charset="0"/>
+                          <a:cs typeface="Consolas" panose="020B0609020204030204" charset="0"/>
+                        </a:rPr>
+                        <a:t>a</a:t>
+                      </a:r>
+                      <a:endParaRPr lang="en-US" altLang="zh-CN" sz="1200" b="1" u="sng">
+                        <a:solidFill>
+                          <a:schemeClr val="bg2">
+                            <a:lumMod val="50000"/>
+                          </a:schemeClr>
+                        </a:solidFill>
+                        <a:latin typeface="Consolas" panose="020B0609020204030204" charset="0"/>
+                        <a:cs typeface="Consolas" panose="020B0609020204030204" charset="0"/>
+                      </a:endParaRPr>
+                    </a:p>
+                  </a:txBody>
+                  <a:tcPr anchor="ctr" anchorCtr="0">
+                    <a:lnL w="12700" cmpd="sng">
+                      <a:solidFill>
+                        <a:schemeClr val="tx1"/>
+                      </a:solidFill>
+                      <a:prstDash val="solid"/>
+                    </a:lnL>
+                    <a:lnR w="12700" cmpd="sng">
+                      <a:solidFill>
+                        <a:schemeClr val="tx1"/>
+                      </a:solidFill>
+                      <a:prstDash val="solid"/>
+                    </a:lnR>
+                    <a:lnT w="12700" cmpd="sng">
+                      <a:solidFill>
+                        <a:schemeClr val="tx1"/>
+                      </a:solidFill>
+                      <a:prstDash val="solid"/>
+                    </a:lnT>
+                    <a:lnB w="12700" cmpd="sng">
+                      <a:solidFill>
+                        <a:schemeClr val="tx1"/>
+                      </a:solidFill>
+                      <a:prstDash val="solid"/>
+                    </a:lnB>
+                    <a:solidFill>
+                      <a:schemeClr val="accent5">
+                        <a:lumMod val="60000"/>
+                        <a:lumOff val="40000"/>
+                      </a:schemeClr>
+                    </a:solidFill>
+                  </a:tcPr>
+                </a:tc>
+                <a:tc>
+                  <a:txBody>
+                    <a:bodyPr/>
+                    <a:p>
+                      <a:pPr algn="ctr">
+                        <a:buClrTx/>
+                        <a:buSzTx/>
+                        <a:buFontTx/>
+                        <a:buNone/>
+                      </a:pPr>
+                      <a:r>
+                        <a:rPr lang="en-US" altLang="zh-CN" sz="1200" b="1" u="sng">
+                          <a:solidFill>
+                            <a:schemeClr val="bg2">
+                              <a:lumMod val="50000"/>
+                            </a:schemeClr>
+                          </a:solidFill>
+                          <a:latin typeface="Consolas" panose="020B0609020204030204" charset="0"/>
+                          <a:cs typeface="Consolas" panose="020B0609020204030204" charset="0"/>
+                        </a:rPr>
+                        <a:t>a</a:t>
+                      </a:r>
+                      <a:endParaRPr lang="en-US" altLang="zh-CN" sz="1200" b="1" u="sng">
+                        <a:solidFill>
+                          <a:schemeClr val="bg2">
+                            <a:lumMod val="50000"/>
+                          </a:schemeClr>
+                        </a:solidFill>
+                        <a:latin typeface="Consolas" panose="020B0609020204030204" charset="0"/>
+                        <a:cs typeface="Consolas" panose="020B0609020204030204" charset="0"/>
+                      </a:endParaRPr>
+                    </a:p>
+                  </a:txBody>
+                  <a:tcPr anchor="ctr" anchorCtr="0">
+                    <a:lnL w="12700" cmpd="sng">
+                      <a:solidFill>
+                        <a:schemeClr val="tx1"/>
+                      </a:solidFill>
+                      <a:prstDash val="solid"/>
+                    </a:lnL>
+                    <a:lnR w="12700" cmpd="sng">
+                      <a:solidFill>
+                        <a:schemeClr val="tx1"/>
+                      </a:solidFill>
+                      <a:prstDash val="solid"/>
+                    </a:lnR>
+                    <a:lnT w="12700" cmpd="sng">
+                      <a:solidFill>
+                        <a:schemeClr val="tx1"/>
+                      </a:solidFill>
+                      <a:prstDash val="solid"/>
+                    </a:lnT>
+                    <a:lnB w="12700" cmpd="sng">
+                      <a:solidFill>
+                        <a:schemeClr val="tx1"/>
+                      </a:solidFill>
+                      <a:prstDash val="solid"/>
+                    </a:lnB>
+                    <a:solidFill>
+                      <a:schemeClr val="accent5">
+                        <a:lumMod val="60000"/>
+                        <a:lumOff val="40000"/>
+                      </a:schemeClr>
+                    </a:solidFill>
+                  </a:tcPr>
+                </a:tc>
+                <a:tc>
+                  <a:txBody>
+                    <a:bodyPr/>
+                    <a:p>
+                      <a:pPr algn="ctr">
+                        <a:buClrTx/>
+                        <a:buSzTx/>
+                        <a:buFontTx/>
+                        <a:buNone/>
+                      </a:pPr>
+                      <a:r>
+                        <a:rPr lang="en-US" altLang="zh-CN" sz="1200" b="1" u="sng">
+                          <a:solidFill>
+                            <a:schemeClr val="bg2">
+                              <a:lumMod val="50000"/>
+                            </a:schemeClr>
+                          </a:solidFill>
+                          <a:latin typeface="Consolas" panose="020B0609020204030204" charset="0"/>
+                          <a:cs typeface="Consolas" panose="020B0609020204030204" charset="0"/>
+                        </a:rPr>
+                        <a:t>b</a:t>
+                      </a:r>
+                      <a:endParaRPr lang="en-US" altLang="zh-CN" sz="1200" b="1" u="sng">
+                        <a:solidFill>
+                          <a:schemeClr val="bg2">
+                            <a:lumMod val="50000"/>
+                          </a:schemeClr>
+                        </a:solidFill>
+                        <a:latin typeface="Consolas" panose="020B0609020204030204" charset="0"/>
+                        <a:cs typeface="Consolas" panose="020B0609020204030204" charset="0"/>
+                      </a:endParaRPr>
+                    </a:p>
+                  </a:txBody>
+                  <a:tcPr anchor="ctr" anchorCtr="0">
+                    <a:lnL w="12700" cmpd="sng">
+                      <a:solidFill>
+                        <a:schemeClr val="tx1"/>
+                      </a:solidFill>
+                      <a:prstDash val="solid"/>
+                    </a:lnL>
+                    <a:lnR w="12700" cmpd="sng">
+                      <a:solidFill>
+                        <a:schemeClr val="tx1"/>
+                      </a:solidFill>
+                      <a:prstDash val="solid"/>
+                    </a:lnR>
+                    <a:lnT w="12700" cmpd="sng">
+                      <a:solidFill>
+                        <a:schemeClr val="tx1"/>
+                      </a:solidFill>
+                      <a:prstDash val="solid"/>
+                    </a:lnT>
+                    <a:lnB w="12700" cmpd="sng">
+                      <a:solidFill>
+                        <a:schemeClr val="tx1"/>
+                      </a:solidFill>
+                      <a:prstDash val="solid"/>
+                    </a:lnB>
+                    <a:solidFill>
+                      <a:srgbClr val="FF0000"/>
+                    </a:solidFill>
+                  </a:tcPr>
+                </a:tc>
+                <a:tc>
+                  <a:txBody>
+                    <a:bodyPr/>
+                    <a:p>
+                      <a:pPr algn="ctr">
+                        <a:buClrTx/>
+                        <a:buSzTx/>
+                        <a:buFontTx/>
+                        <a:buNone/>
+                      </a:pPr>
+                      <a:r>
+                        <a:rPr lang="en-US" altLang="zh-CN" sz="1200" b="1" u="sng">
+                          <a:solidFill>
+                            <a:schemeClr val="bg2">
+                              <a:lumMod val="50000"/>
+                            </a:schemeClr>
+                          </a:solidFill>
+                          <a:latin typeface="Consolas" panose="020B0609020204030204" charset="0"/>
+                          <a:cs typeface="Consolas" panose="020B0609020204030204" charset="0"/>
+                        </a:rPr>
+                        <a:t>a</a:t>
+                      </a:r>
+                      <a:endParaRPr lang="en-US" altLang="zh-CN" sz="1200" b="1" u="sng">
+                        <a:solidFill>
+                          <a:schemeClr val="bg2">
+                            <a:lumMod val="50000"/>
+                          </a:schemeClr>
+                        </a:solidFill>
+                        <a:latin typeface="Consolas" panose="020B0609020204030204" charset="0"/>
+                        <a:cs typeface="Consolas" panose="020B0609020204030204" charset="0"/>
+                      </a:endParaRPr>
+                    </a:p>
+                  </a:txBody>
+                  <a:tcPr anchor="ctr" anchorCtr="0">
+                    <a:lnL w="12700" cmpd="sng">
+                      <a:solidFill>
+                        <a:schemeClr val="tx1"/>
+                      </a:solidFill>
+                      <a:prstDash val="solid"/>
+                    </a:lnL>
+                    <a:lnR w="12700" cmpd="sng">
+                      <a:solidFill>
+                        <a:schemeClr val="tx1"/>
+                      </a:solidFill>
+                      <a:prstDash val="solid"/>
+                    </a:lnR>
+                    <a:lnT w="12700" cmpd="sng">
+                      <a:solidFill>
+                        <a:schemeClr val="tx1"/>
+                      </a:solidFill>
+                      <a:prstDash val="solid"/>
+                    </a:lnT>
+                    <a:lnB w="12700" cmpd="sng">
+                      <a:solidFill>
+                        <a:schemeClr val="tx1"/>
+                      </a:solidFill>
+                      <a:prstDash val="solid"/>
+                    </a:lnB>
+                    <a:solidFill>
+                      <a:srgbClr val="FFFF00"/>
+                    </a:solidFill>
+                  </a:tcPr>
+                </a:tc>
+                <a:tc>
+                  <a:txBody>
+                    <a:bodyPr/>
+                    <a:p>
+                      <a:pPr algn="ctr">
+                        <a:buClrTx/>
+                        <a:buSzTx/>
+                        <a:buFontTx/>
+                        <a:buNone/>
+                      </a:pPr>
+                      <a:r>
+                        <a:rPr lang="en-US" altLang="zh-CN" sz="1200" b="1" u="sng">
+                          <a:solidFill>
+                            <a:schemeClr val="bg2">
+                              <a:lumMod val="50000"/>
+                            </a:schemeClr>
+                          </a:solidFill>
+                          <a:latin typeface="Consolas" panose="020B0609020204030204" charset="0"/>
+                          <a:cs typeface="Consolas" panose="020B0609020204030204" charset="0"/>
+                        </a:rPr>
+                        <a:t>a</a:t>
+                      </a:r>
+                      <a:endParaRPr lang="en-US" altLang="zh-CN" sz="1200" b="1" u="sng">
+                        <a:solidFill>
+                          <a:schemeClr val="bg2">
+                            <a:lumMod val="50000"/>
+                          </a:schemeClr>
+                        </a:solidFill>
+                        <a:latin typeface="Consolas" panose="020B0609020204030204" charset="0"/>
+                        <a:cs typeface="Consolas" panose="020B0609020204030204" charset="0"/>
+                      </a:endParaRPr>
+                    </a:p>
+                  </a:txBody>
+                  <a:tcPr anchor="ctr" anchorCtr="0">
+                    <a:lnL w="12700" cmpd="sng">
+                      <a:solidFill>
+                        <a:schemeClr val="tx1"/>
+                      </a:solidFill>
+                      <a:prstDash val="solid"/>
+                    </a:lnL>
+                    <a:lnR w="12700" cmpd="sng">
+                      <a:solidFill>
+                        <a:schemeClr val="tx1"/>
+                      </a:solidFill>
+                      <a:prstDash val="solid"/>
+                    </a:lnR>
+                    <a:lnT w="12700" cmpd="sng">
+                      <a:solidFill>
+                        <a:schemeClr val="tx1"/>
+                      </a:solidFill>
+                      <a:prstDash val="solid"/>
+                    </a:lnT>
+                    <a:lnB w="12700" cmpd="sng">
+                      <a:solidFill>
+                        <a:schemeClr val="tx1"/>
+                      </a:solidFill>
+                      <a:prstDash val="solid"/>
+                    </a:lnB>
+                    <a:solidFill>
+                      <a:srgbClr val="FFFF00"/>
+                    </a:solidFill>
+                  </a:tcPr>
+                </a:tc>
+                <a:tc>
+                  <a:txBody>
+                    <a:bodyPr/>
+                    <a:p>
+                      <a:pPr algn="ctr">
+                        <a:buClrTx/>
+                        <a:buSzTx/>
+                        <a:buFontTx/>
+                        <a:buNone/>
+                      </a:pPr>
+                      <a:r>
+                        <a:rPr lang="en-US" altLang="zh-CN" sz="1200" b="1" u="sng">
+                          <a:solidFill>
+                            <a:schemeClr val="bg2">
+                              <a:lumMod val="50000"/>
+                            </a:schemeClr>
+                          </a:solidFill>
+                          <a:latin typeface="Consolas" panose="020B0609020204030204" charset="0"/>
+                          <a:cs typeface="Consolas" panose="020B0609020204030204" charset="0"/>
+                        </a:rPr>
+                        <a:t>c</a:t>
+                      </a:r>
+                      <a:endParaRPr lang="en-US" altLang="zh-CN" sz="1200" b="1" u="sng">
+                        <a:solidFill>
+                          <a:schemeClr val="bg2">
+                            <a:lumMod val="50000"/>
+                          </a:schemeClr>
+                        </a:solidFill>
+                        <a:latin typeface="Consolas" panose="020B0609020204030204" charset="0"/>
+                        <a:cs typeface="Consolas" panose="020B0609020204030204" charset="0"/>
+                      </a:endParaRPr>
+                    </a:p>
+                  </a:txBody>
+                  <a:tcPr anchor="ctr" anchorCtr="0">
+                    <a:lnL w="12700" cmpd="sng">
+                      <a:solidFill>
+                        <a:schemeClr val="tx1"/>
+                      </a:solidFill>
+                      <a:prstDash val="solid"/>
+                    </a:lnL>
+                    <a:lnR w="12700" cmpd="sng">
+                      <a:solidFill>
+                        <a:schemeClr val="tx1"/>
+                      </a:solidFill>
+                      <a:prstDash val="solid"/>
+                    </a:lnR>
+                    <a:lnT w="12700" cmpd="sng">
+                      <a:solidFill>
+                        <a:schemeClr val="tx1"/>
+                      </a:solidFill>
+                      <a:prstDash val="solid"/>
+                    </a:lnT>
+                    <a:lnB w="12700" cmpd="sng">
+                      <a:solidFill>
+                        <a:schemeClr val="tx1"/>
+                      </a:solidFill>
+                      <a:prstDash val="solid"/>
+                    </a:lnB>
+                    <a:solidFill>
+                      <a:srgbClr val="FFFF00"/>
+                    </a:solidFill>
+                  </a:tcPr>
+                </a:tc>
+              </a:tr>
+              <a:tr h="350520">
+                <a:tc>
+                  <a:txBody>
+                    <a:bodyPr/>
+                    <a:p>
+                      <a:pPr algn="ctr">
+                        <a:buNone/>
+                      </a:pPr>
+                      <a:r>
+                        <a:rPr lang="zh-CN" altLang="en-US" sz="1200" b="1">
+                          <a:solidFill>
+                            <a:schemeClr val="tx1"/>
+                          </a:solidFill>
+                          <a:latin typeface="Consolas" panose="020B0609020204030204" charset="0"/>
+                          <a:cs typeface="Consolas" panose="020B0609020204030204" charset="0"/>
+                        </a:rPr>
+                        <a:t>第一次</a:t>
+                      </a:r>
+                      <a:endParaRPr lang="zh-CN" altLang="en-US" sz="1200" b="1">
+                        <a:solidFill>
+                          <a:schemeClr val="tx1"/>
+                        </a:solidFill>
+                        <a:latin typeface="Consolas" panose="020B0609020204030204" charset="0"/>
+                        <a:cs typeface="Consolas" panose="020B0609020204030204" charset="0"/>
+                      </a:endParaRPr>
+                    </a:p>
+                  </a:txBody>
+                  <a:tcPr anchor="ctr" anchorCtr="0">
+                    <a:lnL w="12700" cmpd="sng">
+                      <a:solidFill>
+                        <a:schemeClr val="tx1"/>
+                      </a:solidFill>
+                      <a:prstDash val="solid"/>
+                    </a:lnL>
+                    <a:lnR w="12700" cmpd="sng">
+                      <a:solidFill>
+                        <a:schemeClr val="tx1"/>
+                      </a:solidFill>
+                      <a:prstDash val="solid"/>
+                    </a:lnR>
+                    <a:lnT w="12700" cmpd="sng">
+                      <a:solidFill>
+                        <a:schemeClr val="tx1"/>
+                      </a:solidFill>
+                      <a:prstDash val="solid"/>
+                    </a:lnT>
+                    <a:lnB w="12700" cmpd="sng">
+                      <a:solidFill>
+                        <a:schemeClr val="tx1"/>
+                      </a:solidFill>
+                      <a:prstDash val="solid"/>
+                    </a:lnB>
+                    <a:solidFill>
+                      <a:schemeClr val="accent4">
+                        <a:lumMod val="75000"/>
+                      </a:schemeClr>
+                    </a:solidFill>
+                  </a:tcPr>
+                </a:tc>
+                <a:tc>
+                  <a:txBody>
+                    <a:bodyPr/>
+                    <a:p>
+                      <a:pPr algn="ctr">
+                        <a:buClrTx/>
+                        <a:buSzTx/>
+                        <a:buFontTx/>
+                        <a:buNone/>
+                      </a:pPr>
+                      <a:r>
+                        <a:rPr lang="en-US" altLang="zh-CN" sz="1200" b="1">
+                          <a:solidFill>
+                            <a:schemeClr val="tx1"/>
+                          </a:solidFill>
+                          <a:latin typeface="Consolas" panose="020B0609020204030204" charset="0"/>
+                          <a:cs typeface="Consolas" panose="020B0609020204030204" charset="0"/>
+                        </a:rPr>
+                        <a:t>a</a:t>
+                      </a:r>
+                      <a:endParaRPr lang="en-US" altLang="zh-CN" sz="1200" b="1">
+                        <a:solidFill>
+                          <a:schemeClr val="tx1"/>
+                        </a:solidFill>
+                        <a:latin typeface="Consolas" panose="020B0609020204030204" charset="0"/>
+                        <a:cs typeface="Consolas" panose="020B0609020204030204" charset="0"/>
+                      </a:endParaRPr>
+                    </a:p>
+                  </a:txBody>
+                  <a:tcPr anchor="ctr" anchorCtr="0">
+                    <a:lnL w="12700" cmpd="sng">
+                      <a:solidFill>
+                        <a:schemeClr val="tx1"/>
+                      </a:solidFill>
+                      <a:prstDash val="solid"/>
+                    </a:lnL>
+                    <a:lnR w="12700" cmpd="sng">
+                      <a:solidFill>
+                        <a:schemeClr val="tx1"/>
+                      </a:solidFill>
+                      <a:prstDash val="solid"/>
+                    </a:lnR>
+                    <a:lnT w="12700" cmpd="sng">
+                      <a:solidFill>
+                        <a:schemeClr val="tx1"/>
+                      </a:solidFill>
+                      <a:prstDash val="solid"/>
+                    </a:lnT>
+                    <a:lnB w="12700" cmpd="sng">
+                      <a:solidFill>
+                        <a:schemeClr val="tx1"/>
+                      </a:solidFill>
+                      <a:prstDash val="solid"/>
+                    </a:lnB>
+                    <a:solidFill>
+                      <a:schemeClr val="accent3">
+                        <a:lumMod val="40000"/>
+                        <a:lumOff val="60000"/>
+                      </a:schemeClr>
+                    </a:solidFill>
+                  </a:tcPr>
+                </a:tc>
+                <a:tc>
+                  <a:txBody>
+                    <a:bodyPr/>
+                    <a:p>
+                      <a:pPr algn="ctr">
+                        <a:buClrTx/>
+                        <a:buSzTx/>
+                        <a:buFontTx/>
+                        <a:buNone/>
+                      </a:pPr>
+                      <a:r>
+                        <a:rPr lang="en-US" altLang="zh-CN" sz="1200" b="1">
+                          <a:solidFill>
+                            <a:schemeClr val="tx1"/>
+                          </a:solidFill>
+                          <a:latin typeface="Consolas" panose="020B0609020204030204" charset="0"/>
+                          <a:cs typeface="Consolas" panose="020B0609020204030204" charset="0"/>
+                        </a:rPr>
+                        <a:t>a</a:t>
+                      </a:r>
+                      <a:endParaRPr lang="en-US" altLang="zh-CN" sz="1200" b="1">
+                        <a:solidFill>
+                          <a:schemeClr val="tx1"/>
+                        </a:solidFill>
+                        <a:latin typeface="Consolas" panose="020B0609020204030204" charset="0"/>
+                        <a:cs typeface="Consolas" panose="020B0609020204030204" charset="0"/>
+                      </a:endParaRPr>
+                    </a:p>
+                  </a:txBody>
+                  <a:tcPr anchor="ctr" anchorCtr="0">
+                    <a:lnL w="12700" cmpd="sng">
+                      <a:solidFill>
+                        <a:schemeClr val="tx1"/>
+                      </a:solidFill>
+                      <a:prstDash val="solid"/>
+                    </a:lnL>
+                    <a:lnR w="12700" cmpd="sng">
+                      <a:solidFill>
+                        <a:schemeClr val="tx1"/>
+                      </a:solidFill>
+                      <a:prstDash val="solid"/>
+                    </a:lnR>
+                    <a:lnT w="12700" cmpd="sng">
+                      <a:solidFill>
+                        <a:schemeClr val="tx1"/>
+                      </a:solidFill>
+                      <a:prstDash val="solid"/>
+                    </a:lnT>
+                    <a:lnB w="12700" cmpd="sng">
+                      <a:solidFill>
+                        <a:schemeClr val="tx1"/>
+                      </a:solidFill>
+                      <a:prstDash val="solid"/>
+                    </a:lnB>
+                    <a:solidFill>
+                      <a:schemeClr val="accent3">
+                        <a:lumMod val="40000"/>
+                        <a:lumOff val="60000"/>
+                      </a:schemeClr>
+                    </a:solidFill>
+                  </a:tcPr>
+                </a:tc>
+                <a:tc>
+                  <a:txBody>
+                    <a:bodyPr/>
+                    <a:p>
+                      <a:pPr algn="ctr">
+                        <a:buClrTx/>
+                        <a:buSzTx/>
+                        <a:buFontTx/>
+                        <a:buNone/>
+                      </a:pPr>
+                      <a:r>
+                        <a:rPr lang="en-US" altLang="zh-CN" sz="1200" b="1">
+                          <a:solidFill>
+                            <a:schemeClr val="tx1"/>
+                          </a:solidFill>
+                          <a:latin typeface="Consolas" panose="020B0609020204030204" charset="0"/>
+                          <a:cs typeface="Consolas" panose="020B0609020204030204" charset="0"/>
+                        </a:rPr>
+                        <a:t>b</a:t>
+                      </a:r>
+                      <a:endParaRPr lang="en-US" altLang="zh-CN" sz="1200" b="1">
+                        <a:solidFill>
+                          <a:schemeClr val="tx1"/>
+                        </a:solidFill>
+                        <a:latin typeface="Consolas" panose="020B0609020204030204" charset="0"/>
+                        <a:cs typeface="Consolas" panose="020B0609020204030204" charset="0"/>
+                      </a:endParaRPr>
+                    </a:p>
+                  </a:txBody>
+                  <a:tcPr anchor="ctr" anchorCtr="0">
+                    <a:lnL w="12700" cmpd="sng">
+                      <a:solidFill>
+                        <a:schemeClr val="tx1"/>
+                      </a:solidFill>
+                      <a:prstDash val="solid"/>
+                    </a:lnL>
+                    <a:lnR w="12700" cmpd="sng">
+                      <a:solidFill>
+                        <a:schemeClr val="tx1"/>
+                      </a:solidFill>
+                      <a:prstDash val="solid"/>
+                    </a:lnR>
+                    <a:lnT w="12700" cmpd="sng">
+                      <a:solidFill>
+                        <a:schemeClr val="tx1"/>
+                      </a:solidFill>
+                      <a:prstDash val="solid"/>
+                    </a:lnT>
+                    <a:lnB w="12700" cmpd="sng">
+                      <a:solidFill>
+                        <a:schemeClr val="tx1"/>
+                      </a:solidFill>
+                      <a:prstDash val="solid"/>
+                    </a:lnB>
+                    <a:solidFill>
+                      <a:schemeClr val="accent3">
+                        <a:lumMod val="40000"/>
+                        <a:lumOff val="60000"/>
+                      </a:schemeClr>
+                    </a:solidFill>
+                  </a:tcPr>
+                </a:tc>
+                <a:tc>
+                  <a:txBody>
+                    <a:bodyPr/>
+                    <a:p>
+                      <a:pPr algn="ctr">
+                        <a:buClrTx/>
+                        <a:buSzTx/>
+                        <a:buFontTx/>
+                        <a:buNone/>
+                      </a:pPr>
+                      <a:r>
+                        <a:rPr lang="en-US" altLang="zh-CN" sz="1200" b="1">
+                          <a:solidFill>
+                            <a:schemeClr val="tx1"/>
+                          </a:solidFill>
+                          <a:latin typeface="Consolas" panose="020B0609020204030204" charset="0"/>
+                          <a:cs typeface="Consolas" panose="020B0609020204030204" charset="0"/>
+                        </a:rPr>
+                        <a:t>a</a:t>
+                      </a:r>
+                      <a:endParaRPr lang="en-US" altLang="zh-CN" sz="1200" b="1">
+                        <a:solidFill>
+                          <a:schemeClr val="tx1"/>
+                        </a:solidFill>
+                        <a:latin typeface="Consolas" panose="020B0609020204030204" charset="0"/>
+                        <a:cs typeface="Consolas" panose="020B0609020204030204" charset="0"/>
+                      </a:endParaRPr>
+                    </a:p>
+                  </a:txBody>
+                  <a:tcPr anchor="ctr" anchorCtr="0">
+                    <a:lnL w="12700" cmpd="sng">
+                      <a:solidFill>
+                        <a:schemeClr val="tx1"/>
+                      </a:solidFill>
+                      <a:prstDash val="solid"/>
+                    </a:lnL>
+                    <a:lnR w="12700" cmpd="sng">
+                      <a:solidFill>
+                        <a:schemeClr val="tx1"/>
+                      </a:solidFill>
+                      <a:prstDash val="solid"/>
+                    </a:lnR>
+                    <a:lnT w="12700" cmpd="sng">
+                      <a:solidFill>
+                        <a:schemeClr val="tx1"/>
+                      </a:solidFill>
+                      <a:prstDash val="solid"/>
+                    </a:lnT>
+                    <a:lnB w="12700" cmpd="sng">
+                      <a:solidFill>
+                        <a:schemeClr val="tx1"/>
+                      </a:solidFill>
+                      <a:prstDash val="solid"/>
+                    </a:lnB>
+                    <a:solidFill>
+                      <a:schemeClr val="accent3">
+                        <a:lumMod val="40000"/>
+                        <a:lumOff val="60000"/>
+                      </a:schemeClr>
+                    </a:solidFill>
+                  </a:tcPr>
+                </a:tc>
+                <a:tc>
+                  <a:txBody>
+                    <a:bodyPr/>
+                    <a:p>
+                      <a:pPr algn="ctr">
+                        <a:buClrTx/>
+                        <a:buSzTx/>
+                        <a:buFontTx/>
+                        <a:buNone/>
+                      </a:pPr>
+                      <a:r>
+                        <a:rPr lang="en-US" altLang="zh-CN" sz="1200" b="1">
+                          <a:solidFill>
+                            <a:schemeClr val="tx1"/>
+                          </a:solidFill>
+                          <a:latin typeface="Consolas" panose="020B0609020204030204" charset="0"/>
+                          <a:cs typeface="Consolas" panose="020B0609020204030204" charset="0"/>
+                        </a:rPr>
+                        <a:t>a</a:t>
+                      </a:r>
+                      <a:endParaRPr lang="en-US" altLang="zh-CN" sz="1200" b="1">
+                        <a:solidFill>
+                          <a:schemeClr val="tx1"/>
+                        </a:solidFill>
+                        <a:latin typeface="Consolas" panose="020B0609020204030204" charset="0"/>
+                        <a:cs typeface="Consolas" panose="020B0609020204030204" charset="0"/>
+                      </a:endParaRPr>
+                    </a:p>
+                  </a:txBody>
+                  <a:tcPr anchor="ctr" anchorCtr="0">
+                    <a:lnL w="12700" cmpd="sng">
+                      <a:solidFill>
+                        <a:schemeClr val="tx1"/>
+                      </a:solidFill>
+                      <a:prstDash val="solid"/>
+                    </a:lnL>
+                    <a:lnR w="12700" cmpd="sng">
+                      <a:solidFill>
+                        <a:schemeClr val="tx1"/>
+                      </a:solidFill>
+                      <a:prstDash val="solid"/>
+                    </a:lnR>
+                    <a:lnT w="12700" cmpd="sng">
+                      <a:solidFill>
+                        <a:schemeClr val="tx1"/>
+                      </a:solidFill>
+                      <a:prstDash val="solid"/>
+                    </a:lnT>
+                    <a:lnB w="12700" cmpd="sng">
+                      <a:solidFill>
+                        <a:schemeClr val="tx1"/>
+                      </a:solidFill>
+                      <a:prstDash val="solid"/>
+                    </a:lnB>
+                    <a:solidFill>
+                      <a:schemeClr val="accent3">
+                        <a:lumMod val="40000"/>
+                        <a:lumOff val="60000"/>
+                      </a:schemeClr>
+                    </a:solidFill>
+                  </a:tcPr>
+                </a:tc>
+                <a:tc>
+                  <a:txBody>
+                    <a:bodyPr/>
+                    <a:p>
+                      <a:pPr algn="ctr">
+                        <a:buClrTx/>
+                        <a:buSzTx/>
+                        <a:buFontTx/>
+                        <a:buNone/>
+                      </a:pPr>
+                      <a:r>
+                        <a:rPr lang="en-US" altLang="zh-CN" sz="1200" b="1">
+                          <a:solidFill>
+                            <a:schemeClr val="tx1"/>
+                          </a:solidFill>
+                          <a:latin typeface="Consolas" panose="020B0609020204030204" charset="0"/>
+                          <a:cs typeface="Consolas" panose="020B0609020204030204" charset="0"/>
+                        </a:rPr>
+                        <a:t>c</a:t>
+                      </a:r>
+                      <a:endParaRPr lang="en-US" altLang="zh-CN" sz="1200" b="1">
+                        <a:solidFill>
+                          <a:schemeClr val="tx1"/>
+                        </a:solidFill>
+                        <a:latin typeface="Consolas" panose="020B0609020204030204" charset="0"/>
+                        <a:cs typeface="Consolas" panose="020B0609020204030204" charset="0"/>
+                      </a:endParaRPr>
+                    </a:p>
+                  </a:txBody>
+                  <a:tcPr anchor="ctr" anchorCtr="0">
+                    <a:lnL w="12700" cmpd="sng">
+                      <a:solidFill>
+                        <a:schemeClr val="tx1"/>
+                      </a:solidFill>
+                      <a:prstDash val="solid"/>
+                    </a:lnL>
+                    <a:lnR w="12700" cmpd="sng">
+                      <a:solidFill>
+                        <a:schemeClr val="tx1"/>
+                      </a:solidFill>
+                      <a:prstDash val="solid"/>
+                    </a:lnR>
+                    <a:lnT w="12700" cmpd="sng">
+                      <a:solidFill>
+                        <a:schemeClr val="tx1"/>
+                      </a:solidFill>
+                      <a:prstDash val="solid"/>
+                    </a:lnT>
+                    <a:lnB w="12700" cmpd="sng">
+                      <a:solidFill>
+                        <a:schemeClr val="tx1"/>
+                      </a:solidFill>
+                      <a:prstDash val="solid"/>
+                    </a:lnB>
+                    <a:solidFill>
+                      <a:srgbClr val="FF0000"/>
+                    </a:solidFill>
+                  </a:tcPr>
+                </a:tc>
+                <a:tc>
+                  <a:txBody>
+                    <a:bodyPr/>
+                    <a:p>
+                      <a:pPr algn="ctr">
+                        <a:buClrTx/>
+                        <a:buSzTx/>
+                        <a:buFontTx/>
+                        <a:buNone/>
+                      </a:pPr>
+                      <a:endParaRPr lang="en-US" altLang="zh-CN" sz="1200" b="1">
+                        <a:solidFill>
+                          <a:schemeClr val="tx1"/>
+                        </a:solidFill>
+                        <a:latin typeface="Consolas" panose="020B0609020204030204" charset="0"/>
+                        <a:cs typeface="Consolas" panose="020B0609020204030204" charset="0"/>
+                      </a:endParaRPr>
+                    </a:p>
+                  </a:txBody>
+                  <a:tcPr anchor="ctr" anchorCtr="0">
+                    <a:lnL w="12700" cmpd="sng">
+                      <a:solidFill>
+                        <a:schemeClr val="tx1"/>
+                      </a:solidFill>
+                      <a:prstDash val="solid"/>
+                    </a:lnL>
+                    <a:lnR w="12700" cmpd="sng">
+                      <a:solidFill>
+                        <a:schemeClr val="tx1"/>
+                      </a:solidFill>
+                      <a:prstDash val="solid"/>
+                    </a:lnR>
+                    <a:lnT w="12700" cmpd="sng">
+                      <a:solidFill>
+                        <a:schemeClr val="tx1"/>
+                      </a:solidFill>
+                      <a:prstDash val="solid"/>
+                    </a:lnT>
+                    <a:lnB w="12700" cmpd="sng">
+                      <a:solidFill>
+                        <a:schemeClr val="tx1"/>
+                      </a:solidFill>
+                      <a:prstDash val="solid"/>
+                    </a:lnB>
+                    <a:solidFill>
+                      <a:schemeClr val="bg1"/>
+                    </a:solidFill>
+                  </a:tcPr>
+                </a:tc>
+                <a:tc>
+                  <a:txBody>
+                    <a:bodyPr/>
+                    <a:p>
+                      <a:pPr algn="ctr">
+                        <a:buClrTx/>
+                        <a:buSzTx/>
+                        <a:buFontTx/>
+                        <a:buNone/>
+                      </a:pPr>
+                      <a:endParaRPr lang="en-US" altLang="zh-CN" sz="1200" b="1">
+                        <a:solidFill>
+                          <a:schemeClr val="tx1"/>
+                        </a:solidFill>
+                        <a:latin typeface="Consolas" panose="020B0609020204030204" charset="0"/>
+                        <a:cs typeface="Consolas" panose="020B0609020204030204" charset="0"/>
+                      </a:endParaRPr>
+                    </a:p>
+                  </a:txBody>
+                  <a:tcPr anchor="ctr" anchorCtr="0">
+                    <a:lnL w="12700" cmpd="sng">
+                      <a:solidFill>
+                        <a:schemeClr val="tx1"/>
+                      </a:solidFill>
+                      <a:prstDash val="solid"/>
+                    </a:lnL>
+                    <a:lnR w="12700" cmpd="sng">
+                      <a:solidFill>
+                        <a:schemeClr val="tx1"/>
+                      </a:solidFill>
+                      <a:prstDash val="solid"/>
+                    </a:lnR>
+                    <a:lnT w="12700" cmpd="sng">
+                      <a:solidFill>
+                        <a:schemeClr val="tx1"/>
+                      </a:solidFill>
+                      <a:prstDash val="solid"/>
+                    </a:lnT>
+                    <a:lnB w="12700" cmpd="sng">
+                      <a:solidFill>
+                        <a:schemeClr val="tx1"/>
+                      </a:solidFill>
+                      <a:prstDash val="solid"/>
+                    </a:lnB>
+                    <a:solidFill>
+                      <a:schemeClr val="bg1"/>
+                    </a:solidFill>
+                  </a:tcPr>
+                </a:tc>
+                <a:tc>
+                  <a:txBody>
+                    <a:bodyPr/>
+                    <a:p>
+                      <a:pPr algn="ctr">
+                        <a:buClrTx/>
+                        <a:buSzTx/>
+                        <a:buFontTx/>
+                        <a:buNone/>
+                      </a:pPr>
+                      <a:endParaRPr lang="en-US" altLang="zh-CN" sz="1200" b="1">
+                        <a:solidFill>
+                          <a:schemeClr val="tx1"/>
+                        </a:solidFill>
+                        <a:latin typeface="Consolas" panose="020B0609020204030204" charset="0"/>
+                        <a:cs typeface="Consolas" panose="020B0609020204030204" charset="0"/>
+                      </a:endParaRPr>
+                    </a:p>
+                  </a:txBody>
+                  <a:tcPr anchor="ctr" anchorCtr="0">
+                    <a:lnL w="12700" cmpd="sng">
+                      <a:solidFill>
+                        <a:schemeClr val="tx1"/>
+                      </a:solidFill>
+                      <a:prstDash val="solid"/>
+                    </a:lnL>
+                    <a:lnR w="12700" cmpd="sng">
+                      <a:solidFill>
+                        <a:schemeClr val="tx1"/>
+                      </a:solidFill>
+                      <a:prstDash val="solid"/>
+                    </a:lnR>
+                    <a:lnT w="12700" cmpd="sng">
+                      <a:solidFill>
+                        <a:schemeClr val="tx1"/>
+                      </a:solidFill>
+                      <a:prstDash val="solid"/>
+                    </a:lnT>
+                    <a:lnB w="12700" cmpd="sng">
+                      <a:solidFill>
+                        <a:schemeClr val="tx1"/>
+                      </a:solidFill>
+                      <a:prstDash val="solid"/>
+                    </a:lnB>
+                    <a:solidFill>
+                      <a:schemeClr val="bg1"/>
+                    </a:solidFill>
+                  </a:tcPr>
+                </a:tc>
+                <a:tc>
+                  <a:txBody>
+                    <a:bodyPr/>
+                    <a:p>
+                      <a:pPr algn="ctr">
+                        <a:buClrTx/>
+                        <a:buSzTx/>
+                        <a:buFontTx/>
+                        <a:buNone/>
+                      </a:pPr>
+                      <a:endParaRPr lang="en-US" altLang="zh-CN" sz="1200" b="1">
+                        <a:solidFill>
+                          <a:schemeClr val="tx1"/>
+                        </a:solidFill>
+                        <a:latin typeface="Consolas" panose="020B0609020204030204" charset="0"/>
+                        <a:cs typeface="Consolas" panose="020B0609020204030204" charset="0"/>
+                      </a:endParaRPr>
+                    </a:p>
+                  </a:txBody>
+                  <a:tcPr anchor="ctr" anchorCtr="0">
+                    <a:lnL w="12700" cmpd="sng">
+                      <a:solidFill>
+                        <a:schemeClr val="tx1"/>
+                      </a:solidFill>
+                      <a:prstDash val="solid"/>
+                    </a:lnL>
+                    <a:lnR w="12700" cmpd="sng">
+                      <a:solidFill>
+                        <a:schemeClr val="tx1"/>
+                      </a:solidFill>
+                      <a:prstDash val="solid"/>
+                    </a:lnR>
+                    <a:lnT w="12700" cmpd="sng">
+                      <a:solidFill>
+                        <a:schemeClr val="tx1"/>
+                      </a:solidFill>
+                      <a:prstDash val="solid"/>
+                    </a:lnT>
+                    <a:lnB w="12700" cmpd="sng">
+                      <a:solidFill>
+                        <a:schemeClr val="tx1"/>
+                      </a:solidFill>
+                      <a:prstDash val="solid"/>
+                    </a:lnB>
+                    <a:solidFill>
+                      <a:schemeClr val="bg1"/>
+                    </a:solidFill>
+                  </a:tcPr>
+                </a:tc>
+                <a:tc>
+                  <a:txBody>
+                    <a:bodyPr/>
+                    <a:p>
+                      <a:pPr algn="ctr">
+                        <a:buClrTx/>
+                        <a:buSzTx/>
+                        <a:buFontTx/>
+                        <a:buNone/>
+                      </a:pPr>
+                      <a:endParaRPr lang="en-US" altLang="zh-CN" sz="1200" b="1">
+                        <a:solidFill>
+                          <a:schemeClr val="tx1"/>
+                        </a:solidFill>
+                        <a:latin typeface="Consolas" panose="020B0609020204030204" charset="0"/>
+                        <a:cs typeface="Consolas" panose="020B0609020204030204" charset="0"/>
+                      </a:endParaRPr>
+                    </a:p>
+                  </a:txBody>
+                  <a:tcPr anchor="ctr" anchorCtr="0">
+                    <a:lnL w="12700" cmpd="sng">
+                      <a:solidFill>
+                        <a:schemeClr val="tx1"/>
+                      </a:solidFill>
+                      <a:prstDash val="solid"/>
+                    </a:lnL>
+                    <a:lnR w="12700" cmpd="sng">
+                      <a:solidFill>
+                        <a:schemeClr val="tx1"/>
+                      </a:solidFill>
+                      <a:prstDash val="solid"/>
+                    </a:lnR>
+                    <a:lnT w="12700" cmpd="sng">
+                      <a:solidFill>
+                        <a:schemeClr val="tx1"/>
+                      </a:solidFill>
+                      <a:prstDash val="solid"/>
+                    </a:lnT>
+                    <a:lnB w="12700" cmpd="sng">
+                      <a:solidFill>
+                        <a:schemeClr val="tx1"/>
+                      </a:solidFill>
+                      <a:prstDash val="solid"/>
+                    </a:lnB>
+                    <a:solidFill>
+                      <a:schemeClr val="bg1"/>
+                    </a:solidFill>
+                  </a:tcPr>
+                </a:tc>
+                <a:tc>
+                  <a:txBody>
+                    <a:bodyPr/>
+                    <a:p>
+                      <a:pPr algn="ctr">
+                        <a:buClrTx/>
+                        <a:buSzTx/>
+                        <a:buFontTx/>
+                        <a:buNone/>
+                      </a:pPr>
+                      <a:endParaRPr lang="en-US" altLang="zh-CN" sz="1200" b="1">
+                        <a:solidFill>
+                          <a:schemeClr val="tx1"/>
+                        </a:solidFill>
+                        <a:latin typeface="Consolas" panose="020B0609020204030204" charset="0"/>
+                        <a:cs typeface="Consolas" panose="020B0609020204030204" charset="0"/>
+                      </a:endParaRPr>
+                    </a:p>
+                  </a:txBody>
+                  <a:tcPr anchor="ctr" anchorCtr="0">
+                    <a:lnL w="12700" cmpd="sng">
+                      <a:solidFill>
+                        <a:schemeClr val="tx1"/>
+                      </a:solidFill>
+                      <a:prstDash val="solid"/>
+                    </a:lnL>
+                    <a:lnR w="12700" cmpd="sng">
+                      <a:solidFill>
+                        <a:schemeClr val="tx1"/>
+                      </a:solidFill>
+                      <a:prstDash val="solid"/>
+                    </a:lnR>
+                    <a:lnT w="12700" cmpd="sng">
+                      <a:solidFill>
+                        <a:schemeClr val="tx1"/>
+                      </a:solidFill>
+                      <a:prstDash val="solid"/>
+                    </a:lnT>
+                    <a:lnB w="12700" cmpd="sng">
+                      <a:solidFill>
+                        <a:schemeClr val="tx1"/>
+                      </a:solidFill>
+                      <a:prstDash val="solid"/>
+                    </a:lnB>
+                    <a:solidFill>
+                      <a:schemeClr val="bg1"/>
+                    </a:solidFill>
+                  </a:tcPr>
+                </a:tc>
+              </a:tr>
+              <a:tr h="350520">
+                <a:tc>
+                  <a:txBody>
+                    <a:bodyPr/>
+                    <a:p>
+                      <a:pPr algn="ctr">
+                        <a:buNone/>
+                      </a:pPr>
+                      <a:r>
+                        <a:rPr lang="zh-CN" altLang="en-US" sz="1200" b="1">
+                          <a:solidFill>
+                            <a:schemeClr val="tx1"/>
+                          </a:solidFill>
+                          <a:latin typeface="Consolas" panose="020B0609020204030204" charset="0"/>
+                          <a:cs typeface="Consolas" panose="020B0609020204030204" charset="0"/>
+                        </a:rPr>
+                        <a:t>第二次</a:t>
+                      </a:r>
+                      <a:endParaRPr lang="zh-CN" altLang="en-US" sz="1200" b="1">
+                        <a:solidFill>
+                          <a:schemeClr val="tx1"/>
+                        </a:solidFill>
+                        <a:latin typeface="Consolas" panose="020B0609020204030204" charset="0"/>
+                        <a:cs typeface="Consolas" panose="020B0609020204030204" charset="0"/>
+                      </a:endParaRPr>
+                    </a:p>
+                  </a:txBody>
+                  <a:tcPr anchor="ctr" anchorCtr="0">
+                    <a:lnL w="12700" cmpd="sng">
+                      <a:solidFill>
+                        <a:schemeClr val="tx1"/>
+                      </a:solidFill>
+                      <a:prstDash val="solid"/>
+                    </a:lnL>
+                    <a:lnR w="12700" cmpd="sng">
+                      <a:solidFill>
+                        <a:schemeClr val="tx1"/>
+                      </a:solidFill>
+                      <a:prstDash val="solid"/>
+                    </a:lnR>
+                    <a:lnT w="12700" cmpd="sng">
+                      <a:solidFill>
+                        <a:schemeClr val="tx1"/>
+                      </a:solidFill>
+                      <a:prstDash val="solid"/>
+                    </a:lnT>
+                    <a:lnB w="12700" cmpd="sng">
+                      <a:solidFill>
+                        <a:schemeClr val="tx1"/>
+                      </a:solidFill>
+                      <a:prstDash val="solid"/>
+                    </a:lnB>
+                    <a:solidFill>
+                      <a:schemeClr val="accent4">
+                        <a:lumMod val="75000"/>
+                      </a:schemeClr>
+                    </a:solidFill>
+                  </a:tcPr>
+                </a:tc>
+                <a:tc>
+                  <a:txBody>
+                    <a:bodyPr/>
+                    <a:p>
+                      <a:pPr algn="ctr">
+                        <a:buClrTx/>
+                        <a:buSzTx/>
+                        <a:buFontTx/>
+                        <a:buNone/>
+                      </a:pPr>
+                      <a:endParaRPr lang="en-US" altLang="zh-CN" sz="1200" b="1">
+                        <a:solidFill>
+                          <a:schemeClr val="tx1"/>
+                        </a:solidFill>
+                        <a:latin typeface="Consolas" panose="020B0609020204030204" charset="0"/>
+                        <a:cs typeface="Consolas" panose="020B0609020204030204" charset="0"/>
+                      </a:endParaRPr>
+                    </a:p>
+                  </a:txBody>
+                  <a:tcPr anchor="ctr" anchorCtr="0">
+                    <a:lnL w="12700" cmpd="sng">
+                      <a:solidFill>
+                        <a:schemeClr val="tx1"/>
+                      </a:solidFill>
+                      <a:prstDash val="solid"/>
+                    </a:lnL>
+                    <a:lnR w="12700" cmpd="sng">
+                      <a:solidFill>
+                        <a:schemeClr val="tx1"/>
+                      </a:solidFill>
+                      <a:prstDash val="solid"/>
+                    </a:lnR>
+                    <a:lnT w="12700" cmpd="sng">
+                      <a:solidFill>
+                        <a:schemeClr val="tx1"/>
+                      </a:solidFill>
+                      <a:prstDash val="solid"/>
+                    </a:lnT>
+                    <a:lnB w="12700" cmpd="sng">
+                      <a:solidFill>
+                        <a:schemeClr val="tx1"/>
+                      </a:solidFill>
+                      <a:prstDash val="solid"/>
+                    </a:lnB>
+                    <a:solidFill>
+                      <a:schemeClr val="bg1"/>
+                    </a:solidFill>
+                  </a:tcPr>
+                </a:tc>
+                <a:tc>
+                  <a:txBody>
+                    <a:bodyPr/>
+                    <a:p>
+                      <a:pPr algn="ctr">
+                        <a:buClrTx/>
+                        <a:buSzTx/>
+                        <a:buFontTx/>
+                        <a:buNone/>
+                      </a:pPr>
+                      <a:endParaRPr lang="en-US" altLang="zh-CN" sz="1200" b="1">
+                        <a:solidFill>
+                          <a:schemeClr val="tx1"/>
+                        </a:solidFill>
+                        <a:latin typeface="Consolas" panose="020B0609020204030204" charset="0"/>
+                        <a:cs typeface="Consolas" panose="020B0609020204030204" charset="0"/>
+                      </a:endParaRPr>
+                    </a:p>
+                  </a:txBody>
+                  <a:tcPr anchor="ctr" anchorCtr="0">
+                    <a:lnL w="12700" cmpd="sng">
+                      <a:solidFill>
+                        <a:schemeClr val="tx1"/>
+                      </a:solidFill>
+                      <a:prstDash val="solid"/>
+                    </a:lnL>
+                    <a:lnR w="12700" cmpd="sng">
+                      <a:solidFill>
+                        <a:schemeClr val="tx1"/>
+                      </a:solidFill>
+                      <a:prstDash val="solid"/>
+                    </a:lnR>
+                    <a:lnT w="12700" cmpd="sng">
+                      <a:solidFill>
+                        <a:schemeClr val="tx1"/>
+                      </a:solidFill>
+                      <a:prstDash val="solid"/>
+                    </a:lnT>
+                    <a:lnB w="12700" cmpd="sng">
+                      <a:solidFill>
+                        <a:schemeClr val="tx1"/>
+                      </a:solidFill>
+                      <a:prstDash val="solid"/>
+                    </a:lnB>
+                    <a:solidFill>
+                      <a:schemeClr val="bg1"/>
+                    </a:solidFill>
+                  </a:tcPr>
+                </a:tc>
+                <a:tc>
+                  <a:txBody>
+                    <a:bodyPr/>
+                    <a:p>
+                      <a:pPr algn="ctr">
+                        <a:buClrTx/>
+                        <a:buSzTx/>
+                        <a:buFontTx/>
+                        <a:buNone/>
+                      </a:pPr>
+                      <a:endParaRPr lang="en-US" altLang="zh-CN" sz="1200" b="1">
+                        <a:solidFill>
+                          <a:schemeClr val="tx1"/>
+                        </a:solidFill>
+                        <a:latin typeface="Consolas" panose="020B0609020204030204" charset="0"/>
+                        <a:cs typeface="Consolas" panose="020B0609020204030204" charset="0"/>
+                      </a:endParaRPr>
+                    </a:p>
+                  </a:txBody>
+                  <a:tcPr anchor="ctr" anchorCtr="0">
+                    <a:lnL w="12700" cmpd="sng">
+                      <a:solidFill>
+                        <a:schemeClr val="tx1"/>
+                      </a:solidFill>
+                      <a:prstDash val="solid"/>
+                    </a:lnL>
+                    <a:lnR w="12700" cmpd="sng">
+                      <a:solidFill>
+                        <a:schemeClr val="tx1"/>
+                      </a:solidFill>
+                      <a:prstDash val="solid"/>
+                    </a:lnR>
+                    <a:lnT w="12700" cmpd="sng">
+                      <a:solidFill>
+                        <a:schemeClr val="tx1"/>
+                      </a:solidFill>
+                      <a:prstDash val="solid"/>
+                    </a:lnT>
+                    <a:lnB w="12700" cmpd="sng">
+                      <a:solidFill>
+                        <a:schemeClr val="tx1"/>
+                      </a:solidFill>
+                      <a:prstDash val="solid"/>
+                    </a:lnB>
+                    <a:solidFill>
+                      <a:schemeClr val="bg1"/>
+                    </a:solidFill>
+                  </a:tcPr>
+                </a:tc>
+                <a:tc>
+                  <a:txBody>
+                    <a:bodyPr/>
+                    <a:p>
+                      <a:pPr algn="ctr">
+                        <a:buClrTx/>
+                        <a:buSzTx/>
+                        <a:buFontTx/>
+                        <a:buNone/>
+                      </a:pPr>
+                      <a:r>
+                        <a:rPr lang="en-US" altLang="zh-CN" sz="1200" b="1">
+                          <a:solidFill>
+                            <a:schemeClr val="tx1"/>
+                          </a:solidFill>
+                          <a:latin typeface="Consolas" panose="020B0609020204030204" charset="0"/>
+                          <a:cs typeface="Consolas" panose="020B0609020204030204" charset="0"/>
+                        </a:rPr>
+                        <a:t>a</a:t>
+                      </a:r>
+                      <a:endParaRPr lang="en-US" altLang="zh-CN" sz="1200" b="1">
+                        <a:solidFill>
+                          <a:schemeClr val="tx1"/>
+                        </a:solidFill>
+                        <a:latin typeface="Consolas" panose="020B0609020204030204" charset="0"/>
+                        <a:cs typeface="Consolas" panose="020B0609020204030204" charset="0"/>
+                      </a:endParaRPr>
+                    </a:p>
+                  </a:txBody>
+                  <a:tcPr anchor="ctr" anchorCtr="0">
+                    <a:lnL w="12700" cmpd="sng">
+                      <a:solidFill>
+                        <a:schemeClr val="tx1"/>
+                      </a:solidFill>
+                      <a:prstDash val="solid"/>
+                    </a:lnL>
+                    <a:lnR w="12700" cmpd="sng">
+                      <a:solidFill>
+                        <a:schemeClr val="tx1"/>
+                      </a:solidFill>
+                      <a:prstDash val="solid"/>
+                    </a:lnR>
+                    <a:lnT w="12700" cmpd="sng">
+                      <a:solidFill>
+                        <a:schemeClr val="tx1"/>
+                      </a:solidFill>
+                      <a:prstDash val="solid"/>
+                    </a:lnT>
+                    <a:lnB w="12700" cmpd="sng">
+                      <a:solidFill>
+                        <a:schemeClr val="tx1"/>
+                      </a:solidFill>
+                      <a:prstDash val="solid"/>
+                    </a:lnB>
+                    <a:solidFill>
+                      <a:schemeClr val="accent2">
+                        <a:lumMod val="40000"/>
+                        <a:lumOff val="60000"/>
+                      </a:schemeClr>
+                    </a:solidFill>
+                  </a:tcPr>
+                </a:tc>
+                <a:tc>
+                  <a:txBody>
+                    <a:bodyPr/>
+                    <a:p>
+                      <a:pPr algn="ctr">
+                        <a:buClrTx/>
+                        <a:buSzTx/>
+                        <a:buFontTx/>
+                        <a:buNone/>
+                      </a:pPr>
+                      <a:r>
+                        <a:rPr lang="en-US" altLang="zh-CN" sz="1200" b="1">
+                          <a:solidFill>
+                            <a:schemeClr val="tx1"/>
+                          </a:solidFill>
+                          <a:latin typeface="Consolas" panose="020B0609020204030204" charset="0"/>
+                          <a:cs typeface="Consolas" panose="020B0609020204030204" charset="0"/>
+                        </a:rPr>
+                        <a:t>a</a:t>
+                      </a:r>
+                      <a:endParaRPr lang="en-US" altLang="zh-CN" sz="1200" b="1">
+                        <a:solidFill>
+                          <a:schemeClr val="tx1"/>
+                        </a:solidFill>
+                        <a:latin typeface="Consolas" panose="020B0609020204030204" charset="0"/>
+                        <a:cs typeface="Consolas" panose="020B0609020204030204" charset="0"/>
+                      </a:endParaRPr>
+                    </a:p>
+                  </a:txBody>
+                  <a:tcPr anchor="ctr" anchorCtr="0">
+                    <a:lnL w="12700" cmpd="sng">
+                      <a:solidFill>
+                        <a:schemeClr val="tx1"/>
+                      </a:solidFill>
+                      <a:prstDash val="solid"/>
+                    </a:lnL>
+                    <a:lnR w="12700" cmpd="sng">
+                      <a:solidFill>
+                        <a:schemeClr val="tx1"/>
+                      </a:solidFill>
+                      <a:prstDash val="solid"/>
+                    </a:lnR>
+                    <a:lnT w="12700" cmpd="sng">
+                      <a:solidFill>
+                        <a:schemeClr val="tx1"/>
+                      </a:solidFill>
+                      <a:prstDash val="solid"/>
+                    </a:lnT>
+                    <a:lnB w="12700" cmpd="sng">
+                      <a:solidFill>
+                        <a:schemeClr val="tx1"/>
+                      </a:solidFill>
+                      <a:prstDash val="solid"/>
+                    </a:lnB>
+                    <a:solidFill>
+                      <a:schemeClr val="accent2">
+                        <a:lumMod val="40000"/>
+                        <a:lumOff val="60000"/>
+                      </a:schemeClr>
+                    </a:solidFill>
+                  </a:tcPr>
+                </a:tc>
+                <a:tc>
+                  <a:txBody>
+                    <a:bodyPr/>
+                    <a:p>
+                      <a:pPr algn="ctr">
+                        <a:buClrTx/>
+                        <a:buSzTx/>
+                        <a:buFontTx/>
+                        <a:buNone/>
+                      </a:pPr>
+                      <a:r>
+                        <a:rPr lang="en-US" altLang="zh-CN" sz="1200" b="1">
+                          <a:solidFill>
+                            <a:schemeClr val="tx1"/>
+                          </a:solidFill>
+                          <a:latin typeface="Consolas" panose="020B0609020204030204" charset="0"/>
+                          <a:cs typeface="Consolas" panose="020B0609020204030204" charset="0"/>
+                        </a:rPr>
+                        <a:t>b</a:t>
+                      </a:r>
+                      <a:endParaRPr lang="en-US" altLang="zh-CN" sz="1200" b="1">
+                        <a:solidFill>
+                          <a:schemeClr val="tx1"/>
+                        </a:solidFill>
+                        <a:latin typeface="Consolas" panose="020B0609020204030204" charset="0"/>
+                        <a:cs typeface="Consolas" panose="020B0609020204030204" charset="0"/>
+                      </a:endParaRPr>
+                    </a:p>
+                  </a:txBody>
+                  <a:tcPr anchor="ctr" anchorCtr="0">
+                    <a:lnL w="12700" cmpd="sng">
+                      <a:solidFill>
+                        <a:schemeClr val="tx1"/>
+                      </a:solidFill>
+                      <a:prstDash val="solid"/>
+                    </a:lnL>
+                    <a:lnR w="12700" cmpd="sng">
+                      <a:solidFill>
+                        <a:schemeClr val="tx1"/>
+                      </a:solidFill>
+                      <a:prstDash val="solid"/>
+                    </a:lnR>
+                    <a:lnT w="12700" cmpd="sng">
+                      <a:solidFill>
+                        <a:schemeClr val="tx1"/>
+                      </a:solidFill>
+                      <a:prstDash val="solid"/>
+                    </a:lnT>
+                    <a:lnB w="12700" cmpd="sng">
+                      <a:solidFill>
+                        <a:schemeClr val="tx1"/>
+                      </a:solidFill>
+                      <a:prstDash val="solid"/>
+                    </a:lnB>
+                    <a:solidFill>
+                      <a:schemeClr val="accent5">
+                        <a:lumMod val="60000"/>
+                        <a:lumOff val="40000"/>
+                      </a:schemeClr>
+                    </a:solidFill>
+                  </a:tcPr>
+                </a:tc>
+                <a:tc>
+                  <a:txBody>
+                    <a:bodyPr/>
+                    <a:p>
+                      <a:pPr algn="ctr">
+                        <a:buClrTx/>
+                        <a:buSzTx/>
+                        <a:buFontTx/>
+                        <a:buNone/>
+                      </a:pPr>
+                      <a:r>
+                        <a:rPr lang="en-US" altLang="zh-CN" sz="1200" b="1">
+                          <a:solidFill>
+                            <a:schemeClr val="tx1"/>
+                          </a:solidFill>
+                          <a:latin typeface="Consolas" panose="020B0609020204030204" charset="0"/>
+                          <a:cs typeface="Consolas" panose="020B0609020204030204" charset="0"/>
+                        </a:rPr>
+                        <a:t>a</a:t>
+                      </a:r>
+                      <a:endParaRPr lang="en-US" altLang="zh-CN" sz="1200" b="1">
+                        <a:solidFill>
+                          <a:schemeClr val="tx1"/>
+                        </a:solidFill>
+                        <a:latin typeface="Consolas" panose="020B0609020204030204" charset="0"/>
+                        <a:cs typeface="Consolas" panose="020B0609020204030204" charset="0"/>
+                      </a:endParaRPr>
+                    </a:p>
+                  </a:txBody>
+                  <a:tcPr anchor="ctr" anchorCtr="0">
+                    <a:lnL w="12700" cmpd="sng">
+                      <a:solidFill>
+                        <a:schemeClr val="tx1"/>
+                      </a:solidFill>
+                      <a:prstDash val="solid"/>
+                    </a:lnL>
+                    <a:lnR w="12700" cmpd="sng">
+                      <a:solidFill>
+                        <a:schemeClr val="tx1"/>
+                      </a:solidFill>
+                      <a:prstDash val="solid"/>
+                    </a:lnR>
+                    <a:lnT w="12700" cmpd="sng">
+                      <a:solidFill>
+                        <a:schemeClr val="tx1"/>
+                      </a:solidFill>
+                      <a:prstDash val="solid"/>
+                    </a:lnT>
+                    <a:lnB w="12700" cmpd="sng">
+                      <a:solidFill>
+                        <a:schemeClr val="tx1"/>
+                      </a:solidFill>
+                      <a:prstDash val="solid"/>
+                    </a:lnB>
+                    <a:solidFill>
+                      <a:schemeClr val="accent5">
+                        <a:lumMod val="60000"/>
+                        <a:lumOff val="40000"/>
+                      </a:schemeClr>
+                    </a:solidFill>
+                  </a:tcPr>
+                </a:tc>
+                <a:tc>
+                  <a:txBody>
+                    <a:bodyPr/>
+                    <a:p>
+                      <a:pPr algn="ctr">
+                        <a:buClrTx/>
+                        <a:buSzTx/>
+                        <a:buFontTx/>
+                        <a:buNone/>
+                      </a:pPr>
+                      <a:r>
+                        <a:rPr lang="en-US" altLang="zh-CN" sz="1200" b="1">
+                          <a:solidFill>
+                            <a:schemeClr val="tx1"/>
+                          </a:solidFill>
+                          <a:latin typeface="Consolas" panose="020B0609020204030204" charset="0"/>
+                          <a:cs typeface="Consolas" panose="020B0609020204030204" charset="0"/>
+                        </a:rPr>
+                        <a:t>a</a:t>
+                      </a:r>
+                      <a:endParaRPr lang="en-US" altLang="zh-CN" sz="1200" b="1">
+                        <a:solidFill>
+                          <a:schemeClr val="tx1"/>
+                        </a:solidFill>
+                        <a:latin typeface="Consolas" panose="020B0609020204030204" charset="0"/>
+                        <a:cs typeface="Consolas" panose="020B0609020204030204" charset="0"/>
+                      </a:endParaRPr>
+                    </a:p>
+                  </a:txBody>
+                  <a:tcPr anchor="ctr" anchorCtr="0">
+                    <a:lnL w="12700" cmpd="sng">
+                      <a:solidFill>
+                        <a:schemeClr val="tx1"/>
+                      </a:solidFill>
+                      <a:prstDash val="solid"/>
+                    </a:lnL>
+                    <a:lnR w="12700" cmpd="sng">
+                      <a:solidFill>
+                        <a:schemeClr val="tx1"/>
+                      </a:solidFill>
+                      <a:prstDash val="solid"/>
+                    </a:lnR>
+                    <a:lnT w="12700" cmpd="sng">
+                      <a:solidFill>
+                        <a:schemeClr val="tx1"/>
+                      </a:solidFill>
+                      <a:prstDash val="solid"/>
+                    </a:lnT>
+                    <a:lnB w="12700" cmpd="sng">
+                      <a:solidFill>
+                        <a:schemeClr val="tx1"/>
+                      </a:solidFill>
+                      <a:prstDash val="solid"/>
+                    </a:lnB>
+                    <a:solidFill>
+                      <a:schemeClr val="accent5">
+                        <a:lumMod val="60000"/>
+                        <a:lumOff val="40000"/>
+                      </a:schemeClr>
+                    </a:solidFill>
+                  </a:tcPr>
+                </a:tc>
+                <a:tc>
+                  <a:txBody>
+                    <a:bodyPr/>
+                    <a:p>
+                      <a:pPr algn="ctr">
+                        <a:buClrTx/>
+                        <a:buSzTx/>
+                        <a:buFontTx/>
+                        <a:buNone/>
+                      </a:pPr>
+                      <a:r>
+                        <a:rPr lang="en-US" altLang="zh-CN" sz="1200" b="1">
+                          <a:solidFill>
+                            <a:schemeClr val="tx1"/>
+                          </a:solidFill>
+                          <a:latin typeface="Consolas" panose="020B0609020204030204" charset="0"/>
+                          <a:cs typeface="Consolas" panose="020B0609020204030204" charset="0"/>
+                        </a:rPr>
+                        <a:t>c</a:t>
+                      </a:r>
+                      <a:endParaRPr lang="en-US" altLang="zh-CN" sz="1200" b="1">
+                        <a:solidFill>
+                          <a:schemeClr val="tx1"/>
+                        </a:solidFill>
+                        <a:latin typeface="Consolas" panose="020B0609020204030204" charset="0"/>
+                        <a:cs typeface="Consolas" panose="020B0609020204030204" charset="0"/>
+                      </a:endParaRPr>
+                    </a:p>
+                  </a:txBody>
+                  <a:tcPr anchor="ctr" anchorCtr="0">
+                    <a:lnL w="12700" cmpd="sng">
+                      <a:solidFill>
+                        <a:schemeClr val="tx1"/>
+                      </a:solidFill>
+                      <a:prstDash val="solid"/>
+                    </a:lnL>
+                    <a:lnR w="12700" cmpd="sng">
+                      <a:solidFill>
+                        <a:schemeClr val="tx1"/>
+                      </a:solidFill>
+                      <a:prstDash val="solid"/>
+                    </a:lnR>
+                    <a:lnT w="12700" cmpd="sng">
+                      <a:solidFill>
+                        <a:schemeClr val="tx1"/>
+                      </a:solidFill>
+                      <a:prstDash val="solid"/>
+                    </a:lnT>
+                    <a:lnB w="12700" cmpd="sng">
+                      <a:solidFill>
+                        <a:schemeClr val="tx1"/>
+                      </a:solidFill>
+                      <a:prstDash val="solid"/>
+                    </a:lnB>
+                    <a:solidFill>
+                      <a:srgbClr val="FF0000"/>
+                    </a:solidFill>
+                  </a:tcPr>
+                </a:tc>
+                <a:tc>
+                  <a:txBody>
+                    <a:bodyPr/>
+                    <a:p>
+                      <a:pPr algn="ctr">
+                        <a:buClrTx/>
+                        <a:buSzTx/>
+                        <a:buFontTx/>
+                        <a:buNone/>
+                      </a:pPr>
+                      <a:endParaRPr lang="en-US" altLang="zh-CN" sz="1200" b="1">
+                        <a:solidFill>
+                          <a:schemeClr val="tx1"/>
+                        </a:solidFill>
+                        <a:latin typeface="Consolas" panose="020B0609020204030204" charset="0"/>
+                        <a:cs typeface="Consolas" panose="020B0609020204030204" charset="0"/>
+                      </a:endParaRPr>
+                    </a:p>
+                  </a:txBody>
+                  <a:tcPr anchor="ctr" anchorCtr="0">
+                    <a:lnL w="12700" cmpd="sng">
+                      <a:solidFill>
+                        <a:schemeClr val="tx1"/>
+                      </a:solidFill>
+                      <a:prstDash val="solid"/>
+                    </a:lnL>
+                    <a:lnR w="12700" cmpd="sng">
+                      <a:solidFill>
+                        <a:schemeClr val="tx1"/>
+                      </a:solidFill>
+                      <a:prstDash val="solid"/>
+                    </a:lnR>
+                    <a:lnT w="12700" cmpd="sng">
+                      <a:solidFill>
+                        <a:schemeClr val="tx1"/>
+                      </a:solidFill>
+                      <a:prstDash val="solid"/>
+                    </a:lnT>
+                    <a:lnB w="12700" cmpd="sng">
+                      <a:solidFill>
+                        <a:schemeClr val="tx1"/>
+                      </a:solidFill>
+                      <a:prstDash val="solid"/>
+                    </a:lnB>
+                    <a:solidFill>
+                      <a:schemeClr val="bg1"/>
+                    </a:solidFill>
+                  </a:tcPr>
+                </a:tc>
+                <a:tc>
+                  <a:txBody>
+                    <a:bodyPr/>
+                    <a:p>
+                      <a:pPr algn="ctr">
+                        <a:buClrTx/>
+                        <a:buSzTx/>
+                        <a:buFontTx/>
+                        <a:buNone/>
+                      </a:pPr>
+                      <a:endParaRPr lang="en-US" altLang="zh-CN" sz="1200" b="1">
+                        <a:solidFill>
+                          <a:schemeClr val="tx1"/>
+                        </a:solidFill>
+                        <a:latin typeface="Consolas" panose="020B0609020204030204" charset="0"/>
+                        <a:cs typeface="Consolas" panose="020B0609020204030204" charset="0"/>
+                      </a:endParaRPr>
+                    </a:p>
+                  </a:txBody>
+                  <a:tcPr anchor="ctr" anchorCtr="0">
+                    <a:lnL w="12700" cmpd="sng">
+                      <a:solidFill>
+                        <a:schemeClr val="tx1"/>
+                      </a:solidFill>
+                      <a:prstDash val="solid"/>
+                    </a:lnL>
+                    <a:lnR w="12700" cmpd="sng">
+                      <a:solidFill>
+                        <a:schemeClr val="tx1"/>
+                      </a:solidFill>
+                      <a:prstDash val="solid"/>
+                    </a:lnR>
+                    <a:lnT w="12700" cmpd="sng">
+                      <a:solidFill>
+                        <a:schemeClr val="tx1"/>
+                      </a:solidFill>
+                      <a:prstDash val="solid"/>
+                    </a:lnT>
+                    <a:lnB w="12700" cmpd="sng">
+                      <a:solidFill>
+                        <a:schemeClr val="tx1"/>
+                      </a:solidFill>
+                      <a:prstDash val="solid"/>
+                    </a:lnB>
+                    <a:solidFill>
+                      <a:schemeClr val="bg1"/>
+                    </a:solidFill>
+                  </a:tcPr>
+                </a:tc>
+                <a:tc>
+                  <a:txBody>
+                    <a:bodyPr/>
+                    <a:p>
+                      <a:pPr algn="ctr">
+                        <a:buClrTx/>
+                        <a:buSzTx/>
+                        <a:buFontTx/>
+                        <a:buNone/>
+                      </a:pPr>
+                      <a:endParaRPr lang="en-US" altLang="zh-CN" sz="1200" b="1">
+                        <a:solidFill>
+                          <a:schemeClr val="tx1"/>
+                        </a:solidFill>
+                        <a:latin typeface="Consolas" panose="020B0609020204030204" charset="0"/>
+                        <a:cs typeface="Consolas" panose="020B0609020204030204" charset="0"/>
+                      </a:endParaRPr>
+                    </a:p>
+                  </a:txBody>
+                  <a:tcPr anchor="ctr" anchorCtr="0">
+                    <a:lnL w="12700" cmpd="sng">
+                      <a:solidFill>
+                        <a:schemeClr val="tx1"/>
+                      </a:solidFill>
+                      <a:prstDash val="solid"/>
+                    </a:lnL>
+                    <a:lnR w="12700" cmpd="sng">
+                      <a:solidFill>
+                        <a:schemeClr val="tx1"/>
+                      </a:solidFill>
+                      <a:prstDash val="solid"/>
+                    </a:lnR>
+                    <a:lnT w="12700" cmpd="sng">
+                      <a:solidFill>
+                        <a:schemeClr val="tx1"/>
+                      </a:solidFill>
+                      <a:prstDash val="solid"/>
+                    </a:lnT>
+                    <a:lnB w="12700" cmpd="sng">
+                      <a:solidFill>
+                        <a:schemeClr val="tx1"/>
+                      </a:solidFill>
+                      <a:prstDash val="solid"/>
+                    </a:lnB>
+                    <a:solidFill>
+                      <a:schemeClr val="bg1"/>
+                    </a:solidFill>
+                  </a:tcPr>
+                </a:tc>
+              </a:tr>
+              <a:tr h="350520">
+                <a:tc>
+                  <a:txBody>
+                    <a:bodyPr/>
+                    <a:p>
+                      <a:pPr algn="ctr">
+                        <a:buNone/>
+                      </a:pPr>
+                      <a:r>
+                        <a:rPr lang="zh-CN" altLang="en-US" sz="1200" b="1">
+                          <a:solidFill>
+                            <a:schemeClr val="tx1"/>
+                          </a:solidFill>
+                          <a:latin typeface="Consolas" panose="020B0609020204030204" charset="0"/>
+                          <a:cs typeface="Consolas" panose="020B0609020204030204" charset="0"/>
+                        </a:rPr>
+                        <a:t>第三次</a:t>
+                      </a:r>
+                      <a:endParaRPr lang="zh-CN" altLang="en-US" sz="1200" b="1">
+                        <a:solidFill>
+                          <a:schemeClr val="tx1"/>
+                        </a:solidFill>
+                        <a:latin typeface="Consolas" panose="020B0609020204030204" charset="0"/>
+                        <a:cs typeface="Consolas" panose="020B0609020204030204" charset="0"/>
+                      </a:endParaRPr>
+                    </a:p>
+                  </a:txBody>
+                  <a:tcPr anchor="ctr" anchorCtr="0">
+                    <a:lnL w="12700" cmpd="sng">
+                      <a:solidFill>
+                        <a:schemeClr val="tx1"/>
+                      </a:solidFill>
+                      <a:prstDash val="solid"/>
+                    </a:lnL>
+                    <a:lnR w="12700" cmpd="sng">
+                      <a:solidFill>
+                        <a:schemeClr val="tx1"/>
+                      </a:solidFill>
+                      <a:prstDash val="solid"/>
+                    </a:lnR>
+                    <a:lnT w="12700" cmpd="sng">
+                      <a:solidFill>
+                        <a:schemeClr val="tx1"/>
+                      </a:solidFill>
+                      <a:prstDash val="solid"/>
+                    </a:lnT>
+                    <a:lnB w="12700" cmpd="sng">
+                      <a:solidFill>
+                        <a:schemeClr val="tx1"/>
+                      </a:solidFill>
+                      <a:prstDash val="solid"/>
+                    </a:lnB>
+                    <a:solidFill>
+                      <a:schemeClr val="accent4">
+                        <a:lumMod val="75000"/>
+                      </a:schemeClr>
+                    </a:solidFill>
+                  </a:tcPr>
+                </a:tc>
+                <a:tc>
+                  <a:txBody>
+                    <a:bodyPr/>
+                    <a:p>
+                      <a:pPr algn="ctr">
+                        <a:buClrTx/>
+                        <a:buSzTx/>
+                        <a:buFontTx/>
+                        <a:buNone/>
+                      </a:pPr>
+                      <a:endParaRPr lang="en-US" altLang="zh-CN" sz="1200" b="1">
+                        <a:solidFill>
+                          <a:schemeClr val="tx1"/>
+                        </a:solidFill>
+                        <a:latin typeface="Consolas" panose="020B0609020204030204" charset="0"/>
+                        <a:cs typeface="Consolas" panose="020B0609020204030204" charset="0"/>
+                      </a:endParaRPr>
+                    </a:p>
+                  </a:txBody>
+                  <a:tcPr anchor="ctr" anchorCtr="0">
+                    <a:lnL w="12700" cmpd="sng">
+                      <a:solidFill>
+                        <a:schemeClr val="tx1"/>
+                      </a:solidFill>
+                      <a:prstDash val="solid"/>
+                    </a:lnL>
+                    <a:lnR w="12700" cmpd="sng">
+                      <a:solidFill>
+                        <a:schemeClr val="tx1"/>
+                      </a:solidFill>
+                      <a:prstDash val="solid"/>
+                    </a:lnR>
+                    <a:lnT w="12700" cmpd="sng">
+                      <a:solidFill>
+                        <a:schemeClr val="tx1"/>
+                      </a:solidFill>
+                      <a:prstDash val="solid"/>
+                    </a:lnT>
+                    <a:lnB w="12700" cmpd="sng">
+                      <a:solidFill>
+                        <a:schemeClr val="tx1"/>
+                      </a:solidFill>
+                      <a:prstDash val="solid"/>
+                    </a:lnB>
+                    <a:solidFill>
+                      <a:schemeClr val="bg1"/>
+                    </a:solidFill>
+                  </a:tcPr>
+                </a:tc>
+                <a:tc>
+                  <a:txBody>
+                    <a:bodyPr/>
+                    <a:p>
+                      <a:pPr algn="ctr">
+                        <a:buClrTx/>
+                        <a:buSzTx/>
+                        <a:buFontTx/>
+                        <a:buNone/>
+                      </a:pPr>
+                      <a:endParaRPr lang="en-US" altLang="zh-CN" sz="1200" b="1">
+                        <a:solidFill>
+                          <a:schemeClr val="tx1"/>
+                        </a:solidFill>
+                        <a:latin typeface="Consolas" panose="020B0609020204030204" charset="0"/>
+                        <a:cs typeface="Consolas" panose="020B0609020204030204" charset="0"/>
+                      </a:endParaRPr>
+                    </a:p>
+                  </a:txBody>
+                  <a:tcPr anchor="ctr" anchorCtr="0">
+                    <a:lnL w="12700" cmpd="sng">
+                      <a:solidFill>
+                        <a:schemeClr val="tx1"/>
+                      </a:solidFill>
+                      <a:prstDash val="solid"/>
+                    </a:lnL>
+                    <a:lnR w="12700" cmpd="sng">
+                      <a:solidFill>
+                        <a:schemeClr val="tx1"/>
+                      </a:solidFill>
+                      <a:prstDash val="solid"/>
+                    </a:lnR>
+                    <a:lnT w="12700" cmpd="sng">
+                      <a:solidFill>
+                        <a:schemeClr val="tx1"/>
+                      </a:solidFill>
+                      <a:prstDash val="solid"/>
+                    </a:lnT>
+                    <a:lnB w="12700" cmpd="sng">
+                      <a:solidFill>
+                        <a:schemeClr val="tx1"/>
+                      </a:solidFill>
+                      <a:prstDash val="solid"/>
+                    </a:lnB>
+                    <a:solidFill>
+                      <a:schemeClr val="bg1"/>
+                    </a:solidFill>
+                  </a:tcPr>
+                </a:tc>
+                <a:tc>
+                  <a:txBody>
+                    <a:bodyPr/>
+                    <a:p>
+                      <a:pPr algn="ctr">
+                        <a:buClrTx/>
+                        <a:buSzTx/>
+                        <a:buFontTx/>
+                        <a:buNone/>
+                      </a:pPr>
+                      <a:endParaRPr lang="en-US" altLang="zh-CN" sz="1200" b="1">
+                        <a:solidFill>
+                          <a:schemeClr val="tx1"/>
+                        </a:solidFill>
+                        <a:latin typeface="Consolas" panose="020B0609020204030204" charset="0"/>
+                        <a:cs typeface="Consolas" panose="020B0609020204030204" charset="0"/>
+                      </a:endParaRPr>
+                    </a:p>
+                  </a:txBody>
+                  <a:tcPr anchor="ctr" anchorCtr="0">
+                    <a:lnL w="12700" cmpd="sng">
+                      <a:solidFill>
+                        <a:schemeClr val="tx1"/>
+                      </a:solidFill>
+                      <a:prstDash val="solid"/>
+                    </a:lnL>
+                    <a:lnR w="12700" cmpd="sng">
+                      <a:solidFill>
+                        <a:schemeClr val="tx1"/>
+                      </a:solidFill>
+                      <a:prstDash val="solid"/>
+                    </a:lnR>
+                    <a:lnT w="12700" cmpd="sng">
+                      <a:solidFill>
+                        <a:schemeClr val="tx1"/>
+                      </a:solidFill>
+                      <a:prstDash val="solid"/>
+                    </a:lnT>
+                    <a:lnB w="12700" cmpd="sng">
+                      <a:solidFill>
+                        <a:schemeClr val="tx1"/>
+                      </a:solidFill>
+                      <a:prstDash val="solid"/>
+                    </a:lnB>
+                    <a:solidFill>
+                      <a:schemeClr val="bg1"/>
+                    </a:solidFill>
+                  </a:tcPr>
+                </a:tc>
+                <a:tc>
+                  <a:txBody>
+                    <a:bodyPr/>
+                    <a:p>
+                      <a:pPr algn="ctr">
+                        <a:buClrTx/>
+                        <a:buSzTx/>
+                        <a:buFontTx/>
+                        <a:buNone/>
+                      </a:pPr>
+                      <a:endParaRPr lang="en-US" altLang="zh-CN" sz="1200" b="1">
+                        <a:solidFill>
+                          <a:schemeClr val="tx1"/>
+                        </a:solidFill>
+                        <a:latin typeface="Consolas" panose="020B0609020204030204" charset="0"/>
+                        <a:cs typeface="Consolas" panose="020B0609020204030204" charset="0"/>
+                      </a:endParaRPr>
+                    </a:p>
+                  </a:txBody>
+                  <a:tcPr anchor="ctr" anchorCtr="0">
+                    <a:lnL w="12700" cmpd="sng">
+                      <a:solidFill>
+                        <a:schemeClr val="tx1"/>
+                      </a:solidFill>
+                      <a:prstDash val="solid"/>
+                    </a:lnL>
+                    <a:lnR w="12700" cmpd="sng">
+                      <a:solidFill>
+                        <a:schemeClr val="tx1"/>
+                      </a:solidFill>
+                      <a:prstDash val="solid"/>
+                    </a:lnR>
+                    <a:lnT w="12700" cmpd="sng">
+                      <a:solidFill>
+                        <a:schemeClr val="tx1"/>
+                      </a:solidFill>
+                      <a:prstDash val="solid"/>
+                    </a:lnT>
+                    <a:lnB w="12700" cmpd="sng">
+                      <a:solidFill>
+                        <a:schemeClr val="tx1"/>
+                      </a:solidFill>
+                      <a:prstDash val="solid"/>
+                    </a:lnB>
+                    <a:solidFill>
+                      <a:schemeClr val="bg1"/>
+                    </a:solidFill>
+                  </a:tcPr>
+                </a:tc>
+                <a:tc>
+                  <a:txBody>
+                    <a:bodyPr/>
+                    <a:p>
+                      <a:pPr algn="ctr">
+                        <a:buClrTx/>
+                        <a:buSzTx/>
+                        <a:buFontTx/>
+                        <a:buNone/>
+                      </a:pPr>
+                      <a:endParaRPr lang="en-US" altLang="zh-CN" sz="1200" b="1">
+                        <a:solidFill>
+                          <a:schemeClr val="tx1"/>
+                        </a:solidFill>
+                        <a:latin typeface="Consolas" panose="020B0609020204030204" charset="0"/>
+                        <a:cs typeface="Consolas" panose="020B0609020204030204" charset="0"/>
+                      </a:endParaRPr>
+                    </a:p>
+                  </a:txBody>
+                  <a:tcPr anchor="ctr" anchorCtr="0">
+                    <a:lnL w="12700" cmpd="sng">
+                      <a:solidFill>
+                        <a:schemeClr val="tx1"/>
+                      </a:solidFill>
+                      <a:prstDash val="solid"/>
+                    </a:lnL>
+                    <a:lnR w="12700" cmpd="sng">
+                      <a:solidFill>
+                        <a:schemeClr val="tx1"/>
+                      </a:solidFill>
+                      <a:prstDash val="solid"/>
+                    </a:lnR>
+                    <a:lnT w="12700" cmpd="sng">
+                      <a:solidFill>
+                        <a:schemeClr val="tx1"/>
+                      </a:solidFill>
+                      <a:prstDash val="solid"/>
+                    </a:lnT>
+                    <a:lnB w="12700" cmpd="sng">
+                      <a:solidFill>
+                        <a:schemeClr val="tx1"/>
+                      </a:solidFill>
+                      <a:prstDash val="solid"/>
+                    </a:lnB>
+                    <a:solidFill>
+                      <a:schemeClr val="bg1"/>
+                    </a:solidFill>
+                  </a:tcPr>
+                </a:tc>
+                <a:tc>
+                  <a:txBody>
+                    <a:bodyPr/>
+                    <a:p>
+                      <a:pPr algn="ctr">
+                        <a:buClrTx/>
+                        <a:buSzTx/>
+                        <a:buFontTx/>
+                        <a:buNone/>
+                      </a:pPr>
+                      <a:endParaRPr lang="en-US" altLang="zh-CN" sz="1200" b="1">
+                        <a:solidFill>
+                          <a:schemeClr val="tx1"/>
+                        </a:solidFill>
+                        <a:latin typeface="Consolas" panose="020B0609020204030204" charset="0"/>
+                        <a:cs typeface="Consolas" panose="020B0609020204030204" charset="0"/>
+                      </a:endParaRPr>
+                    </a:p>
+                  </a:txBody>
+                  <a:tcPr anchor="ctr" anchorCtr="0">
+                    <a:lnL w="12700" cmpd="sng">
+                      <a:solidFill>
+                        <a:schemeClr val="tx1"/>
+                      </a:solidFill>
+                      <a:prstDash val="solid"/>
+                    </a:lnL>
+                    <a:lnR w="12700" cmpd="sng">
+                      <a:solidFill>
+                        <a:schemeClr val="tx1"/>
+                      </a:solidFill>
+                      <a:prstDash val="solid"/>
+                    </a:lnR>
+                    <a:lnT w="12700" cmpd="sng">
+                      <a:solidFill>
+                        <a:schemeClr val="tx1"/>
+                      </a:solidFill>
+                      <a:prstDash val="solid"/>
+                    </a:lnT>
+                    <a:lnB w="12700" cmpd="sng">
+                      <a:solidFill>
+                        <a:schemeClr val="tx1"/>
+                      </a:solidFill>
+                      <a:prstDash val="solid"/>
+                    </a:lnB>
+                    <a:solidFill>
+                      <a:schemeClr val="bg1"/>
+                    </a:solidFill>
+                  </a:tcPr>
+                </a:tc>
+                <a:tc>
+                  <a:txBody>
+                    <a:bodyPr/>
+                    <a:p>
+                      <a:pPr algn="ctr">
+                        <a:buClrTx/>
+                        <a:buSzTx/>
+                        <a:buFontTx/>
+                        <a:buNone/>
+                      </a:pPr>
+                      <a:r>
+                        <a:rPr lang="en-US" altLang="zh-CN" sz="1200" b="1" u="sng">
+                          <a:solidFill>
+                            <a:srgbClr val="FF0000"/>
+                          </a:solidFill>
+                          <a:latin typeface="Consolas" panose="020B0609020204030204" charset="0"/>
+                          <a:cs typeface="Consolas" panose="020B0609020204030204" charset="0"/>
+                        </a:rPr>
+                        <a:t>a</a:t>
+                      </a:r>
+                      <a:endParaRPr lang="en-US" altLang="zh-CN" sz="1200" b="1" u="sng">
+                        <a:solidFill>
+                          <a:srgbClr val="FF0000"/>
+                        </a:solidFill>
+                        <a:latin typeface="Consolas" panose="020B0609020204030204" charset="0"/>
+                        <a:cs typeface="Consolas" panose="020B0609020204030204" charset="0"/>
+                      </a:endParaRPr>
+                    </a:p>
+                  </a:txBody>
+                  <a:tcPr anchor="ctr" anchorCtr="0">
+                    <a:lnL w="12700" cmpd="sng">
+                      <a:solidFill>
+                        <a:schemeClr val="tx1"/>
+                      </a:solidFill>
+                      <a:prstDash val="solid"/>
+                    </a:lnL>
+                    <a:lnR w="12700" cmpd="sng">
+                      <a:solidFill>
+                        <a:schemeClr val="tx1"/>
+                      </a:solidFill>
+                      <a:prstDash val="solid"/>
+                    </a:lnR>
+                    <a:lnT w="12700" cmpd="sng">
+                      <a:solidFill>
+                        <a:schemeClr val="tx1"/>
+                      </a:solidFill>
+                      <a:prstDash val="solid"/>
+                    </a:lnT>
+                    <a:lnB w="12700" cmpd="sng">
+                      <a:solidFill>
+                        <a:schemeClr val="tx1"/>
+                      </a:solidFill>
+                      <a:prstDash val="solid"/>
+                    </a:lnB>
+                    <a:solidFill>
+                      <a:schemeClr val="accent5">
+                        <a:lumMod val="60000"/>
+                        <a:lumOff val="40000"/>
+                      </a:schemeClr>
+                    </a:solidFill>
+                  </a:tcPr>
+                </a:tc>
+                <a:tc>
+                  <a:txBody>
+                    <a:bodyPr/>
+                    <a:p>
+                      <a:pPr algn="ctr">
+                        <a:buClrTx/>
+                        <a:buSzTx/>
+                        <a:buFontTx/>
+                        <a:buNone/>
+                      </a:pPr>
+                      <a:r>
+                        <a:rPr lang="en-US" altLang="zh-CN" sz="1200" b="1" u="sng">
+                          <a:solidFill>
+                            <a:srgbClr val="FF0000"/>
+                          </a:solidFill>
+                          <a:latin typeface="Consolas" panose="020B0609020204030204" charset="0"/>
+                          <a:cs typeface="Consolas" panose="020B0609020204030204" charset="0"/>
+                        </a:rPr>
+                        <a:t>a</a:t>
+                      </a:r>
+                      <a:endParaRPr lang="en-US" altLang="zh-CN" sz="1200" b="1" u="sng">
+                        <a:solidFill>
+                          <a:srgbClr val="FF0000"/>
+                        </a:solidFill>
+                        <a:latin typeface="Consolas" panose="020B0609020204030204" charset="0"/>
+                        <a:cs typeface="Consolas" panose="020B0609020204030204" charset="0"/>
+                      </a:endParaRPr>
+                    </a:p>
+                  </a:txBody>
+                  <a:tcPr anchor="ctr" anchorCtr="0">
+                    <a:lnL w="12700" cmpd="sng">
+                      <a:solidFill>
+                        <a:schemeClr val="tx1"/>
+                      </a:solidFill>
+                      <a:prstDash val="solid"/>
+                    </a:lnL>
+                    <a:lnR w="12700" cmpd="sng">
+                      <a:solidFill>
+                        <a:schemeClr val="tx1"/>
+                      </a:solidFill>
+                      <a:prstDash val="solid"/>
+                    </a:lnR>
+                    <a:lnT w="12700" cmpd="sng">
+                      <a:solidFill>
+                        <a:schemeClr val="tx1"/>
+                      </a:solidFill>
+                      <a:prstDash val="solid"/>
+                    </a:lnT>
+                    <a:lnB w="12700" cmpd="sng">
+                      <a:solidFill>
+                        <a:schemeClr val="tx1"/>
+                      </a:solidFill>
+                      <a:prstDash val="solid"/>
+                    </a:lnB>
+                    <a:solidFill>
+                      <a:schemeClr val="accent5">
+                        <a:lumMod val="60000"/>
+                        <a:lumOff val="40000"/>
+                      </a:schemeClr>
+                    </a:solidFill>
+                  </a:tcPr>
+                </a:tc>
+                <a:tc>
+                  <a:txBody>
+                    <a:bodyPr/>
+                    <a:p>
+                      <a:pPr algn="ctr">
+                        <a:buClrTx/>
+                        <a:buSzTx/>
+                        <a:buFontTx/>
+                        <a:buNone/>
+                      </a:pPr>
+                      <a:r>
+                        <a:rPr lang="en-US" altLang="zh-CN" sz="1200" b="1" u="sng">
+                          <a:solidFill>
+                            <a:srgbClr val="FF0000"/>
+                          </a:solidFill>
+                          <a:latin typeface="Consolas" panose="020B0609020204030204" charset="0"/>
+                          <a:cs typeface="Consolas" panose="020B0609020204030204" charset="0"/>
+                        </a:rPr>
+                        <a:t>b</a:t>
+                      </a:r>
+                      <a:endParaRPr lang="en-US" altLang="zh-CN" sz="1200" b="1" u="sng">
+                        <a:solidFill>
+                          <a:srgbClr val="FF0000"/>
+                        </a:solidFill>
+                        <a:latin typeface="Consolas" panose="020B0609020204030204" charset="0"/>
+                        <a:cs typeface="Consolas" panose="020B0609020204030204" charset="0"/>
+                      </a:endParaRPr>
+                    </a:p>
+                  </a:txBody>
+                  <a:tcPr anchor="ctr" anchorCtr="0">
+                    <a:lnL w="12700" cmpd="sng">
+                      <a:solidFill>
+                        <a:schemeClr val="tx1"/>
+                      </a:solidFill>
+                      <a:prstDash val="solid"/>
+                    </a:lnL>
+                    <a:lnR w="12700" cmpd="sng">
+                      <a:solidFill>
+                        <a:schemeClr val="tx1"/>
+                      </a:solidFill>
+                      <a:prstDash val="solid"/>
+                    </a:lnR>
+                    <a:lnT w="12700" cmpd="sng">
+                      <a:solidFill>
+                        <a:schemeClr val="tx1"/>
+                      </a:solidFill>
+                      <a:prstDash val="solid"/>
+                    </a:lnT>
+                    <a:lnB w="12700" cmpd="sng">
+                      <a:solidFill>
+                        <a:schemeClr val="tx1"/>
+                      </a:solidFill>
+                      <a:prstDash val="solid"/>
+                    </a:lnB>
+                    <a:solidFill>
+                      <a:srgbClr val="FFFF00"/>
+                    </a:solidFill>
+                  </a:tcPr>
+                </a:tc>
+                <a:tc>
+                  <a:txBody>
+                    <a:bodyPr/>
+                    <a:p>
+                      <a:pPr algn="ctr">
+                        <a:buClrTx/>
+                        <a:buSzTx/>
+                        <a:buFontTx/>
+                        <a:buNone/>
+                      </a:pPr>
+                      <a:r>
+                        <a:rPr lang="en-US" altLang="zh-CN" sz="1200" b="1" u="sng">
+                          <a:solidFill>
+                            <a:srgbClr val="FF0000"/>
+                          </a:solidFill>
+                          <a:latin typeface="Consolas" panose="020B0609020204030204" charset="0"/>
+                          <a:cs typeface="Consolas" panose="020B0609020204030204" charset="0"/>
+                        </a:rPr>
+                        <a:t>a</a:t>
+                      </a:r>
+                      <a:endParaRPr lang="en-US" altLang="zh-CN" sz="1200" b="1" u="sng">
+                        <a:solidFill>
+                          <a:srgbClr val="FF0000"/>
+                        </a:solidFill>
+                        <a:latin typeface="Consolas" panose="020B0609020204030204" charset="0"/>
+                        <a:cs typeface="Consolas" panose="020B0609020204030204" charset="0"/>
+                      </a:endParaRPr>
+                    </a:p>
+                  </a:txBody>
+                  <a:tcPr anchor="ctr" anchorCtr="0">
+                    <a:lnL w="12700" cmpd="sng">
+                      <a:solidFill>
+                        <a:schemeClr val="tx1"/>
+                      </a:solidFill>
+                      <a:prstDash val="solid"/>
+                    </a:lnL>
+                    <a:lnR w="12700" cmpd="sng">
+                      <a:solidFill>
+                        <a:schemeClr val="tx1"/>
+                      </a:solidFill>
+                      <a:prstDash val="solid"/>
+                    </a:lnR>
+                    <a:lnT w="12700" cmpd="sng">
+                      <a:solidFill>
+                        <a:schemeClr val="tx1"/>
+                      </a:solidFill>
+                      <a:prstDash val="solid"/>
+                    </a:lnT>
+                    <a:lnB w="12700" cmpd="sng">
+                      <a:solidFill>
+                        <a:schemeClr val="tx1"/>
+                      </a:solidFill>
+                      <a:prstDash val="solid"/>
+                    </a:lnB>
+                    <a:solidFill>
+                      <a:srgbClr val="FFFF00"/>
+                    </a:solidFill>
+                  </a:tcPr>
+                </a:tc>
+                <a:tc>
+                  <a:txBody>
+                    <a:bodyPr/>
+                    <a:p>
+                      <a:pPr algn="ctr">
+                        <a:buClrTx/>
+                        <a:buSzTx/>
+                        <a:buFontTx/>
+                        <a:buNone/>
+                      </a:pPr>
+                      <a:r>
+                        <a:rPr lang="en-US" altLang="zh-CN" sz="1200" b="1" u="sng">
+                          <a:solidFill>
+                            <a:srgbClr val="FF0000"/>
+                          </a:solidFill>
+                          <a:latin typeface="Consolas" panose="020B0609020204030204" charset="0"/>
+                          <a:cs typeface="Consolas" panose="020B0609020204030204" charset="0"/>
+                        </a:rPr>
+                        <a:t>a</a:t>
+                      </a:r>
+                      <a:endParaRPr lang="en-US" altLang="zh-CN" sz="1200" b="1" u="sng">
+                        <a:solidFill>
+                          <a:srgbClr val="FF0000"/>
+                        </a:solidFill>
+                        <a:latin typeface="Consolas" panose="020B0609020204030204" charset="0"/>
+                        <a:cs typeface="Consolas" panose="020B0609020204030204" charset="0"/>
+                      </a:endParaRPr>
+                    </a:p>
+                  </a:txBody>
+                  <a:tcPr anchor="ctr" anchorCtr="0">
+                    <a:lnL w="12700" cmpd="sng">
+                      <a:solidFill>
+                        <a:schemeClr val="tx1"/>
+                      </a:solidFill>
+                      <a:prstDash val="solid"/>
+                    </a:lnL>
+                    <a:lnR w="12700" cmpd="sng">
+                      <a:solidFill>
+                        <a:schemeClr val="tx1"/>
+                      </a:solidFill>
+                      <a:prstDash val="solid"/>
+                    </a:lnR>
+                    <a:lnT w="12700" cmpd="sng">
+                      <a:solidFill>
+                        <a:schemeClr val="tx1"/>
+                      </a:solidFill>
+                      <a:prstDash val="solid"/>
+                    </a:lnT>
+                    <a:lnB w="12700" cmpd="sng">
+                      <a:solidFill>
+                        <a:schemeClr val="tx1"/>
+                      </a:solidFill>
+                      <a:prstDash val="solid"/>
+                    </a:lnB>
+                    <a:solidFill>
+                      <a:srgbClr val="FFFF00"/>
+                    </a:solidFill>
+                  </a:tcPr>
+                </a:tc>
+                <a:tc>
+                  <a:txBody>
+                    <a:bodyPr/>
+                    <a:p>
+                      <a:pPr algn="ctr">
+                        <a:buClrTx/>
+                        <a:buSzTx/>
+                        <a:buFontTx/>
+                        <a:buNone/>
+                      </a:pPr>
+                      <a:r>
+                        <a:rPr lang="en-US" altLang="zh-CN" sz="1200" b="1" u="sng">
+                          <a:solidFill>
+                            <a:srgbClr val="FF0000"/>
+                          </a:solidFill>
+                          <a:latin typeface="Consolas" panose="020B0609020204030204" charset="0"/>
+                          <a:cs typeface="Consolas" panose="020B0609020204030204" charset="0"/>
+                        </a:rPr>
+                        <a:t>c</a:t>
+                      </a:r>
+                      <a:endParaRPr lang="en-US" altLang="zh-CN" sz="1200" b="1" u="sng">
+                        <a:solidFill>
+                          <a:srgbClr val="FF0000"/>
+                        </a:solidFill>
+                        <a:latin typeface="Consolas" panose="020B0609020204030204" charset="0"/>
+                        <a:cs typeface="Consolas" panose="020B0609020204030204" charset="0"/>
+                      </a:endParaRPr>
+                    </a:p>
+                  </a:txBody>
+                  <a:tcPr anchor="ctr" anchorCtr="0">
+                    <a:lnL w="12700" cmpd="sng">
+                      <a:solidFill>
+                        <a:schemeClr val="tx1"/>
+                      </a:solidFill>
+                      <a:prstDash val="solid"/>
+                    </a:lnL>
+                    <a:lnR w="12700" cmpd="sng">
+                      <a:solidFill>
+                        <a:schemeClr val="tx1"/>
+                      </a:solidFill>
+                      <a:prstDash val="solid"/>
+                    </a:lnR>
+                    <a:lnT w="12700" cmpd="sng">
+                      <a:solidFill>
+                        <a:schemeClr val="tx1"/>
+                      </a:solidFill>
+                      <a:prstDash val="solid"/>
+                    </a:lnT>
+                    <a:lnB w="12700" cmpd="sng">
+                      <a:solidFill>
+                        <a:schemeClr val="tx1"/>
+                      </a:solidFill>
+                      <a:prstDash val="solid"/>
+                    </a:lnB>
+                    <a:solidFill>
+                      <a:srgbClr val="FFFF00"/>
+                    </a:solidFill>
+                  </a:tcPr>
+                </a:tc>
+              </a:tr>
+            </a:tbl>
+          </a:graphicData>
+        </a:graphic>
+      </p:graphicFrame>
+    </p:spTree>
+    <p:custDataLst>
+      <p:tags r:id="rId3"/>
+    </p:custDataLst>
+  </p:cSld>
+  <p:clrMapOvr>
+    <a:masterClrMapping/>
+  </p:clrMapOvr>
+</p:sld>
+</file>
+
 <file path=ppt/slides/slide2.xml><?xml version="1.0" encoding="utf-8"?>
 <p:sld xmlns:a="http://schemas.openxmlformats.org/drawingml/2006/main" xmlns:r="http://schemas.openxmlformats.org/officeDocument/2006/relationships" xmlns:p="http://schemas.openxmlformats.org/presentationml/2006/main">
   <p:cSld>
@@ -29801,8 +38387,46 @@
 
 <file path=ppt/tags/tag153.xml><?xml version="1.0" encoding="utf-8"?>
 <p:tagLst xmlns:p="http://schemas.openxmlformats.org/presentationml/2006/main">
-  <p:tag name="COMMONDATA" val="eyJoZGlkIjoiMGNiYmI5YWVjOTk5ZjZhOWZjNGUxNjlhNTAzYmI0NWQifQ=="/>
-  <p:tag name="KSO_WPP_MARK_KEY" val="8327d01d-3ae0-46df-9fbb-31ec0e670762"/>
+  <p:tag name="KSO_WM_UNIT_TABLE_BEAUTIFY" val="smartTable{df66b980-aacb-4eee-aca6-0fc2ad6bd351}"/>
+  <p:tag name="TABLE_ENDDRAG_ORIGIN_RECT" val="555*145"/>
+  <p:tag name="TABLE_ENDDRAG_RECT" val="71*12*555*145"/>
+  <p:tag name="KSO_WM_BEAUTIFY_FLAG" val=""/>
+</p:tagLst>
+</file>
+
+<file path=ppt/tags/tag154.xml><?xml version="1.0" encoding="utf-8"?>
+<p:tagLst xmlns:p="http://schemas.openxmlformats.org/presentationml/2006/main">
+  <p:tag name="KSO_WM_BEAUTIFY_FLAG" val=""/>
+</p:tagLst>
+</file>
+
+<file path=ppt/tags/tag155.xml><?xml version="1.0" encoding="utf-8"?>
+<p:tagLst xmlns:p="http://schemas.openxmlformats.org/presentationml/2006/main">
+  <p:tag name="KSO_WM_BEAUTIFY_FLAG" val=""/>
+</p:tagLst>
+</file>
+
+<file path=ppt/tags/tag156.xml><?xml version="1.0" encoding="utf-8"?>
+<p:tagLst xmlns:p="http://schemas.openxmlformats.org/presentationml/2006/main">
+  <p:tag name="KSO_WM_BEAUTIFY_FLAG" val=""/>
+</p:tagLst>
+</file>
+
+<file path=ppt/tags/tag157.xml><?xml version="1.0" encoding="utf-8"?>
+<p:tagLst xmlns:p="http://schemas.openxmlformats.org/presentationml/2006/main">
+  <p:tag name="KSO_WM_BEAUTIFY_FLAG" val=""/>
+</p:tagLst>
+</file>
+
+<file path=ppt/tags/tag158.xml><?xml version="1.0" encoding="utf-8"?>
+<p:tagLst xmlns:p="http://schemas.openxmlformats.org/presentationml/2006/main">
+  <p:tag name="KSO_WM_BEAUTIFY_FLAG" val=""/>
+</p:tagLst>
+</file>
+
+<file path=ppt/tags/tag159.xml><?xml version="1.0" encoding="utf-8"?>
+<p:tagLst xmlns:p="http://schemas.openxmlformats.org/presentationml/2006/main">
+  <p:tag name="KSO_WM_BEAUTIFY_FLAG" val=""/>
 </p:tagLst>
 </file>
 
@@ -29819,6 +38443,68 @@
 </p:tagLst>
 </file>
 
+<file path=ppt/tags/tag160.xml><?xml version="1.0" encoding="utf-8"?>
+<p:tagLst xmlns:p="http://schemas.openxmlformats.org/presentationml/2006/main">
+  <p:tag name="KSO_WM_BEAUTIFY_FLAG" val=""/>
+</p:tagLst>
+</file>
+
+<file path=ppt/tags/tag161.xml><?xml version="1.0" encoding="utf-8"?>
+<p:tagLst xmlns:p="http://schemas.openxmlformats.org/presentationml/2006/main">
+  <p:tag name="KSO_WM_BEAUTIFY_FLAG" val=""/>
+</p:tagLst>
+</file>
+
+<file path=ppt/tags/tag162.xml><?xml version="1.0" encoding="utf-8"?>
+<p:tagLst xmlns:p="http://schemas.openxmlformats.org/presentationml/2006/main">
+  <p:tag name="KSO_WM_BEAUTIFY_FLAG" val=""/>
+</p:tagLst>
+</file>
+
+<file path=ppt/tags/tag163.xml><?xml version="1.0" encoding="utf-8"?>
+<p:tagLst xmlns:p="http://schemas.openxmlformats.org/presentationml/2006/main">
+  <p:tag name="KSO_WM_BEAUTIFY_FLAG" val=""/>
+</p:tagLst>
+</file>
+
+<file path=ppt/tags/tag164.xml><?xml version="1.0" encoding="utf-8"?>
+<p:tagLst xmlns:p="http://schemas.openxmlformats.org/presentationml/2006/main">
+  <p:tag name="KSO_WM_BEAUTIFY_FLAG" val="#wm#"/>
+  <p:tag name="KSO_WM_TEMPLATE_CATEGORY" val="custom"/>
+  <p:tag name="KSO_WM_TEMPLATE_INDEX" val="20205176"/>
+</p:tagLst>
+</file>
+
+<file path=ppt/tags/tag165.xml><?xml version="1.0" encoding="utf-8"?>
+<p:tagLst xmlns:p="http://schemas.openxmlformats.org/presentationml/2006/main">
+  <p:tag name="KSO_WM_BEAUTIFY_FLAG" val=""/>
+</p:tagLst>
+</file>
+
+<file path=ppt/tags/tag166.xml><?xml version="1.0" encoding="utf-8"?>
+<p:tagLst xmlns:p="http://schemas.openxmlformats.org/presentationml/2006/main">
+  <p:tag name="KSO_WM_BEAUTIFY_FLAG" val=""/>
+</p:tagLst>
+</file>
+
+<file path=ppt/tags/tag167.xml><?xml version="1.0" encoding="utf-8"?>
+<p:tagLst xmlns:p="http://schemas.openxmlformats.org/presentationml/2006/main">
+  <p:tag name="KSO_WM_BEAUTIFY_FLAG" val=""/>
+</p:tagLst>
+</file>
+
+<file path=ppt/tags/tag168.xml><?xml version="1.0" encoding="utf-8"?>
+<p:tagLst xmlns:p="http://schemas.openxmlformats.org/presentationml/2006/main">
+  <p:tag name="KSO_WM_BEAUTIFY_FLAG" val=""/>
+</p:tagLst>
+</file>
+
+<file path=ppt/tags/tag169.xml><?xml version="1.0" encoding="utf-8"?>
+<p:tagLst xmlns:p="http://schemas.openxmlformats.org/presentationml/2006/main">
+  <p:tag name="KSO_WM_BEAUTIFY_FLAG" val=""/>
+</p:tagLst>
+</file>
+
 <file path=ppt/tags/tag17.xml><?xml version="1.0" encoding="utf-8"?>
 <p:tagLst xmlns:p="http://schemas.openxmlformats.org/presentationml/2006/main">
   <p:tag name="KSO_WM_UNIT_HIGHLIGHT" val="0"/>
@@ -29829,6 +38515,77 @@
   <p:tag name="KSO_WM_UNIT_LAYERLEVEL" val="1"/>
   <p:tag name="KSO_WM_TAG_VERSION" val="1.0"/>
   <p:tag name="KSO_WM_BEAUTIFY_FLAG" val="#wm#"/>
+</p:tagLst>
+</file>
+
+<file path=ppt/tags/tag170.xml><?xml version="1.0" encoding="utf-8"?>
+<p:tagLst xmlns:p="http://schemas.openxmlformats.org/presentationml/2006/main">
+  <p:tag name="KSO_WM_BEAUTIFY_FLAG" val=""/>
+</p:tagLst>
+</file>
+
+<file path=ppt/tags/tag171.xml><?xml version="1.0" encoding="utf-8"?>
+<p:tagLst xmlns:p="http://schemas.openxmlformats.org/presentationml/2006/main">
+  <p:tag name="KSO_WM_BEAUTIFY_FLAG" val=""/>
+</p:tagLst>
+</file>
+
+<file path=ppt/tags/tag172.xml><?xml version="1.0" encoding="utf-8"?>
+<p:tagLst xmlns:p="http://schemas.openxmlformats.org/presentationml/2006/main">
+  <p:tag name="KSO_WM_BEAUTIFY_FLAG" val=""/>
+</p:tagLst>
+</file>
+
+<file path=ppt/tags/tag173.xml><?xml version="1.0" encoding="utf-8"?>
+<p:tagLst xmlns:p="http://schemas.openxmlformats.org/presentationml/2006/main">
+  <p:tag name="KSO_WM_BEAUTIFY_FLAG" val=""/>
+</p:tagLst>
+</file>
+
+<file path=ppt/tags/tag174.xml><?xml version="1.0" encoding="utf-8"?>
+<p:tagLst xmlns:p="http://schemas.openxmlformats.org/presentationml/2006/main">
+  <p:tag name="KSO_WM_BEAUTIFY_FLAG" val=""/>
+</p:tagLst>
+</file>
+
+<file path=ppt/tags/tag175.xml><?xml version="1.0" encoding="utf-8"?>
+<p:tagLst xmlns:p="http://schemas.openxmlformats.org/presentationml/2006/main">
+  <p:tag name="KSO_WM_BEAUTIFY_FLAG" val="#wm#"/>
+  <p:tag name="KSO_WM_TEMPLATE_CATEGORY" val="custom"/>
+  <p:tag name="KSO_WM_TEMPLATE_INDEX" val="20205176"/>
+</p:tagLst>
+</file>
+
+<file path=ppt/tags/tag176.xml><?xml version="1.0" encoding="utf-8"?>
+<p:tagLst xmlns:p="http://schemas.openxmlformats.org/presentationml/2006/main">
+  <p:tag name="KSO_WM_UNIT_TABLE_BEAUTIFY" val="smartTable{df66b980-aacb-4eee-aca6-0fc2ad6bd351}"/>
+  <p:tag name="TABLE_ENDDRAG_ORIGIN_RECT" val="555*145"/>
+  <p:tag name="TABLE_ENDDRAG_RECT" val="71*12*555*145"/>
+  <p:tag name="KSO_WM_BEAUTIFY_FLAG" val=""/>
+</p:tagLst>
+</file>
+
+<file path=ppt/tags/tag177.xml><?xml version="1.0" encoding="utf-8"?>
+<p:tagLst xmlns:p="http://schemas.openxmlformats.org/presentationml/2006/main">
+  <p:tag name="KSO_WM_UNIT_TABLE_BEAUTIFY" val="smartTable{29220afd-9d81-4b0e-b380-bad43e5111fd}"/>
+  <p:tag name="TABLE_ENDDRAG_ORIGIN_RECT" val="871*126"/>
+  <p:tag name="TABLE_ENDDRAG_RECT" val="69*215*871*126"/>
+  <p:tag name="KSO_WM_BEAUTIFY_FLAG" val=""/>
+</p:tagLst>
+</file>
+
+<file path=ppt/tags/tag178.xml><?xml version="1.0" encoding="utf-8"?>
+<p:tagLst xmlns:p="http://schemas.openxmlformats.org/presentationml/2006/main">
+  <p:tag name="KSO_WM_BEAUTIFY_FLAG" val="#wm#"/>
+  <p:tag name="KSO_WM_TEMPLATE_CATEGORY" val="custom"/>
+  <p:tag name="KSO_WM_TEMPLATE_INDEX" val="20205176"/>
+</p:tagLst>
+</file>
+
+<file path=ppt/tags/tag179.xml><?xml version="1.0" encoding="utf-8"?>
+<p:tagLst xmlns:p="http://schemas.openxmlformats.org/presentationml/2006/main">
+  <p:tag name="COMMONDATA" val="eyJoZGlkIjoiMGNiYmI5YWVjOTk5ZjZhOWZjNGUxNjlhNTAzYmI0NWQifQ=="/>
+  <p:tag name="KSO_WPP_MARK_KEY" val="8327d01d-3ae0-46df-9fbb-31ec0e670762"/>
 </p:tagLst>
 </file>
 
